--- a/UsingAngularAndHTTP.pptx
+++ b/UsingAngularAndHTTP.pptx
@@ -4,8 +4,21 @@
   <p:sldMasterIdLst>
     <p:sldMasterId id="2147483648" r:id="rId1"/>
   </p:sldMasterIdLst>
+  <p:notesMasterIdLst>
+    <p:notesMasterId r:id="rId13"/>
+  </p:notesMasterIdLst>
   <p:sldIdLst>
     <p:sldId id="256" r:id="rId2"/>
+    <p:sldId id="257" r:id="rId3"/>
+    <p:sldId id="258" r:id="rId4"/>
+    <p:sldId id="259" r:id="rId5"/>
+    <p:sldId id="260" r:id="rId6"/>
+    <p:sldId id="262" r:id="rId7"/>
+    <p:sldId id="263" r:id="rId8"/>
+    <p:sldId id="264" r:id="rId9"/>
+    <p:sldId id="265" r:id="rId10"/>
+    <p:sldId id="261" r:id="rId11"/>
+    <p:sldId id="266" r:id="rId12"/>
   </p:sldIdLst>
   <p:sldSz cx="12192000" cy="6858000"/>
   <p:notesSz cx="6858000" cy="9144000"/>
@@ -104,7 +117,4823 @@
       </a:defRPr>
     </a:lvl9pPr>
   </p:defaultTextStyle>
+  <p:extLst>
+    <p:ext uri="{EFAFB233-063F-42B5-8137-9DF3F51BA10A}">
+      <p15:sldGuideLst xmlns:p15="http://schemas.microsoft.com/office/powerpoint/2012/main"/>
+    </p:ext>
+  </p:extLst>
 </p:presentation>
+</file>
+
+<file path=ppt/notesMasters/notesMaster1.xml><?xml version="1.0" encoding="utf-8"?>
+<p:notesMaster xmlns:a="http://schemas.openxmlformats.org/drawingml/2006/main" xmlns:r="http://schemas.openxmlformats.org/officeDocument/2006/relationships" xmlns:p="http://schemas.openxmlformats.org/presentationml/2006/main">
+  <p:cSld>
+    <p:bg>
+      <p:bgRef idx="1001">
+        <a:schemeClr val="bg1"/>
+      </p:bgRef>
+    </p:bg>
+    <p:spTree>
+      <p:nvGrpSpPr>
+        <p:cNvPr id="1" name=""/>
+        <p:cNvGrpSpPr/>
+        <p:nvPr/>
+      </p:nvGrpSpPr>
+      <p:grpSpPr>
+        <a:xfrm>
+          <a:off x="0" y="0"/>
+          <a:ext cx="0" cy="0"/>
+          <a:chOff x="0" y="0"/>
+          <a:chExt cx="0" cy="0"/>
+        </a:xfrm>
+      </p:grpSpPr>
+      <p:sp>
+        <p:nvSpPr>
+          <p:cNvPr id="2" name="Header Placeholder 1"/>
+          <p:cNvSpPr>
+            <a:spLocks noGrp="1"/>
+          </p:cNvSpPr>
+          <p:nvPr>
+            <p:ph type="hdr" sz="quarter"/>
+          </p:nvPr>
+        </p:nvSpPr>
+        <p:spPr>
+          <a:xfrm>
+            <a:off x="0" y="0"/>
+            <a:ext cx="2971800" cy="458788"/>
+          </a:xfrm>
+          <a:prstGeom prst="rect">
+            <a:avLst/>
+          </a:prstGeom>
+        </p:spPr>
+        <p:txBody>
+          <a:bodyPr vert="horz" lIns="91440" tIns="45720" rIns="91440" bIns="45720" rtlCol="0"/>
+          <a:lstStyle>
+            <a:lvl1pPr algn="l">
+              <a:defRPr sz="1200"/>
+            </a:lvl1pPr>
+          </a:lstStyle>
+          <a:p>
+            <a:endParaRPr lang="en-US"/>
+          </a:p>
+        </p:txBody>
+      </p:sp>
+      <p:sp>
+        <p:nvSpPr>
+          <p:cNvPr id="3" name="Date Placeholder 2"/>
+          <p:cNvSpPr>
+            <a:spLocks noGrp="1"/>
+          </p:cNvSpPr>
+          <p:nvPr>
+            <p:ph type="dt" idx="1"/>
+          </p:nvPr>
+        </p:nvSpPr>
+        <p:spPr>
+          <a:xfrm>
+            <a:off x="3884613" y="0"/>
+            <a:ext cx="2971800" cy="458788"/>
+          </a:xfrm>
+          <a:prstGeom prst="rect">
+            <a:avLst/>
+          </a:prstGeom>
+        </p:spPr>
+        <p:txBody>
+          <a:bodyPr vert="horz" lIns="91440" tIns="45720" rIns="91440" bIns="45720" rtlCol="0"/>
+          <a:lstStyle>
+            <a:lvl1pPr algn="r">
+              <a:defRPr sz="1200"/>
+            </a:lvl1pPr>
+          </a:lstStyle>
+          <a:p>
+            <a:fld id="{4E5619CC-8DEB-4E79-8DF6-1A8981232640}" type="datetimeFigureOut">
+              <a:rPr lang="en-US" smtClean="0"/>
+              <a:t>5/15/2017</a:t>
+            </a:fld>
+            <a:endParaRPr lang="en-US"/>
+          </a:p>
+        </p:txBody>
+      </p:sp>
+      <p:sp>
+        <p:nvSpPr>
+          <p:cNvPr id="4" name="Slide Image Placeholder 3"/>
+          <p:cNvSpPr>
+            <a:spLocks noGrp="1" noRot="1" noChangeAspect="1"/>
+          </p:cNvSpPr>
+          <p:nvPr>
+            <p:ph type="sldImg" idx="2"/>
+          </p:nvPr>
+        </p:nvSpPr>
+        <p:spPr>
+          <a:xfrm>
+            <a:off x="685800" y="1143000"/>
+            <a:ext cx="5486400" cy="3086100"/>
+          </a:xfrm>
+          <a:prstGeom prst="rect">
+            <a:avLst/>
+          </a:prstGeom>
+          <a:noFill/>
+          <a:ln w="12700">
+            <a:solidFill>
+              <a:prstClr val="black"/>
+            </a:solidFill>
+          </a:ln>
+        </p:spPr>
+        <p:txBody>
+          <a:bodyPr vert="horz" lIns="91440" tIns="45720" rIns="91440" bIns="45720" rtlCol="0" anchor="ctr"/>
+          <a:lstStyle/>
+          <a:p>
+            <a:endParaRPr lang="en-US"/>
+          </a:p>
+        </p:txBody>
+      </p:sp>
+      <p:sp>
+        <p:nvSpPr>
+          <p:cNvPr id="5" name="Notes Placeholder 4"/>
+          <p:cNvSpPr>
+            <a:spLocks noGrp="1"/>
+          </p:cNvSpPr>
+          <p:nvPr>
+            <p:ph type="body" sz="quarter" idx="3"/>
+          </p:nvPr>
+        </p:nvSpPr>
+        <p:spPr>
+          <a:xfrm>
+            <a:off x="685800" y="4400550"/>
+            <a:ext cx="5486400" cy="3600450"/>
+          </a:xfrm>
+          <a:prstGeom prst="rect">
+            <a:avLst/>
+          </a:prstGeom>
+        </p:spPr>
+        <p:txBody>
+          <a:bodyPr vert="horz" lIns="91440" tIns="45720" rIns="91440" bIns="45720" rtlCol="0"/>
+          <a:lstStyle/>
+          <a:p>
+            <a:pPr lvl="0"/>
+            <a:r>
+              <a:rPr lang="en-US" smtClean="0"/>
+              <a:t>Edit Master text styles</a:t>
+            </a:r>
+          </a:p>
+          <a:p>
+            <a:pPr lvl="1"/>
+            <a:r>
+              <a:rPr lang="en-US" smtClean="0"/>
+              <a:t>Second level</a:t>
+            </a:r>
+          </a:p>
+          <a:p>
+            <a:pPr lvl="2"/>
+            <a:r>
+              <a:rPr lang="en-US" smtClean="0"/>
+              <a:t>Third level</a:t>
+            </a:r>
+          </a:p>
+          <a:p>
+            <a:pPr lvl="3"/>
+            <a:r>
+              <a:rPr lang="en-US" smtClean="0"/>
+              <a:t>Fourth level</a:t>
+            </a:r>
+          </a:p>
+          <a:p>
+            <a:pPr lvl="4"/>
+            <a:r>
+              <a:rPr lang="en-US" smtClean="0"/>
+              <a:t>Fifth level</a:t>
+            </a:r>
+            <a:endParaRPr lang="en-US"/>
+          </a:p>
+        </p:txBody>
+      </p:sp>
+      <p:sp>
+        <p:nvSpPr>
+          <p:cNvPr id="6" name="Footer Placeholder 5"/>
+          <p:cNvSpPr>
+            <a:spLocks noGrp="1"/>
+          </p:cNvSpPr>
+          <p:nvPr>
+            <p:ph type="ftr" sz="quarter" idx="4"/>
+          </p:nvPr>
+        </p:nvSpPr>
+        <p:spPr>
+          <a:xfrm>
+            <a:off x="0" y="8685213"/>
+            <a:ext cx="2971800" cy="458787"/>
+          </a:xfrm>
+          <a:prstGeom prst="rect">
+            <a:avLst/>
+          </a:prstGeom>
+        </p:spPr>
+        <p:txBody>
+          <a:bodyPr vert="horz" lIns="91440" tIns="45720" rIns="91440" bIns="45720" rtlCol="0" anchor="b"/>
+          <a:lstStyle>
+            <a:lvl1pPr algn="l">
+              <a:defRPr sz="1200"/>
+            </a:lvl1pPr>
+          </a:lstStyle>
+          <a:p>
+            <a:endParaRPr lang="en-US"/>
+          </a:p>
+        </p:txBody>
+      </p:sp>
+      <p:sp>
+        <p:nvSpPr>
+          <p:cNvPr id="7" name="Slide Number Placeholder 6"/>
+          <p:cNvSpPr>
+            <a:spLocks noGrp="1"/>
+          </p:cNvSpPr>
+          <p:nvPr>
+            <p:ph type="sldNum" sz="quarter" idx="5"/>
+          </p:nvPr>
+        </p:nvSpPr>
+        <p:spPr>
+          <a:xfrm>
+            <a:off x="3884613" y="8685213"/>
+            <a:ext cx="2971800" cy="458787"/>
+          </a:xfrm>
+          <a:prstGeom prst="rect">
+            <a:avLst/>
+          </a:prstGeom>
+        </p:spPr>
+        <p:txBody>
+          <a:bodyPr vert="horz" lIns="91440" tIns="45720" rIns="91440" bIns="45720" rtlCol="0" anchor="b"/>
+          <a:lstStyle>
+            <a:lvl1pPr algn="r">
+              <a:defRPr sz="1200"/>
+            </a:lvl1pPr>
+          </a:lstStyle>
+          <a:p>
+            <a:fld id="{9C7E34CB-FAA9-46AF-804F-C5D35C87E069}" type="slidenum">
+              <a:rPr lang="en-US" smtClean="0"/>
+              <a:t>‹#›</a:t>
+            </a:fld>
+            <a:endParaRPr lang="en-US"/>
+          </a:p>
+        </p:txBody>
+      </p:sp>
+    </p:spTree>
+    <p:extLst>
+      <p:ext uri="{BB962C8B-B14F-4D97-AF65-F5344CB8AC3E}">
+        <p14:creationId xmlns:p14="http://schemas.microsoft.com/office/powerpoint/2010/main" val="1478948240"/>
+      </p:ext>
+    </p:extLst>
+  </p:cSld>
+  <p:clrMap bg1="lt1" tx1="dk1" bg2="lt2" tx2="dk2" accent1="accent1" accent2="accent2" accent3="accent3" accent4="accent4" accent5="accent5" accent6="accent6" hlink="hlink" folHlink="folHlink"/>
+  <p:notesStyle>
+    <a:lvl1pPr marL="0" algn="l" defTabSz="914400" rtl="0" eaLnBrk="1" latinLnBrk="0" hangingPunct="1">
+      <a:defRPr sz="1200" kern="1200">
+        <a:solidFill>
+          <a:schemeClr val="tx1"/>
+        </a:solidFill>
+        <a:latin typeface="+mn-lt"/>
+        <a:ea typeface="+mn-ea"/>
+        <a:cs typeface="+mn-cs"/>
+      </a:defRPr>
+    </a:lvl1pPr>
+    <a:lvl2pPr marL="457200" algn="l" defTabSz="914400" rtl="0" eaLnBrk="1" latinLnBrk="0" hangingPunct="1">
+      <a:defRPr sz="1200" kern="1200">
+        <a:solidFill>
+          <a:schemeClr val="tx1"/>
+        </a:solidFill>
+        <a:latin typeface="+mn-lt"/>
+        <a:ea typeface="+mn-ea"/>
+        <a:cs typeface="+mn-cs"/>
+      </a:defRPr>
+    </a:lvl2pPr>
+    <a:lvl3pPr marL="914400" algn="l" defTabSz="914400" rtl="0" eaLnBrk="1" latinLnBrk="0" hangingPunct="1">
+      <a:defRPr sz="1200" kern="1200">
+        <a:solidFill>
+          <a:schemeClr val="tx1"/>
+        </a:solidFill>
+        <a:latin typeface="+mn-lt"/>
+        <a:ea typeface="+mn-ea"/>
+        <a:cs typeface="+mn-cs"/>
+      </a:defRPr>
+    </a:lvl3pPr>
+    <a:lvl4pPr marL="1371600" algn="l" defTabSz="914400" rtl="0" eaLnBrk="1" latinLnBrk="0" hangingPunct="1">
+      <a:defRPr sz="1200" kern="1200">
+        <a:solidFill>
+          <a:schemeClr val="tx1"/>
+        </a:solidFill>
+        <a:latin typeface="+mn-lt"/>
+        <a:ea typeface="+mn-ea"/>
+        <a:cs typeface="+mn-cs"/>
+      </a:defRPr>
+    </a:lvl4pPr>
+    <a:lvl5pPr marL="1828800" algn="l" defTabSz="914400" rtl="0" eaLnBrk="1" latinLnBrk="0" hangingPunct="1">
+      <a:defRPr sz="1200" kern="1200">
+        <a:solidFill>
+          <a:schemeClr val="tx1"/>
+        </a:solidFill>
+        <a:latin typeface="+mn-lt"/>
+        <a:ea typeface="+mn-ea"/>
+        <a:cs typeface="+mn-cs"/>
+      </a:defRPr>
+    </a:lvl5pPr>
+    <a:lvl6pPr marL="2286000" algn="l" defTabSz="914400" rtl="0" eaLnBrk="1" latinLnBrk="0" hangingPunct="1">
+      <a:defRPr sz="1200" kern="1200">
+        <a:solidFill>
+          <a:schemeClr val="tx1"/>
+        </a:solidFill>
+        <a:latin typeface="+mn-lt"/>
+        <a:ea typeface="+mn-ea"/>
+        <a:cs typeface="+mn-cs"/>
+      </a:defRPr>
+    </a:lvl6pPr>
+    <a:lvl7pPr marL="2743200" algn="l" defTabSz="914400" rtl="0" eaLnBrk="1" latinLnBrk="0" hangingPunct="1">
+      <a:defRPr sz="1200" kern="1200">
+        <a:solidFill>
+          <a:schemeClr val="tx1"/>
+        </a:solidFill>
+        <a:latin typeface="+mn-lt"/>
+        <a:ea typeface="+mn-ea"/>
+        <a:cs typeface="+mn-cs"/>
+      </a:defRPr>
+    </a:lvl7pPr>
+    <a:lvl8pPr marL="3200400" algn="l" defTabSz="914400" rtl="0" eaLnBrk="1" latinLnBrk="0" hangingPunct="1">
+      <a:defRPr sz="1200" kern="1200">
+        <a:solidFill>
+          <a:schemeClr val="tx1"/>
+        </a:solidFill>
+        <a:latin typeface="+mn-lt"/>
+        <a:ea typeface="+mn-ea"/>
+        <a:cs typeface="+mn-cs"/>
+      </a:defRPr>
+    </a:lvl8pPr>
+    <a:lvl9pPr marL="3657600" algn="l" defTabSz="914400" rtl="0" eaLnBrk="1" latinLnBrk="0" hangingPunct="1">
+      <a:defRPr sz="1200" kern="1200">
+        <a:solidFill>
+          <a:schemeClr val="tx1"/>
+        </a:solidFill>
+        <a:latin typeface="+mn-lt"/>
+        <a:ea typeface="+mn-ea"/>
+        <a:cs typeface="+mn-cs"/>
+      </a:defRPr>
+    </a:lvl9pPr>
+  </p:notesStyle>
+</p:notesMaster>
+</file>
+
+<file path=ppt/notesSlides/notesSlide1.xml><?xml version="1.0" encoding="utf-8"?>
+<p:notes xmlns:a="http://schemas.openxmlformats.org/drawingml/2006/main" xmlns:r="http://schemas.openxmlformats.org/officeDocument/2006/relationships" xmlns:p="http://schemas.openxmlformats.org/presentationml/2006/main">
+  <p:cSld>
+    <p:spTree>
+      <p:nvGrpSpPr>
+        <p:cNvPr id="1" name=""/>
+        <p:cNvGrpSpPr/>
+        <p:nvPr/>
+      </p:nvGrpSpPr>
+      <p:grpSpPr>
+        <a:xfrm>
+          <a:off x="0" y="0"/>
+          <a:ext cx="0" cy="0"/>
+          <a:chOff x="0" y="0"/>
+          <a:chExt cx="0" cy="0"/>
+        </a:xfrm>
+      </p:grpSpPr>
+      <p:sp>
+        <p:nvSpPr>
+          <p:cNvPr id="2" name="Slide Image Placeholder 1"/>
+          <p:cNvSpPr>
+            <a:spLocks noGrp="1" noRot="1" noChangeAspect="1"/>
+          </p:cNvSpPr>
+          <p:nvPr>
+            <p:ph type="sldImg"/>
+          </p:nvPr>
+        </p:nvSpPr>
+        <p:spPr/>
+      </p:sp>
+      <p:sp>
+        <p:nvSpPr>
+          <p:cNvPr id="3" name="Notes Placeholder 2"/>
+          <p:cNvSpPr>
+            <a:spLocks noGrp="1"/>
+          </p:cNvSpPr>
+          <p:nvPr>
+            <p:ph type="body" idx="1"/>
+          </p:nvPr>
+        </p:nvSpPr>
+        <p:spPr/>
+        <p:txBody>
+          <a:bodyPr/>
+          <a:lstStyle/>
+          <a:p>
+            <a:r>
+              <a:rPr lang="en-US" dirty="0" smtClean="0"/>
+              <a:t>In</a:t>
+            </a:r>
+            <a:r>
+              <a:rPr lang="en-US" baseline="0" dirty="0" smtClean="0"/>
+              <a:t> my case, it is: C:\Users\eeb1114\Documents\Learning\AngularPresentation\quickstart-master</a:t>
+            </a:r>
+            <a:endParaRPr lang="en-US" dirty="0"/>
+          </a:p>
+        </p:txBody>
+      </p:sp>
+      <p:sp>
+        <p:nvSpPr>
+          <p:cNvPr id="4" name="Slide Number Placeholder 3"/>
+          <p:cNvSpPr>
+            <a:spLocks noGrp="1"/>
+          </p:cNvSpPr>
+          <p:nvPr>
+            <p:ph type="sldNum" sz="quarter" idx="10"/>
+          </p:nvPr>
+        </p:nvSpPr>
+        <p:spPr/>
+        <p:txBody>
+          <a:bodyPr/>
+          <a:lstStyle/>
+          <a:p>
+            <a:fld id="{9C7E34CB-FAA9-46AF-804F-C5D35C87E069}" type="slidenum">
+              <a:rPr lang="en-US" smtClean="0"/>
+              <a:t>3</a:t>
+            </a:fld>
+            <a:endParaRPr lang="en-US"/>
+          </a:p>
+        </p:txBody>
+      </p:sp>
+    </p:spTree>
+    <p:extLst>
+      <p:ext uri="{BB962C8B-B14F-4D97-AF65-F5344CB8AC3E}">
+        <p14:creationId xmlns:p14="http://schemas.microsoft.com/office/powerpoint/2010/main" val="4156202627"/>
+      </p:ext>
+    </p:extLst>
+  </p:cSld>
+  <p:clrMapOvr>
+    <a:masterClrMapping/>
+  </p:clrMapOvr>
+</p:notes>
+</file>
+
+<file path=ppt/notesSlides/notesSlide2.xml><?xml version="1.0" encoding="utf-8"?>
+<p:notes xmlns:a="http://schemas.openxmlformats.org/drawingml/2006/main" xmlns:r="http://schemas.openxmlformats.org/officeDocument/2006/relationships" xmlns:p="http://schemas.openxmlformats.org/presentationml/2006/main">
+  <p:cSld>
+    <p:spTree>
+      <p:nvGrpSpPr>
+        <p:cNvPr id="1" name=""/>
+        <p:cNvGrpSpPr/>
+        <p:nvPr/>
+      </p:nvGrpSpPr>
+      <p:grpSpPr>
+        <a:xfrm>
+          <a:off x="0" y="0"/>
+          <a:ext cx="0" cy="0"/>
+          <a:chOff x="0" y="0"/>
+          <a:chExt cx="0" cy="0"/>
+        </a:xfrm>
+      </p:grpSpPr>
+      <p:sp>
+        <p:nvSpPr>
+          <p:cNvPr id="2" name="Slide Image Placeholder 1"/>
+          <p:cNvSpPr>
+            <a:spLocks noGrp="1" noRot="1" noChangeAspect="1"/>
+          </p:cNvSpPr>
+          <p:nvPr>
+            <p:ph type="sldImg"/>
+          </p:nvPr>
+        </p:nvSpPr>
+        <p:spPr/>
+      </p:sp>
+      <p:sp>
+        <p:nvSpPr>
+          <p:cNvPr id="3" name="Notes Placeholder 2"/>
+          <p:cNvSpPr>
+            <a:spLocks noGrp="1"/>
+          </p:cNvSpPr>
+          <p:nvPr>
+            <p:ph type="body" idx="1"/>
+          </p:nvPr>
+        </p:nvSpPr>
+        <p:spPr/>
+        <p:txBody>
+          <a:bodyPr/>
+          <a:lstStyle/>
+          <a:p>
+            <a:pPr marL="0" marR="0" lvl="0" indent="0" algn="l" defTabSz="914400" rtl="0" eaLnBrk="1" fontAlgn="auto" latinLnBrk="0" hangingPunct="1">
+              <a:lnSpc>
+                <a:spcPct val="100000"/>
+              </a:lnSpc>
+              <a:spcBef>
+                <a:spcPts val="0"/>
+              </a:spcBef>
+              <a:spcAft>
+                <a:spcPts val="0"/>
+              </a:spcAft>
+              <a:buClrTx/>
+              <a:buSzTx/>
+              <a:buFontTx/>
+              <a:buNone/>
+              <a:tabLst/>
+              <a:defRPr/>
+            </a:pPr>
+            <a:endParaRPr lang="en-US" dirty="0" smtClean="0"/>
+          </a:p>
+        </p:txBody>
+      </p:sp>
+      <p:sp>
+        <p:nvSpPr>
+          <p:cNvPr id="4" name="Slide Number Placeholder 3"/>
+          <p:cNvSpPr>
+            <a:spLocks noGrp="1"/>
+          </p:cNvSpPr>
+          <p:nvPr>
+            <p:ph type="sldNum" sz="quarter" idx="10"/>
+          </p:nvPr>
+        </p:nvSpPr>
+        <p:spPr/>
+        <p:txBody>
+          <a:bodyPr/>
+          <a:lstStyle/>
+          <a:p>
+            <a:fld id="{9C7E34CB-FAA9-46AF-804F-C5D35C87E069}" type="slidenum">
+              <a:rPr lang="en-US" smtClean="0"/>
+              <a:t>4</a:t>
+            </a:fld>
+            <a:endParaRPr lang="en-US"/>
+          </a:p>
+        </p:txBody>
+      </p:sp>
+    </p:spTree>
+    <p:extLst>
+      <p:ext uri="{BB962C8B-B14F-4D97-AF65-F5344CB8AC3E}">
+        <p14:creationId xmlns:p14="http://schemas.microsoft.com/office/powerpoint/2010/main" val="390825506"/>
+      </p:ext>
+    </p:extLst>
+  </p:cSld>
+  <p:clrMapOvr>
+    <a:masterClrMapping/>
+  </p:clrMapOvr>
+</p:notes>
+</file>
+
+<file path=ppt/notesSlides/notesSlide3.xml><?xml version="1.0" encoding="utf-8"?>
+<p:notes xmlns:a="http://schemas.openxmlformats.org/drawingml/2006/main" xmlns:r="http://schemas.openxmlformats.org/officeDocument/2006/relationships" xmlns:p="http://schemas.openxmlformats.org/presentationml/2006/main">
+  <p:cSld>
+    <p:spTree>
+      <p:nvGrpSpPr>
+        <p:cNvPr id="1" name=""/>
+        <p:cNvGrpSpPr/>
+        <p:nvPr/>
+      </p:nvGrpSpPr>
+      <p:grpSpPr>
+        <a:xfrm>
+          <a:off x="0" y="0"/>
+          <a:ext cx="0" cy="0"/>
+          <a:chOff x="0" y="0"/>
+          <a:chExt cx="0" cy="0"/>
+        </a:xfrm>
+      </p:grpSpPr>
+      <p:sp>
+        <p:nvSpPr>
+          <p:cNvPr id="2" name="Slide Image Placeholder 1"/>
+          <p:cNvSpPr>
+            <a:spLocks noGrp="1" noRot="1" noChangeAspect="1"/>
+          </p:cNvSpPr>
+          <p:nvPr>
+            <p:ph type="sldImg"/>
+          </p:nvPr>
+        </p:nvSpPr>
+        <p:spPr/>
+      </p:sp>
+      <p:sp>
+        <p:nvSpPr>
+          <p:cNvPr id="3" name="Notes Placeholder 2"/>
+          <p:cNvSpPr>
+            <a:spLocks noGrp="1"/>
+          </p:cNvSpPr>
+          <p:nvPr>
+            <p:ph type="body" idx="1"/>
+          </p:nvPr>
+        </p:nvSpPr>
+        <p:spPr/>
+        <p:txBody>
+          <a:bodyPr/>
+          <a:lstStyle/>
+          <a:p>
+            <a:r>
+              <a:rPr lang="en-US" b="0" dirty="0" smtClean="0"/>
+              <a:t>export interface Person {</a:t>
+            </a:r>
+          </a:p>
+          <a:p>
+            <a:r>
+              <a:rPr lang="en-US" b="0" dirty="0" smtClean="0"/>
+              <a:t>  id: number;</a:t>
+            </a:r>
+          </a:p>
+          <a:p>
+            <a:r>
+              <a:rPr lang="en-US" b="0" dirty="0" smtClean="0"/>
+              <a:t>  name: string;</a:t>
+            </a:r>
+          </a:p>
+          <a:p>
+            <a:r>
+              <a:rPr lang="en-US" b="0" dirty="0" smtClean="0"/>
+              <a:t>  weight: number;</a:t>
+            </a:r>
+          </a:p>
+          <a:p>
+            <a:r>
+              <a:rPr lang="en-US" b="0" dirty="0" smtClean="0"/>
+              <a:t>  height: number;</a:t>
+            </a:r>
+          </a:p>
+          <a:p>
+            <a:r>
+              <a:rPr lang="en-US" b="0" dirty="0" smtClean="0"/>
+              <a:t>  gender: string;</a:t>
+            </a:r>
+          </a:p>
+          <a:p>
+            <a:r>
+              <a:rPr lang="en-US" b="0" dirty="0" smtClean="0"/>
+              <a:t>}</a:t>
+            </a:r>
+          </a:p>
+          <a:p>
+            <a:endParaRPr lang="en-US" b="0" dirty="0" smtClean="0"/>
+          </a:p>
+          <a:p>
+            <a:r>
+              <a:rPr lang="en-US" b="0" dirty="0" smtClean="0"/>
+              <a:t>==============</a:t>
+            </a:r>
+          </a:p>
+          <a:p>
+            <a:r>
+              <a:rPr lang="en-US" b="0" dirty="0" smtClean="0"/>
+              <a:t>import { Injectable } from '@angular/core';</a:t>
+            </a:r>
+          </a:p>
+          <a:p>
+            <a:r>
+              <a:rPr lang="en-US" b="0" dirty="0" smtClean="0"/>
+              <a:t>import { Http, Response, Headers} from '@angular/http';</a:t>
+            </a:r>
+          </a:p>
+          <a:p>
+            <a:r>
+              <a:rPr lang="en-US" b="0" dirty="0" smtClean="0"/>
+              <a:t>import { Observable } from '</a:t>
+            </a:r>
+            <a:r>
+              <a:rPr lang="en-US" b="0" dirty="0" err="1" smtClean="0"/>
+              <a:t>rxjs</a:t>
+            </a:r>
+            <a:r>
+              <a:rPr lang="en-US" b="0" dirty="0" smtClean="0"/>
+              <a:t>/Rx';</a:t>
+            </a:r>
+          </a:p>
+          <a:p>
+            <a:r>
+              <a:rPr lang="en-US" b="0" dirty="0" smtClean="0"/>
+              <a:t>import { Person } from './person';</a:t>
+            </a:r>
+          </a:p>
+          <a:p>
+            <a:endParaRPr lang="en-US" b="0" dirty="0" smtClean="0"/>
+          </a:p>
+          <a:p>
+            <a:r>
+              <a:rPr lang="en-US" b="0" dirty="0" smtClean="0"/>
+              <a:t>@Injectable()</a:t>
+            </a:r>
+          </a:p>
+          <a:p>
+            <a:r>
+              <a:rPr lang="en-US" b="0" dirty="0" smtClean="0"/>
+              <a:t>export class </a:t>
+            </a:r>
+            <a:r>
+              <a:rPr lang="en-US" b="0" dirty="0" err="1" smtClean="0"/>
+              <a:t>PeopleService</a:t>
+            </a:r>
+            <a:r>
+              <a:rPr lang="en-US" b="0" dirty="0" smtClean="0"/>
+              <a:t> {</a:t>
+            </a:r>
+          </a:p>
+          <a:p>
+            <a:r>
+              <a:rPr lang="en-US" b="0" dirty="0" smtClean="0"/>
+              <a:t>  private </a:t>
+            </a:r>
+            <a:r>
+              <a:rPr lang="en-US" b="0" dirty="0" err="1" smtClean="0"/>
+              <a:t>baseUrl</a:t>
+            </a:r>
+            <a:r>
+              <a:rPr lang="en-US" b="0" dirty="0" smtClean="0"/>
+              <a:t>: string = 'http://swapi.co/</a:t>
+            </a:r>
+            <a:r>
+              <a:rPr lang="en-US" b="0" dirty="0" err="1" smtClean="0"/>
+              <a:t>api</a:t>
+            </a:r>
+            <a:r>
+              <a:rPr lang="en-US" b="0" dirty="0" smtClean="0"/>
+              <a:t>';</a:t>
+            </a:r>
+          </a:p>
+          <a:p>
+            <a:endParaRPr lang="en-US" b="0" dirty="0" smtClean="0"/>
+          </a:p>
+          <a:p>
+            <a:r>
+              <a:rPr lang="en-US" b="0" dirty="0" smtClean="0"/>
+              <a:t>  constructor(private http: Http) {</a:t>
+            </a:r>
+          </a:p>
+          <a:p>
+            <a:r>
+              <a:rPr lang="en-US" b="0" dirty="0" smtClean="0"/>
+              <a:t>  }</a:t>
+            </a:r>
+          </a:p>
+          <a:p>
+            <a:endParaRPr lang="en-US" b="0" dirty="0" smtClean="0"/>
+          </a:p>
+          <a:p>
+            <a:r>
+              <a:rPr lang="en-US" b="0" dirty="0" smtClean="0"/>
+              <a:t>  </a:t>
+            </a:r>
+            <a:r>
+              <a:rPr lang="en-US" b="0" dirty="0" err="1" smtClean="0"/>
+              <a:t>getAll</a:t>
+            </a:r>
+            <a:r>
+              <a:rPr lang="en-US" b="0" dirty="0" smtClean="0"/>
+              <a:t>(): Observable&lt;Person[]&gt; {</a:t>
+            </a:r>
+          </a:p>
+          <a:p>
+            <a:r>
+              <a:rPr lang="en-US" b="0" dirty="0" smtClean="0"/>
+              <a:t>    let people$ = </a:t>
+            </a:r>
+            <a:r>
+              <a:rPr lang="en-US" b="0" dirty="0" err="1" smtClean="0"/>
+              <a:t>this.http</a:t>
+            </a:r>
+            <a:endParaRPr lang="en-US" b="0" dirty="0" smtClean="0"/>
+          </a:p>
+          <a:p>
+            <a:r>
+              <a:rPr lang="en-US" b="0" dirty="0" smtClean="0"/>
+              <a:t>      .get(`${</a:t>
+            </a:r>
+            <a:r>
+              <a:rPr lang="en-US" b="0" dirty="0" err="1" smtClean="0"/>
+              <a:t>this.baseUrl</a:t>
+            </a:r>
+            <a:r>
+              <a:rPr lang="en-US" b="0" dirty="0" smtClean="0"/>
+              <a:t>}/people`, {headers: </a:t>
+            </a:r>
+            <a:r>
+              <a:rPr lang="en-US" b="0" dirty="0" err="1" smtClean="0"/>
+              <a:t>this.getHeaders</a:t>
+            </a:r>
+            <a:r>
+              <a:rPr lang="en-US" b="0" dirty="0" smtClean="0"/>
+              <a:t>()})</a:t>
+            </a:r>
+          </a:p>
+          <a:p>
+            <a:r>
+              <a:rPr lang="en-US" b="0" dirty="0" smtClean="0"/>
+              <a:t>      .map(</a:t>
+            </a:r>
+            <a:r>
+              <a:rPr lang="en-US" b="0" dirty="0" err="1" smtClean="0"/>
+              <a:t>mapPersons</a:t>
+            </a:r>
+            <a:r>
+              <a:rPr lang="en-US" b="0" dirty="0" smtClean="0"/>
+              <a:t>)</a:t>
+            </a:r>
+          </a:p>
+          <a:p>
+            <a:r>
+              <a:rPr lang="en-US" b="0" dirty="0" smtClean="0"/>
+              <a:t>      .catch(</a:t>
+            </a:r>
+            <a:r>
+              <a:rPr lang="en-US" b="0" dirty="0" err="1" smtClean="0"/>
+              <a:t>handleError</a:t>
+            </a:r>
+            <a:r>
+              <a:rPr lang="en-US" b="0" dirty="0" smtClean="0"/>
+              <a:t>);</a:t>
+            </a:r>
+          </a:p>
+          <a:p>
+            <a:r>
+              <a:rPr lang="en-US" b="0" dirty="0" smtClean="0"/>
+              <a:t>    return people$;</a:t>
+            </a:r>
+          </a:p>
+          <a:p>
+            <a:r>
+              <a:rPr lang="en-US" b="0" dirty="0" smtClean="0"/>
+              <a:t>  }</a:t>
+            </a:r>
+          </a:p>
+          <a:p>
+            <a:endParaRPr lang="en-US" b="0" dirty="0" smtClean="0"/>
+          </a:p>
+          <a:p>
+            <a:r>
+              <a:rPr lang="en-US" b="0" dirty="0" smtClean="0"/>
+              <a:t>  get(id: number): Observable&lt;Person&gt; {</a:t>
+            </a:r>
+          </a:p>
+          <a:p>
+            <a:r>
+              <a:rPr lang="en-US" b="0" dirty="0" smtClean="0"/>
+              <a:t>    let person$ = </a:t>
+            </a:r>
+            <a:r>
+              <a:rPr lang="en-US" b="0" dirty="0" err="1" smtClean="0"/>
+              <a:t>this.http</a:t>
+            </a:r>
+            <a:endParaRPr lang="en-US" b="0" dirty="0" smtClean="0"/>
+          </a:p>
+          <a:p>
+            <a:r>
+              <a:rPr lang="en-US" b="0" dirty="0" smtClean="0"/>
+              <a:t>      .get(`${</a:t>
+            </a:r>
+            <a:r>
+              <a:rPr lang="en-US" b="0" dirty="0" err="1" smtClean="0"/>
+              <a:t>this.baseUrl</a:t>
+            </a:r>
+            <a:r>
+              <a:rPr lang="en-US" b="0" dirty="0" smtClean="0"/>
+              <a:t>}/people/${id}`, {headers: </a:t>
+            </a:r>
+            <a:r>
+              <a:rPr lang="en-US" b="0" dirty="0" err="1" smtClean="0"/>
+              <a:t>this.getHeaders</a:t>
+            </a:r>
+            <a:r>
+              <a:rPr lang="en-US" b="0" dirty="0" smtClean="0"/>
+              <a:t>()})</a:t>
+            </a:r>
+          </a:p>
+          <a:p>
+            <a:r>
+              <a:rPr lang="en-US" b="0" dirty="0" smtClean="0"/>
+              <a:t>      .map(</a:t>
+            </a:r>
+            <a:r>
+              <a:rPr lang="en-US" b="0" dirty="0" err="1" smtClean="0"/>
+              <a:t>mapPerson</a:t>
+            </a:r>
+            <a:r>
+              <a:rPr lang="en-US" b="0" dirty="0" smtClean="0"/>
+              <a:t>);</a:t>
+            </a:r>
+          </a:p>
+          <a:p>
+            <a:r>
+              <a:rPr lang="en-US" b="0" dirty="0" smtClean="0"/>
+              <a:t>    return person$;</a:t>
+            </a:r>
+          </a:p>
+          <a:p>
+            <a:r>
+              <a:rPr lang="en-US" b="0" dirty="0" smtClean="0"/>
+              <a:t>  }</a:t>
+            </a:r>
+          </a:p>
+          <a:p>
+            <a:endParaRPr lang="en-US" b="0" dirty="0" smtClean="0"/>
+          </a:p>
+          <a:p>
+            <a:r>
+              <a:rPr lang="en-US" b="0" dirty="0" smtClean="0"/>
+              <a:t>  private </a:t>
+            </a:r>
+            <a:r>
+              <a:rPr lang="en-US" b="0" dirty="0" err="1" smtClean="0"/>
+              <a:t>getHeaders</a:t>
+            </a:r>
+            <a:r>
+              <a:rPr lang="en-US" b="0" dirty="0" smtClean="0"/>
+              <a:t>() {</a:t>
+            </a:r>
+          </a:p>
+          <a:p>
+            <a:r>
+              <a:rPr lang="en-US" b="0" dirty="0" smtClean="0"/>
+              <a:t>    let headers = new Headers();</a:t>
+            </a:r>
+          </a:p>
+          <a:p>
+            <a:r>
+              <a:rPr lang="en-US" b="0" dirty="0" smtClean="0"/>
+              <a:t>    </a:t>
+            </a:r>
+            <a:r>
+              <a:rPr lang="en-US" b="0" dirty="0" err="1" smtClean="0"/>
+              <a:t>headers.append</a:t>
+            </a:r>
+            <a:r>
+              <a:rPr lang="en-US" b="0" dirty="0" smtClean="0"/>
+              <a:t>('Accept', 'application/</a:t>
+            </a:r>
+            <a:r>
+              <a:rPr lang="en-US" b="0" dirty="0" err="1" smtClean="0"/>
+              <a:t>json</a:t>
+            </a:r>
+            <a:r>
+              <a:rPr lang="en-US" b="0" dirty="0" smtClean="0"/>
+              <a:t>');</a:t>
+            </a:r>
+          </a:p>
+          <a:p>
+            <a:r>
+              <a:rPr lang="en-US" b="0" dirty="0" smtClean="0"/>
+              <a:t>    return headers;</a:t>
+            </a:r>
+          </a:p>
+          <a:p>
+            <a:r>
+              <a:rPr lang="en-US" b="0" dirty="0" smtClean="0"/>
+              <a:t>  }</a:t>
+            </a:r>
+          </a:p>
+          <a:p>
+            <a:r>
+              <a:rPr lang="en-US" b="0" dirty="0" smtClean="0"/>
+              <a:t>}</a:t>
+            </a:r>
+          </a:p>
+          <a:p>
+            <a:endParaRPr lang="en-US" b="0" dirty="0" smtClean="0"/>
+          </a:p>
+          <a:p>
+            <a:r>
+              <a:rPr lang="en-US" b="0" dirty="0" smtClean="0"/>
+              <a:t>function </a:t>
+            </a:r>
+            <a:r>
+              <a:rPr lang="en-US" b="0" dirty="0" err="1" smtClean="0"/>
+              <a:t>mapPersons</a:t>
+            </a:r>
+            <a:r>
+              <a:rPr lang="en-US" b="0" dirty="0" smtClean="0"/>
+              <a:t>(response: Response): Person[] {</a:t>
+            </a:r>
+          </a:p>
+          <a:p>
+            <a:r>
+              <a:rPr lang="en-US" b="0" dirty="0" smtClean="0"/>
+              <a:t>  // uncomment to simulate error:</a:t>
+            </a:r>
+          </a:p>
+          <a:p>
+            <a:r>
+              <a:rPr lang="en-US" b="0" dirty="0" smtClean="0"/>
+              <a:t>  // throw new Error('ups! Force choke!');</a:t>
+            </a:r>
+          </a:p>
+          <a:p>
+            <a:endParaRPr lang="en-US" b="0" dirty="0" smtClean="0"/>
+          </a:p>
+          <a:p>
+            <a:r>
+              <a:rPr lang="en-US" b="0" dirty="0" smtClean="0"/>
+              <a:t>  // The response of the API has a results</a:t>
+            </a:r>
+          </a:p>
+          <a:p>
+            <a:r>
+              <a:rPr lang="en-US" b="0" dirty="0" smtClean="0"/>
+              <a:t>  // property with the actual results</a:t>
+            </a:r>
+          </a:p>
+          <a:p>
+            <a:r>
+              <a:rPr lang="en-US" b="0" dirty="0" smtClean="0"/>
+              <a:t>  return </a:t>
+            </a:r>
+            <a:r>
+              <a:rPr lang="en-US" b="0" dirty="0" err="1" smtClean="0"/>
+              <a:t>response.json</a:t>
+            </a:r>
+            <a:r>
+              <a:rPr lang="en-US" b="0" dirty="0" smtClean="0"/>
+              <a:t>().</a:t>
+            </a:r>
+            <a:r>
+              <a:rPr lang="en-US" b="0" dirty="0" err="1" smtClean="0"/>
+              <a:t>results.map</a:t>
+            </a:r>
+            <a:r>
+              <a:rPr lang="en-US" b="0" dirty="0" smtClean="0"/>
+              <a:t>(</a:t>
+            </a:r>
+            <a:r>
+              <a:rPr lang="en-US" b="0" dirty="0" err="1" smtClean="0"/>
+              <a:t>toPerson</a:t>
+            </a:r>
+            <a:r>
+              <a:rPr lang="en-US" b="0" dirty="0" smtClean="0"/>
+              <a:t>);</a:t>
+            </a:r>
+          </a:p>
+          <a:p>
+            <a:r>
+              <a:rPr lang="en-US" b="0" dirty="0" smtClean="0"/>
+              <a:t>}</a:t>
+            </a:r>
+          </a:p>
+          <a:p>
+            <a:endParaRPr lang="en-US" b="0" dirty="0" smtClean="0"/>
+          </a:p>
+          <a:p>
+            <a:r>
+              <a:rPr lang="en-US" b="0" dirty="0" smtClean="0"/>
+              <a:t>function </a:t>
+            </a:r>
+            <a:r>
+              <a:rPr lang="en-US" b="0" dirty="0" err="1" smtClean="0"/>
+              <a:t>toPerson</a:t>
+            </a:r>
+            <a:r>
+              <a:rPr lang="en-US" b="0" dirty="0" smtClean="0"/>
+              <a:t>(r: any): Person {</a:t>
+            </a:r>
+          </a:p>
+          <a:p>
+            <a:r>
+              <a:rPr lang="en-US" b="0" dirty="0" smtClean="0"/>
+              <a:t>  let person = &lt;Person&gt;({</a:t>
+            </a:r>
+          </a:p>
+          <a:p>
+            <a:r>
+              <a:rPr lang="en-US" b="0" dirty="0" smtClean="0"/>
+              <a:t>    id: </a:t>
+            </a:r>
+            <a:r>
+              <a:rPr lang="en-US" b="0" dirty="0" err="1" smtClean="0"/>
+              <a:t>extractId</a:t>
+            </a:r>
+            <a:r>
+              <a:rPr lang="en-US" b="0" dirty="0" smtClean="0"/>
+              <a:t>(r),</a:t>
+            </a:r>
+          </a:p>
+          <a:p>
+            <a:r>
+              <a:rPr lang="en-US" b="0" dirty="0" smtClean="0"/>
+              <a:t>    url: r.url,</a:t>
+            </a:r>
+          </a:p>
+          <a:p>
+            <a:r>
+              <a:rPr lang="en-US" b="0" dirty="0" smtClean="0"/>
+              <a:t>    name: r.name,</a:t>
+            </a:r>
+          </a:p>
+          <a:p>
+            <a:r>
+              <a:rPr lang="en-US" b="0" dirty="0" smtClean="0"/>
+              <a:t>    weight: </a:t>
+            </a:r>
+            <a:r>
+              <a:rPr lang="en-US" b="0" dirty="0" err="1" smtClean="0"/>
+              <a:t>r.mass</a:t>
+            </a:r>
+            <a:r>
+              <a:rPr lang="en-US" b="0" dirty="0" smtClean="0"/>
+              <a:t>,</a:t>
+            </a:r>
+          </a:p>
+          <a:p>
+            <a:r>
+              <a:rPr lang="en-US" b="0" dirty="0" smtClean="0"/>
+              <a:t>    height: </a:t>
+            </a:r>
+            <a:r>
+              <a:rPr lang="en-US" b="0" dirty="0" err="1" smtClean="0"/>
+              <a:t>r.height</a:t>
+            </a:r>
+            <a:r>
+              <a:rPr lang="en-US" b="0" dirty="0" smtClean="0"/>
+              <a:t>,</a:t>
+            </a:r>
+          </a:p>
+          <a:p>
+            <a:r>
+              <a:rPr lang="en-US" b="0" dirty="0" smtClean="0"/>
+              <a:t>    gender: </a:t>
+            </a:r>
+            <a:r>
+              <a:rPr lang="en-US" b="0" dirty="0" err="1" smtClean="0"/>
+              <a:t>r.gender</a:t>
+            </a:r>
+            <a:r>
+              <a:rPr lang="en-US" b="0" dirty="0" smtClean="0"/>
+              <a:t>,</a:t>
+            </a:r>
+          </a:p>
+          <a:p>
+            <a:r>
+              <a:rPr lang="en-US" b="0" dirty="0" smtClean="0"/>
+              <a:t>  });</a:t>
+            </a:r>
+          </a:p>
+          <a:p>
+            <a:r>
+              <a:rPr lang="en-US" b="0" dirty="0" smtClean="0"/>
+              <a:t>  console.log('Parsed person:', person);</a:t>
+            </a:r>
+          </a:p>
+          <a:p>
+            <a:r>
+              <a:rPr lang="en-US" b="0" dirty="0" smtClean="0"/>
+              <a:t>  return person;</a:t>
+            </a:r>
+          </a:p>
+          <a:p>
+            <a:r>
+              <a:rPr lang="en-US" b="0" dirty="0" smtClean="0"/>
+              <a:t>}</a:t>
+            </a:r>
+          </a:p>
+          <a:p>
+            <a:endParaRPr lang="en-US" b="0" dirty="0" smtClean="0"/>
+          </a:p>
+          <a:p>
+            <a:r>
+              <a:rPr lang="en-US" b="0" dirty="0" smtClean="0"/>
+              <a:t>// to avoid breaking the rest of our app</a:t>
+            </a:r>
+          </a:p>
+          <a:p>
+            <a:r>
+              <a:rPr lang="en-US" b="0" dirty="0" smtClean="0"/>
+              <a:t>// I extract the id from the person </a:t>
+            </a:r>
+            <a:r>
+              <a:rPr lang="en-US" b="0" dirty="0" err="1" smtClean="0"/>
+              <a:t>url</a:t>
+            </a:r>
+            <a:endParaRPr lang="en-US" b="0" dirty="0" smtClean="0"/>
+          </a:p>
+          <a:p>
+            <a:r>
+              <a:rPr lang="en-US" b="0" dirty="0" smtClean="0"/>
+              <a:t>function </a:t>
+            </a:r>
+            <a:r>
+              <a:rPr lang="en-US" b="0" dirty="0" err="1" smtClean="0"/>
+              <a:t>extractId</a:t>
+            </a:r>
+            <a:r>
+              <a:rPr lang="en-US" b="0" dirty="0" smtClean="0"/>
+              <a:t>(</a:t>
+            </a:r>
+            <a:r>
+              <a:rPr lang="en-US" b="0" dirty="0" err="1" smtClean="0"/>
+              <a:t>personData</a:t>
+            </a:r>
+            <a:r>
+              <a:rPr lang="en-US" b="0" dirty="0" smtClean="0"/>
+              <a:t>: any) {</a:t>
+            </a:r>
+          </a:p>
+          <a:p>
+            <a:r>
+              <a:rPr lang="en-US" b="0" dirty="0" smtClean="0"/>
+              <a:t>  let </a:t>
+            </a:r>
+            <a:r>
+              <a:rPr lang="en-US" b="0" dirty="0" err="1" smtClean="0"/>
+              <a:t>extractedId</a:t>
+            </a:r>
+            <a:r>
+              <a:rPr lang="en-US" b="0" dirty="0" smtClean="0"/>
+              <a:t> = </a:t>
+            </a:r>
+            <a:r>
+              <a:rPr lang="en-US" b="0" dirty="0" err="1" smtClean="0"/>
+              <a:t>personData.url.replace</a:t>
+            </a:r>
+            <a:r>
+              <a:rPr lang="en-US" b="0" dirty="0" smtClean="0"/>
+              <a:t>('http://swapi.co/</a:t>
+            </a:r>
+            <a:r>
+              <a:rPr lang="en-US" b="0" dirty="0" err="1" smtClean="0"/>
+              <a:t>api</a:t>
+            </a:r>
+            <a:r>
+              <a:rPr lang="en-US" b="0" dirty="0" smtClean="0"/>
+              <a:t>/people/', '').replace('/', '');</a:t>
+            </a:r>
+          </a:p>
+          <a:p>
+            <a:r>
+              <a:rPr lang="en-US" b="0" dirty="0" smtClean="0"/>
+              <a:t>  return </a:t>
+            </a:r>
+            <a:r>
+              <a:rPr lang="en-US" b="0" dirty="0" err="1" smtClean="0"/>
+              <a:t>parseInt</a:t>
+            </a:r>
+            <a:r>
+              <a:rPr lang="en-US" b="0" dirty="0" smtClean="0"/>
+              <a:t>(</a:t>
+            </a:r>
+            <a:r>
+              <a:rPr lang="en-US" b="0" dirty="0" err="1" smtClean="0"/>
+              <a:t>extractedId</a:t>
+            </a:r>
+            <a:r>
+              <a:rPr lang="en-US" b="0" dirty="0" smtClean="0"/>
+              <a:t>);</a:t>
+            </a:r>
+          </a:p>
+          <a:p>
+            <a:r>
+              <a:rPr lang="en-US" b="0" dirty="0" smtClean="0"/>
+              <a:t>}</a:t>
+            </a:r>
+          </a:p>
+          <a:p>
+            <a:endParaRPr lang="en-US" b="0" dirty="0" smtClean="0"/>
+          </a:p>
+          <a:p>
+            <a:r>
+              <a:rPr lang="en-US" b="0" dirty="0" smtClean="0"/>
+              <a:t>function </a:t>
+            </a:r>
+            <a:r>
+              <a:rPr lang="en-US" b="0" dirty="0" err="1" smtClean="0"/>
+              <a:t>mapPerson</a:t>
+            </a:r>
+            <a:r>
+              <a:rPr lang="en-US" b="0" dirty="0" smtClean="0"/>
+              <a:t>(response: Response): Person {</a:t>
+            </a:r>
+          </a:p>
+          <a:p>
+            <a:r>
+              <a:rPr lang="en-US" b="0" dirty="0" smtClean="0"/>
+              <a:t>  // </a:t>
+            </a:r>
+            <a:r>
+              <a:rPr lang="en-US" b="0" dirty="0" err="1" smtClean="0"/>
+              <a:t>toPerson</a:t>
+            </a:r>
+            <a:r>
+              <a:rPr lang="en-US" b="0" dirty="0" smtClean="0"/>
+              <a:t> looks just like in the previous example</a:t>
+            </a:r>
+          </a:p>
+          <a:p>
+            <a:r>
+              <a:rPr lang="en-US" b="0" dirty="0" smtClean="0"/>
+              <a:t>  return </a:t>
+            </a:r>
+            <a:r>
+              <a:rPr lang="en-US" b="0" dirty="0" err="1" smtClean="0"/>
+              <a:t>toPerson</a:t>
+            </a:r>
+            <a:r>
+              <a:rPr lang="en-US" b="0" dirty="0" smtClean="0"/>
+              <a:t>(</a:t>
+            </a:r>
+            <a:r>
+              <a:rPr lang="en-US" b="0" dirty="0" err="1" smtClean="0"/>
+              <a:t>response.json</a:t>
+            </a:r>
+            <a:r>
+              <a:rPr lang="en-US" b="0" dirty="0" smtClean="0"/>
+              <a:t>());</a:t>
+            </a:r>
+          </a:p>
+          <a:p>
+            <a:r>
+              <a:rPr lang="en-US" b="0" dirty="0" smtClean="0"/>
+              <a:t>}</a:t>
+            </a:r>
+          </a:p>
+          <a:p>
+            <a:endParaRPr lang="en-US" b="0" dirty="0" smtClean="0"/>
+          </a:p>
+          <a:p>
+            <a:r>
+              <a:rPr lang="en-US" b="0" dirty="0" smtClean="0"/>
+              <a:t>// this could also be a private method of the component class</a:t>
+            </a:r>
+          </a:p>
+          <a:p>
+            <a:r>
+              <a:rPr lang="en-US" b="0" dirty="0" smtClean="0"/>
+              <a:t>function </a:t>
+            </a:r>
+            <a:r>
+              <a:rPr lang="en-US" b="0" dirty="0" err="1" smtClean="0"/>
+              <a:t>handleError</a:t>
+            </a:r>
+            <a:r>
+              <a:rPr lang="en-US" b="0" dirty="0" smtClean="0"/>
+              <a:t> (error: any) {</a:t>
+            </a:r>
+          </a:p>
+          <a:p>
+            <a:r>
+              <a:rPr lang="en-US" b="0" dirty="0" smtClean="0"/>
+              <a:t>  // log error</a:t>
+            </a:r>
+          </a:p>
+          <a:p>
+            <a:r>
+              <a:rPr lang="en-US" b="0" dirty="0" smtClean="0"/>
+              <a:t>  // could be something more </a:t>
+            </a:r>
+            <a:r>
+              <a:rPr lang="en-US" b="0" dirty="0" err="1" smtClean="0"/>
+              <a:t>sofisticated</a:t>
+            </a:r>
+            <a:endParaRPr lang="en-US" b="0" dirty="0" smtClean="0"/>
+          </a:p>
+          <a:p>
+            <a:r>
+              <a:rPr lang="en-US" b="0" dirty="0" smtClean="0"/>
+              <a:t>  let </a:t>
+            </a:r>
+            <a:r>
+              <a:rPr lang="en-US" b="0" dirty="0" err="1" smtClean="0"/>
+              <a:t>errorMsg</a:t>
+            </a:r>
+            <a:r>
+              <a:rPr lang="en-US" b="0" dirty="0" smtClean="0"/>
+              <a:t> = </a:t>
+            </a:r>
+            <a:r>
+              <a:rPr lang="en-US" b="0" dirty="0" err="1" smtClean="0"/>
+              <a:t>error.message</a:t>
+            </a:r>
+            <a:r>
+              <a:rPr lang="en-US" b="0" dirty="0" smtClean="0"/>
+              <a:t> || `Yikes! There was </a:t>
+            </a:r>
+            <a:r>
+              <a:rPr lang="en-US" b="0" dirty="0" err="1" smtClean="0"/>
+              <a:t>was</a:t>
+            </a:r>
+            <a:r>
+              <a:rPr lang="en-US" b="0" dirty="0" smtClean="0"/>
+              <a:t> a problem with our </a:t>
+            </a:r>
+            <a:r>
+              <a:rPr lang="en-US" b="0" dirty="0" err="1" smtClean="0"/>
+              <a:t>hyperdrive</a:t>
+            </a:r>
+            <a:r>
+              <a:rPr lang="en-US" b="0" dirty="0" smtClean="0"/>
+              <a:t> device and we couldn't retrieve your data!`;</a:t>
+            </a:r>
+          </a:p>
+          <a:p>
+            <a:r>
+              <a:rPr lang="en-US" b="0" dirty="0" smtClean="0"/>
+              <a:t>  </a:t>
+            </a:r>
+            <a:r>
+              <a:rPr lang="en-US" b="0" dirty="0" err="1" smtClean="0"/>
+              <a:t>console.error</a:t>
+            </a:r>
+            <a:r>
+              <a:rPr lang="en-US" b="0" dirty="0" smtClean="0"/>
+              <a:t>(</a:t>
+            </a:r>
+            <a:r>
+              <a:rPr lang="en-US" b="0" dirty="0" err="1" smtClean="0"/>
+              <a:t>errorMsg</a:t>
+            </a:r>
+            <a:r>
+              <a:rPr lang="en-US" b="0" dirty="0" smtClean="0"/>
+              <a:t>);</a:t>
+            </a:r>
+          </a:p>
+          <a:p>
+            <a:endParaRPr lang="en-US" b="0" dirty="0" smtClean="0"/>
+          </a:p>
+          <a:p>
+            <a:r>
+              <a:rPr lang="en-US" b="0" dirty="0" smtClean="0"/>
+              <a:t>  // throw an application level error</a:t>
+            </a:r>
+          </a:p>
+          <a:p>
+            <a:r>
+              <a:rPr lang="en-US" b="0" dirty="0" smtClean="0"/>
+              <a:t>  return </a:t>
+            </a:r>
+            <a:r>
+              <a:rPr lang="en-US" b="0" dirty="0" err="1" smtClean="0"/>
+              <a:t>Observable.throw</a:t>
+            </a:r>
+            <a:r>
+              <a:rPr lang="en-US" b="0" dirty="0" smtClean="0"/>
+              <a:t>(</a:t>
+            </a:r>
+            <a:r>
+              <a:rPr lang="en-US" b="0" dirty="0" err="1" smtClean="0"/>
+              <a:t>errorMsg</a:t>
+            </a:r>
+            <a:r>
+              <a:rPr lang="en-US" b="0" dirty="0" smtClean="0"/>
+              <a:t>);</a:t>
+            </a:r>
+          </a:p>
+          <a:p>
+            <a:r>
+              <a:rPr lang="en-US" b="0" dirty="0" smtClean="0"/>
+              <a:t>}</a:t>
+            </a:r>
+          </a:p>
+          <a:p>
+            <a:endParaRPr lang="en-US" b="0" dirty="0"/>
+          </a:p>
+        </p:txBody>
+      </p:sp>
+      <p:sp>
+        <p:nvSpPr>
+          <p:cNvPr id="4" name="Slide Number Placeholder 3"/>
+          <p:cNvSpPr>
+            <a:spLocks noGrp="1"/>
+          </p:cNvSpPr>
+          <p:nvPr>
+            <p:ph type="sldNum" sz="quarter" idx="10"/>
+          </p:nvPr>
+        </p:nvSpPr>
+        <p:spPr/>
+        <p:txBody>
+          <a:bodyPr/>
+          <a:lstStyle/>
+          <a:p>
+            <a:fld id="{9C7E34CB-FAA9-46AF-804F-C5D35C87E069}" type="slidenum">
+              <a:rPr lang="en-US" smtClean="0"/>
+              <a:t>5</a:t>
+            </a:fld>
+            <a:endParaRPr lang="en-US"/>
+          </a:p>
+        </p:txBody>
+      </p:sp>
+    </p:spTree>
+    <p:extLst>
+      <p:ext uri="{BB962C8B-B14F-4D97-AF65-F5344CB8AC3E}">
+        <p14:creationId xmlns:p14="http://schemas.microsoft.com/office/powerpoint/2010/main" val="627422991"/>
+      </p:ext>
+    </p:extLst>
+  </p:cSld>
+  <p:clrMapOvr>
+    <a:masterClrMapping/>
+  </p:clrMapOvr>
+</p:notes>
+</file>
+
+<file path=ppt/notesSlides/notesSlide4.xml><?xml version="1.0" encoding="utf-8"?>
+<p:notes xmlns:a="http://schemas.openxmlformats.org/drawingml/2006/main" xmlns:r="http://schemas.openxmlformats.org/officeDocument/2006/relationships" xmlns:p="http://schemas.openxmlformats.org/presentationml/2006/main">
+  <p:cSld>
+    <p:spTree>
+      <p:nvGrpSpPr>
+        <p:cNvPr id="1" name=""/>
+        <p:cNvGrpSpPr/>
+        <p:nvPr/>
+      </p:nvGrpSpPr>
+      <p:grpSpPr>
+        <a:xfrm>
+          <a:off x="0" y="0"/>
+          <a:ext cx="0" cy="0"/>
+          <a:chOff x="0" y="0"/>
+          <a:chExt cx="0" cy="0"/>
+        </a:xfrm>
+      </p:grpSpPr>
+      <p:sp>
+        <p:nvSpPr>
+          <p:cNvPr id="2" name="Slide Image Placeholder 1"/>
+          <p:cNvSpPr>
+            <a:spLocks noGrp="1" noRot="1" noChangeAspect="1"/>
+          </p:cNvSpPr>
+          <p:nvPr>
+            <p:ph type="sldImg"/>
+          </p:nvPr>
+        </p:nvSpPr>
+        <p:spPr/>
+      </p:sp>
+      <p:sp>
+        <p:nvSpPr>
+          <p:cNvPr id="3" name="Notes Placeholder 2"/>
+          <p:cNvSpPr>
+            <a:spLocks noGrp="1"/>
+          </p:cNvSpPr>
+          <p:nvPr>
+            <p:ph type="body" idx="1"/>
+          </p:nvPr>
+        </p:nvSpPr>
+        <p:spPr/>
+        <p:txBody>
+          <a:bodyPr/>
+          <a:lstStyle/>
+          <a:p>
+            <a:r>
+              <a:rPr lang="en-US" b="0" dirty="0" smtClean="0"/>
+              <a:t>import { Component } from '@angular/core';</a:t>
+            </a:r>
+          </a:p>
+          <a:p>
+            <a:r>
+              <a:rPr lang="en-US" b="0" dirty="0" smtClean="0"/>
+              <a:t>import { </a:t>
+            </a:r>
+            <a:r>
+              <a:rPr lang="en-US" b="0" dirty="0" err="1" smtClean="0"/>
+              <a:t>PeopleService</a:t>
+            </a:r>
+            <a:r>
+              <a:rPr lang="en-US" b="0" dirty="0" smtClean="0"/>
+              <a:t> } from './</a:t>
+            </a:r>
+            <a:r>
+              <a:rPr lang="en-US" b="0" dirty="0" err="1" smtClean="0"/>
+              <a:t>people.service</a:t>
+            </a:r>
+            <a:r>
+              <a:rPr lang="en-US" b="0" dirty="0" smtClean="0"/>
+              <a:t>';</a:t>
+            </a:r>
+          </a:p>
+          <a:p>
+            <a:endParaRPr lang="en-US" b="0" dirty="0" smtClean="0"/>
+          </a:p>
+          <a:p>
+            <a:r>
+              <a:rPr lang="en-US" b="0" dirty="0" smtClean="0"/>
+              <a:t>@Component({</a:t>
+            </a:r>
+          </a:p>
+          <a:p>
+            <a:r>
+              <a:rPr lang="en-US" b="0" dirty="0" smtClean="0"/>
+              <a:t>  selector: 'my-app',</a:t>
+            </a:r>
+          </a:p>
+          <a:p>
+            <a:r>
+              <a:rPr lang="en-US" b="0" dirty="0" smtClean="0"/>
+              <a:t>  template: `</a:t>
+            </a:r>
+          </a:p>
+          <a:p>
+            <a:r>
+              <a:rPr lang="en-US" b="0" dirty="0" smtClean="0"/>
+              <a:t>    &lt;h1&gt; {{title}} &lt;/h1&gt;</a:t>
+            </a:r>
+          </a:p>
+          <a:p>
+            <a:r>
+              <a:rPr lang="en-US" b="0" dirty="0" smtClean="0"/>
+              <a:t>    &lt;router-outlet&gt;&lt;/router-outlet&gt;</a:t>
+            </a:r>
+          </a:p>
+          <a:p>
+            <a:r>
+              <a:rPr lang="en-US" b="0" dirty="0" smtClean="0"/>
+              <a:t>  `,</a:t>
+            </a:r>
+          </a:p>
+          <a:p>
+            <a:r>
+              <a:rPr lang="en-US" b="0" dirty="0" smtClean="0"/>
+              <a:t>  // This registers the </a:t>
+            </a:r>
+            <a:r>
+              <a:rPr lang="en-US" b="0" dirty="0" err="1" smtClean="0"/>
+              <a:t>PeopleService</a:t>
+            </a:r>
+            <a:endParaRPr lang="en-US" b="0" dirty="0" smtClean="0"/>
+          </a:p>
+          <a:p>
+            <a:r>
+              <a:rPr lang="en-US" b="0" dirty="0" smtClean="0"/>
+              <a:t>  providers: [</a:t>
+            </a:r>
+            <a:r>
+              <a:rPr lang="en-US" b="0" dirty="0" err="1" smtClean="0"/>
+              <a:t>PeopleService</a:t>
+            </a:r>
+            <a:r>
+              <a:rPr lang="en-US" b="0" dirty="0" smtClean="0"/>
+              <a:t>]</a:t>
+            </a:r>
+          </a:p>
+          <a:p>
+            <a:r>
+              <a:rPr lang="en-US" b="0" dirty="0" smtClean="0"/>
+              <a:t>})</a:t>
+            </a:r>
+          </a:p>
+          <a:p>
+            <a:r>
+              <a:rPr lang="en-US" b="0" dirty="0" smtClean="0"/>
+              <a:t>export class </a:t>
+            </a:r>
+            <a:r>
+              <a:rPr lang="en-US" b="0" dirty="0" err="1" smtClean="0"/>
+              <a:t>AppComponent</a:t>
+            </a:r>
+            <a:r>
+              <a:rPr lang="en-US" b="0" dirty="0" smtClean="0"/>
+              <a:t> {</a:t>
+            </a:r>
+          </a:p>
+          <a:p>
+            <a:r>
+              <a:rPr lang="en-US" b="0" dirty="0" smtClean="0"/>
+              <a:t>  title: string = 'SWAPI - Star Wars People!';</a:t>
+            </a:r>
+          </a:p>
+          <a:p>
+            <a:r>
+              <a:rPr lang="en-US" b="0" dirty="0" smtClean="0"/>
+              <a:t>}</a:t>
+            </a:r>
+          </a:p>
+          <a:p>
+            <a:endParaRPr lang="en-US" b="0" dirty="0" smtClean="0"/>
+          </a:p>
+          <a:p>
+            <a:r>
+              <a:rPr lang="en-US" b="0" dirty="0" smtClean="0"/>
+              <a:t>==============================</a:t>
+            </a:r>
+          </a:p>
+          <a:p>
+            <a:endParaRPr lang="en-US" b="0" dirty="0" smtClean="0"/>
+          </a:p>
+          <a:p>
+            <a:r>
+              <a:rPr lang="en-US" b="0" dirty="0" smtClean="0"/>
+              <a:t>import { </a:t>
+            </a:r>
+            <a:r>
+              <a:rPr lang="en-US" b="0" dirty="0" err="1" smtClean="0"/>
+              <a:t>NgModule</a:t>
+            </a:r>
+            <a:r>
+              <a:rPr lang="en-US" b="0" dirty="0" smtClean="0"/>
+              <a:t> }      from '@angular/core';</a:t>
+            </a:r>
+          </a:p>
+          <a:p>
+            <a:r>
+              <a:rPr lang="en-US" b="0" dirty="0" smtClean="0"/>
+              <a:t>import { </a:t>
+            </a:r>
+            <a:r>
+              <a:rPr lang="en-US" b="0" dirty="0" err="1" smtClean="0"/>
+              <a:t>BrowserModule</a:t>
+            </a:r>
+            <a:r>
+              <a:rPr lang="en-US" b="0" dirty="0" smtClean="0"/>
+              <a:t> } from '@angular/platform-browser';</a:t>
+            </a:r>
+          </a:p>
+          <a:p>
+            <a:r>
+              <a:rPr lang="en-US" b="0" dirty="0" smtClean="0"/>
+              <a:t>import { </a:t>
+            </a:r>
+            <a:r>
+              <a:rPr lang="en-US" b="0" dirty="0" err="1" smtClean="0"/>
+              <a:t>HttpModule</a:t>
+            </a:r>
+            <a:r>
+              <a:rPr lang="en-US" b="0" dirty="0" smtClean="0"/>
+              <a:t> } from '@angular/http';</a:t>
+            </a:r>
+          </a:p>
+          <a:p>
+            <a:endParaRPr lang="en-US" b="0" dirty="0" smtClean="0"/>
+          </a:p>
+          <a:p>
+            <a:r>
+              <a:rPr lang="en-US" b="0" dirty="0" smtClean="0"/>
+              <a:t>import { routing } from './</a:t>
+            </a:r>
+            <a:r>
+              <a:rPr lang="en-US" b="0" dirty="0" err="1" smtClean="0"/>
+              <a:t>app.routes</a:t>
+            </a:r>
+            <a:r>
+              <a:rPr lang="en-US" b="0" dirty="0" smtClean="0"/>
+              <a:t>';</a:t>
+            </a:r>
+          </a:p>
+          <a:p>
+            <a:endParaRPr lang="en-US" b="0" dirty="0" smtClean="0"/>
+          </a:p>
+          <a:p>
+            <a:r>
+              <a:rPr lang="en-US" b="0" dirty="0" smtClean="0"/>
+              <a:t>import { </a:t>
+            </a:r>
+            <a:r>
+              <a:rPr lang="en-US" b="0" dirty="0" err="1" smtClean="0"/>
+              <a:t>AppComponent</a:t>
+            </a:r>
+            <a:r>
+              <a:rPr lang="en-US" b="0" dirty="0" smtClean="0"/>
+              <a:t> }  from './</a:t>
+            </a:r>
+            <a:r>
+              <a:rPr lang="en-US" b="0" dirty="0" err="1" smtClean="0"/>
+              <a:t>app.component</a:t>
+            </a:r>
+            <a:r>
+              <a:rPr lang="en-US" b="0" dirty="0" smtClean="0"/>
+              <a:t>';</a:t>
+            </a:r>
+          </a:p>
+          <a:p>
+            <a:r>
+              <a:rPr lang="en-US" b="0" dirty="0" smtClean="0"/>
+              <a:t>// import { </a:t>
+            </a:r>
+            <a:r>
+              <a:rPr lang="en-US" b="0" dirty="0" err="1" smtClean="0"/>
+              <a:t>PeopleListComponent</a:t>
+            </a:r>
+            <a:r>
+              <a:rPr lang="en-US" b="0" dirty="0" smtClean="0"/>
+              <a:t> } from './people-</a:t>
+            </a:r>
+            <a:r>
+              <a:rPr lang="en-US" b="0" dirty="0" err="1" smtClean="0"/>
+              <a:t>list.component</a:t>
+            </a:r>
+            <a:r>
+              <a:rPr lang="en-US" b="0" dirty="0" smtClean="0"/>
+              <a:t>';</a:t>
+            </a:r>
+          </a:p>
+          <a:p>
+            <a:r>
+              <a:rPr lang="en-US" b="0" dirty="0" smtClean="0"/>
+              <a:t>// import { </a:t>
+            </a:r>
+            <a:r>
+              <a:rPr lang="en-US" b="0" dirty="0" err="1" smtClean="0"/>
+              <a:t>PersonDetailsComponent</a:t>
+            </a:r>
+            <a:r>
+              <a:rPr lang="en-US" b="0" dirty="0" smtClean="0"/>
+              <a:t> } from './person-</a:t>
+            </a:r>
+            <a:r>
+              <a:rPr lang="en-US" b="0" dirty="0" err="1" smtClean="0"/>
+              <a:t>details.component</a:t>
+            </a:r>
+            <a:r>
+              <a:rPr lang="en-US" b="0" dirty="0" smtClean="0"/>
+              <a:t>';</a:t>
+            </a:r>
+          </a:p>
+          <a:p>
+            <a:endParaRPr lang="en-US" b="0" dirty="0" smtClean="0"/>
+          </a:p>
+          <a:p>
+            <a:r>
+              <a:rPr lang="en-US" b="0" dirty="0" smtClean="0"/>
+              <a:t>@</a:t>
+            </a:r>
+            <a:r>
+              <a:rPr lang="en-US" b="0" dirty="0" err="1" smtClean="0"/>
+              <a:t>NgModule</a:t>
+            </a:r>
+            <a:r>
+              <a:rPr lang="en-US" b="0" dirty="0" smtClean="0"/>
+              <a:t>({</a:t>
+            </a:r>
+          </a:p>
+          <a:p>
+            <a:r>
+              <a:rPr lang="en-US" b="0" dirty="0" smtClean="0"/>
+              <a:t>  imports: [ </a:t>
+            </a:r>
+            <a:r>
+              <a:rPr lang="en-US" b="0" dirty="0" err="1" smtClean="0"/>
+              <a:t>BrowserModule</a:t>
+            </a:r>
+            <a:r>
+              <a:rPr lang="en-US" b="0" dirty="0" smtClean="0"/>
+              <a:t>, routing, </a:t>
+            </a:r>
+            <a:r>
+              <a:rPr lang="en-US" b="0" dirty="0" err="1" smtClean="0"/>
+              <a:t>HttpModule</a:t>
+            </a:r>
+            <a:r>
+              <a:rPr lang="en-US" b="0" dirty="0" smtClean="0"/>
+              <a:t>],</a:t>
+            </a:r>
+          </a:p>
+          <a:p>
+            <a:r>
+              <a:rPr lang="en-US" b="0" dirty="0" smtClean="0"/>
+              <a:t>  // declarations: [ </a:t>
+            </a:r>
+            <a:r>
+              <a:rPr lang="en-US" b="0" dirty="0" err="1" smtClean="0"/>
+              <a:t>AppComponent</a:t>
+            </a:r>
+            <a:r>
+              <a:rPr lang="en-US" b="0" dirty="0" smtClean="0"/>
+              <a:t>, </a:t>
+            </a:r>
+            <a:r>
+              <a:rPr lang="en-US" b="0" dirty="0" err="1" smtClean="0"/>
+              <a:t>PeopleListComponent</a:t>
+            </a:r>
+            <a:r>
+              <a:rPr lang="en-US" b="0" dirty="0" smtClean="0"/>
+              <a:t>, </a:t>
+            </a:r>
+            <a:r>
+              <a:rPr lang="en-US" b="0" dirty="0" err="1" smtClean="0"/>
+              <a:t>PersonDetailsComponent</a:t>
+            </a:r>
+            <a:r>
+              <a:rPr lang="en-US" b="0" dirty="0" smtClean="0"/>
+              <a:t>],</a:t>
+            </a:r>
+          </a:p>
+          <a:p>
+            <a:r>
+              <a:rPr lang="en-US" b="0" dirty="0" smtClean="0"/>
+              <a:t>  declarations: [ </a:t>
+            </a:r>
+            <a:r>
+              <a:rPr lang="en-US" b="0" dirty="0" err="1" smtClean="0"/>
+              <a:t>AppComponent</a:t>
+            </a:r>
+            <a:r>
+              <a:rPr lang="en-US" b="0" dirty="0" smtClean="0"/>
+              <a:t>],</a:t>
+            </a:r>
+          </a:p>
+          <a:p>
+            <a:r>
+              <a:rPr lang="en-US" b="0" dirty="0" smtClean="0"/>
+              <a:t>  bootstrap: [ </a:t>
+            </a:r>
+            <a:r>
+              <a:rPr lang="en-US" b="0" dirty="0" err="1" smtClean="0"/>
+              <a:t>AppComponent</a:t>
+            </a:r>
+            <a:r>
+              <a:rPr lang="en-US" b="0" dirty="0" smtClean="0"/>
+              <a:t> ]</a:t>
+            </a:r>
+          </a:p>
+          <a:p>
+            <a:r>
+              <a:rPr lang="en-US" b="0" dirty="0" smtClean="0"/>
+              <a:t>})</a:t>
+            </a:r>
+          </a:p>
+          <a:p>
+            <a:r>
+              <a:rPr lang="en-US" b="0" dirty="0" smtClean="0"/>
+              <a:t>export class </a:t>
+            </a:r>
+            <a:r>
+              <a:rPr lang="en-US" b="0" dirty="0" err="1" smtClean="0"/>
+              <a:t>AppModule</a:t>
+            </a:r>
+            <a:r>
+              <a:rPr lang="en-US" b="0" dirty="0" smtClean="0"/>
+              <a:t> { }</a:t>
+            </a:r>
+          </a:p>
+        </p:txBody>
+      </p:sp>
+      <p:sp>
+        <p:nvSpPr>
+          <p:cNvPr id="4" name="Slide Number Placeholder 3"/>
+          <p:cNvSpPr>
+            <a:spLocks noGrp="1"/>
+          </p:cNvSpPr>
+          <p:nvPr>
+            <p:ph type="sldNum" sz="quarter" idx="10"/>
+          </p:nvPr>
+        </p:nvSpPr>
+        <p:spPr/>
+        <p:txBody>
+          <a:bodyPr/>
+          <a:lstStyle/>
+          <a:p>
+            <a:fld id="{9C7E34CB-FAA9-46AF-804F-C5D35C87E069}" type="slidenum">
+              <a:rPr lang="en-US" smtClean="0"/>
+              <a:t>6</a:t>
+            </a:fld>
+            <a:endParaRPr lang="en-US"/>
+          </a:p>
+        </p:txBody>
+      </p:sp>
+    </p:spTree>
+    <p:extLst>
+      <p:ext uri="{BB962C8B-B14F-4D97-AF65-F5344CB8AC3E}">
+        <p14:creationId xmlns:p14="http://schemas.microsoft.com/office/powerpoint/2010/main" val="2853260876"/>
+      </p:ext>
+    </p:extLst>
+  </p:cSld>
+  <p:clrMapOvr>
+    <a:masterClrMapping/>
+  </p:clrMapOvr>
+</p:notes>
+</file>
+
+<file path=ppt/notesSlides/notesSlide5.xml><?xml version="1.0" encoding="utf-8"?>
+<p:notes xmlns:a="http://schemas.openxmlformats.org/drawingml/2006/main" xmlns:r="http://schemas.openxmlformats.org/officeDocument/2006/relationships" xmlns:p="http://schemas.openxmlformats.org/presentationml/2006/main">
+  <p:cSld>
+    <p:spTree>
+      <p:nvGrpSpPr>
+        <p:cNvPr id="1" name=""/>
+        <p:cNvGrpSpPr/>
+        <p:nvPr/>
+      </p:nvGrpSpPr>
+      <p:grpSpPr>
+        <a:xfrm>
+          <a:off x="0" y="0"/>
+          <a:ext cx="0" cy="0"/>
+          <a:chOff x="0" y="0"/>
+          <a:chExt cx="0" cy="0"/>
+        </a:xfrm>
+      </p:grpSpPr>
+      <p:sp>
+        <p:nvSpPr>
+          <p:cNvPr id="2" name="Slide Image Placeholder 1"/>
+          <p:cNvSpPr>
+            <a:spLocks noGrp="1" noRot="1" noChangeAspect="1"/>
+          </p:cNvSpPr>
+          <p:nvPr>
+            <p:ph type="sldImg"/>
+          </p:nvPr>
+        </p:nvSpPr>
+        <p:spPr/>
+      </p:sp>
+      <p:sp>
+        <p:nvSpPr>
+          <p:cNvPr id="3" name="Notes Placeholder 2"/>
+          <p:cNvSpPr>
+            <a:spLocks noGrp="1"/>
+          </p:cNvSpPr>
+          <p:nvPr>
+            <p:ph type="body" idx="1"/>
+          </p:nvPr>
+        </p:nvSpPr>
+        <p:spPr/>
+        <p:txBody>
+          <a:bodyPr/>
+          <a:lstStyle/>
+          <a:p>
+            <a:r>
+              <a:rPr lang="en-US" b="0" dirty="0" smtClean="0"/>
+              <a:t>import { Routes, </a:t>
+            </a:r>
+            <a:r>
+              <a:rPr lang="en-US" b="0" dirty="0" err="1" smtClean="0"/>
+              <a:t>RouterModule</a:t>
+            </a:r>
+            <a:r>
+              <a:rPr lang="en-US" b="0" dirty="0" smtClean="0"/>
+              <a:t> } from '@angular/router';</a:t>
+            </a:r>
+          </a:p>
+          <a:p>
+            <a:endParaRPr lang="en-US" b="0" dirty="0" smtClean="0"/>
+          </a:p>
+          <a:p>
+            <a:r>
+              <a:rPr lang="en-US" b="0" dirty="0" smtClean="0"/>
+              <a:t>import { </a:t>
+            </a:r>
+            <a:r>
+              <a:rPr lang="en-US" b="0" dirty="0" err="1" smtClean="0"/>
+              <a:t>PeopleListComponent</a:t>
+            </a:r>
+            <a:r>
+              <a:rPr lang="en-US" b="0" dirty="0" smtClean="0"/>
+              <a:t> } from './people-</a:t>
+            </a:r>
+            <a:r>
+              <a:rPr lang="en-US" b="0" dirty="0" err="1" smtClean="0"/>
+              <a:t>list.component</a:t>
+            </a:r>
+            <a:r>
+              <a:rPr lang="en-US" b="0" dirty="0" smtClean="0"/>
+              <a:t>';</a:t>
+            </a:r>
+          </a:p>
+          <a:p>
+            <a:r>
+              <a:rPr lang="en-US" b="0" dirty="0" smtClean="0"/>
+              <a:t>// import { </a:t>
+            </a:r>
+            <a:r>
+              <a:rPr lang="en-US" b="0" dirty="0" err="1" smtClean="0"/>
+              <a:t>PersonDetailsComponent</a:t>
+            </a:r>
+            <a:r>
+              <a:rPr lang="en-US" b="0" dirty="0" smtClean="0"/>
+              <a:t> } from './person-</a:t>
+            </a:r>
+            <a:r>
+              <a:rPr lang="en-US" b="0" dirty="0" err="1" smtClean="0"/>
+              <a:t>details.component</a:t>
+            </a:r>
+            <a:r>
+              <a:rPr lang="en-US" b="0" dirty="0" smtClean="0"/>
+              <a:t>';</a:t>
+            </a:r>
+          </a:p>
+          <a:p>
+            <a:endParaRPr lang="en-US" b="0" dirty="0" smtClean="0"/>
+          </a:p>
+          <a:p>
+            <a:r>
+              <a:rPr lang="en-US" b="0" dirty="0" smtClean="0"/>
+              <a:t>// Route </a:t>
+            </a:r>
+            <a:r>
+              <a:rPr lang="en-US" b="0" dirty="0" err="1" smtClean="0"/>
+              <a:t>config</a:t>
+            </a:r>
+            <a:r>
+              <a:rPr lang="en-US" b="0" dirty="0" smtClean="0"/>
+              <a:t> lets you map routes to components</a:t>
+            </a:r>
+          </a:p>
+          <a:p>
+            <a:r>
+              <a:rPr lang="en-US" b="0" dirty="0" err="1" smtClean="0"/>
+              <a:t>const</a:t>
+            </a:r>
+            <a:r>
+              <a:rPr lang="en-US" b="0" dirty="0" smtClean="0"/>
+              <a:t> routes: Routes = [</a:t>
+            </a:r>
+          </a:p>
+          <a:p>
+            <a:r>
+              <a:rPr lang="en-US" b="0" dirty="0" smtClean="0"/>
+              <a:t>  // map '/persons' to the people list component</a:t>
+            </a:r>
+          </a:p>
+          <a:p>
+            <a:r>
+              <a:rPr lang="en-US" b="0" dirty="0" smtClean="0"/>
+              <a:t>  {</a:t>
+            </a:r>
+          </a:p>
+          <a:p>
+            <a:r>
+              <a:rPr lang="en-US" b="0" dirty="0" smtClean="0"/>
+              <a:t>    path: 'persons',</a:t>
+            </a:r>
+          </a:p>
+          <a:p>
+            <a:r>
+              <a:rPr lang="en-US" b="0" dirty="0" smtClean="0"/>
+              <a:t>    component: </a:t>
+            </a:r>
+            <a:r>
+              <a:rPr lang="en-US" b="0" dirty="0" err="1" smtClean="0"/>
+              <a:t>PeopleListComponent</a:t>
+            </a:r>
+            <a:r>
+              <a:rPr lang="en-US" b="0" dirty="0" smtClean="0"/>
+              <a:t>,</a:t>
+            </a:r>
+          </a:p>
+          <a:p>
+            <a:r>
+              <a:rPr lang="en-US" b="0" dirty="0" smtClean="0"/>
+              <a:t>  },</a:t>
+            </a:r>
+          </a:p>
+          <a:p>
+            <a:r>
+              <a:rPr lang="en-US" b="0" dirty="0" smtClean="0"/>
+              <a:t>  // map '/persons/:id' to person details component</a:t>
+            </a:r>
+          </a:p>
+          <a:p>
+            <a:r>
+              <a:rPr lang="en-US" b="0" dirty="0" smtClean="0"/>
+              <a:t> // {</a:t>
+            </a:r>
+          </a:p>
+          <a:p>
+            <a:r>
+              <a:rPr lang="en-US" b="0" dirty="0" smtClean="0"/>
+              <a:t>   // path: 'persons/:id',</a:t>
+            </a:r>
+          </a:p>
+          <a:p>
+            <a:r>
+              <a:rPr lang="en-US" b="0" dirty="0" smtClean="0"/>
+              <a:t>    // component: </a:t>
+            </a:r>
+            <a:r>
+              <a:rPr lang="en-US" b="0" dirty="0" err="1" smtClean="0"/>
+              <a:t>PersonDetailsComponent</a:t>
+            </a:r>
+            <a:endParaRPr lang="en-US" b="0" dirty="0" smtClean="0"/>
+          </a:p>
+          <a:p>
+            <a:r>
+              <a:rPr lang="en-US" b="0" dirty="0" smtClean="0"/>
+              <a:t>  // },</a:t>
+            </a:r>
+          </a:p>
+          <a:p>
+            <a:r>
+              <a:rPr lang="en-US" b="0" dirty="0" smtClean="0"/>
+              <a:t>  // map '/' to '/persons' as our default route</a:t>
+            </a:r>
+          </a:p>
+          <a:p>
+            <a:r>
+              <a:rPr lang="en-US" b="0" dirty="0" smtClean="0"/>
+              <a:t>  {</a:t>
+            </a:r>
+          </a:p>
+          <a:p>
+            <a:r>
+              <a:rPr lang="en-US" b="0" dirty="0" smtClean="0"/>
+              <a:t>    path: '',</a:t>
+            </a:r>
+          </a:p>
+          <a:p>
+            <a:r>
+              <a:rPr lang="en-US" b="0" dirty="0" smtClean="0"/>
+              <a:t>    </a:t>
+            </a:r>
+            <a:r>
+              <a:rPr lang="en-US" b="0" dirty="0" err="1" smtClean="0"/>
+              <a:t>redirectTo</a:t>
+            </a:r>
+            <a:r>
+              <a:rPr lang="en-US" b="0" dirty="0" smtClean="0"/>
+              <a:t>: '/persons',</a:t>
+            </a:r>
+          </a:p>
+          <a:p>
+            <a:r>
+              <a:rPr lang="en-US" b="0" dirty="0" smtClean="0"/>
+              <a:t>    </a:t>
+            </a:r>
+            <a:r>
+              <a:rPr lang="en-US" b="0" dirty="0" err="1" smtClean="0"/>
+              <a:t>pathMatch</a:t>
+            </a:r>
+            <a:r>
+              <a:rPr lang="en-US" b="0" dirty="0" smtClean="0"/>
+              <a:t>: 'full'</a:t>
+            </a:r>
+          </a:p>
+          <a:p>
+            <a:r>
+              <a:rPr lang="en-US" b="0" dirty="0" smtClean="0"/>
+              <a:t>  },</a:t>
+            </a:r>
+          </a:p>
+          <a:p>
+            <a:r>
+              <a:rPr lang="en-US" b="0" dirty="0" smtClean="0"/>
+              <a:t>];</a:t>
+            </a:r>
+          </a:p>
+          <a:p>
+            <a:endParaRPr lang="en-US" b="0" dirty="0" smtClean="0"/>
+          </a:p>
+          <a:p>
+            <a:r>
+              <a:rPr lang="en-US" b="0" dirty="0" smtClean="0"/>
+              <a:t>export </a:t>
+            </a:r>
+            <a:r>
+              <a:rPr lang="en-US" b="0" dirty="0" err="1" smtClean="0"/>
+              <a:t>const</a:t>
+            </a:r>
+            <a:r>
+              <a:rPr lang="en-US" b="0" dirty="0" smtClean="0"/>
+              <a:t> routing = </a:t>
+            </a:r>
+            <a:r>
+              <a:rPr lang="en-US" b="0" dirty="0" err="1" smtClean="0"/>
+              <a:t>RouterModule.forRoot</a:t>
+            </a:r>
+            <a:r>
+              <a:rPr lang="en-US" b="0" dirty="0" smtClean="0"/>
+              <a:t>(routes);</a:t>
+            </a:r>
+          </a:p>
+          <a:p>
+            <a:endParaRPr lang="en-US" b="0" dirty="0" smtClean="0"/>
+          </a:p>
+          <a:p>
+            <a:r>
+              <a:rPr lang="en-US" b="0" dirty="0" smtClean="0"/>
+              <a:t>======================================</a:t>
+            </a:r>
+          </a:p>
+          <a:p>
+            <a:r>
+              <a:rPr lang="en-US" b="0" dirty="0" smtClean="0"/>
+              <a:t>&lt;section&gt;</a:t>
+            </a:r>
+          </a:p>
+          <a:p>
+            <a:r>
+              <a:rPr lang="en-US" b="0" dirty="0" smtClean="0"/>
+              <a:t>  &lt;section *</a:t>
+            </a:r>
+            <a:r>
+              <a:rPr lang="en-US" b="0" dirty="0" err="1" smtClean="0"/>
+              <a:t>ngIf</a:t>
+            </a:r>
+            <a:r>
+              <a:rPr lang="en-US" b="0" dirty="0" smtClean="0"/>
+              <a:t>="</a:t>
+            </a:r>
+            <a:r>
+              <a:rPr lang="en-US" b="0" dirty="0" err="1" smtClean="0"/>
+              <a:t>isLoading</a:t>
+            </a:r>
+            <a:r>
+              <a:rPr lang="en-US" b="0" dirty="0" smtClean="0"/>
+              <a:t> &amp;&amp; !</a:t>
+            </a:r>
+            <a:r>
+              <a:rPr lang="en-US" b="0" dirty="0" err="1" smtClean="0"/>
+              <a:t>errorMessage</a:t>
+            </a:r>
+            <a:r>
+              <a:rPr lang="en-US" b="0" dirty="0" smtClean="0"/>
+              <a:t>"&gt;</a:t>
+            </a:r>
+          </a:p>
+          <a:p>
+            <a:r>
+              <a:rPr lang="en-US" b="0" dirty="0" smtClean="0"/>
+              <a:t>    Loading our </a:t>
+            </a:r>
+            <a:r>
+              <a:rPr lang="en-US" b="0" dirty="0" err="1" smtClean="0"/>
+              <a:t>hyperdrives</a:t>
+            </a:r>
+            <a:r>
+              <a:rPr lang="en-US" b="0" dirty="0" smtClean="0"/>
+              <a:t>!!! Retrieving data...</a:t>
+            </a:r>
+          </a:p>
+          <a:p>
+            <a:r>
+              <a:rPr lang="en-US" b="0" dirty="0" smtClean="0"/>
+              <a:t>  &lt;/section&gt;</a:t>
+            </a:r>
+          </a:p>
+          <a:p>
+            <a:r>
+              <a:rPr lang="en-US" b="0" dirty="0" smtClean="0"/>
+              <a:t>  &lt;</a:t>
+            </a:r>
+            <a:r>
+              <a:rPr lang="en-US" b="0" dirty="0" err="1" smtClean="0"/>
+              <a:t>ul</a:t>
+            </a:r>
+            <a:r>
+              <a:rPr lang="en-US" b="0" dirty="0" smtClean="0"/>
+              <a:t>&gt;</a:t>
+            </a:r>
+          </a:p>
+          <a:p>
+            <a:r>
+              <a:rPr lang="en-US" b="0" dirty="0" smtClean="0"/>
+              <a:t>    &lt;li *</a:t>
+            </a:r>
+            <a:r>
+              <a:rPr lang="en-US" b="0" dirty="0" err="1" smtClean="0"/>
+              <a:t>ngFor</a:t>
+            </a:r>
+            <a:r>
+              <a:rPr lang="en-US" b="0" dirty="0" smtClean="0"/>
+              <a:t>="let person of people"&gt;</a:t>
+            </a:r>
+          </a:p>
+          <a:p>
+            <a:r>
+              <a:rPr lang="en-US" b="0" dirty="0" smtClean="0"/>
+              <a:t>      &lt;!-- &lt;a </a:t>
+            </a:r>
+            <a:r>
+              <a:rPr lang="en-US" b="0" dirty="0" err="1" smtClean="0"/>
+              <a:t>href</a:t>
+            </a:r>
+            <a:r>
+              <a:rPr lang="en-US" b="0" dirty="0" smtClean="0"/>
+              <a:t>="#" [</a:t>
+            </a:r>
+            <a:r>
+              <a:rPr lang="en-US" b="0" dirty="0" err="1" smtClean="0"/>
+              <a:t>routerLink</a:t>
+            </a:r>
+            <a:r>
+              <a:rPr lang="en-US" b="0" dirty="0" smtClean="0"/>
+              <a:t>]="['/persons', person.id]"&gt;</a:t>
+            </a:r>
+          </a:p>
+          <a:p>
+            <a:r>
+              <a:rPr lang="en-US" b="0" dirty="0" smtClean="0"/>
+              <a:t>        {{person.name}}</a:t>
+            </a:r>
+          </a:p>
+          <a:p>
+            <a:r>
+              <a:rPr lang="en-US" b="0" dirty="0" smtClean="0"/>
+              <a:t>      &lt;/a&gt;  --&gt;</a:t>
+            </a:r>
+          </a:p>
+          <a:p>
+            <a:r>
+              <a:rPr lang="en-US" b="0" dirty="0" smtClean="0"/>
+              <a:t>        {{person.name}}</a:t>
+            </a:r>
+          </a:p>
+          <a:p>
+            <a:r>
+              <a:rPr lang="en-US" b="0" dirty="0" smtClean="0"/>
+              <a:t>    &lt;/li&gt;</a:t>
+            </a:r>
+          </a:p>
+          <a:p>
+            <a:r>
+              <a:rPr lang="en-US" b="0" dirty="0" smtClean="0"/>
+              <a:t>  &lt;/</a:t>
+            </a:r>
+            <a:r>
+              <a:rPr lang="en-US" b="0" dirty="0" err="1" smtClean="0"/>
+              <a:t>ul</a:t>
+            </a:r>
+            <a:r>
+              <a:rPr lang="en-US" b="0" dirty="0" smtClean="0"/>
+              <a:t>&gt;</a:t>
+            </a:r>
+          </a:p>
+          <a:p>
+            <a:r>
+              <a:rPr lang="en-US" b="0" dirty="0" smtClean="0"/>
+              <a:t>  &lt;section *</a:t>
+            </a:r>
+            <a:r>
+              <a:rPr lang="en-US" b="0" dirty="0" err="1" smtClean="0"/>
+              <a:t>ngIf</a:t>
+            </a:r>
+            <a:r>
+              <a:rPr lang="en-US" b="0" dirty="0" smtClean="0"/>
+              <a:t>="</a:t>
+            </a:r>
+            <a:r>
+              <a:rPr lang="en-US" b="0" dirty="0" err="1" smtClean="0"/>
+              <a:t>errorMessage</a:t>
+            </a:r>
+            <a:r>
+              <a:rPr lang="en-US" b="0" dirty="0" smtClean="0"/>
+              <a:t>"&gt;</a:t>
+            </a:r>
+          </a:p>
+          <a:p>
+            <a:r>
+              <a:rPr lang="en-US" b="0" dirty="0" smtClean="0"/>
+              <a:t>    {{</a:t>
+            </a:r>
+            <a:r>
+              <a:rPr lang="en-US" b="0" dirty="0" err="1" smtClean="0"/>
+              <a:t>errorMessage</a:t>
+            </a:r>
+            <a:r>
+              <a:rPr lang="en-US" b="0" dirty="0" smtClean="0"/>
+              <a:t>}}</a:t>
+            </a:r>
+          </a:p>
+          <a:p>
+            <a:r>
+              <a:rPr lang="en-US" b="0" dirty="0" smtClean="0"/>
+              <a:t>  &lt;/section&gt;</a:t>
+            </a:r>
+          </a:p>
+          <a:p>
+            <a:r>
+              <a:rPr lang="en-US" b="0" dirty="0" smtClean="0"/>
+              <a:t>&lt;/section&gt;</a:t>
+            </a:r>
+          </a:p>
+        </p:txBody>
+      </p:sp>
+      <p:sp>
+        <p:nvSpPr>
+          <p:cNvPr id="4" name="Slide Number Placeholder 3"/>
+          <p:cNvSpPr>
+            <a:spLocks noGrp="1"/>
+          </p:cNvSpPr>
+          <p:nvPr>
+            <p:ph type="sldNum" sz="quarter" idx="10"/>
+          </p:nvPr>
+        </p:nvSpPr>
+        <p:spPr/>
+        <p:txBody>
+          <a:bodyPr/>
+          <a:lstStyle/>
+          <a:p>
+            <a:fld id="{9C7E34CB-FAA9-46AF-804F-C5D35C87E069}" type="slidenum">
+              <a:rPr lang="en-US" smtClean="0"/>
+              <a:t>7</a:t>
+            </a:fld>
+            <a:endParaRPr lang="en-US"/>
+          </a:p>
+        </p:txBody>
+      </p:sp>
+    </p:spTree>
+    <p:extLst>
+      <p:ext uri="{BB962C8B-B14F-4D97-AF65-F5344CB8AC3E}">
+        <p14:creationId xmlns:p14="http://schemas.microsoft.com/office/powerpoint/2010/main" val="3089037808"/>
+      </p:ext>
+    </p:extLst>
+  </p:cSld>
+  <p:clrMapOvr>
+    <a:masterClrMapping/>
+  </p:clrMapOvr>
+</p:notes>
+</file>
+
+<file path=ppt/notesSlides/notesSlide6.xml><?xml version="1.0" encoding="utf-8"?>
+<p:notes xmlns:a="http://schemas.openxmlformats.org/drawingml/2006/main" xmlns:r="http://schemas.openxmlformats.org/officeDocument/2006/relationships" xmlns:p="http://schemas.openxmlformats.org/presentationml/2006/main">
+  <p:cSld>
+    <p:spTree>
+      <p:nvGrpSpPr>
+        <p:cNvPr id="1" name=""/>
+        <p:cNvGrpSpPr/>
+        <p:nvPr/>
+      </p:nvGrpSpPr>
+      <p:grpSpPr>
+        <a:xfrm>
+          <a:off x="0" y="0"/>
+          <a:ext cx="0" cy="0"/>
+          <a:chOff x="0" y="0"/>
+          <a:chExt cx="0" cy="0"/>
+        </a:xfrm>
+      </p:grpSpPr>
+      <p:sp>
+        <p:nvSpPr>
+          <p:cNvPr id="2" name="Slide Image Placeholder 1"/>
+          <p:cNvSpPr>
+            <a:spLocks noGrp="1" noRot="1" noChangeAspect="1"/>
+          </p:cNvSpPr>
+          <p:nvPr>
+            <p:ph type="sldImg"/>
+          </p:nvPr>
+        </p:nvSpPr>
+        <p:spPr/>
+      </p:sp>
+      <p:sp>
+        <p:nvSpPr>
+          <p:cNvPr id="3" name="Notes Placeholder 2"/>
+          <p:cNvSpPr>
+            <a:spLocks noGrp="1"/>
+          </p:cNvSpPr>
+          <p:nvPr>
+            <p:ph type="body" idx="1"/>
+          </p:nvPr>
+        </p:nvSpPr>
+        <p:spPr/>
+        <p:txBody>
+          <a:bodyPr/>
+          <a:lstStyle/>
+          <a:p>
+            <a:r>
+              <a:rPr lang="en-US" b="0" dirty="0" smtClean="0"/>
+              <a:t>import { Component, </a:t>
+            </a:r>
+            <a:r>
+              <a:rPr lang="en-US" b="0" dirty="0" err="1" smtClean="0"/>
+              <a:t>OnInit</a:t>
+            </a:r>
+            <a:r>
+              <a:rPr lang="en-US" b="0" dirty="0" smtClean="0"/>
+              <a:t> } from '@angular/core';</a:t>
+            </a:r>
+          </a:p>
+          <a:p>
+            <a:r>
+              <a:rPr lang="en-US" b="0" dirty="0" smtClean="0"/>
+              <a:t>import { Person } from './person';</a:t>
+            </a:r>
+          </a:p>
+          <a:p>
+            <a:r>
+              <a:rPr lang="en-US" b="0" dirty="0" smtClean="0"/>
+              <a:t>import { </a:t>
+            </a:r>
+            <a:r>
+              <a:rPr lang="en-US" b="0" dirty="0" err="1" smtClean="0"/>
+              <a:t>PeopleService</a:t>
+            </a:r>
+            <a:r>
+              <a:rPr lang="en-US" b="0" dirty="0" smtClean="0"/>
+              <a:t> } from './</a:t>
+            </a:r>
+            <a:r>
+              <a:rPr lang="en-US" b="0" dirty="0" err="1" smtClean="0"/>
+              <a:t>people.service</a:t>
+            </a:r>
+            <a:r>
+              <a:rPr lang="en-US" b="0" dirty="0" smtClean="0"/>
+              <a:t>';</a:t>
+            </a:r>
+          </a:p>
+          <a:p>
+            <a:endParaRPr lang="en-US" b="0" dirty="0" smtClean="0"/>
+          </a:p>
+          <a:p>
+            <a:r>
+              <a:rPr lang="en-US" b="0" dirty="0" smtClean="0"/>
+              <a:t>@Component({</a:t>
+            </a:r>
+          </a:p>
+          <a:p>
+            <a:r>
+              <a:rPr lang="en-US" b="0" dirty="0" smtClean="0"/>
+              <a:t>  selector: 'people-list',</a:t>
+            </a:r>
+          </a:p>
+          <a:p>
+            <a:r>
+              <a:rPr lang="en-US" b="0" dirty="0" smtClean="0"/>
+              <a:t>  </a:t>
+            </a:r>
+            <a:r>
+              <a:rPr lang="en-US" b="0" dirty="0" err="1" smtClean="0"/>
+              <a:t>templateUrl</a:t>
+            </a:r>
+            <a:r>
+              <a:rPr lang="en-US" b="0" dirty="0" smtClean="0"/>
+              <a:t>: 'app/people-list.component.html'</a:t>
+            </a:r>
+          </a:p>
+          <a:p>
+            <a:r>
+              <a:rPr lang="en-US" b="0" dirty="0" smtClean="0"/>
+              <a:t>})</a:t>
+            </a:r>
+          </a:p>
+          <a:p>
+            <a:r>
+              <a:rPr lang="en-US" b="0" dirty="0" smtClean="0"/>
+              <a:t>export class </a:t>
+            </a:r>
+            <a:r>
+              <a:rPr lang="en-US" b="0" dirty="0" err="1" smtClean="0"/>
+              <a:t>PeopleListComponent</a:t>
+            </a:r>
+            <a:r>
+              <a:rPr lang="en-US" b="0" dirty="0" smtClean="0"/>
+              <a:t> implements </a:t>
+            </a:r>
+            <a:r>
+              <a:rPr lang="en-US" b="0" dirty="0" err="1" smtClean="0"/>
+              <a:t>OnInit</a:t>
+            </a:r>
+            <a:r>
+              <a:rPr lang="en-US" b="0" dirty="0" smtClean="0"/>
+              <a:t> {</a:t>
+            </a:r>
+          </a:p>
+          <a:p>
+            <a:r>
+              <a:rPr lang="en-US" b="0" dirty="0" smtClean="0"/>
+              <a:t>  people: Person[] = [];</a:t>
+            </a:r>
+          </a:p>
+          <a:p>
+            <a:r>
+              <a:rPr lang="en-US" b="0" dirty="0" smtClean="0"/>
+              <a:t>  </a:t>
+            </a:r>
+            <a:r>
+              <a:rPr lang="en-US" b="0" dirty="0" err="1" smtClean="0"/>
+              <a:t>errorMessage</a:t>
+            </a:r>
+            <a:r>
+              <a:rPr lang="en-US" b="0" dirty="0" smtClean="0"/>
+              <a:t>: string = '';</a:t>
+            </a:r>
+          </a:p>
+          <a:p>
+            <a:r>
+              <a:rPr lang="en-US" b="0" dirty="0" smtClean="0"/>
+              <a:t>  </a:t>
+            </a:r>
+            <a:r>
+              <a:rPr lang="en-US" b="0" dirty="0" err="1" smtClean="0"/>
+              <a:t>isLoading</a:t>
+            </a:r>
+            <a:r>
+              <a:rPr lang="en-US" b="0" dirty="0" smtClean="0"/>
+              <a:t>: </a:t>
+            </a:r>
+            <a:r>
+              <a:rPr lang="en-US" b="0" dirty="0" err="1" smtClean="0"/>
+              <a:t>boolean</a:t>
+            </a:r>
+            <a:r>
+              <a:rPr lang="en-US" b="0" dirty="0" smtClean="0"/>
+              <a:t> = true;</a:t>
+            </a:r>
+          </a:p>
+          <a:p>
+            <a:endParaRPr lang="en-US" b="0" dirty="0" smtClean="0"/>
+          </a:p>
+          <a:p>
+            <a:r>
+              <a:rPr lang="en-US" b="0" dirty="0" smtClean="0"/>
+              <a:t>  constructor(private </a:t>
+            </a:r>
+            <a:r>
+              <a:rPr lang="en-US" b="0" dirty="0" err="1" smtClean="0"/>
+              <a:t>peopleService</a:t>
+            </a:r>
+            <a:r>
+              <a:rPr lang="en-US" b="0" dirty="0" smtClean="0"/>
+              <a:t>: </a:t>
+            </a:r>
+            <a:r>
+              <a:rPr lang="en-US" b="0" dirty="0" err="1" smtClean="0"/>
+              <a:t>PeopleService</a:t>
+            </a:r>
+            <a:r>
+              <a:rPr lang="en-US" b="0" dirty="0" smtClean="0"/>
+              <a:t>) { }</a:t>
+            </a:r>
+          </a:p>
+          <a:p>
+            <a:endParaRPr lang="en-US" b="0" dirty="0" smtClean="0"/>
+          </a:p>
+          <a:p>
+            <a:r>
+              <a:rPr lang="en-US" b="0" dirty="0" smtClean="0"/>
+              <a:t>  </a:t>
+            </a:r>
+            <a:r>
+              <a:rPr lang="en-US" b="0" dirty="0" err="1" smtClean="0"/>
+              <a:t>ngOnInit</a:t>
+            </a:r>
+            <a:r>
+              <a:rPr lang="en-US" b="0" dirty="0" smtClean="0"/>
+              <a:t>() {</a:t>
+            </a:r>
+          </a:p>
+          <a:p>
+            <a:r>
+              <a:rPr lang="en-US" b="0" dirty="0" smtClean="0"/>
+              <a:t>    </a:t>
+            </a:r>
+            <a:r>
+              <a:rPr lang="en-US" b="0" dirty="0" err="1" smtClean="0"/>
+              <a:t>this.peopleService</a:t>
+            </a:r>
+            <a:endParaRPr lang="en-US" b="0" dirty="0" smtClean="0"/>
+          </a:p>
+          <a:p>
+            <a:r>
+              <a:rPr lang="en-US" b="0" dirty="0" smtClean="0"/>
+              <a:t>      .</a:t>
+            </a:r>
+            <a:r>
+              <a:rPr lang="en-US" b="0" dirty="0" err="1" smtClean="0"/>
+              <a:t>getAll</a:t>
+            </a:r>
+            <a:r>
+              <a:rPr lang="en-US" b="0" dirty="0" smtClean="0"/>
+              <a:t>()</a:t>
+            </a:r>
+          </a:p>
+          <a:p>
+            <a:r>
+              <a:rPr lang="en-US" b="0" dirty="0" smtClean="0"/>
+              <a:t>      .subscribe(</a:t>
+            </a:r>
+          </a:p>
+          <a:p>
+            <a:r>
+              <a:rPr lang="en-US" b="0" dirty="0" smtClean="0"/>
+              <a:t>        /* happy path */ p =&gt; </a:t>
+            </a:r>
+            <a:r>
+              <a:rPr lang="en-US" b="0" dirty="0" err="1" smtClean="0"/>
+              <a:t>this.people</a:t>
+            </a:r>
+            <a:r>
+              <a:rPr lang="en-US" b="0" dirty="0" smtClean="0"/>
+              <a:t> = p,</a:t>
+            </a:r>
+          </a:p>
+          <a:p>
+            <a:r>
+              <a:rPr lang="en-US" b="0" dirty="0" smtClean="0"/>
+              <a:t>        /* error path */ e =&gt; </a:t>
+            </a:r>
+            <a:r>
+              <a:rPr lang="en-US" b="0" dirty="0" err="1" smtClean="0"/>
+              <a:t>this.errorMessage</a:t>
+            </a:r>
+            <a:r>
+              <a:rPr lang="en-US" b="0" dirty="0" smtClean="0"/>
+              <a:t> = e,</a:t>
+            </a:r>
+          </a:p>
+          <a:p>
+            <a:r>
+              <a:rPr lang="en-US" b="0" dirty="0" smtClean="0"/>
+              <a:t>        /* </a:t>
+            </a:r>
+            <a:r>
+              <a:rPr lang="en-US" b="0" dirty="0" err="1" smtClean="0"/>
+              <a:t>onComplete</a:t>
+            </a:r>
+            <a:r>
+              <a:rPr lang="en-US" b="0" dirty="0" smtClean="0"/>
+              <a:t> */ () =&gt; </a:t>
+            </a:r>
+            <a:r>
+              <a:rPr lang="en-US" b="0" dirty="0" err="1" smtClean="0"/>
+              <a:t>this.isLoading</a:t>
+            </a:r>
+            <a:r>
+              <a:rPr lang="en-US" b="0" dirty="0" smtClean="0"/>
+              <a:t> = false);</a:t>
+            </a:r>
+          </a:p>
+          <a:p>
+            <a:r>
+              <a:rPr lang="en-US" b="0" dirty="0" smtClean="0"/>
+              <a:t>  }</a:t>
+            </a:r>
+          </a:p>
+          <a:p>
+            <a:r>
+              <a:rPr lang="en-US" b="0" dirty="0" smtClean="0"/>
+              <a:t>}</a:t>
+            </a:r>
+          </a:p>
+        </p:txBody>
+      </p:sp>
+      <p:sp>
+        <p:nvSpPr>
+          <p:cNvPr id="4" name="Slide Number Placeholder 3"/>
+          <p:cNvSpPr>
+            <a:spLocks noGrp="1"/>
+          </p:cNvSpPr>
+          <p:nvPr>
+            <p:ph type="sldNum" sz="quarter" idx="10"/>
+          </p:nvPr>
+        </p:nvSpPr>
+        <p:spPr/>
+        <p:txBody>
+          <a:bodyPr/>
+          <a:lstStyle/>
+          <a:p>
+            <a:fld id="{9C7E34CB-FAA9-46AF-804F-C5D35C87E069}" type="slidenum">
+              <a:rPr lang="en-US" smtClean="0"/>
+              <a:t>8</a:t>
+            </a:fld>
+            <a:endParaRPr lang="en-US"/>
+          </a:p>
+        </p:txBody>
+      </p:sp>
+    </p:spTree>
+    <p:extLst>
+      <p:ext uri="{BB962C8B-B14F-4D97-AF65-F5344CB8AC3E}">
+        <p14:creationId xmlns:p14="http://schemas.microsoft.com/office/powerpoint/2010/main" val="701259817"/>
+      </p:ext>
+    </p:extLst>
+  </p:cSld>
+  <p:clrMapOvr>
+    <a:masterClrMapping/>
+  </p:clrMapOvr>
+</p:notes>
+</file>
+
+<file path=ppt/notesSlides/notesSlide7.xml><?xml version="1.0" encoding="utf-8"?>
+<p:notes xmlns:a="http://schemas.openxmlformats.org/drawingml/2006/main" xmlns:r="http://schemas.openxmlformats.org/officeDocument/2006/relationships" xmlns:p="http://schemas.openxmlformats.org/presentationml/2006/main">
+  <p:cSld>
+    <p:spTree>
+      <p:nvGrpSpPr>
+        <p:cNvPr id="1" name=""/>
+        <p:cNvGrpSpPr/>
+        <p:nvPr/>
+      </p:nvGrpSpPr>
+      <p:grpSpPr>
+        <a:xfrm>
+          <a:off x="0" y="0"/>
+          <a:ext cx="0" cy="0"/>
+          <a:chOff x="0" y="0"/>
+          <a:chExt cx="0" cy="0"/>
+        </a:xfrm>
+      </p:grpSpPr>
+      <p:sp>
+        <p:nvSpPr>
+          <p:cNvPr id="2" name="Slide Image Placeholder 1"/>
+          <p:cNvSpPr>
+            <a:spLocks noGrp="1" noRot="1" noChangeAspect="1"/>
+          </p:cNvSpPr>
+          <p:nvPr>
+            <p:ph type="sldImg"/>
+          </p:nvPr>
+        </p:nvSpPr>
+        <p:spPr/>
+      </p:sp>
+      <p:sp>
+        <p:nvSpPr>
+          <p:cNvPr id="3" name="Notes Placeholder 2"/>
+          <p:cNvSpPr>
+            <a:spLocks noGrp="1"/>
+          </p:cNvSpPr>
+          <p:nvPr>
+            <p:ph type="body" idx="1"/>
+          </p:nvPr>
+        </p:nvSpPr>
+        <p:spPr/>
+        <p:txBody>
+          <a:bodyPr/>
+          <a:lstStyle/>
+          <a:p>
+            <a:r>
+              <a:rPr lang="en-US" dirty="0" smtClean="0"/>
+              <a:t>&lt;section *</a:t>
+            </a:r>
+            <a:r>
+              <a:rPr lang="en-US" dirty="0" err="1" smtClean="0"/>
+              <a:t>ngIf</a:t>
+            </a:r>
+            <a:r>
+              <a:rPr lang="en-US" dirty="0" smtClean="0"/>
+              <a:t>="person"&gt;</a:t>
+            </a:r>
+          </a:p>
+          <a:p>
+            <a:r>
+              <a:rPr lang="en-US" dirty="0" smtClean="0"/>
+              <a:t>  &lt;section&gt;</a:t>
+            </a:r>
+          </a:p>
+          <a:p>
+            <a:r>
+              <a:rPr lang="en-US" dirty="0" smtClean="0"/>
+              <a:t>    &lt;h2&gt;You selected: {{person.name}}&lt;/h2&gt;</a:t>
+            </a:r>
+          </a:p>
+          <a:p>
+            <a:r>
+              <a:rPr lang="en-US" dirty="0" smtClean="0"/>
+              <a:t>    &lt;h3&gt;Description: &lt;/h3&gt;</a:t>
+            </a:r>
+          </a:p>
+          <a:p>
+            <a:r>
+              <a:rPr lang="en-US" dirty="0" smtClean="0"/>
+              <a:t>    &lt;p&gt;</a:t>
+            </a:r>
+          </a:p>
+          <a:p>
+            <a:r>
+              <a:rPr lang="en-US" dirty="0" smtClean="0"/>
+              <a:t>      {{person.name}} weights {{</a:t>
+            </a:r>
+            <a:r>
+              <a:rPr lang="en-US" dirty="0" err="1" smtClean="0"/>
+              <a:t>person.weight</a:t>
+            </a:r>
+            <a:r>
+              <a:rPr lang="en-US" dirty="0" smtClean="0"/>
+              <a:t>}} and is {{</a:t>
+            </a:r>
+            <a:r>
+              <a:rPr lang="en-US" dirty="0" err="1" smtClean="0"/>
+              <a:t>person.height</a:t>
+            </a:r>
+            <a:r>
+              <a:rPr lang="en-US" dirty="0" smtClean="0"/>
+              <a:t>}} tall. &lt;</a:t>
+            </a:r>
+            <a:r>
+              <a:rPr lang="en-US" dirty="0" err="1" smtClean="0"/>
+              <a:t>br</a:t>
+            </a:r>
+            <a:r>
+              <a:rPr lang="en-US" dirty="0" smtClean="0"/>
+              <a:t>/&gt;</a:t>
+            </a:r>
+          </a:p>
+          <a:p>
+            <a:r>
+              <a:rPr lang="en-US" dirty="0" smtClean="0"/>
+              <a:t>      Their gender is {{</a:t>
+            </a:r>
+            <a:r>
+              <a:rPr lang="en-US" dirty="0" err="1" smtClean="0"/>
+              <a:t>person.gender</a:t>
+            </a:r>
+            <a:r>
+              <a:rPr lang="en-US" dirty="0" smtClean="0"/>
+              <a:t>}}.</a:t>
+            </a:r>
+          </a:p>
+          <a:p>
+            <a:r>
+              <a:rPr lang="en-US" dirty="0" smtClean="0"/>
+              <a:t>    &lt;/p&gt;</a:t>
+            </a:r>
+          </a:p>
+          <a:p>
+            <a:r>
+              <a:rPr lang="en-US" dirty="0" smtClean="0"/>
+              <a:t>  &lt;/section&gt;</a:t>
+            </a:r>
+          </a:p>
+          <a:p>
+            <a:r>
+              <a:rPr lang="en-US" dirty="0" smtClean="0"/>
+              <a:t>  &lt;!-- this is the back button --&gt;</a:t>
+            </a:r>
+          </a:p>
+          <a:p>
+            <a:r>
+              <a:rPr lang="en-US" dirty="0" smtClean="0"/>
+              <a:t>  &lt;button (click)="</a:t>
+            </a:r>
+            <a:r>
+              <a:rPr lang="en-US" dirty="0" err="1" smtClean="0"/>
+              <a:t>gotoPeoplesList</a:t>
+            </a:r>
+            <a:r>
+              <a:rPr lang="en-US" dirty="0" smtClean="0"/>
+              <a:t>()"&gt;Back to People list&lt;/button&gt;</a:t>
+            </a:r>
+          </a:p>
+          <a:p>
+            <a:r>
+              <a:rPr lang="en-US" dirty="0" smtClean="0"/>
+              <a:t>&lt;/section&gt;</a:t>
+            </a:r>
+          </a:p>
+          <a:p>
+            <a:r>
+              <a:rPr lang="en-US" dirty="0" smtClean="0"/>
+              <a:t>======================================</a:t>
+            </a:r>
+          </a:p>
+          <a:p>
+            <a:r>
+              <a:rPr lang="en-US" dirty="0" smtClean="0"/>
+              <a:t>import { Component, </a:t>
+            </a:r>
+            <a:r>
+              <a:rPr lang="en-US" dirty="0" err="1" smtClean="0"/>
+              <a:t>OnInit</a:t>
+            </a:r>
+            <a:r>
+              <a:rPr lang="en-US" dirty="0" smtClean="0"/>
+              <a:t>, </a:t>
+            </a:r>
+            <a:r>
+              <a:rPr lang="en-US" dirty="0" err="1" smtClean="0"/>
+              <a:t>OnDestroy</a:t>
+            </a:r>
+            <a:r>
+              <a:rPr lang="en-US" dirty="0" smtClean="0"/>
+              <a:t> } from '@angular/core';</a:t>
+            </a:r>
+          </a:p>
+          <a:p>
+            <a:r>
+              <a:rPr lang="en-US" dirty="0" smtClean="0"/>
+              <a:t>import { </a:t>
+            </a:r>
+            <a:r>
+              <a:rPr lang="en-US" dirty="0" err="1" smtClean="0"/>
+              <a:t>ActivatedRoute</a:t>
+            </a:r>
+            <a:r>
+              <a:rPr lang="en-US" dirty="0" smtClean="0"/>
+              <a:t>, Router } from '@angular/router';</a:t>
+            </a:r>
+          </a:p>
+          <a:p>
+            <a:endParaRPr lang="en-US" dirty="0" smtClean="0"/>
+          </a:p>
+          <a:p>
+            <a:r>
+              <a:rPr lang="en-US" dirty="0" smtClean="0"/>
+              <a:t>import { Person } from './person';</a:t>
+            </a:r>
+          </a:p>
+          <a:p>
+            <a:r>
+              <a:rPr lang="en-US" dirty="0" smtClean="0"/>
+              <a:t>import { </a:t>
+            </a:r>
+            <a:r>
+              <a:rPr lang="en-US" dirty="0" err="1" smtClean="0"/>
+              <a:t>PeopleService</a:t>
+            </a:r>
+            <a:r>
+              <a:rPr lang="en-US" dirty="0" smtClean="0"/>
+              <a:t> } from './</a:t>
+            </a:r>
+            <a:r>
+              <a:rPr lang="en-US" dirty="0" err="1" smtClean="0"/>
+              <a:t>people.service</a:t>
+            </a:r>
+            <a:r>
+              <a:rPr lang="en-US" dirty="0" smtClean="0"/>
+              <a:t>';</a:t>
+            </a:r>
+          </a:p>
+          <a:p>
+            <a:endParaRPr lang="en-US" dirty="0" smtClean="0"/>
+          </a:p>
+          <a:p>
+            <a:r>
+              <a:rPr lang="en-US" dirty="0" smtClean="0"/>
+              <a:t>@Component({</a:t>
+            </a:r>
+          </a:p>
+          <a:p>
+            <a:r>
+              <a:rPr lang="en-US" dirty="0" smtClean="0"/>
+              <a:t>  selector: 'person-details',</a:t>
+            </a:r>
+          </a:p>
+          <a:p>
+            <a:r>
+              <a:rPr lang="en-US" dirty="0" smtClean="0"/>
+              <a:t>  </a:t>
+            </a:r>
+            <a:r>
+              <a:rPr lang="en-US" dirty="0" err="1" smtClean="0"/>
+              <a:t>templateUrl</a:t>
+            </a:r>
+            <a:r>
+              <a:rPr lang="en-US" dirty="0" smtClean="0"/>
+              <a:t>: 'app/person-details.component.html'</a:t>
+            </a:r>
+          </a:p>
+          <a:p>
+            <a:r>
+              <a:rPr lang="en-US" dirty="0" smtClean="0"/>
+              <a:t>})</a:t>
+            </a:r>
+          </a:p>
+          <a:p>
+            <a:r>
+              <a:rPr lang="en-US" dirty="0" smtClean="0"/>
+              <a:t>export class </a:t>
+            </a:r>
+            <a:r>
+              <a:rPr lang="en-US" dirty="0" err="1" smtClean="0"/>
+              <a:t>PersonDetailsComponent</a:t>
+            </a:r>
+            <a:r>
+              <a:rPr lang="en-US" dirty="0" smtClean="0"/>
+              <a:t> implements </a:t>
+            </a:r>
+            <a:r>
+              <a:rPr lang="en-US" dirty="0" err="1" smtClean="0"/>
+              <a:t>OnInit</a:t>
+            </a:r>
+            <a:r>
+              <a:rPr lang="en-US" dirty="0" smtClean="0"/>
+              <a:t>, </a:t>
+            </a:r>
+            <a:r>
+              <a:rPr lang="en-US" dirty="0" err="1" smtClean="0"/>
+              <a:t>OnDestroy</a:t>
+            </a:r>
+            <a:r>
+              <a:rPr lang="en-US" dirty="0" smtClean="0"/>
+              <a:t> {</a:t>
+            </a:r>
+          </a:p>
+          <a:p>
+            <a:r>
+              <a:rPr lang="en-US" dirty="0" smtClean="0"/>
+              <a:t>  person: Person;</a:t>
+            </a:r>
+          </a:p>
+          <a:p>
+            <a:r>
+              <a:rPr lang="en-US" dirty="0" smtClean="0"/>
+              <a:t>  sub: any;</a:t>
+            </a:r>
+          </a:p>
+          <a:p>
+            <a:endParaRPr lang="en-US" dirty="0" smtClean="0"/>
+          </a:p>
+          <a:p>
+            <a:r>
+              <a:rPr lang="en-US" dirty="0" smtClean="0"/>
+              <a:t>  constructor(private </a:t>
+            </a:r>
+            <a:r>
+              <a:rPr lang="en-US" dirty="0" err="1" smtClean="0"/>
+              <a:t>peopleService</a:t>
+            </a:r>
+            <a:r>
+              <a:rPr lang="en-US" dirty="0" smtClean="0"/>
+              <a:t>: </a:t>
+            </a:r>
+            <a:r>
+              <a:rPr lang="en-US" dirty="0" err="1" smtClean="0"/>
+              <a:t>PeopleService</a:t>
+            </a:r>
+            <a:r>
+              <a:rPr lang="en-US" dirty="0" smtClean="0"/>
+              <a:t>,</a:t>
+            </a:r>
+          </a:p>
+          <a:p>
+            <a:r>
+              <a:rPr lang="en-US" dirty="0" smtClean="0"/>
+              <a:t>              private route: </a:t>
+            </a:r>
+            <a:r>
+              <a:rPr lang="en-US" dirty="0" err="1" smtClean="0"/>
+              <a:t>ActivatedRoute</a:t>
+            </a:r>
+            <a:r>
+              <a:rPr lang="en-US" dirty="0" smtClean="0"/>
+              <a:t>,</a:t>
+            </a:r>
+          </a:p>
+          <a:p>
+            <a:r>
+              <a:rPr lang="en-US" dirty="0" smtClean="0"/>
+              <a:t>              private router: Router) {</a:t>
+            </a:r>
+          </a:p>
+          <a:p>
+            <a:r>
+              <a:rPr lang="en-US" dirty="0" smtClean="0"/>
+              <a:t>  }</a:t>
+            </a:r>
+          </a:p>
+          <a:p>
+            <a:endParaRPr lang="en-US" dirty="0" smtClean="0"/>
+          </a:p>
+          <a:p>
+            <a:r>
+              <a:rPr lang="en-US" dirty="0" smtClean="0"/>
+              <a:t>  </a:t>
+            </a:r>
+            <a:r>
+              <a:rPr lang="en-US" dirty="0" err="1" smtClean="0"/>
+              <a:t>ngOnInit</a:t>
+            </a:r>
+            <a:r>
+              <a:rPr lang="en-US" dirty="0" smtClean="0"/>
+              <a:t>() {</a:t>
+            </a:r>
+          </a:p>
+          <a:p>
+            <a:r>
+              <a:rPr lang="en-US" dirty="0" smtClean="0"/>
+              <a:t>    </a:t>
+            </a:r>
+            <a:r>
+              <a:rPr lang="en-US" dirty="0" err="1" smtClean="0"/>
+              <a:t>this.sub</a:t>
+            </a:r>
+            <a:r>
+              <a:rPr lang="en-US" dirty="0" smtClean="0"/>
+              <a:t> = </a:t>
+            </a:r>
+            <a:r>
+              <a:rPr lang="en-US" dirty="0" err="1" smtClean="0"/>
+              <a:t>this.route.params.subscribe</a:t>
+            </a:r>
+            <a:r>
+              <a:rPr lang="en-US" dirty="0" smtClean="0"/>
+              <a:t>(</a:t>
+            </a:r>
+            <a:r>
+              <a:rPr lang="en-US" dirty="0" err="1" smtClean="0"/>
+              <a:t>params</a:t>
+            </a:r>
+            <a:r>
+              <a:rPr lang="en-US" dirty="0" smtClean="0"/>
+              <a:t> =&gt; {</a:t>
+            </a:r>
+          </a:p>
+          <a:p>
+            <a:r>
+              <a:rPr lang="en-US" dirty="0" smtClean="0"/>
+              <a:t>      // here is how to get the parameter id number from the </a:t>
+            </a:r>
+            <a:r>
+              <a:rPr lang="en-US" dirty="0" err="1" smtClean="0"/>
+              <a:t>url</a:t>
+            </a:r>
+            <a:endParaRPr lang="en-US" dirty="0" smtClean="0"/>
+          </a:p>
+          <a:p>
+            <a:r>
+              <a:rPr lang="en-US" dirty="0" smtClean="0"/>
+              <a:t>      let id = </a:t>
+            </a:r>
+            <a:r>
+              <a:rPr lang="en-US" dirty="0" err="1" smtClean="0"/>
+              <a:t>Number.parseInt</a:t>
+            </a:r>
+            <a:r>
+              <a:rPr lang="en-US" dirty="0" smtClean="0"/>
+              <a:t>(</a:t>
+            </a:r>
+            <a:r>
+              <a:rPr lang="en-US" dirty="0" err="1" smtClean="0"/>
+              <a:t>params</a:t>
+            </a:r>
+            <a:r>
+              <a:rPr lang="en-US" dirty="0" smtClean="0"/>
+              <a:t>['id']);</a:t>
+            </a:r>
+          </a:p>
+          <a:p>
+            <a:r>
+              <a:rPr lang="en-US" dirty="0" smtClean="0"/>
+              <a:t>      console.log('getting person with id: ', id);</a:t>
+            </a:r>
+          </a:p>
+          <a:p>
+            <a:r>
+              <a:rPr lang="en-US" dirty="0" smtClean="0"/>
+              <a:t>      </a:t>
+            </a:r>
+            <a:r>
+              <a:rPr lang="en-US" dirty="0" err="1" smtClean="0"/>
+              <a:t>this.peopleService</a:t>
+            </a:r>
+            <a:endParaRPr lang="en-US" dirty="0" smtClean="0"/>
+          </a:p>
+          <a:p>
+            <a:r>
+              <a:rPr lang="en-US" dirty="0" smtClean="0"/>
+              <a:t>        .get(id)</a:t>
+            </a:r>
+          </a:p>
+          <a:p>
+            <a:r>
+              <a:rPr lang="en-US" dirty="0" smtClean="0"/>
+              <a:t>        .subscribe(p =&gt; </a:t>
+            </a:r>
+            <a:r>
+              <a:rPr lang="en-US" dirty="0" err="1" smtClean="0"/>
+              <a:t>this.person</a:t>
+            </a:r>
+            <a:r>
+              <a:rPr lang="en-US" dirty="0" smtClean="0"/>
+              <a:t> = p);</a:t>
+            </a:r>
+          </a:p>
+          <a:p>
+            <a:r>
+              <a:rPr lang="en-US" dirty="0" smtClean="0"/>
+              <a:t>    });</a:t>
+            </a:r>
+          </a:p>
+          <a:p>
+            <a:r>
+              <a:rPr lang="en-US" dirty="0" smtClean="0"/>
+              <a:t>  }</a:t>
+            </a:r>
+          </a:p>
+          <a:p>
+            <a:endParaRPr lang="en-US" dirty="0" smtClean="0"/>
+          </a:p>
+          <a:p>
+            <a:r>
+              <a:rPr lang="en-US" dirty="0" smtClean="0"/>
+              <a:t>  </a:t>
+            </a:r>
+            <a:r>
+              <a:rPr lang="en-US" dirty="0" err="1" smtClean="0"/>
+              <a:t>ngOnDestroy</a:t>
+            </a:r>
+            <a:r>
+              <a:rPr lang="en-US" dirty="0" smtClean="0"/>
+              <a:t>() {</a:t>
+            </a:r>
+          </a:p>
+          <a:p>
+            <a:r>
+              <a:rPr lang="en-US" dirty="0" smtClean="0"/>
+              <a:t>    // to avoid memory leaks</a:t>
+            </a:r>
+          </a:p>
+          <a:p>
+            <a:r>
+              <a:rPr lang="en-US" dirty="0" smtClean="0"/>
+              <a:t>    </a:t>
+            </a:r>
+            <a:r>
+              <a:rPr lang="en-US" dirty="0" err="1" smtClean="0"/>
+              <a:t>this.sub.unsubscribe</a:t>
+            </a:r>
+            <a:r>
+              <a:rPr lang="en-US" dirty="0" smtClean="0"/>
+              <a:t>();</a:t>
+            </a:r>
+          </a:p>
+          <a:p>
+            <a:r>
+              <a:rPr lang="en-US" dirty="0" smtClean="0"/>
+              <a:t>  }</a:t>
+            </a:r>
+          </a:p>
+          <a:p>
+            <a:endParaRPr lang="en-US" dirty="0" smtClean="0"/>
+          </a:p>
+          <a:p>
+            <a:r>
+              <a:rPr lang="en-US" dirty="0" smtClean="0"/>
+              <a:t>  </a:t>
+            </a:r>
+            <a:r>
+              <a:rPr lang="en-US" dirty="0" err="1" smtClean="0"/>
+              <a:t>gotoPeoplesList</a:t>
+            </a:r>
+            <a:r>
+              <a:rPr lang="en-US" dirty="0" smtClean="0"/>
+              <a:t>() {</a:t>
+            </a:r>
+          </a:p>
+          <a:p>
+            <a:r>
+              <a:rPr lang="en-US" dirty="0" smtClean="0"/>
+              <a:t>    let link = ['/persons'];</a:t>
+            </a:r>
+          </a:p>
+          <a:p>
+            <a:r>
+              <a:rPr lang="en-US" dirty="0" smtClean="0"/>
+              <a:t>    </a:t>
+            </a:r>
+            <a:r>
+              <a:rPr lang="en-US" dirty="0" err="1" smtClean="0"/>
+              <a:t>this.router.navigate</a:t>
+            </a:r>
+            <a:r>
+              <a:rPr lang="en-US" dirty="0" smtClean="0"/>
+              <a:t>(link);</a:t>
+            </a:r>
+          </a:p>
+          <a:p>
+            <a:r>
+              <a:rPr lang="en-US" dirty="0" smtClean="0"/>
+              <a:t>    // you can also use the </a:t>
+            </a:r>
+            <a:r>
+              <a:rPr lang="en-US" dirty="0" err="1" smtClean="0"/>
+              <a:t>window.history</a:t>
+            </a:r>
+            <a:r>
+              <a:rPr lang="en-US" dirty="0" smtClean="0"/>
+              <a:t> API instead of the two previous lines:</a:t>
+            </a:r>
+          </a:p>
+          <a:p>
+            <a:r>
+              <a:rPr lang="en-US" dirty="0" smtClean="0"/>
+              <a:t>    // </a:t>
+            </a:r>
+            <a:r>
+              <a:rPr lang="en-US" dirty="0" err="1" smtClean="0"/>
+              <a:t>window.history.back</a:t>
+            </a:r>
+            <a:r>
+              <a:rPr lang="en-US" dirty="0" smtClean="0"/>
+              <a:t>();</a:t>
+            </a:r>
+          </a:p>
+          <a:p>
+            <a:r>
+              <a:rPr lang="en-US" dirty="0" smtClean="0"/>
+              <a:t>  }</a:t>
+            </a:r>
+          </a:p>
+          <a:p>
+            <a:endParaRPr lang="en-US" dirty="0" smtClean="0"/>
+          </a:p>
+          <a:p>
+            <a:r>
+              <a:rPr lang="en-US" dirty="0" smtClean="0"/>
+              <a:t>}</a:t>
+            </a:r>
+          </a:p>
+          <a:p>
+            <a:endParaRPr lang="en-US" dirty="0"/>
+          </a:p>
+        </p:txBody>
+      </p:sp>
+      <p:sp>
+        <p:nvSpPr>
+          <p:cNvPr id="4" name="Slide Number Placeholder 3"/>
+          <p:cNvSpPr>
+            <a:spLocks noGrp="1"/>
+          </p:cNvSpPr>
+          <p:nvPr>
+            <p:ph type="sldNum" sz="quarter" idx="10"/>
+          </p:nvPr>
+        </p:nvSpPr>
+        <p:spPr/>
+        <p:txBody>
+          <a:bodyPr/>
+          <a:lstStyle/>
+          <a:p>
+            <a:fld id="{9C7E34CB-FAA9-46AF-804F-C5D35C87E069}" type="slidenum">
+              <a:rPr lang="en-US" smtClean="0"/>
+              <a:t>9</a:t>
+            </a:fld>
+            <a:endParaRPr lang="en-US"/>
+          </a:p>
+        </p:txBody>
+      </p:sp>
+    </p:spTree>
+    <p:extLst>
+      <p:ext uri="{BB962C8B-B14F-4D97-AF65-F5344CB8AC3E}">
+        <p14:creationId xmlns:p14="http://schemas.microsoft.com/office/powerpoint/2010/main" val="2114188790"/>
+      </p:ext>
+    </p:extLst>
+  </p:cSld>
+  <p:clrMapOvr>
+    <a:masterClrMapping/>
+  </p:clrMapOvr>
+</p:notes>
+</file>
+
+<file path=ppt/notesSlides/notesSlide8.xml><?xml version="1.0" encoding="utf-8"?>
+<p:notes xmlns:a="http://schemas.openxmlformats.org/drawingml/2006/main" xmlns:r="http://schemas.openxmlformats.org/officeDocument/2006/relationships" xmlns:p="http://schemas.openxmlformats.org/presentationml/2006/main">
+  <p:cSld>
+    <p:spTree>
+      <p:nvGrpSpPr>
+        <p:cNvPr id="1" name=""/>
+        <p:cNvGrpSpPr/>
+        <p:nvPr/>
+      </p:nvGrpSpPr>
+      <p:grpSpPr>
+        <a:xfrm>
+          <a:off x="0" y="0"/>
+          <a:ext cx="0" cy="0"/>
+          <a:chOff x="0" y="0"/>
+          <a:chExt cx="0" cy="0"/>
+        </a:xfrm>
+      </p:grpSpPr>
+      <p:sp>
+        <p:nvSpPr>
+          <p:cNvPr id="2" name="Slide Image Placeholder 1"/>
+          <p:cNvSpPr>
+            <a:spLocks noGrp="1" noRot="1" noChangeAspect="1"/>
+          </p:cNvSpPr>
+          <p:nvPr>
+            <p:ph type="sldImg"/>
+          </p:nvPr>
+        </p:nvSpPr>
+        <p:spPr/>
+      </p:sp>
+      <p:sp>
+        <p:nvSpPr>
+          <p:cNvPr id="3" name="Notes Placeholder 2"/>
+          <p:cNvSpPr>
+            <a:spLocks noGrp="1"/>
+          </p:cNvSpPr>
+          <p:nvPr>
+            <p:ph type="body" idx="1"/>
+          </p:nvPr>
+        </p:nvSpPr>
+        <p:spPr/>
+        <p:txBody>
+          <a:bodyPr/>
+          <a:lstStyle/>
+          <a:p>
+            <a:r>
+              <a:rPr lang="en-US" sz="1200" b="0" i="0" kern="1200" dirty="0" smtClean="0">
+                <a:solidFill>
+                  <a:schemeClr val="tx1"/>
+                </a:solidFill>
+                <a:effectLst/>
+                <a:latin typeface="+mn-lt"/>
+                <a:ea typeface="+mn-ea"/>
+                <a:cs typeface="+mn-cs"/>
+              </a:rPr>
+              <a:t>Every Angular app has at least one Angular </a:t>
+            </a:r>
+            <a:r>
+              <a:rPr lang="en-US" sz="1200" b="1" i="0" kern="1200" dirty="0" smtClean="0">
+                <a:solidFill>
+                  <a:schemeClr val="tx1"/>
+                </a:solidFill>
+                <a:effectLst/>
+                <a:latin typeface="+mn-lt"/>
+                <a:ea typeface="+mn-ea"/>
+                <a:cs typeface="+mn-cs"/>
+              </a:rPr>
+              <a:t>module</a:t>
+            </a:r>
+            <a:r>
+              <a:rPr lang="en-US" sz="1200" b="0" i="0" kern="1200" dirty="0" smtClean="0">
+                <a:solidFill>
+                  <a:schemeClr val="tx1"/>
+                </a:solidFill>
+                <a:effectLst/>
+                <a:latin typeface="+mn-lt"/>
+                <a:ea typeface="+mn-ea"/>
+                <a:cs typeface="+mn-cs"/>
+              </a:rPr>
+              <a:t> class, the root module,</a:t>
+            </a:r>
+            <a:r>
+              <a:rPr lang="en-US" sz="1200" b="0" i="0" kern="1200" baseline="0" dirty="0" smtClean="0">
+                <a:solidFill>
+                  <a:schemeClr val="tx1"/>
+                </a:solidFill>
+                <a:effectLst/>
+                <a:latin typeface="+mn-lt"/>
+                <a:ea typeface="+mn-ea"/>
+                <a:cs typeface="+mn-cs"/>
+              </a:rPr>
+              <a:t> </a:t>
+            </a:r>
+            <a:r>
+              <a:rPr lang="en-US" sz="1200" b="0" i="0" kern="1200" dirty="0" smtClean="0">
+                <a:solidFill>
+                  <a:schemeClr val="tx1"/>
+                </a:solidFill>
+                <a:effectLst/>
+                <a:latin typeface="+mn-lt"/>
+                <a:ea typeface="+mn-ea"/>
+                <a:cs typeface="+mn-cs"/>
+              </a:rPr>
+              <a:t>conventionally named </a:t>
+            </a:r>
+            <a:r>
+              <a:rPr lang="en-US" sz="1200" b="0" i="0" kern="1200" dirty="0" err="1" smtClean="0">
+                <a:solidFill>
+                  <a:schemeClr val="tx1"/>
+                </a:solidFill>
+                <a:effectLst/>
+                <a:latin typeface="+mn-lt"/>
+                <a:ea typeface="+mn-ea"/>
+                <a:cs typeface="+mn-cs"/>
+              </a:rPr>
+              <a:t>AppModule</a:t>
+            </a:r>
+            <a:r>
+              <a:rPr lang="en-US" sz="1200" b="0" i="0" kern="1200" dirty="0" smtClean="0">
+                <a:solidFill>
+                  <a:schemeClr val="tx1"/>
+                </a:solidFill>
+                <a:effectLst/>
+                <a:latin typeface="+mn-lt"/>
+                <a:ea typeface="+mn-ea"/>
+                <a:cs typeface="+mn-cs"/>
+              </a:rPr>
+              <a:t>.</a:t>
+            </a:r>
+            <a:r>
+              <a:rPr lang="en-US" sz="1200" b="0" i="0" kern="1200" baseline="0" dirty="0" smtClean="0">
+                <a:solidFill>
+                  <a:schemeClr val="tx1"/>
+                </a:solidFill>
+                <a:effectLst/>
+                <a:latin typeface="+mn-lt"/>
+                <a:ea typeface="+mn-ea"/>
+                <a:cs typeface="+mn-cs"/>
+              </a:rPr>
+              <a:t> </a:t>
+            </a:r>
+            <a:r>
+              <a:rPr lang="en-US" sz="1200" b="0" i="0" kern="1200" dirty="0" smtClean="0">
+                <a:solidFill>
+                  <a:schemeClr val="tx1"/>
+                </a:solidFill>
+                <a:effectLst/>
+                <a:latin typeface="+mn-lt"/>
+                <a:ea typeface="+mn-ea"/>
+                <a:cs typeface="+mn-cs"/>
+              </a:rPr>
+              <a:t>Most apps have many more </a:t>
+            </a:r>
+            <a:r>
+              <a:rPr lang="en-US" sz="1200" b="0" i="1" kern="1200" dirty="0" smtClean="0">
+                <a:solidFill>
+                  <a:schemeClr val="tx1"/>
+                </a:solidFill>
+                <a:effectLst/>
+                <a:latin typeface="+mn-lt"/>
+                <a:ea typeface="+mn-ea"/>
+                <a:cs typeface="+mn-cs"/>
+              </a:rPr>
+              <a:t>feature modules</a:t>
+            </a:r>
+            <a:r>
+              <a:rPr lang="en-US" sz="1200" b="0" i="0" kern="1200" dirty="0" smtClean="0">
+                <a:solidFill>
+                  <a:schemeClr val="tx1"/>
+                </a:solidFill>
+                <a:effectLst/>
+                <a:latin typeface="+mn-lt"/>
+                <a:ea typeface="+mn-ea"/>
+                <a:cs typeface="+mn-cs"/>
+              </a:rPr>
+              <a:t>, each a cohesive block of code dedicated to an application domain, a </a:t>
+            </a:r>
+            <a:r>
+              <a:rPr lang="en-US" sz="1200" b="0" i="0" kern="1200" dirty="0" err="1" smtClean="0">
+                <a:solidFill>
+                  <a:schemeClr val="tx1"/>
+                </a:solidFill>
+                <a:effectLst/>
+                <a:latin typeface="+mn-lt"/>
+                <a:ea typeface="+mn-ea"/>
+                <a:cs typeface="+mn-cs"/>
+              </a:rPr>
+              <a:t>workflow,or</a:t>
+            </a:r>
+            <a:r>
+              <a:rPr lang="en-US" sz="1200" b="0" i="0" kern="1200" dirty="0" smtClean="0">
+                <a:solidFill>
+                  <a:schemeClr val="tx1"/>
+                </a:solidFill>
+                <a:effectLst/>
+                <a:latin typeface="+mn-lt"/>
+                <a:ea typeface="+mn-ea"/>
+                <a:cs typeface="+mn-cs"/>
+              </a:rPr>
+              <a:t> a closely related set of capabilities.</a:t>
+            </a:r>
+            <a:r>
+              <a:rPr lang="en-US" sz="1200" b="0" i="0" kern="1200" baseline="0" dirty="0" smtClean="0">
+                <a:solidFill>
+                  <a:schemeClr val="tx1"/>
+                </a:solidFill>
+                <a:effectLst/>
+                <a:latin typeface="+mn-lt"/>
+                <a:ea typeface="+mn-ea"/>
+                <a:cs typeface="+mn-cs"/>
+              </a:rPr>
+              <a:t> </a:t>
+            </a:r>
+            <a:r>
+              <a:rPr lang="en-US" sz="1200" b="0" i="0" kern="1200" dirty="0" smtClean="0">
+                <a:solidFill>
+                  <a:schemeClr val="tx1"/>
+                </a:solidFill>
+                <a:effectLst/>
+                <a:latin typeface="+mn-lt"/>
+                <a:ea typeface="+mn-ea"/>
+                <a:cs typeface="+mn-cs"/>
+              </a:rPr>
+              <a:t>An Angular module, whether a </a:t>
+            </a:r>
+            <a:r>
+              <a:rPr lang="en-US" sz="1200" b="0" i="1" kern="1200" dirty="0" smtClean="0">
+                <a:solidFill>
+                  <a:schemeClr val="tx1"/>
+                </a:solidFill>
+                <a:effectLst/>
+                <a:latin typeface="+mn-lt"/>
+                <a:ea typeface="+mn-ea"/>
+                <a:cs typeface="+mn-cs"/>
+              </a:rPr>
+              <a:t>root</a:t>
+            </a:r>
+            <a:r>
+              <a:rPr lang="en-US" sz="1200" b="0" i="0" kern="1200" dirty="0" smtClean="0">
+                <a:solidFill>
+                  <a:schemeClr val="tx1"/>
+                </a:solidFill>
+                <a:effectLst/>
+                <a:latin typeface="+mn-lt"/>
+                <a:ea typeface="+mn-ea"/>
+                <a:cs typeface="+mn-cs"/>
+              </a:rPr>
+              <a:t> or </a:t>
+            </a:r>
+            <a:r>
+              <a:rPr lang="en-US" sz="1200" b="0" i="1" kern="1200" dirty="0" smtClean="0">
+                <a:solidFill>
+                  <a:schemeClr val="tx1"/>
+                </a:solidFill>
+                <a:effectLst/>
+                <a:latin typeface="+mn-lt"/>
+                <a:ea typeface="+mn-ea"/>
+                <a:cs typeface="+mn-cs"/>
+              </a:rPr>
+              <a:t>feature</a:t>
+            </a:r>
+            <a:r>
+              <a:rPr lang="en-US" sz="1200" b="0" i="0" kern="1200" dirty="0" smtClean="0">
+                <a:solidFill>
+                  <a:schemeClr val="tx1"/>
+                </a:solidFill>
+                <a:effectLst/>
+                <a:latin typeface="+mn-lt"/>
+                <a:ea typeface="+mn-ea"/>
+                <a:cs typeface="+mn-cs"/>
+              </a:rPr>
+              <a:t>, is a class with an </a:t>
+            </a:r>
+            <a:r>
+              <a:rPr lang="en-US" dirty="0" smtClean="0"/>
+              <a:t>@</a:t>
+            </a:r>
+            <a:r>
+              <a:rPr lang="en-US" dirty="0" err="1" smtClean="0"/>
+              <a:t>NgModule</a:t>
+            </a:r>
+            <a:r>
+              <a:rPr lang="en-US" sz="1200" b="0" i="0" kern="1200" dirty="0" smtClean="0">
+                <a:solidFill>
+                  <a:schemeClr val="tx1"/>
+                </a:solidFill>
+                <a:effectLst/>
+                <a:latin typeface="+mn-lt"/>
+                <a:ea typeface="+mn-ea"/>
+                <a:cs typeface="+mn-cs"/>
+              </a:rPr>
+              <a:t> decorator. Ours is </a:t>
+            </a:r>
+            <a:r>
+              <a:rPr lang="en-US" sz="1200" b="0" i="0" kern="1200" dirty="0" err="1" smtClean="0">
+                <a:solidFill>
+                  <a:schemeClr val="tx1"/>
+                </a:solidFill>
+                <a:effectLst/>
+                <a:latin typeface="+mn-lt"/>
+                <a:ea typeface="+mn-ea"/>
+                <a:cs typeface="+mn-cs"/>
+              </a:rPr>
+              <a:t>app.module.ts</a:t>
+            </a:r>
+            <a:r>
+              <a:rPr lang="en-US" sz="1200" b="0" i="0" kern="1200" dirty="0" smtClean="0">
+                <a:solidFill>
+                  <a:schemeClr val="tx1"/>
+                </a:solidFill>
+                <a:effectLst/>
+                <a:latin typeface="+mn-lt"/>
+                <a:ea typeface="+mn-ea"/>
+                <a:cs typeface="+mn-cs"/>
+              </a:rPr>
+              <a:t>.</a:t>
+            </a:r>
+          </a:p>
+          <a:p>
+            <a:endParaRPr lang="en-US" sz="1200" b="0" i="0" kern="1200" dirty="0" smtClean="0">
+              <a:solidFill>
+                <a:schemeClr val="tx1"/>
+              </a:solidFill>
+              <a:effectLst/>
+              <a:latin typeface="+mn-lt"/>
+              <a:ea typeface="+mn-ea"/>
+              <a:cs typeface="+mn-cs"/>
+            </a:endParaRPr>
+          </a:p>
+          <a:p>
+            <a:r>
+              <a:rPr lang="en-US" sz="1200" b="0" i="0" kern="1200" dirty="0" smtClean="0">
+                <a:solidFill>
+                  <a:schemeClr val="tx1"/>
+                </a:solidFill>
+                <a:effectLst/>
+                <a:latin typeface="+mn-lt"/>
+                <a:ea typeface="+mn-ea"/>
+                <a:cs typeface="+mn-cs"/>
+              </a:rPr>
+              <a:t>Angular ships as a collection of JavaScript modules. You can think of them as </a:t>
+            </a:r>
+            <a:r>
+              <a:rPr lang="en-US" sz="1200" b="1" i="0" kern="1200" dirty="0" smtClean="0">
+                <a:solidFill>
+                  <a:schemeClr val="tx1"/>
+                </a:solidFill>
+                <a:effectLst/>
+                <a:latin typeface="+mn-lt"/>
+                <a:ea typeface="+mn-ea"/>
+                <a:cs typeface="+mn-cs"/>
+              </a:rPr>
+              <a:t>library</a:t>
+            </a:r>
+            <a:r>
+              <a:rPr lang="en-US" sz="1200" b="0" i="0" kern="1200" dirty="0" smtClean="0">
+                <a:solidFill>
+                  <a:schemeClr val="tx1"/>
+                </a:solidFill>
+                <a:effectLst/>
+                <a:latin typeface="+mn-lt"/>
+                <a:ea typeface="+mn-ea"/>
+                <a:cs typeface="+mn-cs"/>
+              </a:rPr>
+              <a:t> modules.</a:t>
+            </a:r>
+            <a:r>
+              <a:rPr lang="en-US" sz="1200" b="0" i="0" kern="1200" baseline="0" dirty="0" smtClean="0">
+                <a:solidFill>
+                  <a:schemeClr val="tx1"/>
+                </a:solidFill>
+                <a:effectLst/>
+                <a:latin typeface="+mn-lt"/>
+                <a:ea typeface="+mn-ea"/>
+                <a:cs typeface="+mn-cs"/>
+              </a:rPr>
+              <a:t> </a:t>
+            </a:r>
+            <a:r>
+              <a:rPr lang="en-US" sz="1200" b="0" i="0" kern="1200" dirty="0" smtClean="0">
+                <a:solidFill>
+                  <a:schemeClr val="tx1"/>
+                </a:solidFill>
+                <a:effectLst/>
+                <a:latin typeface="+mn-lt"/>
+                <a:ea typeface="+mn-ea"/>
+                <a:cs typeface="+mn-cs"/>
+              </a:rPr>
+              <a:t>Each Angular library name begins with the @angular prefix.</a:t>
+            </a:r>
+            <a:r>
+              <a:rPr lang="en-US" sz="1200" b="0" i="0" kern="1200" baseline="0" dirty="0" smtClean="0">
+                <a:solidFill>
+                  <a:schemeClr val="tx1"/>
+                </a:solidFill>
+                <a:effectLst/>
+                <a:latin typeface="+mn-lt"/>
+                <a:ea typeface="+mn-ea"/>
+                <a:cs typeface="+mn-cs"/>
+              </a:rPr>
+              <a:t> </a:t>
+            </a:r>
+            <a:r>
+              <a:rPr lang="en-US" sz="1200" b="0" i="0" kern="1200" dirty="0" smtClean="0">
+                <a:solidFill>
+                  <a:schemeClr val="tx1"/>
+                </a:solidFill>
+                <a:effectLst/>
+                <a:latin typeface="+mn-lt"/>
+                <a:ea typeface="+mn-ea"/>
+                <a:cs typeface="+mn-cs"/>
+              </a:rPr>
+              <a:t>You install them with the </a:t>
+            </a:r>
+            <a:r>
+              <a:rPr lang="en-US" sz="1200" b="0" i="0" kern="1200" dirty="0" err="1" smtClean="0">
+                <a:solidFill>
+                  <a:schemeClr val="tx1"/>
+                </a:solidFill>
+                <a:effectLst/>
+                <a:latin typeface="+mn-lt"/>
+                <a:ea typeface="+mn-ea"/>
+                <a:cs typeface="+mn-cs"/>
+              </a:rPr>
+              <a:t>npm</a:t>
+            </a:r>
+            <a:r>
+              <a:rPr lang="en-US" sz="1200" b="0" i="0" kern="1200" dirty="0" smtClean="0">
+                <a:solidFill>
+                  <a:schemeClr val="tx1"/>
+                </a:solidFill>
+                <a:effectLst/>
+                <a:latin typeface="+mn-lt"/>
+                <a:ea typeface="+mn-ea"/>
+                <a:cs typeface="+mn-cs"/>
+              </a:rPr>
+              <a:t> package manager and import parts of them with JavaScript import statements,</a:t>
+            </a:r>
+            <a:r>
+              <a:rPr lang="en-US" sz="1200" b="0" i="0" kern="1200" baseline="0" dirty="0" smtClean="0">
+                <a:solidFill>
+                  <a:schemeClr val="tx1"/>
+                </a:solidFill>
+                <a:effectLst/>
+                <a:latin typeface="+mn-lt"/>
+                <a:ea typeface="+mn-ea"/>
+                <a:cs typeface="+mn-cs"/>
+              </a:rPr>
+              <a:t> for example @angular/http</a:t>
+            </a:r>
+            <a:endParaRPr lang="en-US" sz="1200" b="0" i="0" kern="1200" dirty="0" smtClean="0">
+              <a:solidFill>
+                <a:schemeClr val="tx1"/>
+              </a:solidFill>
+              <a:effectLst/>
+              <a:latin typeface="+mn-lt"/>
+              <a:ea typeface="+mn-ea"/>
+              <a:cs typeface="+mn-cs"/>
+            </a:endParaRPr>
+          </a:p>
+          <a:p>
+            <a:endParaRPr lang="en-US" sz="1200" b="0" i="0" kern="1200" dirty="0" smtClean="0">
+              <a:solidFill>
+                <a:schemeClr val="tx1"/>
+              </a:solidFill>
+              <a:effectLst/>
+              <a:latin typeface="+mn-lt"/>
+              <a:ea typeface="+mn-ea"/>
+              <a:cs typeface="+mn-cs"/>
+            </a:endParaRPr>
+          </a:p>
+          <a:p>
+            <a:r>
+              <a:rPr lang="en-US" sz="1200" b="0" i="0" kern="1200" dirty="0" smtClean="0">
+                <a:solidFill>
+                  <a:schemeClr val="tx1"/>
+                </a:solidFill>
+                <a:effectLst/>
+                <a:latin typeface="+mn-lt"/>
+                <a:ea typeface="+mn-ea"/>
+                <a:cs typeface="+mn-cs"/>
+              </a:rPr>
+              <a:t>A </a:t>
+            </a:r>
+            <a:r>
+              <a:rPr lang="en-US" sz="1200" b="1" i="0" kern="1200" dirty="0" smtClean="0">
+                <a:solidFill>
+                  <a:schemeClr val="tx1"/>
+                </a:solidFill>
+                <a:effectLst/>
+                <a:latin typeface="+mn-lt"/>
+                <a:ea typeface="+mn-ea"/>
+                <a:cs typeface="+mn-cs"/>
+              </a:rPr>
+              <a:t>component</a:t>
+            </a:r>
+            <a:r>
+              <a:rPr lang="en-US" sz="1200" b="0" i="0" kern="1200" dirty="0" smtClean="0">
+                <a:solidFill>
+                  <a:schemeClr val="tx1"/>
+                </a:solidFill>
+                <a:effectLst/>
+                <a:latin typeface="+mn-lt"/>
+                <a:ea typeface="+mn-ea"/>
+                <a:cs typeface="+mn-cs"/>
+              </a:rPr>
+              <a:t> controls a patch of screen called a </a:t>
+            </a:r>
+            <a:r>
+              <a:rPr lang="en-US" sz="1200" b="0" i="1" kern="1200" dirty="0" smtClean="0">
+                <a:solidFill>
+                  <a:schemeClr val="tx1"/>
+                </a:solidFill>
+                <a:effectLst/>
+                <a:latin typeface="+mn-lt"/>
+                <a:ea typeface="+mn-ea"/>
+                <a:cs typeface="+mn-cs"/>
+              </a:rPr>
+              <a:t>view</a:t>
+            </a:r>
+            <a:r>
+              <a:rPr lang="en-US" sz="1200" b="0" i="0" kern="1200" dirty="0" smtClean="0">
+                <a:solidFill>
+                  <a:schemeClr val="tx1"/>
+                </a:solidFill>
+                <a:effectLst/>
+                <a:latin typeface="+mn-lt"/>
+                <a:ea typeface="+mn-ea"/>
+                <a:cs typeface="+mn-cs"/>
+              </a:rPr>
+              <a:t>.</a:t>
+            </a:r>
+            <a:r>
+              <a:rPr lang="en-US" sz="1200" b="0" i="0" kern="1200" baseline="0" dirty="0" smtClean="0">
+                <a:solidFill>
+                  <a:schemeClr val="tx1"/>
+                </a:solidFill>
+                <a:effectLst/>
+                <a:latin typeface="+mn-lt"/>
+                <a:ea typeface="+mn-ea"/>
+                <a:cs typeface="+mn-cs"/>
+              </a:rPr>
+              <a:t> </a:t>
+            </a:r>
+            <a:r>
+              <a:rPr lang="en-US" sz="1200" b="0" i="0" kern="1200" dirty="0" smtClean="0">
+                <a:solidFill>
+                  <a:schemeClr val="tx1"/>
+                </a:solidFill>
+                <a:effectLst/>
+                <a:latin typeface="+mn-lt"/>
+                <a:ea typeface="+mn-ea"/>
+                <a:cs typeface="+mn-cs"/>
+              </a:rPr>
+              <a:t>You define a component's view with its companion </a:t>
+            </a:r>
+            <a:r>
+              <a:rPr lang="en-US" sz="1200" b="1" i="0" kern="1200" dirty="0" smtClean="0">
+                <a:solidFill>
+                  <a:schemeClr val="tx1"/>
+                </a:solidFill>
+                <a:effectLst/>
+                <a:latin typeface="+mn-lt"/>
+                <a:ea typeface="+mn-ea"/>
+                <a:cs typeface="+mn-cs"/>
+              </a:rPr>
+              <a:t>template</a:t>
+            </a:r>
+            <a:r>
+              <a:rPr lang="en-US" sz="1200" b="0" i="0" kern="1200" dirty="0" smtClean="0">
+                <a:solidFill>
+                  <a:schemeClr val="tx1"/>
+                </a:solidFill>
+                <a:effectLst/>
+                <a:latin typeface="+mn-lt"/>
+                <a:ea typeface="+mn-ea"/>
+                <a:cs typeface="+mn-cs"/>
+              </a:rPr>
+              <a:t>. A template is a form of HTML that tells Angular how to render the component.</a:t>
+            </a:r>
+            <a:r>
+              <a:rPr lang="en-US" sz="1200" b="0" i="0" kern="1200" baseline="0" dirty="0" smtClean="0">
+                <a:solidFill>
+                  <a:schemeClr val="tx1"/>
+                </a:solidFill>
+                <a:effectLst/>
+                <a:latin typeface="+mn-lt"/>
+                <a:ea typeface="+mn-ea"/>
+                <a:cs typeface="+mn-cs"/>
+              </a:rPr>
+              <a:t> </a:t>
+            </a:r>
+            <a:r>
+              <a:rPr lang="en-US" sz="1200" b="0" i="0" kern="1200" dirty="0" smtClean="0">
+                <a:solidFill>
+                  <a:schemeClr val="tx1"/>
+                </a:solidFill>
+                <a:effectLst/>
+                <a:latin typeface="+mn-lt"/>
+                <a:ea typeface="+mn-ea"/>
+                <a:cs typeface="+mn-cs"/>
+              </a:rPr>
+              <a:t>A template looks like regular HTML, except for a few differences.</a:t>
+            </a:r>
+            <a:r>
+              <a:rPr lang="en-US" sz="1200" b="0" i="0" kern="1200" baseline="0" dirty="0" smtClean="0">
+                <a:solidFill>
+                  <a:schemeClr val="tx1"/>
+                </a:solidFill>
+                <a:effectLst/>
+                <a:latin typeface="+mn-lt"/>
+                <a:ea typeface="+mn-ea"/>
+                <a:cs typeface="+mn-cs"/>
+              </a:rPr>
+              <a:t> </a:t>
+            </a:r>
+            <a:r>
+              <a:rPr lang="en-US" sz="1200" b="1" i="0" kern="1200" dirty="0" smtClean="0">
+                <a:solidFill>
+                  <a:schemeClr val="tx1"/>
+                </a:solidFill>
+                <a:effectLst/>
+                <a:latin typeface="+mn-lt"/>
+                <a:ea typeface="+mn-ea"/>
+                <a:cs typeface="+mn-cs"/>
+              </a:rPr>
+              <a:t>Metadata</a:t>
+            </a:r>
+            <a:r>
+              <a:rPr lang="en-US" sz="1200" b="0" i="0" kern="1200" dirty="0" smtClean="0">
+                <a:solidFill>
+                  <a:schemeClr val="tx1"/>
+                </a:solidFill>
+                <a:effectLst/>
+                <a:latin typeface="+mn-lt"/>
+                <a:ea typeface="+mn-ea"/>
+                <a:cs typeface="+mn-cs"/>
+              </a:rPr>
+              <a:t> tells Angular how to process a class.</a:t>
+            </a:r>
+          </a:p>
+          <a:p>
+            <a:endParaRPr lang="en-US" sz="1200" b="0" i="0" kern="1200" dirty="0" smtClean="0">
+              <a:solidFill>
+                <a:schemeClr val="tx1"/>
+              </a:solidFill>
+              <a:effectLst/>
+              <a:latin typeface="+mn-lt"/>
+              <a:ea typeface="+mn-ea"/>
+              <a:cs typeface="+mn-cs"/>
+            </a:endParaRPr>
+          </a:p>
+          <a:p>
+            <a:r>
+              <a:rPr lang="en-US" sz="1200" b="0" i="0" kern="1200" dirty="0" smtClean="0">
+                <a:solidFill>
+                  <a:schemeClr val="tx1"/>
+                </a:solidFill>
+                <a:effectLst/>
+                <a:latin typeface="+mn-lt"/>
+                <a:ea typeface="+mn-ea"/>
+                <a:cs typeface="+mn-cs"/>
+              </a:rPr>
+              <a:t>Angular supports </a:t>
+            </a:r>
+            <a:r>
+              <a:rPr lang="en-US" sz="1200" b="1" i="0" kern="1200" dirty="0" smtClean="0">
+                <a:solidFill>
+                  <a:schemeClr val="tx1"/>
+                </a:solidFill>
+                <a:effectLst/>
+                <a:latin typeface="+mn-lt"/>
+                <a:ea typeface="+mn-ea"/>
+                <a:cs typeface="+mn-cs"/>
+              </a:rPr>
+              <a:t>data binding</a:t>
+            </a:r>
+            <a:r>
+              <a:rPr lang="en-US" sz="1200" b="0" i="0" kern="1200" dirty="0" smtClean="0">
+                <a:solidFill>
+                  <a:schemeClr val="tx1"/>
+                </a:solidFill>
+                <a:effectLst/>
+                <a:latin typeface="+mn-lt"/>
+                <a:ea typeface="+mn-ea"/>
+                <a:cs typeface="+mn-cs"/>
+              </a:rPr>
+              <a:t>, a mechanism for coordinating parts of a template with parts of a component. Add binding markup to the template HTML to tell Angular how to connect both sides.</a:t>
+            </a:r>
+          </a:p>
+          <a:p>
+            <a:endParaRPr lang="en-US" sz="1200" b="0" i="0" kern="1200" dirty="0" smtClean="0">
+              <a:solidFill>
+                <a:schemeClr val="tx1"/>
+              </a:solidFill>
+              <a:effectLst/>
+              <a:latin typeface="+mn-lt"/>
+              <a:ea typeface="+mn-ea"/>
+              <a:cs typeface="+mn-cs"/>
+            </a:endParaRPr>
+          </a:p>
+          <a:p>
+            <a:r>
+              <a:rPr lang="en-US" sz="1200" b="0" i="0" kern="1200" dirty="0" smtClean="0">
+                <a:solidFill>
+                  <a:schemeClr val="tx1"/>
+                </a:solidFill>
+                <a:effectLst/>
+                <a:latin typeface="+mn-lt"/>
+                <a:ea typeface="+mn-ea"/>
+                <a:cs typeface="+mn-cs"/>
+              </a:rPr>
+              <a:t>Angular templates are </a:t>
+            </a:r>
+            <a:r>
+              <a:rPr lang="en-US" sz="1200" b="0" i="1" kern="1200" dirty="0" smtClean="0">
+                <a:solidFill>
+                  <a:schemeClr val="tx1"/>
+                </a:solidFill>
+                <a:effectLst/>
+                <a:latin typeface="+mn-lt"/>
+                <a:ea typeface="+mn-ea"/>
+                <a:cs typeface="+mn-cs"/>
+              </a:rPr>
+              <a:t>dynamic</a:t>
+            </a:r>
+            <a:r>
+              <a:rPr lang="en-US" sz="1200" b="0" i="0" kern="1200" dirty="0" smtClean="0">
+                <a:solidFill>
+                  <a:schemeClr val="tx1"/>
+                </a:solidFill>
+                <a:effectLst/>
+                <a:latin typeface="+mn-lt"/>
+                <a:ea typeface="+mn-ea"/>
+                <a:cs typeface="+mn-cs"/>
+              </a:rPr>
+              <a:t>. When Angular renders them, it transforms the DOM according to the instructions given by </a:t>
+            </a:r>
+            <a:r>
+              <a:rPr lang="en-US" sz="1200" b="1" i="0" kern="1200" dirty="0" smtClean="0">
+                <a:solidFill>
+                  <a:schemeClr val="tx1"/>
+                </a:solidFill>
+                <a:effectLst/>
+                <a:latin typeface="+mn-lt"/>
+                <a:ea typeface="+mn-ea"/>
+                <a:cs typeface="+mn-cs"/>
+              </a:rPr>
+              <a:t>directives</a:t>
+            </a:r>
+            <a:r>
+              <a:rPr lang="en-US" sz="1200" b="0" i="0" kern="1200" dirty="0" smtClean="0">
+                <a:solidFill>
+                  <a:schemeClr val="tx1"/>
+                </a:solidFill>
+                <a:effectLst/>
+                <a:latin typeface="+mn-lt"/>
+                <a:ea typeface="+mn-ea"/>
+                <a:cs typeface="+mn-cs"/>
+              </a:rPr>
+              <a:t>. A directive is a class with a </a:t>
+            </a:r>
+            <a:r>
+              <a:rPr lang="en-US" dirty="0" smtClean="0"/>
+              <a:t>@Directive</a:t>
+            </a:r>
+            <a:r>
+              <a:rPr lang="en-US" sz="1200" b="0" i="0" kern="1200" dirty="0" smtClean="0">
+                <a:solidFill>
+                  <a:schemeClr val="tx1"/>
+                </a:solidFill>
+                <a:effectLst/>
+                <a:latin typeface="+mn-lt"/>
+                <a:ea typeface="+mn-ea"/>
+                <a:cs typeface="+mn-cs"/>
+              </a:rPr>
+              <a:t> decorator. A component is a </a:t>
+            </a:r>
+            <a:r>
+              <a:rPr lang="en-US" sz="1200" b="0" i="1" kern="1200" dirty="0" smtClean="0">
+                <a:solidFill>
+                  <a:schemeClr val="tx1"/>
+                </a:solidFill>
+                <a:effectLst/>
+                <a:latin typeface="+mn-lt"/>
+                <a:ea typeface="+mn-ea"/>
+                <a:cs typeface="+mn-cs"/>
+              </a:rPr>
+              <a:t>directive-with-a-template</a:t>
+            </a:r>
+            <a:r>
+              <a:rPr lang="en-US" sz="1200" b="0" i="0" kern="1200" dirty="0" smtClean="0">
+                <a:solidFill>
+                  <a:schemeClr val="tx1"/>
+                </a:solidFill>
+                <a:effectLst/>
+                <a:latin typeface="+mn-lt"/>
+                <a:ea typeface="+mn-ea"/>
+                <a:cs typeface="+mn-cs"/>
+              </a:rPr>
+              <a:t>; a </a:t>
+            </a:r>
+            <a:r>
+              <a:rPr lang="en-US" dirty="0" smtClean="0"/>
+              <a:t>@Component</a:t>
+            </a:r>
+            <a:r>
+              <a:rPr lang="en-US" sz="1200" b="0" i="0" kern="1200" dirty="0" smtClean="0">
+                <a:solidFill>
+                  <a:schemeClr val="tx1"/>
+                </a:solidFill>
+                <a:effectLst/>
+                <a:latin typeface="+mn-lt"/>
+                <a:ea typeface="+mn-ea"/>
+                <a:cs typeface="+mn-cs"/>
+              </a:rPr>
+              <a:t> decorator is actually a </a:t>
+            </a:r>
+            <a:r>
+              <a:rPr lang="en-US" dirty="0" smtClean="0"/>
+              <a:t>@Directive</a:t>
+            </a:r>
+            <a:r>
+              <a:rPr lang="en-US" sz="1200" b="0" i="0" kern="1200" dirty="0" smtClean="0">
+                <a:solidFill>
+                  <a:schemeClr val="tx1"/>
+                </a:solidFill>
+                <a:effectLst/>
+                <a:latin typeface="+mn-lt"/>
+                <a:ea typeface="+mn-ea"/>
+                <a:cs typeface="+mn-cs"/>
+              </a:rPr>
+              <a:t> decorator extended with template-oriented features. (This example doesn’t have directives)</a:t>
+            </a:r>
+          </a:p>
+          <a:p>
+            <a:endParaRPr lang="en-US" sz="1200" b="0" i="0" kern="1200" dirty="0" smtClean="0">
+              <a:solidFill>
+                <a:schemeClr val="tx1"/>
+              </a:solidFill>
+              <a:effectLst/>
+              <a:latin typeface="+mn-lt"/>
+              <a:ea typeface="+mn-ea"/>
+              <a:cs typeface="+mn-cs"/>
+            </a:endParaRPr>
+          </a:p>
+          <a:p>
+            <a:r>
+              <a:rPr lang="en-US" sz="1200" b="1" i="0" kern="1200" dirty="0" smtClean="0">
+                <a:solidFill>
+                  <a:schemeClr val="tx1"/>
+                </a:solidFill>
+                <a:effectLst/>
+                <a:latin typeface="+mn-lt"/>
+                <a:ea typeface="+mn-ea"/>
+                <a:cs typeface="+mn-cs"/>
+              </a:rPr>
+              <a:t>Service </a:t>
+            </a:r>
+            <a:r>
+              <a:rPr lang="en-US" sz="1200" b="0" i="0" kern="1200" dirty="0" smtClean="0">
+                <a:solidFill>
+                  <a:schemeClr val="tx1"/>
+                </a:solidFill>
+                <a:effectLst/>
+                <a:latin typeface="+mn-lt"/>
+                <a:ea typeface="+mn-ea"/>
+                <a:cs typeface="+mn-cs"/>
+              </a:rPr>
+              <a:t>is a broad category encompassing any value, function, or feature that your application needs,</a:t>
+            </a:r>
+            <a:r>
+              <a:rPr lang="en-US" sz="1200" b="0" i="0" kern="1200" baseline="0" dirty="0" smtClean="0">
+                <a:solidFill>
+                  <a:schemeClr val="tx1"/>
+                </a:solidFill>
+                <a:effectLst/>
+                <a:latin typeface="+mn-lt"/>
+                <a:ea typeface="+mn-ea"/>
+                <a:cs typeface="+mn-cs"/>
+              </a:rPr>
+              <a:t> e</a:t>
+            </a:r>
+            <a:r>
+              <a:rPr lang="en-US" sz="1200" b="0" i="0" kern="1200" dirty="0" smtClean="0">
+                <a:solidFill>
+                  <a:schemeClr val="tx1"/>
+                </a:solidFill>
+                <a:effectLst/>
+                <a:latin typeface="+mn-lt"/>
+                <a:ea typeface="+mn-ea"/>
+                <a:cs typeface="+mn-cs"/>
+              </a:rPr>
+              <a:t>xamples include:</a:t>
+            </a:r>
+            <a:r>
+              <a:rPr lang="en-US" sz="1200" b="0" i="0" kern="1200" baseline="0" dirty="0" smtClean="0">
+                <a:solidFill>
+                  <a:schemeClr val="tx1"/>
+                </a:solidFill>
+                <a:effectLst/>
+                <a:latin typeface="+mn-lt"/>
+                <a:ea typeface="+mn-ea"/>
+                <a:cs typeface="+mn-cs"/>
+              </a:rPr>
+              <a:t> </a:t>
+            </a:r>
+            <a:r>
+              <a:rPr lang="en-US" sz="1200" b="0" i="0" kern="1200" dirty="0" smtClean="0">
+                <a:solidFill>
+                  <a:schemeClr val="tx1"/>
+                </a:solidFill>
+                <a:effectLst/>
+                <a:latin typeface="+mn-lt"/>
+                <a:ea typeface="+mn-ea"/>
+                <a:cs typeface="+mn-cs"/>
+              </a:rPr>
+              <a:t>logging service,</a:t>
+            </a:r>
+            <a:r>
+              <a:rPr lang="en-US" sz="1200" b="0" i="0" kern="1200" baseline="0" dirty="0" smtClean="0">
+                <a:solidFill>
+                  <a:schemeClr val="tx1"/>
+                </a:solidFill>
+                <a:effectLst/>
+                <a:latin typeface="+mn-lt"/>
+                <a:ea typeface="+mn-ea"/>
+                <a:cs typeface="+mn-cs"/>
+              </a:rPr>
+              <a:t> </a:t>
+            </a:r>
+            <a:r>
+              <a:rPr lang="en-US" sz="1200" b="0" i="0" kern="1200" dirty="0" smtClean="0">
+                <a:solidFill>
+                  <a:schemeClr val="tx1"/>
+                </a:solidFill>
+                <a:effectLst/>
+                <a:latin typeface="+mn-lt"/>
+                <a:ea typeface="+mn-ea"/>
+                <a:cs typeface="+mn-cs"/>
+              </a:rPr>
+              <a:t>data service,</a:t>
+            </a:r>
+            <a:r>
+              <a:rPr lang="en-US" sz="1200" b="0" i="0" kern="1200" baseline="0" dirty="0" smtClean="0">
+                <a:solidFill>
+                  <a:schemeClr val="tx1"/>
+                </a:solidFill>
+                <a:effectLst/>
+                <a:latin typeface="+mn-lt"/>
+                <a:ea typeface="+mn-ea"/>
+                <a:cs typeface="+mn-cs"/>
+              </a:rPr>
+              <a:t> </a:t>
+            </a:r>
+            <a:r>
+              <a:rPr lang="en-US" sz="1200" b="0" i="0" kern="1200" dirty="0" smtClean="0">
+                <a:solidFill>
+                  <a:schemeClr val="tx1"/>
+                </a:solidFill>
+                <a:effectLst/>
+                <a:latin typeface="+mn-lt"/>
+                <a:ea typeface="+mn-ea"/>
+                <a:cs typeface="+mn-cs"/>
+              </a:rPr>
+              <a:t>message bus,</a:t>
+            </a:r>
+            <a:r>
+              <a:rPr lang="en-US" sz="1200" b="0" i="0" kern="1200" baseline="0" dirty="0" smtClean="0">
+                <a:solidFill>
+                  <a:schemeClr val="tx1"/>
+                </a:solidFill>
+                <a:effectLst/>
+                <a:latin typeface="+mn-lt"/>
+                <a:ea typeface="+mn-ea"/>
+                <a:cs typeface="+mn-cs"/>
+              </a:rPr>
+              <a:t> </a:t>
+            </a:r>
+            <a:r>
+              <a:rPr lang="en-US" sz="1200" b="0" i="0" kern="1200" dirty="0" smtClean="0">
+                <a:solidFill>
+                  <a:schemeClr val="tx1"/>
+                </a:solidFill>
+                <a:effectLst/>
+                <a:latin typeface="+mn-lt"/>
+                <a:ea typeface="+mn-ea"/>
+                <a:cs typeface="+mn-cs"/>
+              </a:rPr>
+              <a:t>tax calculator,</a:t>
+            </a:r>
+            <a:r>
+              <a:rPr lang="en-US" sz="1200" b="0" i="0" kern="1200" baseline="0" dirty="0" smtClean="0">
+                <a:solidFill>
+                  <a:schemeClr val="tx1"/>
+                </a:solidFill>
+                <a:effectLst/>
+                <a:latin typeface="+mn-lt"/>
+                <a:ea typeface="+mn-ea"/>
+                <a:cs typeface="+mn-cs"/>
+              </a:rPr>
+              <a:t> </a:t>
+            </a:r>
+            <a:r>
+              <a:rPr lang="en-US" sz="1200" b="0" i="0" kern="1200" dirty="0" smtClean="0">
+                <a:solidFill>
+                  <a:schemeClr val="tx1"/>
+                </a:solidFill>
+                <a:effectLst/>
+                <a:latin typeface="+mn-lt"/>
+                <a:ea typeface="+mn-ea"/>
+                <a:cs typeface="+mn-cs"/>
+              </a:rPr>
+              <a:t>application configuration. Ours was </a:t>
+            </a:r>
+            <a:r>
+              <a:rPr lang="en-US" sz="1200" b="0" i="0" kern="1200" dirty="0" err="1" smtClean="0">
+                <a:solidFill>
+                  <a:schemeClr val="tx1"/>
+                </a:solidFill>
+                <a:effectLst/>
+                <a:latin typeface="+mn-lt"/>
+                <a:ea typeface="+mn-ea"/>
+                <a:cs typeface="+mn-cs"/>
+              </a:rPr>
+              <a:t>people.service.ts</a:t>
+            </a:r>
+            <a:r>
+              <a:rPr lang="en-US" sz="1200" b="0" i="0" kern="1200" dirty="0" smtClean="0">
+                <a:solidFill>
+                  <a:schemeClr val="tx1"/>
+                </a:solidFill>
+                <a:effectLst/>
+                <a:latin typeface="+mn-lt"/>
+                <a:ea typeface="+mn-ea"/>
+                <a:cs typeface="+mn-cs"/>
+              </a:rPr>
+              <a:t>.</a:t>
+            </a:r>
+          </a:p>
+          <a:p>
+            <a:endParaRPr lang="en-US" sz="1200" b="0" i="0" kern="1200" dirty="0" smtClean="0">
+              <a:solidFill>
+                <a:schemeClr val="tx1"/>
+              </a:solidFill>
+              <a:effectLst/>
+              <a:latin typeface="+mn-lt"/>
+              <a:ea typeface="+mn-ea"/>
+              <a:cs typeface="+mn-cs"/>
+            </a:endParaRPr>
+          </a:p>
+          <a:p>
+            <a:r>
+              <a:rPr lang="en-US" sz="1200" b="0" i="0" kern="1200" dirty="0" smtClean="0">
+                <a:solidFill>
+                  <a:schemeClr val="tx1"/>
+                </a:solidFill>
+                <a:effectLst/>
+                <a:latin typeface="+mn-lt"/>
+                <a:ea typeface="+mn-ea"/>
+                <a:cs typeface="+mn-cs"/>
+              </a:rPr>
+              <a:t>When Angular creates a component, it first asks an </a:t>
+            </a:r>
+            <a:r>
+              <a:rPr lang="en-US" sz="1200" b="1" i="0" kern="1200" dirty="0" smtClean="0">
+                <a:solidFill>
+                  <a:schemeClr val="tx1"/>
+                </a:solidFill>
+                <a:effectLst/>
+                <a:latin typeface="+mn-lt"/>
+                <a:ea typeface="+mn-ea"/>
+                <a:cs typeface="+mn-cs"/>
+              </a:rPr>
+              <a:t>injector</a:t>
+            </a:r>
+            <a:r>
+              <a:rPr lang="en-US" sz="1200" b="0" i="0" kern="1200" dirty="0" smtClean="0">
+                <a:solidFill>
+                  <a:schemeClr val="tx1"/>
+                </a:solidFill>
+                <a:effectLst/>
+                <a:latin typeface="+mn-lt"/>
+                <a:ea typeface="+mn-ea"/>
+                <a:cs typeface="+mn-cs"/>
+              </a:rPr>
+              <a:t> for the services that the component requires.</a:t>
+            </a:r>
+            <a:r>
+              <a:rPr lang="en-US" sz="1200" b="0" i="0" kern="1200" baseline="0" dirty="0" smtClean="0">
+                <a:solidFill>
+                  <a:schemeClr val="tx1"/>
+                </a:solidFill>
+                <a:effectLst/>
+                <a:latin typeface="+mn-lt"/>
+                <a:ea typeface="+mn-ea"/>
+                <a:cs typeface="+mn-cs"/>
+              </a:rPr>
+              <a:t> </a:t>
+            </a:r>
+            <a:r>
+              <a:rPr lang="en-US" sz="1200" b="0" i="0" kern="1200" dirty="0" smtClean="0">
+                <a:solidFill>
+                  <a:schemeClr val="tx1"/>
+                </a:solidFill>
+                <a:effectLst/>
+                <a:latin typeface="+mn-lt"/>
+                <a:ea typeface="+mn-ea"/>
+                <a:cs typeface="+mn-cs"/>
+              </a:rPr>
+              <a:t>An injector maintains a container of service instances that it has previously created. If a requested service instance is not in the container, the injector makes one and adds it to the container before returning the service to Angular. </a:t>
+            </a:r>
+          </a:p>
+          <a:p>
+            <a:endParaRPr lang="en-US" sz="1200" b="0" i="0" kern="1200" dirty="0" smtClean="0">
+              <a:solidFill>
+                <a:schemeClr val="tx1"/>
+              </a:solidFill>
+              <a:effectLst/>
+              <a:latin typeface="+mn-lt"/>
+              <a:ea typeface="+mn-ea"/>
+              <a:cs typeface="+mn-cs"/>
+            </a:endParaRPr>
+          </a:p>
+          <a:p>
+            <a:r>
+              <a:rPr lang="en-US" sz="1200" b="0" i="0" kern="1200" dirty="0" smtClean="0">
+                <a:solidFill>
+                  <a:schemeClr val="tx1"/>
+                </a:solidFill>
+                <a:effectLst/>
+                <a:latin typeface="+mn-lt"/>
+                <a:ea typeface="+mn-ea"/>
+                <a:cs typeface="+mn-cs"/>
+              </a:rPr>
+              <a:t>You</a:t>
+            </a:r>
+            <a:r>
+              <a:rPr lang="en-US" sz="1200" b="0" i="0" kern="1200" baseline="0" dirty="0" smtClean="0">
+                <a:solidFill>
+                  <a:schemeClr val="tx1"/>
+                </a:solidFill>
+                <a:effectLst/>
+                <a:latin typeface="+mn-lt"/>
+                <a:ea typeface="+mn-ea"/>
+                <a:cs typeface="+mn-cs"/>
+              </a:rPr>
+              <a:t> </a:t>
+            </a:r>
+            <a:r>
+              <a:rPr lang="en-US" sz="1200" b="0" i="0" kern="1200" dirty="0" smtClean="0">
+                <a:solidFill>
+                  <a:schemeClr val="tx1"/>
+                </a:solidFill>
+                <a:effectLst/>
+                <a:latin typeface="+mn-lt"/>
+                <a:ea typeface="+mn-ea"/>
+                <a:cs typeface="+mn-cs"/>
+              </a:rPr>
+              <a:t>register a </a:t>
+            </a:r>
+            <a:r>
+              <a:rPr lang="en-US" sz="1200" b="1" i="0" kern="1200" dirty="0" smtClean="0">
+                <a:solidFill>
+                  <a:schemeClr val="tx1"/>
+                </a:solidFill>
+                <a:effectLst/>
+                <a:latin typeface="+mn-lt"/>
+                <a:ea typeface="+mn-ea"/>
+                <a:cs typeface="+mn-cs"/>
+              </a:rPr>
+              <a:t>provider</a:t>
+            </a:r>
+            <a:r>
+              <a:rPr lang="en-US" sz="1200" b="0" i="0" kern="1200" dirty="0" smtClean="0">
+                <a:solidFill>
+                  <a:schemeClr val="tx1"/>
+                </a:solidFill>
+                <a:effectLst/>
+                <a:latin typeface="+mn-lt"/>
+                <a:ea typeface="+mn-ea"/>
+                <a:cs typeface="+mn-cs"/>
+              </a:rPr>
+              <a:t> for</a:t>
+            </a:r>
+            <a:r>
+              <a:rPr lang="en-US" sz="1200" b="0" i="0" kern="1200" baseline="0" dirty="0" smtClean="0">
+                <a:solidFill>
+                  <a:schemeClr val="tx1"/>
+                </a:solidFill>
+                <a:effectLst/>
+                <a:latin typeface="+mn-lt"/>
+                <a:ea typeface="+mn-ea"/>
+                <a:cs typeface="+mn-cs"/>
+              </a:rPr>
+              <a:t> a service</a:t>
+            </a:r>
+            <a:r>
+              <a:rPr lang="en-US" sz="1200" b="0" i="0" kern="1200" dirty="0" smtClean="0">
+                <a:solidFill>
+                  <a:schemeClr val="tx1"/>
+                </a:solidFill>
+                <a:effectLst/>
+                <a:latin typeface="+mn-lt"/>
+                <a:ea typeface="+mn-ea"/>
+                <a:cs typeface="+mn-cs"/>
+              </a:rPr>
+              <a:t> with the injector </a:t>
+            </a:r>
+            <a:r>
+              <a:rPr lang="en-US" sz="1200" b="0" i="0" kern="1200" dirty="0" smtClean="0">
+                <a:solidFill>
+                  <a:schemeClr val="tx1"/>
+                </a:solidFill>
+                <a:effectLst/>
+                <a:latin typeface="+mn-lt"/>
+                <a:ea typeface="+mn-ea"/>
+                <a:cs typeface="+mn-cs"/>
+              </a:rPr>
+              <a:t>in modules or in components. A provider is something that can create or return a service, typically the service class itself. Then the injector can send it to Angular. </a:t>
+            </a:r>
+            <a:r>
+              <a:rPr lang="en-US" sz="1200" b="0" i="0" kern="1200" dirty="0" err="1" smtClean="0">
+                <a:solidFill>
+                  <a:schemeClr val="tx1"/>
+                </a:solidFill>
+                <a:effectLst/>
+                <a:latin typeface="+mn-lt"/>
+                <a:ea typeface="+mn-ea"/>
+                <a:cs typeface="+mn-cs"/>
+              </a:rPr>
+              <a:t>PeopleService</a:t>
+            </a:r>
+            <a:r>
+              <a:rPr lang="en-US" sz="1200" b="0" i="0" kern="1200" dirty="0" smtClean="0">
+                <a:solidFill>
+                  <a:schemeClr val="tx1"/>
+                </a:solidFill>
+                <a:effectLst/>
+                <a:latin typeface="+mn-lt"/>
+                <a:ea typeface="+mn-ea"/>
+                <a:cs typeface="+mn-cs"/>
+              </a:rPr>
+              <a:t> is registered as a provider in the </a:t>
+            </a:r>
+            <a:r>
+              <a:rPr lang="en-US" sz="1200" b="0" i="0" kern="1200" dirty="0" err="1" smtClean="0">
+                <a:solidFill>
+                  <a:schemeClr val="tx1"/>
+                </a:solidFill>
+                <a:effectLst/>
+                <a:latin typeface="+mn-lt"/>
+                <a:ea typeface="+mn-ea"/>
+                <a:cs typeface="+mn-cs"/>
+              </a:rPr>
+              <a:t>PeopleListComponent</a:t>
+            </a:r>
+            <a:r>
+              <a:rPr lang="en-US" sz="1200" b="0" i="0" kern="1200" baseline="0" dirty="0" smtClean="0">
+                <a:solidFill>
+                  <a:schemeClr val="tx1"/>
+                </a:solidFill>
+                <a:effectLst/>
+                <a:latin typeface="+mn-lt"/>
+                <a:ea typeface="+mn-ea"/>
+                <a:cs typeface="+mn-cs"/>
+              </a:rPr>
+              <a:t> constructor. ?????????????????</a:t>
+            </a:r>
+            <a:endParaRPr lang="en-US" sz="1200" b="1" i="0" kern="1200" dirty="0" smtClean="0">
+              <a:solidFill>
+                <a:schemeClr val="tx1"/>
+              </a:solidFill>
+              <a:effectLst/>
+              <a:latin typeface="+mn-lt"/>
+              <a:ea typeface="+mn-ea"/>
+              <a:cs typeface="+mn-cs"/>
+            </a:endParaRPr>
+          </a:p>
+          <a:p>
+            <a:endParaRPr lang="en-US" sz="1200" b="0" i="0" kern="1200" dirty="0" smtClean="0">
+              <a:solidFill>
+                <a:schemeClr val="tx1"/>
+              </a:solidFill>
+              <a:effectLst/>
+              <a:latin typeface="+mn-lt"/>
+              <a:ea typeface="+mn-ea"/>
+              <a:cs typeface="+mn-cs"/>
+            </a:endParaRPr>
+          </a:p>
+        </p:txBody>
+      </p:sp>
+      <p:sp>
+        <p:nvSpPr>
+          <p:cNvPr id="4" name="Slide Number Placeholder 3"/>
+          <p:cNvSpPr>
+            <a:spLocks noGrp="1"/>
+          </p:cNvSpPr>
+          <p:nvPr>
+            <p:ph type="sldNum" sz="quarter" idx="10"/>
+          </p:nvPr>
+        </p:nvSpPr>
+        <p:spPr/>
+        <p:txBody>
+          <a:bodyPr/>
+          <a:lstStyle/>
+          <a:p>
+            <a:fld id="{9C7E34CB-FAA9-46AF-804F-C5D35C87E069}" type="slidenum">
+              <a:rPr lang="en-US" smtClean="0"/>
+              <a:t>10</a:t>
+            </a:fld>
+            <a:endParaRPr lang="en-US"/>
+          </a:p>
+        </p:txBody>
+      </p:sp>
+    </p:spTree>
+    <p:extLst>
+      <p:ext uri="{BB962C8B-B14F-4D97-AF65-F5344CB8AC3E}">
+        <p14:creationId xmlns:p14="http://schemas.microsoft.com/office/powerpoint/2010/main" val="132249621"/>
+      </p:ext>
+    </p:extLst>
+  </p:cSld>
+  <p:clrMapOvr>
+    <a:masterClrMapping/>
+  </p:clrMapOvr>
+</p:notes>
 </file>
 
 <file path=ppt/slideLayouts/slideLayout1.xml><?xml version="1.0" encoding="utf-8"?>
@@ -7679,6 +12508,3477 @@
 </p:sld>
 </file>
 
+<file path=ppt/slides/slide10.xml><?xml version="1.0" encoding="utf-8"?>
+<p:sld xmlns:a="http://schemas.openxmlformats.org/drawingml/2006/main" xmlns:r="http://schemas.openxmlformats.org/officeDocument/2006/relationships" xmlns:p="http://schemas.openxmlformats.org/presentationml/2006/main">
+  <p:cSld>
+    <p:spTree>
+      <p:nvGrpSpPr>
+        <p:cNvPr id="1" name=""/>
+        <p:cNvGrpSpPr/>
+        <p:nvPr/>
+      </p:nvGrpSpPr>
+      <p:grpSpPr>
+        <a:xfrm>
+          <a:off x="0" y="0"/>
+          <a:ext cx="0" cy="0"/>
+          <a:chOff x="0" y="0"/>
+          <a:chExt cx="0" cy="0"/>
+        </a:xfrm>
+      </p:grpSpPr>
+      <p:sp>
+        <p:nvSpPr>
+          <p:cNvPr id="2" name="Title 1"/>
+          <p:cNvSpPr>
+            <a:spLocks noGrp="1"/>
+          </p:cNvSpPr>
+          <p:nvPr>
+            <p:ph type="title"/>
+          </p:nvPr>
+        </p:nvSpPr>
+        <p:spPr/>
+        <p:txBody>
+          <a:bodyPr/>
+          <a:lstStyle/>
+          <a:p>
+            <a:r>
+              <a:rPr lang="en-US" dirty="0" smtClean="0"/>
+              <a:t>Architecture Overview</a:t>
+            </a:r>
+            <a:endParaRPr lang="en-US" dirty="0"/>
+          </a:p>
+        </p:txBody>
+      </p:sp>
+      <p:pic>
+        <p:nvPicPr>
+          <p:cNvPr id="2050" name="Picture 2" descr="overview"/>
+          <p:cNvPicPr>
+            <a:picLocks noGrp="1" noChangeAspect="1" noChangeArrowheads="1"/>
+          </p:cNvPicPr>
+          <p:nvPr>
+            <p:ph idx="1"/>
+          </p:nvPr>
+        </p:nvPicPr>
+        <p:blipFill>
+          <a:blip r:embed="rId3">
+            <a:extLst>
+              <a:ext uri="{28A0092B-C50C-407E-A947-70E740481C1C}">
+                <a14:useLocalDpi xmlns:a14="http://schemas.microsoft.com/office/drawing/2010/main" val="0"/>
+              </a:ext>
+            </a:extLst>
+          </a:blip>
+          <a:srcRect/>
+          <a:stretch>
+            <a:fillRect/>
+          </a:stretch>
+        </p:blipFill>
+        <p:spPr bwMode="auto">
+          <a:xfrm>
+            <a:off x="2875402" y="1656521"/>
+            <a:ext cx="7432332" cy="3778250"/>
+          </a:xfrm>
+          <a:prstGeom prst="rect">
+            <a:avLst/>
+          </a:prstGeom>
+          <a:noFill/>
+          <a:extLst>
+            <a:ext uri="{909E8E84-426E-40DD-AFC4-6F175D3DCCD1}">
+              <a14:hiddenFill xmlns:a14="http://schemas.microsoft.com/office/drawing/2010/main">
+                <a:solidFill>
+                  <a:srgbClr val="FFFFFF"/>
+                </a:solidFill>
+              </a14:hiddenFill>
+            </a:ext>
+          </a:extLst>
+        </p:spPr>
+      </p:pic>
+      <p:sp>
+        <p:nvSpPr>
+          <p:cNvPr id="4" name="TextBox 3"/>
+          <p:cNvSpPr txBox="1"/>
+          <p:nvPr/>
+        </p:nvSpPr>
+        <p:spPr>
+          <a:xfrm>
+            <a:off x="2875402" y="6062870"/>
+            <a:ext cx="6590266" cy="369332"/>
+          </a:xfrm>
+          <a:prstGeom prst="rect">
+            <a:avLst/>
+          </a:prstGeom>
+          <a:noFill/>
+        </p:spPr>
+        <p:txBody>
+          <a:bodyPr wrap="none" rtlCol="0">
+            <a:spAutoFit/>
+          </a:bodyPr>
+          <a:lstStyle/>
+          <a:p>
+            <a:r>
+              <a:rPr lang="en-US" dirty="0">
+                <a:hlinkClick r:id="rId4"/>
+              </a:rPr>
+              <a:t>https://</a:t>
+            </a:r>
+            <a:r>
+              <a:rPr lang="en-US" dirty="0" smtClean="0">
+                <a:hlinkClick r:id="rId4"/>
+              </a:rPr>
+              <a:t>angular.io/docs/ts/latest/guide/architecture.html</a:t>
+            </a:r>
+            <a:r>
+              <a:rPr lang="en-US" dirty="0" smtClean="0"/>
+              <a:t> </a:t>
+            </a:r>
+            <a:endParaRPr lang="en-US" dirty="0"/>
+          </a:p>
+        </p:txBody>
+      </p:sp>
+    </p:spTree>
+    <p:extLst>
+      <p:ext uri="{BB962C8B-B14F-4D97-AF65-F5344CB8AC3E}">
+        <p14:creationId xmlns:p14="http://schemas.microsoft.com/office/powerpoint/2010/main" val="2278264631"/>
+      </p:ext>
+    </p:extLst>
+  </p:cSld>
+  <p:clrMapOvr>
+    <a:masterClrMapping/>
+  </p:clrMapOvr>
+</p:sld>
+</file>
+
+<file path=ppt/slides/slide11.xml><?xml version="1.0" encoding="utf-8"?>
+<p:sld xmlns:a="http://schemas.openxmlformats.org/drawingml/2006/main" xmlns:r="http://schemas.openxmlformats.org/officeDocument/2006/relationships" xmlns:p="http://schemas.openxmlformats.org/presentationml/2006/main">
+  <p:cSld>
+    <p:spTree>
+      <p:nvGrpSpPr>
+        <p:cNvPr id="1" name=""/>
+        <p:cNvGrpSpPr/>
+        <p:nvPr/>
+      </p:nvGrpSpPr>
+      <p:grpSpPr>
+        <a:xfrm>
+          <a:off x="0" y="0"/>
+          <a:ext cx="0" cy="0"/>
+          <a:chOff x="0" y="0"/>
+          <a:chExt cx="0" cy="0"/>
+        </a:xfrm>
+      </p:grpSpPr>
+      <p:sp>
+        <p:nvSpPr>
+          <p:cNvPr id="2" name="Title 1"/>
+          <p:cNvSpPr>
+            <a:spLocks noGrp="1"/>
+          </p:cNvSpPr>
+          <p:nvPr>
+            <p:ph type="title"/>
+          </p:nvPr>
+        </p:nvSpPr>
+        <p:spPr/>
+        <p:txBody>
+          <a:bodyPr/>
+          <a:lstStyle/>
+          <a:p>
+            <a:r>
+              <a:rPr lang="en-US" dirty="0" smtClean="0"/>
+              <a:t>More to learn</a:t>
+            </a:r>
+            <a:endParaRPr lang="en-US" dirty="0"/>
+          </a:p>
+        </p:txBody>
+      </p:sp>
+      <p:sp>
+        <p:nvSpPr>
+          <p:cNvPr id="3" name="Content Placeholder 2"/>
+          <p:cNvSpPr>
+            <a:spLocks noGrp="1"/>
+          </p:cNvSpPr>
+          <p:nvPr>
+            <p:ph idx="1"/>
+          </p:nvPr>
+        </p:nvSpPr>
+        <p:spPr/>
+        <p:txBody>
+          <a:bodyPr>
+            <a:normAutofit/>
+          </a:bodyPr>
+          <a:lstStyle/>
+          <a:p>
+            <a:r>
+              <a:rPr lang="en-US" sz="2000" dirty="0" smtClean="0"/>
+              <a:t>The Angular Tour of Heroes is a great resource to try some of the other features of Angular.</a:t>
+            </a:r>
+          </a:p>
+          <a:p>
+            <a:pPr lvl="1"/>
+            <a:r>
+              <a:rPr lang="en-US" sz="2000" dirty="0">
+                <a:hlinkClick r:id="rId2"/>
+              </a:rPr>
+              <a:t>https://angular.io/docs/ts/latest/tutorial</a:t>
+            </a:r>
+            <a:r>
+              <a:rPr lang="en-US" sz="2000" dirty="0" smtClean="0">
+                <a:hlinkClick r:id="rId2"/>
+              </a:rPr>
+              <a:t>/</a:t>
+            </a:r>
+            <a:r>
+              <a:rPr lang="en-US" sz="2000" dirty="0" smtClean="0"/>
+              <a:t> </a:t>
+            </a:r>
+          </a:p>
+          <a:p>
+            <a:r>
+              <a:rPr lang="en-US" sz="2000" dirty="0" smtClean="0"/>
+              <a:t>This presentation </a:t>
+            </a:r>
+            <a:r>
+              <a:rPr lang="en-US" sz="2000" dirty="0"/>
+              <a:t>was based on a workshop by Jaime González </a:t>
+            </a:r>
+            <a:r>
+              <a:rPr lang="en-US" sz="2000" dirty="0" err="1" smtClean="0"/>
+              <a:t>García</a:t>
+            </a:r>
+            <a:r>
+              <a:rPr lang="en-US" sz="2000" dirty="0" smtClean="0"/>
+              <a:t> at:</a:t>
+            </a:r>
+          </a:p>
+          <a:p>
+            <a:pPr lvl="1"/>
+            <a:r>
+              <a:rPr lang="en-US" sz="2000" dirty="0" smtClean="0">
+                <a:hlinkClick r:id="rId3"/>
+              </a:rPr>
+              <a:t>https</a:t>
+            </a:r>
+            <a:r>
+              <a:rPr lang="en-US" sz="2000" dirty="0">
+                <a:hlinkClick r:id="rId3"/>
+              </a:rPr>
+              <a:t>://www.barbarianmeetscoding.com/blog/2016/03/25/getting-started-with-angular-2-step-by-step-1-your-first-component</a:t>
+            </a:r>
+            <a:r>
+              <a:rPr lang="en-US" sz="2000" dirty="0" smtClean="0">
+                <a:hlinkClick r:id="rId3"/>
+              </a:rPr>
+              <a:t>/</a:t>
+            </a:r>
+            <a:r>
+              <a:rPr lang="en-US" sz="2000" dirty="0" smtClean="0"/>
+              <a:t> </a:t>
+            </a:r>
+            <a:endParaRPr lang="en-US" sz="2000" dirty="0"/>
+          </a:p>
+        </p:txBody>
+      </p:sp>
+    </p:spTree>
+    <p:extLst>
+      <p:ext uri="{BB962C8B-B14F-4D97-AF65-F5344CB8AC3E}">
+        <p14:creationId xmlns:p14="http://schemas.microsoft.com/office/powerpoint/2010/main" val="3008590177"/>
+      </p:ext>
+    </p:extLst>
+  </p:cSld>
+  <p:clrMapOvr>
+    <a:masterClrMapping/>
+  </p:clrMapOvr>
+</p:sld>
+</file>
+
+<file path=ppt/slides/slide2.xml><?xml version="1.0" encoding="utf-8"?>
+<p:sld xmlns:a="http://schemas.openxmlformats.org/drawingml/2006/main" xmlns:r="http://schemas.openxmlformats.org/officeDocument/2006/relationships" xmlns:p="http://schemas.openxmlformats.org/presentationml/2006/main">
+  <p:cSld>
+    <p:spTree>
+      <p:nvGrpSpPr>
+        <p:cNvPr id="1" name=""/>
+        <p:cNvGrpSpPr/>
+        <p:nvPr/>
+      </p:nvGrpSpPr>
+      <p:grpSpPr>
+        <a:xfrm>
+          <a:off x="0" y="0"/>
+          <a:ext cx="0" cy="0"/>
+          <a:chOff x="0" y="0"/>
+          <a:chExt cx="0" cy="0"/>
+        </a:xfrm>
+      </p:grpSpPr>
+      <p:sp>
+        <p:nvSpPr>
+          <p:cNvPr id="2" name="Title 1"/>
+          <p:cNvSpPr>
+            <a:spLocks noGrp="1"/>
+          </p:cNvSpPr>
+          <p:nvPr>
+            <p:ph type="title"/>
+          </p:nvPr>
+        </p:nvSpPr>
+        <p:spPr/>
+        <p:txBody>
+          <a:bodyPr/>
+          <a:lstStyle/>
+          <a:p>
+            <a:r>
+              <a:rPr lang="en-US" dirty="0" smtClean="0"/>
+              <a:t>Angular 1? Angular 2?</a:t>
+            </a:r>
+            <a:endParaRPr lang="en-US" dirty="0"/>
+          </a:p>
+        </p:txBody>
+      </p:sp>
+      <p:sp>
+        <p:nvSpPr>
+          <p:cNvPr id="3" name="Content Placeholder 2"/>
+          <p:cNvSpPr>
+            <a:spLocks noGrp="1"/>
+          </p:cNvSpPr>
+          <p:nvPr>
+            <p:ph idx="1"/>
+          </p:nvPr>
+        </p:nvSpPr>
+        <p:spPr>
+          <a:xfrm>
+            <a:off x="2589212" y="1737360"/>
+            <a:ext cx="8915400" cy="4471416"/>
+          </a:xfrm>
+        </p:spPr>
+        <p:txBody>
+          <a:bodyPr>
+            <a:normAutofit/>
+          </a:bodyPr>
+          <a:lstStyle/>
+          <a:p>
+            <a:r>
+              <a:rPr lang="en-US" b="1" dirty="0"/>
+              <a:t>Angular</a:t>
+            </a:r>
+            <a:r>
+              <a:rPr lang="en-US" dirty="0"/>
+              <a:t> is the name for the Angular of today and </a:t>
+            </a:r>
+            <a:r>
+              <a:rPr lang="en-US" dirty="0" smtClean="0"/>
+              <a:t>tomorrow (from version 2 and up). </a:t>
+            </a:r>
+            <a:r>
+              <a:rPr lang="en-US" b="1" dirty="0"/>
+              <a:t>AngularJS</a:t>
+            </a:r>
+            <a:r>
+              <a:rPr lang="en-US" dirty="0"/>
+              <a:t> is the name for all v1.x versions of Angular</a:t>
+            </a:r>
+            <a:r>
+              <a:rPr lang="en-US" dirty="0" smtClean="0"/>
+              <a:t>.</a:t>
+            </a:r>
+          </a:p>
+          <a:p>
+            <a:r>
+              <a:rPr lang="en-US" dirty="0" smtClean="0"/>
+              <a:t>Angular is not an upgrade of </a:t>
+            </a:r>
+            <a:r>
+              <a:rPr lang="en-US" dirty="0" err="1" smtClean="0"/>
+              <a:t>AngujarJS</a:t>
+            </a:r>
+            <a:r>
+              <a:rPr lang="en-US" dirty="0" smtClean="0"/>
+              <a:t>. It was completely rewritten. You do not need to know AngularJS to learn Angular.</a:t>
+            </a:r>
+          </a:p>
+          <a:p>
+            <a:r>
+              <a:rPr lang="en-US" dirty="0" smtClean="0"/>
+              <a:t>For details on transitioning from AngularJS to Angular </a:t>
+            </a:r>
+            <a:r>
+              <a:rPr lang="en-US" dirty="0"/>
+              <a:t>check out: </a:t>
+            </a:r>
+            <a:r>
+              <a:rPr lang="en-US" dirty="0">
+                <a:hlinkClick r:id="rId2"/>
+              </a:rPr>
+              <a:t>https://</a:t>
+            </a:r>
+            <a:r>
+              <a:rPr lang="en-US" dirty="0" smtClean="0">
+                <a:hlinkClick r:id="rId2"/>
+              </a:rPr>
+              <a:t>angular.io/docs/ts/latest/cookbook/ajs-quick-reference.html</a:t>
+            </a:r>
+            <a:endParaRPr lang="en-US" dirty="0" smtClean="0"/>
+          </a:p>
+          <a:p>
+            <a:r>
+              <a:rPr lang="en-US" dirty="0"/>
+              <a:t>There are primarily four things that </a:t>
+            </a:r>
+            <a:r>
+              <a:rPr lang="en-US" dirty="0" smtClean="0"/>
+              <a:t>you'll </a:t>
+            </a:r>
+            <a:r>
+              <a:rPr lang="en-US" dirty="0"/>
+              <a:t>need to be familiar with: </a:t>
+            </a:r>
+            <a:endParaRPr lang="en-US" dirty="0" smtClean="0"/>
+          </a:p>
+          <a:p>
+            <a:pPr lvl="1"/>
+            <a:r>
+              <a:rPr lang="en-US" dirty="0" smtClean="0"/>
+              <a:t>ES6 (JavaScript), </a:t>
+            </a:r>
+          </a:p>
+          <a:p>
+            <a:pPr lvl="1"/>
+            <a:r>
+              <a:rPr lang="en-US" dirty="0" err="1" smtClean="0"/>
+              <a:t>TypeScript</a:t>
+            </a:r>
+            <a:r>
+              <a:rPr lang="en-US" dirty="0"/>
+              <a:t> (a typed superset of JavaScript that compiles to plain JavaScript), </a:t>
+            </a:r>
+            <a:endParaRPr lang="en-US" dirty="0" smtClean="0"/>
+          </a:p>
+          <a:p>
+            <a:pPr lvl="1"/>
+            <a:r>
+              <a:rPr lang="en-US" dirty="0" err="1" smtClean="0"/>
+              <a:t>RxJS</a:t>
+            </a:r>
+            <a:r>
+              <a:rPr lang="en-US" dirty="0" smtClean="0"/>
+              <a:t> (a </a:t>
+            </a:r>
+            <a:r>
+              <a:rPr lang="en-US" dirty="0"/>
+              <a:t>library for transforming, composing, and querying streams of </a:t>
+            </a:r>
+            <a:r>
+              <a:rPr lang="en-US" dirty="0" smtClean="0"/>
+              <a:t>data), </a:t>
+            </a:r>
+          </a:p>
+          <a:p>
+            <a:pPr lvl="1"/>
+            <a:r>
+              <a:rPr lang="en-US" dirty="0" smtClean="0"/>
+              <a:t>and </a:t>
+            </a:r>
+            <a:r>
+              <a:rPr lang="en-US" dirty="0"/>
+              <a:t>build </a:t>
+            </a:r>
+            <a:r>
+              <a:rPr lang="en-US" dirty="0" smtClean="0"/>
+              <a:t>tools (node.js and </a:t>
+            </a:r>
+            <a:r>
+              <a:rPr lang="en-US" dirty="0" err="1" smtClean="0"/>
+              <a:t>npm</a:t>
+            </a:r>
+            <a:r>
+              <a:rPr lang="en-US" dirty="0" smtClean="0"/>
+              <a:t>)</a:t>
+            </a:r>
+            <a:endParaRPr lang="en-US" dirty="0"/>
+          </a:p>
+        </p:txBody>
+      </p:sp>
+    </p:spTree>
+    <p:extLst>
+      <p:ext uri="{BB962C8B-B14F-4D97-AF65-F5344CB8AC3E}">
+        <p14:creationId xmlns:p14="http://schemas.microsoft.com/office/powerpoint/2010/main" val="2415517431"/>
+      </p:ext>
+    </p:extLst>
+  </p:cSld>
+  <p:clrMapOvr>
+    <a:masterClrMapping/>
+  </p:clrMapOvr>
+</p:sld>
+</file>
+
+<file path=ppt/slides/slide3.xml><?xml version="1.0" encoding="utf-8"?>
+<p:sld xmlns:a="http://schemas.openxmlformats.org/drawingml/2006/main" xmlns:r="http://schemas.openxmlformats.org/officeDocument/2006/relationships" xmlns:p="http://schemas.openxmlformats.org/presentationml/2006/main">
+  <p:cSld>
+    <p:spTree>
+      <p:nvGrpSpPr>
+        <p:cNvPr id="1" name=""/>
+        <p:cNvGrpSpPr/>
+        <p:nvPr/>
+      </p:nvGrpSpPr>
+      <p:grpSpPr>
+        <a:xfrm>
+          <a:off x="0" y="0"/>
+          <a:ext cx="0" cy="0"/>
+          <a:chOff x="0" y="0"/>
+          <a:chExt cx="0" cy="0"/>
+        </a:xfrm>
+      </p:grpSpPr>
+      <p:sp>
+        <p:nvSpPr>
+          <p:cNvPr id="2" name="Title 1"/>
+          <p:cNvSpPr>
+            <a:spLocks noGrp="1"/>
+          </p:cNvSpPr>
+          <p:nvPr>
+            <p:ph type="title"/>
+          </p:nvPr>
+        </p:nvSpPr>
+        <p:spPr/>
+        <p:txBody>
+          <a:bodyPr/>
+          <a:lstStyle/>
+          <a:p>
+            <a:r>
+              <a:rPr lang="en-US" dirty="0" smtClean="0"/>
+              <a:t>Angular </a:t>
+            </a:r>
+            <a:r>
+              <a:rPr lang="en-US" dirty="0" err="1" smtClean="0"/>
+              <a:t>QuickStart</a:t>
+            </a:r>
+            <a:endParaRPr lang="en-US" dirty="0"/>
+          </a:p>
+        </p:txBody>
+      </p:sp>
+      <p:sp>
+        <p:nvSpPr>
+          <p:cNvPr id="3" name="Content Placeholder 2"/>
+          <p:cNvSpPr>
+            <a:spLocks noGrp="1"/>
+          </p:cNvSpPr>
+          <p:nvPr>
+            <p:ph idx="1"/>
+          </p:nvPr>
+        </p:nvSpPr>
+        <p:spPr/>
+        <p:txBody>
+          <a:bodyPr>
+            <a:normAutofit lnSpcReduction="10000"/>
+          </a:bodyPr>
+          <a:lstStyle/>
+          <a:p>
+            <a:r>
+              <a:rPr lang="en-US" dirty="0" smtClean="0"/>
+              <a:t>Install </a:t>
+            </a:r>
+            <a:r>
+              <a:rPr lang="en-US" dirty="0"/>
+              <a:t>node v4.x.x or higher. Node powers client development and build tools. You can check by running </a:t>
+            </a:r>
+            <a:r>
+              <a:rPr lang="en-US" b="1" dirty="0"/>
+              <a:t>node -v</a:t>
+            </a:r>
+          </a:p>
+          <a:p>
+            <a:r>
+              <a:rPr lang="en-US" dirty="0" smtClean="0"/>
+              <a:t>Install </a:t>
+            </a:r>
+            <a:r>
+              <a:rPr lang="en-US" dirty="0" err="1"/>
+              <a:t>npm</a:t>
+            </a:r>
+            <a:r>
+              <a:rPr lang="en-US" dirty="0"/>
+              <a:t> </a:t>
+            </a:r>
+            <a:r>
+              <a:rPr lang="en-US" dirty="0" smtClean="0"/>
+              <a:t>3.x.x </a:t>
+            </a:r>
+            <a:r>
+              <a:rPr lang="en-US" dirty="0"/>
+              <a:t>or higher. The </a:t>
+            </a:r>
+            <a:r>
+              <a:rPr lang="en-US" dirty="0" err="1"/>
+              <a:t>npm</a:t>
+            </a:r>
+            <a:r>
+              <a:rPr lang="en-US" dirty="0"/>
+              <a:t> package manager, itself a node application, installs JavaScript libraries. You can check by running </a:t>
+            </a:r>
+            <a:r>
+              <a:rPr lang="en-US" b="1" dirty="0" err="1"/>
+              <a:t>npm</a:t>
+            </a:r>
+            <a:r>
+              <a:rPr lang="en-US" b="1" dirty="0"/>
+              <a:t> -v</a:t>
+            </a:r>
+          </a:p>
+          <a:p>
+            <a:r>
+              <a:rPr lang="en-US" dirty="0" smtClean="0"/>
+              <a:t>Clone </a:t>
+            </a:r>
+            <a:r>
+              <a:rPr lang="en-US" dirty="0"/>
+              <a:t>or download the project located at : </a:t>
+            </a:r>
+            <a:r>
+              <a:rPr lang="en-US" dirty="0">
+                <a:hlinkClick r:id="rId3"/>
+              </a:rPr>
+              <a:t>https://</a:t>
+            </a:r>
+            <a:r>
+              <a:rPr lang="en-US" dirty="0" smtClean="0">
+                <a:hlinkClick r:id="rId3"/>
+              </a:rPr>
+              <a:t>github.com/angular/quickstart</a:t>
+            </a:r>
+            <a:r>
+              <a:rPr lang="en-US" dirty="0" smtClean="0"/>
+              <a:t> </a:t>
+            </a:r>
+            <a:endParaRPr lang="en-US" dirty="0"/>
+          </a:p>
+          <a:p>
+            <a:r>
+              <a:rPr lang="en-US" dirty="0" smtClean="0"/>
+              <a:t>Open the folder with </a:t>
+            </a:r>
+            <a:r>
+              <a:rPr lang="en-US" dirty="0" err="1" smtClean="0"/>
+              <a:t>package.json</a:t>
+            </a:r>
+            <a:r>
+              <a:rPr lang="en-US" dirty="0" smtClean="0"/>
+              <a:t> in your IDE</a:t>
+            </a:r>
+          </a:p>
+          <a:p>
+            <a:r>
+              <a:rPr lang="en-US" dirty="0" smtClean="0"/>
+              <a:t>Run </a:t>
+            </a:r>
+            <a:r>
+              <a:rPr lang="en-US" b="1" dirty="0" err="1"/>
+              <a:t>npm</a:t>
+            </a:r>
+            <a:r>
+              <a:rPr lang="en-US" b="1" dirty="0"/>
+              <a:t> install</a:t>
+            </a:r>
+            <a:r>
+              <a:rPr lang="en-US" dirty="0"/>
+              <a:t> and </a:t>
+            </a:r>
+            <a:r>
+              <a:rPr lang="en-US" b="1" dirty="0" err="1"/>
+              <a:t>npm</a:t>
+            </a:r>
+            <a:r>
+              <a:rPr lang="en-US" b="1" dirty="0"/>
+              <a:t> </a:t>
+            </a:r>
+            <a:r>
+              <a:rPr lang="en-US" b="1" dirty="0" smtClean="0"/>
+              <a:t>start</a:t>
+            </a:r>
+          </a:p>
+          <a:p>
+            <a:r>
+              <a:rPr lang="en-US" dirty="0" smtClean="0"/>
+              <a:t>You will see “Hello Angular</a:t>
+            </a:r>
+            <a:r>
+              <a:rPr lang="en-US" dirty="0"/>
+              <a:t>” from http://localhost:3000/</a:t>
+            </a:r>
+          </a:p>
+          <a:p>
+            <a:r>
+              <a:rPr lang="en-US" dirty="0" smtClean="0"/>
+              <a:t>This code is maintained </a:t>
+            </a:r>
+            <a:r>
+              <a:rPr lang="en-US" dirty="0"/>
+              <a:t>by angular.io, great start for any project, </a:t>
+            </a:r>
+            <a:r>
+              <a:rPr lang="en-US" dirty="0" smtClean="0"/>
+              <a:t>always up </a:t>
+            </a:r>
+            <a:r>
+              <a:rPr lang="en-US" dirty="0"/>
+              <a:t>to </a:t>
+            </a:r>
+            <a:r>
+              <a:rPr lang="en-US" dirty="0" smtClean="0"/>
+              <a:t>date</a:t>
+            </a:r>
+            <a:endParaRPr lang="en-US" dirty="0"/>
+          </a:p>
+        </p:txBody>
+      </p:sp>
+    </p:spTree>
+    <p:extLst>
+      <p:ext uri="{BB962C8B-B14F-4D97-AF65-F5344CB8AC3E}">
+        <p14:creationId xmlns:p14="http://schemas.microsoft.com/office/powerpoint/2010/main" val="3559708626"/>
+      </p:ext>
+    </p:extLst>
+  </p:cSld>
+  <p:clrMapOvr>
+    <a:masterClrMapping/>
+  </p:clrMapOvr>
+</p:sld>
+</file>
+
+<file path=ppt/slides/slide4.xml><?xml version="1.0" encoding="utf-8"?>
+<p:sld xmlns:a="http://schemas.openxmlformats.org/drawingml/2006/main" xmlns:r="http://schemas.openxmlformats.org/officeDocument/2006/relationships" xmlns:p="http://schemas.openxmlformats.org/presentationml/2006/main">
+  <p:cSld>
+    <p:spTree>
+      <p:nvGrpSpPr>
+        <p:cNvPr id="1" name=""/>
+        <p:cNvGrpSpPr/>
+        <p:nvPr/>
+      </p:nvGrpSpPr>
+      <p:grpSpPr>
+        <a:xfrm>
+          <a:off x="0" y="0"/>
+          <a:ext cx="0" cy="0"/>
+          <a:chOff x="0" y="0"/>
+          <a:chExt cx="0" cy="0"/>
+        </a:xfrm>
+      </p:grpSpPr>
+      <p:sp>
+        <p:nvSpPr>
+          <p:cNvPr id="2" name="Title 1"/>
+          <p:cNvSpPr>
+            <a:spLocks noGrp="1"/>
+          </p:cNvSpPr>
+          <p:nvPr>
+            <p:ph type="title"/>
+          </p:nvPr>
+        </p:nvSpPr>
+        <p:spPr/>
+        <p:txBody>
+          <a:bodyPr/>
+          <a:lstStyle/>
+          <a:p>
+            <a:r>
+              <a:rPr lang="en-US" dirty="0" smtClean="0"/>
+              <a:t>Basic Hello World</a:t>
+            </a:r>
+            <a:endParaRPr lang="en-US" dirty="0"/>
+          </a:p>
+        </p:txBody>
+      </p:sp>
+      <p:sp>
+        <p:nvSpPr>
+          <p:cNvPr id="3" name="Content Placeholder 2"/>
+          <p:cNvSpPr>
+            <a:spLocks noGrp="1"/>
+          </p:cNvSpPr>
+          <p:nvPr>
+            <p:ph idx="1"/>
+          </p:nvPr>
+        </p:nvSpPr>
+        <p:spPr>
+          <a:xfrm>
+            <a:off x="2500002" y="1743075"/>
+            <a:ext cx="8915400" cy="4490457"/>
+          </a:xfrm>
+        </p:spPr>
+        <p:txBody>
+          <a:bodyPr>
+            <a:normAutofit/>
+          </a:bodyPr>
+          <a:lstStyle/>
+          <a:p>
+            <a:r>
+              <a:rPr lang="en-US" dirty="0"/>
+              <a:t>Angular applications are made up of components. A component is the combination of an HTML template and a component class that controls a portion of the screen. </a:t>
+            </a:r>
+            <a:r>
+              <a:rPr lang="en-US" dirty="0" err="1"/>
+              <a:t>a</a:t>
+            </a:r>
+            <a:r>
+              <a:rPr lang="en-US" dirty="0" err="1" smtClean="0"/>
+              <a:t>pp.component.ts</a:t>
+            </a:r>
+            <a:r>
+              <a:rPr lang="en-US" dirty="0" smtClean="0"/>
+              <a:t> </a:t>
+            </a:r>
+            <a:r>
+              <a:rPr lang="en-US" dirty="0"/>
+              <a:t>is an example of a component that displays a simple </a:t>
+            </a:r>
+            <a:r>
+              <a:rPr lang="en-US" dirty="0" smtClean="0"/>
+              <a:t>string.</a:t>
+            </a:r>
+          </a:p>
+          <a:p>
+            <a:r>
+              <a:rPr lang="en-US" dirty="0"/>
+              <a:t>The selector property tells Angular to display the component inside a custom &lt;my-app&gt; tag in the index.html</a:t>
+            </a:r>
+            <a:r>
+              <a:rPr lang="en-US" dirty="0" smtClean="0"/>
+              <a:t>.</a:t>
+            </a:r>
+          </a:p>
+          <a:p>
+            <a:pPr>
+              <a:tabLst>
+                <a:tab pos="4171950" algn="l"/>
+              </a:tabLst>
+            </a:pPr>
+            <a:r>
+              <a:rPr lang="en-US" dirty="0" smtClean="0"/>
+              <a:t>At </a:t>
+            </a:r>
+            <a:r>
+              <a:rPr lang="en-US" dirty="0"/>
+              <a:t>runtime, Angular replaces {{name}} with the value of the component's name </a:t>
+            </a:r>
+            <a:r>
+              <a:rPr lang="en-US" dirty="0" smtClean="0"/>
+              <a:t>property via interpolation binding (one of multiple types of bindings)</a:t>
+            </a:r>
+          </a:p>
+          <a:p>
+            <a:pPr>
+              <a:tabLst>
+                <a:tab pos="4171950" algn="l"/>
+              </a:tabLst>
+            </a:pPr>
+            <a:r>
+              <a:rPr lang="en-US" dirty="0"/>
+              <a:t>Change the component class's name property from 'Angular' to 'World' in </a:t>
+            </a:r>
+            <a:r>
+              <a:rPr lang="en-US" dirty="0" err="1"/>
+              <a:t>app.component.ts</a:t>
+            </a:r>
+            <a:r>
+              <a:rPr lang="en-US" dirty="0"/>
+              <a:t> and see what happens.</a:t>
+            </a:r>
+          </a:p>
+          <a:p>
+            <a:pPr marL="0" indent="0">
+              <a:buNone/>
+              <a:tabLst>
+                <a:tab pos="4171950" algn="l"/>
+              </a:tabLst>
+            </a:pPr>
+            <a:endParaRPr lang="en-US" dirty="0" smtClean="0"/>
+          </a:p>
+        </p:txBody>
+      </p:sp>
+    </p:spTree>
+    <p:extLst>
+      <p:ext uri="{BB962C8B-B14F-4D97-AF65-F5344CB8AC3E}">
+        <p14:creationId xmlns:p14="http://schemas.microsoft.com/office/powerpoint/2010/main" val="2429080990"/>
+      </p:ext>
+    </p:extLst>
+  </p:cSld>
+  <p:clrMapOvr>
+    <a:masterClrMapping/>
+  </p:clrMapOvr>
+</p:sld>
+</file>
+
+<file path=ppt/slides/slide5.xml><?xml version="1.0" encoding="utf-8"?>
+<p:sld xmlns:a="http://schemas.openxmlformats.org/drawingml/2006/main" xmlns:r="http://schemas.openxmlformats.org/officeDocument/2006/relationships" xmlns:p="http://schemas.openxmlformats.org/presentationml/2006/main">
+  <p:cSld>
+    <p:spTree>
+      <p:nvGrpSpPr>
+        <p:cNvPr id="1" name=""/>
+        <p:cNvGrpSpPr/>
+        <p:nvPr/>
+      </p:nvGrpSpPr>
+      <p:grpSpPr>
+        <a:xfrm>
+          <a:off x="0" y="0"/>
+          <a:ext cx="0" cy="0"/>
+          <a:chOff x="0" y="0"/>
+          <a:chExt cx="0" cy="0"/>
+        </a:xfrm>
+      </p:grpSpPr>
+      <p:sp>
+        <p:nvSpPr>
+          <p:cNvPr id="2" name="Title 1"/>
+          <p:cNvSpPr>
+            <a:spLocks noGrp="1"/>
+          </p:cNvSpPr>
+          <p:nvPr>
+            <p:ph type="title"/>
+          </p:nvPr>
+        </p:nvSpPr>
+        <p:spPr>
+          <a:xfrm>
+            <a:off x="2592925" y="624110"/>
+            <a:ext cx="8911687" cy="916455"/>
+          </a:xfrm>
+        </p:spPr>
+        <p:txBody>
+          <a:bodyPr>
+            <a:normAutofit/>
+          </a:bodyPr>
+          <a:lstStyle/>
+          <a:p>
+            <a:r>
+              <a:rPr lang="en-US" dirty="0"/>
+              <a:t>Creating a class for the </a:t>
+            </a:r>
+            <a:r>
+              <a:rPr lang="en-US" dirty="0" smtClean="0"/>
+              <a:t>app data</a:t>
+            </a:r>
+            <a:endParaRPr lang="en-US" dirty="0"/>
+          </a:p>
+        </p:txBody>
+      </p:sp>
+      <p:sp>
+        <p:nvSpPr>
+          <p:cNvPr id="3" name="Content Placeholder 2"/>
+          <p:cNvSpPr>
+            <a:spLocks noGrp="1"/>
+          </p:cNvSpPr>
+          <p:nvPr>
+            <p:ph idx="1"/>
+          </p:nvPr>
+        </p:nvSpPr>
+        <p:spPr>
+          <a:xfrm>
+            <a:off x="2589212" y="2133600"/>
+            <a:ext cx="8915400" cy="1036983"/>
+          </a:xfrm>
+        </p:spPr>
+        <p:txBody>
+          <a:bodyPr/>
+          <a:lstStyle/>
+          <a:p>
+            <a:r>
+              <a:rPr lang="en-US" dirty="0" smtClean="0"/>
+              <a:t>Create a new file under </a:t>
+            </a:r>
+            <a:r>
+              <a:rPr lang="en-US" dirty="0" err="1" smtClean="0"/>
+              <a:t>src</a:t>
+            </a:r>
+            <a:r>
+              <a:rPr lang="en-US" dirty="0"/>
+              <a:t>/app named </a:t>
+            </a:r>
+            <a:r>
+              <a:rPr lang="en-US" dirty="0" err="1" smtClean="0"/>
+              <a:t>person.ts</a:t>
+            </a:r>
+            <a:endParaRPr lang="en-US" dirty="0" smtClean="0"/>
+          </a:p>
+          <a:p>
+            <a:r>
+              <a:rPr lang="en-US" dirty="0" smtClean="0"/>
+              <a:t>It is kind of a POJO</a:t>
+            </a:r>
+            <a:endParaRPr lang="en-US" dirty="0"/>
+          </a:p>
+        </p:txBody>
+      </p:sp>
+      <p:sp>
+        <p:nvSpPr>
+          <p:cNvPr id="4" name="Title 1"/>
+          <p:cNvSpPr txBox="1">
+            <a:spLocks/>
+          </p:cNvSpPr>
+          <p:nvPr/>
+        </p:nvSpPr>
+        <p:spPr>
+          <a:xfrm>
+            <a:off x="2665812" y="3589284"/>
+            <a:ext cx="8911687" cy="916455"/>
+          </a:xfrm>
+          <a:prstGeom prst="rect">
+            <a:avLst/>
+          </a:prstGeom>
+        </p:spPr>
+        <p:txBody>
+          <a:bodyPr vert="horz" lIns="91440" tIns="45720" rIns="91440" bIns="45720" rtlCol="0" anchor="t">
+            <a:normAutofit/>
+          </a:bodyPr>
+          <a:lstStyle>
+            <a:lvl1pPr algn="l" defTabSz="457200" rtl="0" eaLnBrk="1" latinLnBrk="0" hangingPunct="1">
+              <a:spcBef>
+                <a:spcPct val="0"/>
+              </a:spcBef>
+              <a:buNone/>
+              <a:defRPr sz="3600" kern="1200">
+                <a:solidFill>
+                  <a:schemeClr val="tx1">
+                    <a:lumMod val="85000"/>
+                    <a:lumOff val="15000"/>
+                  </a:schemeClr>
+                </a:solidFill>
+                <a:latin typeface="+mj-lt"/>
+                <a:ea typeface="+mj-ea"/>
+                <a:cs typeface="+mj-cs"/>
+              </a:defRPr>
+            </a:lvl1pPr>
+            <a:lvl2pPr eaLnBrk="1" hangingPunct="1">
+              <a:defRPr>
+                <a:solidFill>
+                  <a:schemeClr val="tx2"/>
+                </a:solidFill>
+              </a:defRPr>
+            </a:lvl2pPr>
+            <a:lvl3pPr eaLnBrk="1" hangingPunct="1">
+              <a:defRPr>
+                <a:solidFill>
+                  <a:schemeClr val="tx2"/>
+                </a:solidFill>
+              </a:defRPr>
+            </a:lvl3pPr>
+            <a:lvl4pPr eaLnBrk="1" hangingPunct="1">
+              <a:defRPr>
+                <a:solidFill>
+                  <a:schemeClr val="tx2"/>
+                </a:solidFill>
+              </a:defRPr>
+            </a:lvl4pPr>
+            <a:lvl5pPr eaLnBrk="1" hangingPunct="1">
+              <a:defRPr>
+                <a:solidFill>
+                  <a:schemeClr val="tx2"/>
+                </a:solidFill>
+              </a:defRPr>
+            </a:lvl5pPr>
+            <a:lvl6pPr eaLnBrk="1" hangingPunct="1">
+              <a:defRPr>
+                <a:solidFill>
+                  <a:schemeClr val="tx2"/>
+                </a:solidFill>
+              </a:defRPr>
+            </a:lvl6pPr>
+            <a:lvl7pPr eaLnBrk="1" hangingPunct="1">
+              <a:defRPr>
+                <a:solidFill>
+                  <a:schemeClr val="tx2"/>
+                </a:solidFill>
+              </a:defRPr>
+            </a:lvl7pPr>
+            <a:lvl8pPr eaLnBrk="1" hangingPunct="1">
+              <a:defRPr>
+                <a:solidFill>
+                  <a:schemeClr val="tx2"/>
+                </a:solidFill>
+              </a:defRPr>
+            </a:lvl8pPr>
+            <a:lvl9pPr eaLnBrk="1" hangingPunct="1">
+              <a:defRPr>
+                <a:solidFill>
+                  <a:schemeClr val="tx2"/>
+                </a:solidFill>
+              </a:defRPr>
+            </a:lvl9pPr>
+          </a:lstStyle>
+          <a:p>
+            <a:r>
+              <a:rPr lang="en-US" dirty="0" smtClean="0"/>
+              <a:t>Create </a:t>
+            </a:r>
+            <a:r>
+              <a:rPr lang="en-US" dirty="0" err="1" smtClean="0"/>
+              <a:t>people.service.ts</a:t>
+            </a:r>
+            <a:endParaRPr lang="en-US" dirty="0"/>
+          </a:p>
+        </p:txBody>
+      </p:sp>
+      <p:sp>
+        <p:nvSpPr>
+          <p:cNvPr id="5" name="Content Placeholder 2"/>
+          <p:cNvSpPr txBox="1">
+            <a:spLocks/>
+          </p:cNvSpPr>
+          <p:nvPr/>
+        </p:nvSpPr>
+        <p:spPr>
+          <a:xfrm>
+            <a:off x="2662099" y="4505740"/>
+            <a:ext cx="8915400" cy="1630018"/>
+          </a:xfrm>
+          <a:prstGeom prst="rect">
+            <a:avLst/>
+          </a:prstGeom>
+        </p:spPr>
+        <p:txBody>
+          <a:bodyPr vert="horz" lIns="91440" tIns="45720" rIns="91440" bIns="45720" rtlCol="0">
+            <a:normAutofit/>
+          </a:bodyPr>
+          <a:lstStyle>
+            <a:lvl1pPr marL="342900" indent="-342900" algn="l" defTabSz="457200" rtl="0" eaLnBrk="1" latinLnBrk="0" hangingPunct="1">
+              <a:spcBef>
+                <a:spcPts val="1000"/>
+              </a:spcBef>
+              <a:spcAft>
+                <a:spcPts val="0"/>
+              </a:spcAft>
+              <a:buClr>
+                <a:schemeClr val="accent1"/>
+              </a:buClr>
+              <a:buFont typeface="Wingdings 3" charset="2"/>
+              <a:buChar char=""/>
+              <a:defRPr sz="1800" kern="1200">
+                <a:solidFill>
+                  <a:schemeClr val="tx1">
+                    <a:lumMod val="75000"/>
+                    <a:lumOff val="25000"/>
+                  </a:schemeClr>
+                </a:solidFill>
+                <a:latin typeface="+mn-lt"/>
+                <a:ea typeface="+mn-ea"/>
+                <a:cs typeface="+mn-cs"/>
+              </a:defRPr>
+            </a:lvl1pPr>
+            <a:lvl2pPr marL="742950" indent="-285750" algn="l" defTabSz="457200" rtl="0" eaLnBrk="1" latinLnBrk="0" hangingPunct="1">
+              <a:spcBef>
+                <a:spcPts val="1000"/>
+              </a:spcBef>
+              <a:spcAft>
+                <a:spcPts val="0"/>
+              </a:spcAft>
+              <a:buClr>
+                <a:schemeClr val="accent1"/>
+              </a:buClr>
+              <a:buFont typeface="Wingdings 3" charset="2"/>
+              <a:buChar char=""/>
+              <a:defRPr sz="1600" kern="1200">
+                <a:solidFill>
+                  <a:schemeClr val="tx1">
+                    <a:lumMod val="75000"/>
+                    <a:lumOff val="25000"/>
+                  </a:schemeClr>
+                </a:solidFill>
+                <a:latin typeface="+mn-lt"/>
+                <a:ea typeface="+mn-ea"/>
+                <a:cs typeface="+mn-cs"/>
+              </a:defRPr>
+            </a:lvl2pPr>
+            <a:lvl3pPr marL="1143000" indent="-228600" algn="l" defTabSz="457200" rtl="0" eaLnBrk="1" latinLnBrk="0" hangingPunct="1">
+              <a:spcBef>
+                <a:spcPts val="1000"/>
+              </a:spcBef>
+              <a:spcAft>
+                <a:spcPts val="0"/>
+              </a:spcAft>
+              <a:buClr>
+                <a:schemeClr val="accent1"/>
+              </a:buClr>
+              <a:buFont typeface="Wingdings 3" charset="2"/>
+              <a:buChar char=""/>
+              <a:defRPr sz="1400" kern="1200">
+                <a:solidFill>
+                  <a:schemeClr val="tx1">
+                    <a:lumMod val="75000"/>
+                    <a:lumOff val="25000"/>
+                  </a:schemeClr>
+                </a:solidFill>
+                <a:latin typeface="+mn-lt"/>
+                <a:ea typeface="+mn-ea"/>
+                <a:cs typeface="+mn-cs"/>
+              </a:defRPr>
+            </a:lvl3pPr>
+            <a:lvl4pPr marL="1600200" indent="-228600" algn="l" defTabSz="457200" rtl="0" eaLnBrk="1" latinLnBrk="0" hangingPunct="1">
+              <a:spcBef>
+                <a:spcPts val="1000"/>
+              </a:spcBef>
+              <a:spcAft>
+                <a:spcPts val="0"/>
+              </a:spcAft>
+              <a:buClr>
+                <a:schemeClr val="accent1"/>
+              </a:buClr>
+              <a:buFont typeface="Wingdings 3" charset="2"/>
+              <a:buChar char=""/>
+              <a:defRPr sz="1200" kern="1200">
+                <a:solidFill>
+                  <a:schemeClr val="tx1">
+                    <a:lumMod val="75000"/>
+                    <a:lumOff val="25000"/>
+                  </a:schemeClr>
+                </a:solidFill>
+                <a:latin typeface="+mn-lt"/>
+                <a:ea typeface="+mn-ea"/>
+                <a:cs typeface="+mn-cs"/>
+              </a:defRPr>
+            </a:lvl4pPr>
+            <a:lvl5pPr marL="2057400" indent="-228600" algn="l" defTabSz="457200" rtl="0" eaLnBrk="1" latinLnBrk="0" hangingPunct="1">
+              <a:spcBef>
+                <a:spcPts val="1000"/>
+              </a:spcBef>
+              <a:spcAft>
+                <a:spcPts val="0"/>
+              </a:spcAft>
+              <a:buClr>
+                <a:schemeClr val="accent1"/>
+              </a:buClr>
+              <a:buFont typeface="Wingdings 3" charset="2"/>
+              <a:buChar char=""/>
+              <a:defRPr sz="1200" kern="1200">
+                <a:solidFill>
+                  <a:schemeClr val="tx1">
+                    <a:lumMod val="75000"/>
+                    <a:lumOff val="25000"/>
+                  </a:schemeClr>
+                </a:solidFill>
+                <a:latin typeface="+mn-lt"/>
+                <a:ea typeface="+mn-ea"/>
+                <a:cs typeface="+mn-cs"/>
+              </a:defRPr>
+            </a:lvl5pPr>
+            <a:lvl6pPr marL="2514600" indent="-228600" algn="l" defTabSz="457200" rtl="0" eaLnBrk="1" latinLnBrk="0" hangingPunct="1">
+              <a:spcBef>
+                <a:spcPts val="1000"/>
+              </a:spcBef>
+              <a:spcAft>
+                <a:spcPts val="0"/>
+              </a:spcAft>
+              <a:buClr>
+                <a:schemeClr val="accent1"/>
+              </a:buClr>
+              <a:buFont typeface="Wingdings 3" charset="2"/>
+              <a:buChar char=""/>
+              <a:defRPr sz="1200" kern="1200">
+                <a:solidFill>
+                  <a:schemeClr val="tx1">
+                    <a:lumMod val="75000"/>
+                    <a:lumOff val="25000"/>
+                  </a:schemeClr>
+                </a:solidFill>
+                <a:latin typeface="+mn-lt"/>
+                <a:ea typeface="+mn-ea"/>
+                <a:cs typeface="+mn-cs"/>
+              </a:defRPr>
+            </a:lvl6pPr>
+            <a:lvl7pPr marL="2971800" indent="-228600" algn="l" defTabSz="457200" rtl="0" eaLnBrk="1" latinLnBrk="0" hangingPunct="1">
+              <a:spcBef>
+                <a:spcPts val="1000"/>
+              </a:spcBef>
+              <a:spcAft>
+                <a:spcPts val="0"/>
+              </a:spcAft>
+              <a:buClr>
+                <a:schemeClr val="accent1"/>
+              </a:buClr>
+              <a:buFont typeface="Wingdings 3" charset="2"/>
+              <a:buChar char=""/>
+              <a:defRPr sz="1200" kern="1200">
+                <a:solidFill>
+                  <a:schemeClr val="tx1">
+                    <a:lumMod val="75000"/>
+                    <a:lumOff val="25000"/>
+                  </a:schemeClr>
+                </a:solidFill>
+                <a:latin typeface="+mn-lt"/>
+                <a:ea typeface="+mn-ea"/>
+                <a:cs typeface="+mn-cs"/>
+              </a:defRPr>
+            </a:lvl7pPr>
+            <a:lvl8pPr marL="3429000" indent="-228600" algn="l" defTabSz="457200" rtl="0" eaLnBrk="1" latinLnBrk="0" hangingPunct="1">
+              <a:spcBef>
+                <a:spcPts val="1000"/>
+              </a:spcBef>
+              <a:spcAft>
+                <a:spcPts val="0"/>
+              </a:spcAft>
+              <a:buClr>
+                <a:schemeClr val="accent1"/>
+              </a:buClr>
+              <a:buFont typeface="Wingdings 3" charset="2"/>
+              <a:buChar char=""/>
+              <a:defRPr sz="1200" kern="1200">
+                <a:solidFill>
+                  <a:schemeClr val="tx1">
+                    <a:lumMod val="75000"/>
+                    <a:lumOff val="25000"/>
+                  </a:schemeClr>
+                </a:solidFill>
+                <a:latin typeface="+mn-lt"/>
+                <a:ea typeface="+mn-ea"/>
+                <a:cs typeface="+mn-cs"/>
+              </a:defRPr>
+            </a:lvl8pPr>
+            <a:lvl9pPr marL="3886200" indent="-228600" algn="l" defTabSz="457200" rtl="0" eaLnBrk="1" latinLnBrk="0" hangingPunct="1">
+              <a:spcBef>
+                <a:spcPts val="1000"/>
+              </a:spcBef>
+              <a:spcAft>
+                <a:spcPts val="0"/>
+              </a:spcAft>
+              <a:buClr>
+                <a:schemeClr val="accent1"/>
+              </a:buClr>
+              <a:buFont typeface="Wingdings 3" charset="2"/>
+              <a:buChar char=""/>
+              <a:defRPr sz="1200" kern="1200">
+                <a:solidFill>
+                  <a:schemeClr val="tx1">
+                    <a:lumMod val="75000"/>
+                    <a:lumOff val="25000"/>
+                  </a:schemeClr>
+                </a:solidFill>
+                <a:latin typeface="+mn-lt"/>
+                <a:ea typeface="+mn-ea"/>
+                <a:cs typeface="+mn-cs"/>
+              </a:defRPr>
+            </a:lvl9pPr>
+          </a:lstStyle>
+          <a:p>
+            <a:r>
+              <a:rPr lang="en-US" dirty="0" smtClean="0"/>
+              <a:t>Create a new file under </a:t>
+            </a:r>
+            <a:r>
+              <a:rPr lang="en-US" dirty="0" err="1" smtClean="0"/>
+              <a:t>src</a:t>
+            </a:r>
+            <a:r>
+              <a:rPr lang="en-US" dirty="0" smtClean="0"/>
+              <a:t>/app </a:t>
+            </a:r>
+            <a:r>
+              <a:rPr lang="en-US" dirty="0"/>
+              <a:t>named </a:t>
+            </a:r>
+            <a:r>
+              <a:rPr lang="en-US" dirty="0" err="1" smtClean="0"/>
+              <a:t>people.service.ts</a:t>
+            </a:r>
+            <a:endParaRPr lang="en-US" dirty="0" smtClean="0"/>
+          </a:p>
+          <a:p>
+            <a:r>
+              <a:rPr lang="en-US" dirty="0" smtClean="0"/>
+              <a:t>It calls the API that gives us the data</a:t>
+            </a:r>
+          </a:p>
+          <a:p>
+            <a:r>
+              <a:rPr lang="en-US" dirty="0" smtClean="0"/>
+              <a:t>It converts it from the response to our person class</a:t>
+            </a:r>
+            <a:endParaRPr lang="en-US" dirty="0"/>
+          </a:p>
+        </p:txBody>
+      </p:sp>
+    </p:spTree>
+    <p:extLst>
+      <p:ext uri="{BB962C8B-B14F-4D97-AF65-F5344CB8AC3E}">
+        <p14:creationId xmlns:p14="http://schemas.microsoft.com/office/powerpoint/2010/main" val="1879917440"/>
+      </p:ext>
+    </p:extLst>
+  </p:cSld>
+  <p:clrMapOvr>
+    <a:masterClrMapping/>
+  </p:clrMapOvr>
+</p:sld>
+</file>
+
+<file path=ppt/slides/slide6.xml><?xml version="1.0" encoding="utf-8"?>
+<p:sld xmlns:a="http://schemas.openxmlformats.org/drawingml/2006/main" xmlns:r="http://schemas.openxmlformats.org/officeDocument/2006/relationships" xmlns:p="http://schemas.openxmlformats.org/presentationml/2006/main">
+  <p:cSld>
+    <p:spTree>
+      <p:nvGrpSpPr>
+        <p:cNvPr id="1" name=""/>
+        <p:cNvGrpSpPr/>
+        <p:nvPr/>
+      </p:nvGrpSpPr>
+      <p:grpSpPr>
+        <a:xfrm>
+          <a:off x="0" y="0"/>
+          <a:ext cx="0" cy="0"/>
+          <a:chOff x="0" y="0"/>
+          <a:chExt cx="0" cy="0"/>
+        </a:xfrm>
+      </p:grpSpPr>
+      <p:sp>
+        <p:nvSpPr>
+          <p:cNvPr id="2" name="Title 1"/>
+          <p:cNvSpPr>
+            <a:spLocks noGrp="1"/>
+          </p:cNvSpPr>
+          <p:nvPr>
+            <p:ph type="title"/>
+          </p:nvPr>
+        </p:nvSpPr>
+        <p:spPr>
+          <a:xfrm>
+            <a:off x="2592925" y="624110"/>
+            <a:ext cx="8911687" cy="916455"/>
+          </a:xfrm>
+        </p:spPr>
+        <p:txBody>
+          <a:bodyPr/>
+          <a:lstStyle/>
+          <a:p>
+            <a:r>
+              <a:rPr lang="en-US" dirty="0" smtClean="0"/>
+              <a:t>Enhance </a:t>
+            </a:r>
+            <a:r>
+              <a:rPr lang="en-US" dirty="0" err="1" smtClean="0"/>
+              <a:t>app.component.ts</a:t>
+            </a:r>
+            <a:endParaRPr lang="en-US" dirty="0"/>
+          </a:p>
+        </p:txBody>
+      </p:sp>
+      <p:sp>
+        <p:nvSpPr>
+          <p:cNvPr id="3" name="Content Placeholder 2"/>
+          <p:cNvSpPr>
+            <a:spLocks noGrp="1"/>
+          </p:cNvSpPr>
+          <p:nvPr>
+            <p:ph idx="1"/>
+          </p:nvPr>
+        </p:nvSpPr>
+        <p:spPr>
+          <a:xfrm>
+            <a:off x="2592925" y="1467678"/>
+            <a:ext cx="8915400" cy="1842052"/>
+          </a:xfrm>
+        </p:spPr>
+        <p:txBody>
+          <a:bodyPr/>
+          <a:lstStyle/>
+          <a:p>
+            <a:r>
+              <a:rPr lang="en-US" dirty="0" smtClean="0"/>
+              <a:t>We added the import for the </a:t>
+            </a:r>
+            <a:r>
+              <a:rPr lang="en-US" dirty="0" err="1" smtClean="0"/>
+              <a:t>PeopleService</a:t>
+            </a:r>
+            <a:endParaRPr lang="en-US" dirty="0" smtClean="0"/>
+          </a:p>
+          <a:p>
+            <a:r>
+              <a:rPr lang="en-US" dirty="0" smtClean="0"/>
+              <a:t>We changed the template</a:t>
+            </a:r>
+          </a:p>
+          <a:p>
+            <a:r>
+              <a:rPr lang="en-US" dirty="0" smtClean="0"/>
+              <a:t>We have an error in the console because router-outlet does not exist.</a:t>
+            </a:r>
+            <a:endParaRPr lang="en-US" dirty="0"/>
+          </a:p>
+        </p:txBody>
+      </p:sp>
+      <p:sp>
+        <p:nvSpPr>
+          <p:cNvPr id="4" name="Title 1"/>
+          <p:cNvSpPr txBox="1">
+            <a:spLocks/>
+          </p:cNvSpPr>
+          <p:nvPr/>
+        </p:nvSpPr>
+        <p:spPr>
+          <a:xfrm>
+            <a:off x="2665812" y="3589284"/>
+            <a:ext cx="8911687" cy="916455"/>
+          </a:xfrm>
+          <a:prstGeom prst="rect">
+            <a:avLst/>
+          </a:prstGeom>
+        </p:spPr>
+        <p:txBody>
+          <a:bodyPr vert="horz" lIns="91440" tIns="45720" rIns="91440" bIns="45720" rtlCol="0" anchor="t">
+            <a:normAutofit/>
+          </a:bodyPr>
+          <a:lstStyle>
+            <a:lvl1pPr algn="l" defTabSz="457200" rtl="0" eaLnBrk="1" latinLnBrk="0" hangingPunct="1">
+              <a:spcBef>
+                <a:spcPct val="0"/>
+              </a:spcBef>
+              <a:buNone/>
+              <a:defRPr sz="3600" kern="1200">
+                <a:solidFill>
+                  <a:schemeClr val="tx1">
+                    <a:lumMod val="85000"/>
+                    <a:lumOff val="15000"/>
+                  </a:schemeClr>
+                </a:solidFill>
+                <a:latin typeface="+mj-lt"/>
+                <a:ea typeface="+mj-ea"/>
+                <a:cs typeface="+mj-cs"/>
+              </a:defRPr>
+            </a:lvl1pPr>
+            <a:lvl2pPr eaLnBrk="1" hangingPunct="1">
+              <a:defRPr>
+                <a:solidFill>
+                  <a:schemeClr val="tx2"/>
+                </a:solidFill>
+              </a:defRPr>
+            </a:lvl2pPr>
+            <a:lvl3pPr eaLnBrk="1" hangingPunct="1">
+              <a:defRPr>
+                <a:solidFill>
+                  <a:schemeClr val="tx2"/>
+                </a:solidFill>
+              </a:defRPr>
+            </a:lvl3pPr>
+            <a:lvl4pPr eaLnBrk="1" hangingPunct="1">
+              <a:defRPr>
+                <a:solidFill>
+                  <a:schemeClr val="tx2"/>
+                </a:solidFill>
+              </a:defRPr>
+            </a:lvl4pPr>
+            <a:lvl5pPr eaLnBrk="1" hangingPunct="1">
+              <a:defRPr>
+                <a:solidFill>
+                  <a:schemeClr val="tx2"/>
+                </a:solidFill>
+              </a:defRPr>
+            </a:lvl5pPr>
+            <a:lvl6pPr eaLnBrk="1" hangingPunct="1">
+              <a:defRPr>
+                <a:solidFill>
+                  <a:schemeClr val="tx2"/>
+                </a:solidFill>
+              </a:defRPr>
+            </a:lvl6pPr>
+            <a:lvl7pPr eaLnBrk="1" hangingPunct="1">
+              <a:defRPr>
+                <a:solidFill>
+                  <a:schemeClr val="tx2"/>
+                </a:solidFill>
+              </a:defRPr>
+            </a:lvl7pPr>
+            <a:lvl8pPr eaLnBrk="1" hangingPunct="1">
+              <a:defRPr>
+                <a:solidFill>
+                  <a:schemeClr val="tx2"/>
+                </a:solidFill>
+              </a:defRPr>
+            </a:lvl8pPr>
+            <a:lvl9pPr eaLnBrk="1" hangingPunct="1">
+              <a:defRPr>
+                <a:solidFill>
+                  <a:schemeClr val="tx2"/>
+                </a:solidFill>
+              </a:defRPr>
+            </a:lvl9pPr>
+          </a:lstStyle>
+          <a:p>
+            <a:r>
+              <a:rPr lang="en-US" dirty="0"/>
+              <a:t>Enhance </a:t>
+            </a:r>
+            <a:r>
+              <a:rPr lang="en-US" dirty="0" err="1"/>
+              <a:t>app.module.ts</a:t>
+            </a:r>
+            <a:endParaRPr lang="en-US" dirty="0"/>
+          </a:p>
+        </p:txBody>
+      </p:sp>
+      <p:sp>
+        <p:nvSpPr>
+          <p:cNvPr id="5" name="Content Placeholder 2"/>
+          <p:cNvSpPr txBox="1">
+            <a:spLocks/>
+          </p:cNvSpPr>
+          <p:nvPr/>
+        </p:nvSpPr>
+        <p:spPr>
+          <a:xfrm>
+            <a:off x="2662099" y="4505740"/>
+            <a:ext cx="8915400" cy="1630018"/>
+          </a:xfrm>
+          <a:prstGeom prst="rect">
+            <a:avLst/>
+          </a:prstGeom>
+        </p:spPr>
+        <p:txBody>
+          <a:bodyPr vert="horz" lIns="91440" tIns="45720" rIns="91440" bIns="45720" rtlCol="0">
+            <a:normAutofit/>
+          </a:bodyPr>
+          <a:lstStyle>
+            <a:lvl1pPr marL="342900" indent="-342900" algn="l" defTabSz="457200" rtl="0" eaLnBrk="1" latinLnBrk="0" hangingPunct="1">
+              <a:spcBef>
+                <a:spcPts val="1000"/>
+              </a:spcBef>
+              <a:spcAft>
+                <a:spcPts val="0"/>
+              </a:spcAft>
+              <a:buClr>
+                <a:schemeClr val="accent1"/>
+              </a:buClr>
+              <a:buFont typeface="Wingdings 3" charset="2"/>
+              <a:buChar char=""/>
+              <a:defRPr sz="1800" kern="1200">
+                <a:solidFill>
+                  <a:schemeClr val="tx1">
+                    <a:lumMod val="75000"/>
+                    <a:lumOff val="25000"/>
+                  </a:schemeClr>
+                </a:solidFill>
+                <a:latin typeface="+mn-lt"/>
+                <a:ea typeface="+mn-ea"/>
+                <a:cs typeface="+mn-cs"/>
+              </a:defRPr>
+            </a:lvl1pPr>
+            <a:lvl2pPr marL="742950" indent="-285750" algn="l" defTabSz="457200" rtl="0" eaLnBrk="1" latinLnBrk="0" hangingPunct="1">
+              <a:spcBef>
+                <a:spcPts val="1000"/>
+              </a:spcBef>
+              <a:spcAft>
+                <a:spcPts val="0"/>
+              </a:spcAft>
+              <a:buClr>
+                <a:schemeClr val="accent1"/>
+              </a:buClr>
+              <a:buFont typeface="Wingdings 3" charset="2"/>
+              <a:buChar char=""/>
+              <a:defRPr sz="1600" kern="1200">
+                <a:solidFill>
+                  <a:schemeClr val="tx1">
+                    <a:lumMod val="75000"/>
+                    <a:lumOff val="25000"/>
+                  </a:schemeClr>
+                </a:solidFill>
+                <a:latin typeface="+mn-lt"/>
+                <a:ea typeface="+mn-ea"/>
+                <a:cs typeface="+mn-cs"/>
+              </a:defRPr>
+            </a:lvl2pPr>
+            <a:lvl3pPr marL="1143000" indent="-228600" algn="l" defTabSz="457200" rtl="0" eaLnBrk="1" latinLnBrk="0" hangingPunct="1">
+              <a:spcBef>
+                <a:spcPts val="1000"/>
+              </a:spcBef>
+              <a:spcAft>
+                <a:spcPts val="0"/>
+              </a:spcAft>
+              <a:buClr>
+                <a:schemeClr val="accent1"/>
+              </a:buClr>
+              <a:buFont typeface="Wingdings 3" charset="2"/>
+              <a:buChar char=""/>
+              <a:defRPr sz="1400" kern="1200">
+                <a:solidFill>
+                  <a:schemeClr val="tx1">
+                    <a:lumMod val="75000"/>
+                    <a:lumOff val="25000"/>
+                  </a:schemeClr>
+                </a:solidFill>
+                <a:latin typeface="+mn-lt"/>
+                <a:ea typeface="+mn-ea"/>
+                <a:cs typeface="+mn-cs"/>
+              </a:defRPr>
+            </a:lvl3pPr>
+            <a:lvl4pPr marL="1600200" indent="-228600" algn="l" defTabSz="457200" rtl="0" eaLnBrk="1" latinLnBrk="0" hangingPunct="1">
+              <a:spcBef>
+                <a:spcPts val="1000"/>
+              </a:spcBef>
+              <a:spcAft>
+                <a:spcPts val="0"/>
+              </a:spcAft>
+              <a:buClr>
+                <a:schemeClr val="accent1"/>
+              </a:buClr>
+              <a:buFont typeface="Wingdings 3" charset="2"/>
+              <a:buChar char=""/>
+              <a:defRPr sz="1200" kern="1200">
+                <a:solidFill>
+                  <a:schemeClr val="tx1">
+                    <a:lumMod val="75000"/>
+                    <a:lumOff val="25000"/>
+                  </a:schemeClr>
+                </a:solidFill>
+                <a:latin typeface="+mn-lt"/>
+                <a:ea typeface="+mn-ea"/>
+                <a:cs typeface="+mn-cs"/>
+              </a:defRPr>
+            </a:lvl4pPr>
+            <a:lvl5pPr marL="2057400" indent="-228600" algn="l" defTabSz="457200" rtl="0" eaLnBrk="1" latinLnBrk="0" hangingPunct="1">
+              <a:spcBef>
+                <a:spcPts val="1000"/>
+              </a:spcBef>
+              <a:spcAft>
+                <a:spcPts val="0"/>
+              </a:spcAft>
+              <a:buClr>
+                <a:schemeClr val="accent1"/>
+              </a:buClr>
+              <a:buFont typeface="Wingdings 3" charset="2"/>
+              <a:buChar char=""/>
+              <a:defRPr sz="1200" kern="1200">
+                <a:solidFill>
+                  <a:schemeClr val="tx1">
+                    <a:lumMod val="75000"/>
+                    <a:lumOff val="25000"/>
+                  </a:schemeClr>
+                </a:solidFill>
+                <a:latin typeface="+mn-lt"/>
+                <a:ea typeface="+mn-ea"/>
+                <a:cs typeface="+mn-cs"/>
+              </a:defRPr>
+            </a:lvl5pPr>
+            <a:lvl6pPr marL="2514600" indent="-228600" algn="l" defTabSz="457200" rtl="0" eaLnBrk="1" latinLnBrk="0" hangingPunct="1">
+              <a:spcBef>
+                <a:spcPts val="1000"/>
+              </a:spcBef>
+              <a:spcAft>
+                <a:spcPts val="0"/>
+              </a:spcAft>
+              <a:buClr>
+                <a:schemeClr val="accent1"/>
+              </a:buClr>
+              <a:buFont typeface="Wingdings 3" charset="2"/>
+              <a:buChar char=""/>
+              <a:defRPr sz="1200" kern="1200">
+                <a:solidFill>
+                  <a:schemeClr val="tx1">
+                    <a:lumMod val="75000"/>
+                    <a:lumOff val="25000"/>
+                  </a:schemeClr>
+                </a:solidFill>
+                <a:latin typeface="+mn-lt"/>
+                <a:ea typeface="+mn-ea"/>
+                <a:cs typeface="+mn-cs"/>
+              </a:defRPr>
+            </a:lvl6pPr>
+            <a:lvl7pPr marL="2971800" indent="-228600" algn="l" defTabSz="457200" rtl="0" eaLnBrk="1" latinLnBrk="0" hangingPunct="1">
+              <a:spcBef>
+                <a:spcPts val="1000"/>
+              </a:spcBef>
+              <a:spcAft>
+                <a:spcPts val="0"/>
+              </a:spcAft>
+              <a:buClr>
+                <a:schemeClr val="accent1"/>
+              </a:buClr>
+              <a:buFont typeface="Wingdings 3" charset="2"/>
+              <a:buChar char=""/>
+              <a:defRPr sz="1200" kern="1200">
+                <a:solidFill>
+                  <a:schemeClr val="tx1">
+                    <a:lumMod val="75000"/>
+                    <a:lumOff val="25000"/>
+                  </a:schemeClr>
+                </a:solidFill>
+                <a:latin typeface="+mn-lt"/>
+                <a:ea typeface="+mn-ea"/>
+                <a:cs typeface="+mn-cs"/>
+              </a:defRPr>
+            </a:lvl7pPr>
+            <a:lvl8pPr marL="3429000" indent="-228600" algn="l" defTabSz="457200" rtl="0" eaLnBrk="1" latinLnBrk="0" hangingPunct="1">
+              <a:spcBef>
+                <a:spcPts val="1000"/>
+              </a:spcBef>
+              <a:spcAft>
+                <a:spcPts val="0"/>
+              </a:spcAft>
+              <a:buClr>
+                <a:schemeClr val="accent1"/>
+              </a:buClr>
+              <a:buFont typeface="Wingdings 3" charset="2"/>
+              <a:buChar char=""/>
+              <a:defRPr sz="1200" kern="1200">
+                <a:solidFill>
+                  <a:schemeClr val="tx1">
+                    <a:lumMod val="75000"/>
+                    <a:lumOff val="25000"/>
+                  </a:schemeClr>
+                </a:solidFill>
+                <a:latin typeface="+mn-lt"/>
+                <a:ea typeface="+mn-ea"/>
+                <a:cs typeface="+mn-cs"/>
+              </a:defRPr>
+            </a:lvl8pPr>
+            <a:lvl9pPr marL="3886200" indent="-228600" algn="l" defTabSz="457200" rtl="0" eaLnBrk="1" latinLnBrk="0" hangingPunct="1">
+              <a:spcBef>
+                <a:spcPts val="1000"/>
+              </a:spcBef>
+              <a:spcAft>
+                <a:spcPts val="0"/>
+              </a:spcAft>
+              <a:buClr>
+                <a:schemeClr val="accent1"/>
+              </a:buClr>
+              <a:buFont typeface="Wingdings 3" charset="2"/>
+              <a:buChar char=""/>
+              <a:defRPr sz="1200" kern="1200">
+                <a:solidFill>
+                  <a:schemeClr val="tx1">
+                    <a:lumMod val="75000"/>
+                    <a:lumOff val="25000"/>
+                  </a:schemeClr>
+                </a:solidFill>
+                <a:latin typeface="+mn-lt"/>
+                <a:ea typeface="+mn-ea"/>
+                <a:cs typeface="+mn-cs"/>
+              </a:defRPr>
+            </a:lvl9pPr>
+          </a:lstStyle>
+          <a:p>
+            <a:r>
+              <a:rPr lang="en-US" dirty="0"/>
+              <a:t>We added the import for the </a:t>
+            </a:r>
+            <a:r>
+              <a:rPr lang="en-US" dirty="0" err="1"/>
+              <a:t>HttpModule</a:t>
+            </a:r>
+            <a:r>
+              <a:rPr lang="en-US" dirty="0"/>
+              <a:t> and routing</a:t>
+            </a:r>
+          </a:p>
+        </p:txBody>
+      </p:sp>
+    </p:spTree>
+    <p:extLst>
+      <p:ext uri="{BB962C8B-B14F-4D97-AF65-F5344CB8AC3E}">
+        <p14:creationId xmlns:p14="http://schemas.microsoft.com/office/powerpoint/2010/main" val="1890460860"/>
+      </p:ext>
+    </p:extLst>
+  </p:cSld>
+  <p:clrMapOvr>
+    <a:masterClrMapping/>
+  </p:clrMapOvr>
+</p:sld>
+</file>
+
+<file path=ppt/slides/slide7.xml><?xml version="1.0" encoding="utf-8"?>
+<p:sld xmlns:a="http://schemas.openxmlformats.org/drawingml/2006/main" xmlns:r="http://schemas.openxmlformats.org/officeDocument/2006/relationships" xmlns:p="http://schemas.openxmlformats.org/presentationml/2006/main">
+  <p:cSld>
+    <p:spTree>
+      <p:nvGrpSpPr>
+        <p:cNvPr id="1" name=""/>
+        <p:cNvGrpSpPr/>
+        <p:nvPr/>
+      </p:nvGrpSpPr>
+      <p:grpSpPr>
+        <a:xfrm>
+          <a:off x="0" y="0"/>
+          <a:ext cx="0" cy="0"/>
+          <a:chOff x="0" y="0"/>
+          <a:chExt cx="0" cy="0"/>
+        </a:xfrm>
+      </p:grpSpPr>
+      <p:sp>
+        <p:nvSpPr>
+          <p:cNvPr id="5" name="Content Placeholder 2"/>
+          <p:cNvSpPr txBox="1">
+            <a:spLocks/>
+          </p:cNvSpPr>
+          <p:nvPr/>
+        </p:nvSpPr>
+        <p:spPr>
+          <a:xfrm>
+            <a:off x="2592925" y="1644206"/>
+            <a:ext cx="8915400" cy="1630018"/>
+          </a:xfrm>
+          <a:prstGeom prst="rect">
+            <a:avLst/>
+          </a:prstGeom>
+        </p:spPr>
+        <p:txBody>
+          <a:bodyPr vert="horz" lIns="91440" tIns="45720" rIns="91440" bIns="45720" rtlCol="0">
+            <a:normAutofit/>
+          </a:bodyPr>
+          <a:lstStyle>
+            <a:lvl1pPr marL="342900" indent="-342900" algn="l" defTabSz="457200" rtl="0" eaLnBrk="1" latinLnBrk="0" hangingPunct="1">
+              <a:spcBef>
+                <a:spcPts val="1000"/>
+              </a:spcBef>
+              <a:spcAft>
+                <a:spcPts val="0"/>
+              </a:spcAft>
+              <a:buClr>
+                <a:schemeClr val="accent1"/>
+              </a:buClr>
+              <a:buFont typeface="Wingdings 3" charset="2"/>
+              <a:buChar char=""/>
+              <a:defRPr sz="1800" kern="1200">
+                <a:solidFill>
+                  <a:schemeClr val="tx1">
+                    <a:lumMod val="75000"/>
+                    <a:lumOff val="25000"/>
+                  </a:schemeClr>
+                </a:solidFill>
+                <a:latin typeface="+mn-lt"/>
+                <a:ea typeface="+mn-ea"/>
+                <a:cs typeface="+mn-cs"/>
+              </a:defRPr>
+            </a:lvl1pPr>
+            <a:lvl2pPr marL="742950" indent="-285750" algn="l" defTabSz="457200" rtl="0" eaLnBrk="1" latinLnBrk="0" hangingPunct="1">
+              <a:spcBef>
+                <a:spcPts val="1000"/>
+              </a:spcBef>
+              <a:spcAft>
+                <a:spcPts val="0"/>
+              </a:spcAft>
+              <a:buClr>
+                <a:schemeClr val="accent1"/>
+              </a:buClr>
+              <a:buFont typeface="Wingdings 3" charset="2"/>
+              <a:buChar char=""/>
+              <a:defRPr sz="1600" kern="1200">
+                <a:solidFill>
+                  <a:schemeClr val="tx1">
+                    <a:lumMod val="75000"/>
+                    <a:lumOff val="25000"/>
+                  </a:schemeClr>
+                </a:solidFill>
+                <a:latin typeface="+mn-lt"/>
+                <a:ea typeface="+mn-ea"/>
+                <a:cs typeface="+mn-cs"/>
+              </a:defRPr>
+            </a:lvl2pPr>
+            <a:lvl3pPr marL="1143000" indent="-228600" algn="l" defTabSz="457200" rtl="0" eaLnBrk="1" latinLnBrk="0" hangingPunct="1">
+              <a:spcBef>
+                <a:spcPts val="1000"/>
+              </a:spcBef>
+              <a:spcAft>
+                <a:spcPts val="0"/>
+              </a:spcAft>
+              <a:buClr>
+                <a:schemeClr val="accent1"/>
+              </a:buClr>
+              <a:buFont typeface="Wingdings 3" charset="2"/>
+              <a:buChar char=""/>
+              <a:defRPr sz="1400" kern="1200">
+                <a:solidFill>
+                  <a:schemeClr val="tx1">
+                    <a:lumMod val="75000"/>
+                    <a:lumOff val="25000"/>
+                  </a:schemeClr>
+                </a:solidFill>
+                <a:latin typeface="+mn-lt"/>
+                <a:ea typeface="+mn-ea"/>
+                <a:cs typeface="+mn-cs"/>
+              </a:defRPr>
+            </a:lvl3pPr>
+            <a:lvl4pPr marL="1600200" indent="-228600" algn="l" defTabSz="457200" rtl="0" eaLnBrk="1" latinLnBrk="0" hangingPunct="1">
+              <a:spcBef>
+                <a:spcPts val="1000"/>
+              </a:spcBef>
+              <a:spcAft>
+                <a:spcPts val="0"/>
+              </a:spcAft>
+              <a:buClr>
+                <a:schemeClr val="accent1"/>
+              </a:buClr>
+              <a:buFont typeface="Wingdings 3" charset="2"/>
+              <a:buChar char=""/>
+              <a:defRPr sz="1200" kern="1200">
+                <a:solidFill>
+                  <a:schemeClr val="tx1">
+                    <a:lumMod val="75000"/>
+                    <a:lumOff val="25000"/>
+                  </a:schemeClr>
+                </a:solidFill>
+                <a:latin typeface="+mn-lt"/>
+                <a:ea typeface="+mn-ea"/>
+                <a:cs typeface="+mn-cs"/>
+              </a:defRPr>
+            </a:lvl4pPr>
+            <a:lvl5pPr marL="2057400" indent="-228600" algn="l" defTabSz="457200" rtl="0" eaLnBrk="1" latinLnBrk="0" hangingPunct="1">
+              <a:spcBef>
+                <a:spcPts val="1000"/>
+              </a:spcBef>
+              <a:spcAft>
+                <a:spcPts val="0"/>
+              </a:spcAft>
+              <a:buClr>
+                <a:schemeClr val="accent1"/>
+              </a:buClr>
+              <a:buFont typeface="Wingdings 3" charset="2"/>
+              <a:buChar char=""/>
+              <a:defRPr sz="1200" kern="1200">
+                <a:solidFill>
+                  <a:schemeClr val="tx1">
+                    <a:lumMod val="75000"/>
+                    <a:lumOff val="25000"/>
+                  </a:schemeClr>
+                </a:solidFill>
+                <a:latin typeface="+mn-lt"/>
+                <a:ea typeface="+mn-ea"/>
+                <a:cs typeface="+mn-cs"/>
+              </a:defRPr>
+            </a:lvl5pPr>
+            <a:lvl6pPr marL="2514600" indent="-228600" algn="l" defTabSz="457200" rtl="0" eaLnBrk="1" latinLnBrk="0" hangingPunct="1">
+              <a:spcBef>
+                <a:spcPts val="1000"/>
+              </a:spcBef>
+              <a:spcAft>
+                <a:spcPts val="0"/>
+              </a:spcAft>
+              <a:buClr>
+                <a:schemeClr val="accent1"/>
+              </a:buClr>
+              <a:buFont typeface="Wingdings 3" charset="2"/>
+              <a:buChar char=""/>
+              <a:defRPr sz="1200" kern="1200">
+                <a:solidFill>
+                  <a:schemeClr val="tx1">
+                    <a:lumMod val="75000"/>
+                    <a:lumOff val="25000"/>
+                  </a:schemeClr>
+                </a:solidFill>
+                <a:latin typeface="+mn-lt"/>
+                <a:ea typeface="+mn-ea"/>
+                <a:cs typeface="+mn-cs"/>
+              </a:defRPr>
+            </a:lvl6pPr>
+            <a:lvl7pPr marL="2971800" indent="-228600" algn="l" defTabSz="457200" rtl="0" eaLnBrk="1" latinLnBrk="0" hangingPunct="1">
+              <a:spcBef>
+                <a:spcPts val="1000"/>
+              </a:spcBef>
+              <a:spcAft>
+                <a:spcPts val="0"/>
+              </a:spcAft>
+              <a:buClr>
+                <a:schemeClr val="accent1"/>
+              </a:buClr>
+              <a:buFont typeface="Wingdings 3" charset="2"/>
+              <a:buChar char=""/>
+              <a:defRPr sz="1200" kern="1200">
+                <a:solidFill>
+                  <a:schemeClr val="tx1">
+                    <a:lumMod val="75000"/>
+                    <a:lumOff val="25000"/>
+                  </a:schemeClr>
+                </a:solidFill>
+                <a:latin typeface="+mn-lt"/>
+                <a:ea typeface="+mn-ea"/>
+                <a:cs typeface="+mn-cs"/>
+              </a:defRPr>
+            </a:lvl7pPr>
+            <a:lvl8pPr marL="3429000" indent="-228600" algn="l" defTabSz="457200" rtl="0" eaLnBrk="1" latinLnBrk="0" hangingPunct="1">
+              <a:spcBef>
+                <a:spcPts val="1000"/>
+              </a:spcBef>
+              <a:spcAft>
+                <a:spcPts val="0"/>
+              </a:spcAft>
+              <a:buClr>
+                <a:schemeClr val="accent1"/>
+              </a:buClr>
+              <a:buFont typeface="Wingdings 3" charset="2"/>
+              <a:buChar char=""/>
+              <a:defRPr sz="1200" kern="1200">
+                <a:solidFill>
+                  <a:schemeClr val="tx1">
+                    <a:lumMod val="75000"/>
+                    <a:lumOff val="25000"/>
+                  </a:schemeClr>
+                </a:solidFill>
+                <a:latin typeface="+mn-lt"/>
+                <a:ea typeface="+mn-ea"/>
+                <a:cs typeface="+mn-cs"/>
+              </a:defRPr>
+            </a:lvl8pPr>
+            <a:lvl9pPr marL="3886200" indent="-228600" algn="l" defTabSz="457200" rtl="0" eaLnBrk="1" latinLnBrk="0" hangingPunct="1">
+              <a:spcBef>
+                <a:spcPts val="1000"/>
+              </a:spcBef>
+              <a:spcAft>
+                <a:spcPts val="0"/>
+              </a:spcAft>
+              <a:buClr>
+                <a:schemeClr val="accent1"/>
+              </a:buClr>
+              <a:buFont typeface="Wingdings 3" charset="2"/>
+              <a:buChar char=""/>
+              <a:defRPr sz="1200" kern="1200">
+                <a:solidFill>
+                  <a:schemeClr val="tx1">
+                    <a:lumMod val="75000"/>
+                    <a:lumOff val="25000"/>
+                  </a:schemeClr>
+                </a:solidFill>
+                <a:latin typeface="+mn-lt"/>
+                <a:ea typeface="+mn-ea"/>
+                <a:cs typeface="+mn-cs"/>
+              </a:defRPr>
+            </a:lvl9pPr>
+          </a:lstStyle>
+          <a:p>
+            <a:r>
+              <a:rPr lang="en-US" dirty="0"/>
+              <a:t>Create a new file under </a:t>
+            </a:r>
+            <a:r>
+              <a:rPr lang="en-US" dirty="0" err="1"/>
+              <a:t>src</a:t>
+            </a:r>
+            <a:r>
+              <a:rPr lang="en-US" dirty="0"/>
+              <a:t>/app named </a:t>
+            </a:r>
+            <a:r>
+              <a:rPr lang="en-US" dirty="0" err="1"/>
+              <a:t>app.routes.ts</a:t>
+            </a:r>
+            <a:endParaRPr lang="en-US" dirty="0"/>
+          </a:p>
+          <a:p>
+            <a:r>
+              <a:rPr lang="en-US" dirty="0" smtClean="0"/>
+              <a:t>It handles what happens when you hit a </a:t>
+            </a:r>
+            <a:r>
+              <a:rPr lang="en-US" dirty="0" err="1" smtClean="0"/>
+              <a:t>url</a:t>
+            </a:r>
+            <a:r>
+              <a:rPr lang="en-US" dirty="0" smtClean="0"/>
+              <a:t> in the app</a:t>
+            </a:r>
+          </a:p>
+          <a:p>
+            <a:r>
+              <a:rPr lang="en-US" dirty="0" smtClean="0"/>
+              <a:t>Now we have a GET in the console but it fails because our listing component hasn’t been created.</a:t>
+            </a:r>
+            <a:endParaRPr lang="en-US" dirty="0"/>
+          </a:p>
+        </p:txBody>
+      </p:sp>
+      <p:sp>
+        <p:nvSpPr>
+          <p:cNvPr id="8" name="Title 1"/>
+          <p:cNvSpPr>
+            <a:spLocks noGrp="1"/>
+          </p:cNvSpPr>
+          <p:nvPr>
+            <p:ph type="title"/>
+          </p:nvPr>
+        </p:nvSpPr>
+        <p:spPr>
+          <a:xfrm>
+            <a:off x="2592925" y="624110"/>
+            <a:ext cx="8911687" cy="916455"/>
+          </a:xfrm>
+        </p:spPr>
+        <p:txBody>
+          <a:bodyPr/>
+          <a:lstStyle/>
+          <a:p>
+            <a:r>
+              <a:rPr lang="en-US" dirty="0"/>
+              <a:t>Create </a:t>
+            </a:r>
+            <a:r>
+              <a:rPr lang="en-US" dirty="0" err="1"/>
+              <a:t>app.routes.ts</a:t>
+            </a:r>
+            <a:endParaRPr lang="en-US" dirty="0"/>
+          </a:p>
+        </p:txBody>
+      </p:sp>
+      <p:sp>
+        <p:nvSpPr>
+          <p:cNvPr id="9" name="Content Placeholder 2"/>
+          <p:cNvSpPr txBox="1">
+            <a:spLocks/>
+          </p:cNvSpPr>
+          <p:nvPr/>
+        </p:nvSpPr>
+        <p:spPr>
+          <a:xfrm>
+            <a:off x="2589212" y="4740528"/>
+            <a:ext cx="8915400" cy="1630018"/>
+          </a:xfrm>
+          <a:prstGeom prst="rect">
+            <a:avLst/>
+          </a:prstGeom>
+        </p:spPr>
+        <p:txBody>
+          <a:bodyPr vert="horz" lIns="91440" tIns="45720" rIns="91440" bIns="45720" rtlCol="0">
+            <a:normAutofit/>
+          </a:bodyPr>
+          <a:lstStyle>
+            <a:lvl1pPr marL="342900" indent="-342900" algn="l" defTabSz="457200" rtl="0" eaLnBrk="1" latinLnBrk="0" hangingPunct="1">
+              <a:spcBef>
+                <a:spcPts val="1000"/>
+              </a:spcBef>
+              <a:spcAft>
+                <a:spcPts val="0"/>
+              </a:spcAft>
+              <a:buClr>
+                <a:schemeClr val="accent1"/>
+              </a:buClr>
+              <a:buFont typeface="Wingdings 3" charset="2"/>
+              <a:buChar char=""/>
+              <a:defRPr sz="1800" kern="1200">
+                <a:solidFill>
+                  <a:schemeClr val="tx1">
+                    <a:lumMod val="75000"/>
+                    <a:lumOff val="25000"/>
+                  </a:schemeClr>
+                </a:solidFill>
+                <a:latin typeface="+mn-lt"/>
+                <a:ea typeface="+mn-ea"/>
+                <a:cs typeface="+mn-cs"/>
+              </a:defRPr>
+            </a:lvl1pPr>
+            <a:lvl2pPr marL="742950" indent="-285750" algn="l" defTabSz="457200" rtl="0" eaLnBrk="1" latinLnBrk="0" hangingPunct="1">
+              <a:spcBef>
+                <a:spcPts val="1000"/>
+              </a:spcBef>
+              <a:spcAft>
+                <a:spcPts val="0"/>
+              </a:spcAft>
+              <a:buClr>
+                <a:schemeClr val="accent1"/>
+              </a:buClr>
+              <a:buFont typeface="Wingdings 3" charset="2"/>
+              <a:buChar char=""/>
+              <a:defRPr sz="1600" kern="1200">
+                <a:solidFill>
+                  <a:schemeClr val="tx1">
+                    <a:lumMod val="75000"/>
+                    <a:lumOff val="25000"/>
+                  </a:schemeClr>
+                </a:solidFill>
+                <a:latin typeface="+mn-lt"/>
+                <a:ea typeface="+mn-ea"/>
+                <a:cs typeface="+mn-cs"/>
+              </a:defRPr>
+            </a:lvl2pPr>
+            <a:lvl3pPr marL="1143000" indent="-228600" algn="l" defTabSz="457200" rtl="0" eaLnBrk="1" latinLnBrk="0" hangingPunct="1">
+              <a:spcBef>
+                <a:spcPts val="1000"/>
+              </a:spcBef>
+              <a:spcAft>
+                <a:spcPts val="0"/>
+              </a:spcAft>
+              <a:buClr>
+                <a:schemeClr val="accent1"/>
+              </a:buClr>
+              <a:buFont typeface="Wingdings 3" charset="2"/>
+              <a:buChar char=""/>
+              <a:defRPr sz="1400" kern="1200">
+                <a:solidFill>
+                  <a:schemeClr val="tx1">
+                    <a:lumMod val="75000"/>
+                    <a:lumOff val="25000"/>
+                  </a:schemeClr>
+                </a:solidFill>
+                <a:latin typeface="+mn-lt"/>
+                <a:ea typeface="+mn-ea"/>
+                <a:cs typeface="+mn-cs"/>
+              </a:defRPr>
+            </a:lvl3pPr>
+            <a:lvl4pPr marL="1600200" indent="-228600" algn="l" defTabSz="457200" rtl="0" eaLnBrk="1" latinLnBrk="0" hangingPunct="1">
+              <a:spcBef>
+                <a:spcPts val="1000"/>
+              </a:spcBef>
+              <a:spcAft>
+                <a:spcPts val="0"/>
+              </a:spcAft>
+              <a:buClr>
+                <a:schemeClr val="accent1"/>
+              </a:buClr>
+              <a:buFont typeface="Wingdings 3" charset="2"/>
+              <a:buChar char=""/>
+              <a:defRPr sz="1200" kern="1200">
+                <a:solidFill>
+                  <a:schemeClr val="tx1">
+                    <a:lumMod val="75000"/>
+                    <a:lumOff val="25000"/>
+                  </a:schemeClr>
+                </a:solidFill>
+                <a:latin typeface="+mn-lt"/>
+                <a:ea typeface="+mn-ea"/>
+                <a:cs typeface="+mn-cs"/>
+              </a:defRPr>
+            </a:lvl4pPr>
+            <a:lvl5pPr marL="2057400" indent="-228600" algn="l" defTabSz="457200" rtl="0" eaLnBrk="1" latinLnBrk="0" hangingPunct="1">
+              <a:spcBef>
+                <a:spcPts val="1000"/>
+              </a:spcBef>
+              <a:spcAft>
+                <a:spcPts val="0"/>
+              </a:spcAft>
+              <a:buClr>
+                <a:schemeClr val="accent1"/>
+              </a:buClr>
+              <a:buFont typeface="Wingdings 3" charset="2"/>
+              <a:buChar char=""/>
+              <a:defRPr sz="1200" kern="1200">
+                <a:solidFill>
+                  <a:schemeClr val="tx1">
+                    <a:lumMod val="75000"/>
+                    <a:lumOff val="25000"/>
+                  </a:schemeClr>
+                </a:solidFill>
+                <a:latin typeface="+mn-lt"/>
+                <a:ea typeface="+mn-ea"/>
+                <a:cs typeface="+mn-cs"/>
+              </a:defRPr>
+            </a:lvl5pPr>
+            <a:lvl6pPr marL="2514600" indent="-228600" algn="l" defTabSz="457200" rtl="0" eaLnBrk="1" latinLnBrk="0" hangingPunct="1">
+              <a:spcBef>
+                <a:spcPts val="1000"/>
+              </a:spcBef>
+              <a:spcAft>
+                <a:spcPts val="0"/>
+              </a:spcAft>
+              <a:buClr>
+                <a:schemeClr val="accent1"/>
+              </a:buClr>
+              <a:buFont typeface="Wingdings 3" charset="2"/>
+              <a:buChar char=""/>
+              <a:defRPr sz="1200" kern="1200">
+                <a:solidFill>
+                  <a:schemeClr val="tx1">
+                    <a:lumMod val="75000"/>
+                    <a:lumOff val="25000"/>
+                  </a:schemeClr>
+                </a:solidFill>
+                <a:latin typeface="+mn-lt"/>
+                <a:ea typeface="+mn-ea"/>
+                <a:cs typeface="+mn-cs"/>
+              </a:defRPr>
+            </a:lvl6pPr>
+            <a:lvl7pPr marL="2971800" indent="-228600" algn="l" defTabSz="457200" rtl="0" eaLnBrk="1" latinLnBrk="0" hangingPunct="1">
+              <a:spcBef>
+                <a:spcPts val="1000"/>
+              </a:spcBef>
+              <a:spcAft>
+                <a:spcPts val="0"/>
+              </a:spcAft>
+              <a:buClr>
+                <a:schemeClr val="accent1"/>
+              </a:buClr>
+              <a:buFont typeface="Wingdings 3" charset="2"/>
+              <a:buChar char=""/>
+              <a:defRPr sz="1200" kern="1200">
+                <a:solidFill>
+                  <a:schemeClr val="tx1">
+                    <a:lumMod val="75000"/>
+                    <a:lumOff val="25000"/>
+                  </a:schemeClr>
+                </a:solidFill>
+                <a:latin typeface="+mn-lt"/>
+                <a:ea typeface="+mn-ea"/>
+                <a:cs typeface="+mn-cs"/>
+              </a:defRPr>
+            </a:lvl7pPr>
+            <a:lvl8pPr marL="3429000" indent="-228600" algn="l" defTabSz="457200" rtl="0" eaLnBrk="1" latinLnBrk="0" hangingPunct="1">
+              <a:spcBef>
+                <a:spcPts val="1000"/>
+              </a:spcBef>
+              <a:spcAft>
+                <a:spcPts val="0"/>
+              </a:spcAft>
+              <a:buClr>
+                <a:schemeClr val="accent1"/>
+              </a:buClr>
+              <a:buFont typeface="Wingdings 3" charset="2"/>
+              <a:buChar char=""/>
+              <a:defRPr sz="1200" kern="1200">
+                <a:solidFill>
+                  <a:schemeClr val="tx1">
+                    <a:lumMod val="75000"/>
+                    <a:lumOff val="25000"/>
+                  </a:schemeClr>
+                </a:solidFill>
+                <a:latin typeface="+mn-lt"/>
+                <a:ea typeface="+mn-ea"/>
+                <a:cs typeface="+mn-cs"/>
+              </a:defRPr>
+            </a:lvl8pPr>
+            <a:lvl9pPr marL="3886200" indent="-228600" algn="l" defTabSz="457200" rtl="0" eaLnBrk="1" latinLnBrk="0" hangingPunct="1">
+              <a:spcBef>
+                <a:spcPts val="1000"/>
+              </a:spcBef>
+              <a:spcAft>
+                <a:spcPts val="0"/>
+              </a:spcAft>
+              <a:buClr>
+                <a:schemeClr val="accent1"/>
+              </a:buClr>
+              <a:buFont typeface="Wingdings 3" charset="2"/>
+              <a:buChar char=""/>
+              <a:defRPr sz="1200" kern="1200">
+                <a:solidFill>
+                  <a:schemeClr val="tx1">
+                    <a:lumMod val="75000"/>
+                    <a:lumOff val="25000"/>
+                  </a:schemeClr>
+                </a:solidFill>
+                <a:latin typeface="+mn-lt"/>
+                <a:ea typeface="+mn-ea"/>
+                <a:cs typeface="+mn-cs"/>
+              </a:defRPr>
+            </a:lvl9pPr>
+          </a:lstStyle>
+          <a:p>
+            <a:r>
+              <a:rPr lang="en-US" dirty="0"/>
+              <a:t>Create a new file under </a:t>
+            </a:r>
+            <a:r>
+              <a:rPr lang="en-US" dirty="0" err="1"/>
+              <a:t>src</a:t>
+            </a:r>
+            <a:r>
+              <a:rPr lang="en-US" dirty="0"/>
+              <a:t>/app named </a:t>
+            </a:r>
+            <a:r>
+              <a:rPr lang="en-US" dirty="0" smtClean="0"/>
+              <a:t>people-list.component.html</a:t>
+            </a:r>
+          </a:p>
+          <a:p>
+            <a:r>
+              <a:rPr lang="en-US" dirty="0" smtClean="0"/>
+              <a:t>It has a holder label for loading and error messages</a:t>
+            </a:r>
+          </a:p>
+          <a:p>
+            <a:r>
+              <a:rPr lang="en-US" dirty="0" smtClean="0"/>
+              <a:t>And an li with a loop that shows all the results</a:t>
+            </a:r>
+            <a:r>
+              <a:rPr lang="en-US" dirty="0"/>
+              <a:t>, using *</a:t>
+            </a:r>
+            <a:r>
+              <a:rPr lang="en-US" dirty="0" err="1" smtClean="0"/>
+              <a:t>ngFor</a:t>
+            </a:r>
+            <a:r>
+              <a:rPr lang="en-US" dirty="0" smtClean="0"/>
+              <a:t> ????????</a:t>
+            </a:r>
+          </a:p>
+        </p:txBody>
+      </p:sp>
+      <p:sp>
+        <p:nvSpPr>
+          <p:cNvPr id="10" name="Title 1"/>
+          <p:cNvSpPr txBox="1">
+            <a:spLocks/>
+          </p:cNvSpPr>
+          <p:nvPr/>
+        </p:nvSpPr>
+        <p:spPr>
+          <a:xfrm>
+            <a:off x="2589212" y="3720432"/>
+            <a:ext cx="8911687" cy="916455"/>
+          </a:xfrm>
+          <a:prstGeom prst="rect">
+            <a:avLst/>
+          </a:prstGeom>
+        </p:spPr>
+        <p:txBody>
+          <a:bodyPr vert="horz" lIns="91440" tIns="45720" rIns="91440" bIns="45720" rtlCol="0" anchor="t">
+            <a:normAutofit/>
+          </a:bodyPr>
+          <a:lstStyle>
+            <a:lvl1pPr algn="l" defTabSz="457200" rtl="0" eaLnBrk="1" latinLnBrk="0" hangingPunct="1">
+              <a:spcBef>
+                <a:spcPct val="0"/>
+              </a:spcBef>
+              <a:buNone/>
+              <a:defRPr sz="3600" kern="1200">
+                <a:solidFill>
+                  <a:schemeClr val="tx1">
+                    <a:lumMod val="85000"/>
+                    <a:lumOff val="15000"/>
+                  </a:schemeClr>
+                </a:solidFill>
+                <a:latin typeface="+mj-lt"/>
+                <a:ea typeface="+mj-ea"/>
+                <a:cs typeface="+mj-cs"/>
+              </a:defRPr>
+            </a:lvl1pPr>
+            <a:lvl2pPr eaLnBrk="1" hangingPunct="1">
+              <a:defRPr>
+                <a:solidFill>
+                  <a:schemeClr val="tx2"/>
+                </a:solidFill>
+              </a:defRPr>
+            </a:lvl2pPr>
+            <a:lvl3pPr eaLnBrk="1" hangingPunct="1">
+              <a:defRPr>
+                <a:solidFill>
+                  <a:schemeClr val="tx2"/>
+                </a:solidFill>
+              </a:defRPr>
+            </a:lvl3pPr>
+            <a:lvl4pPr eaLnBrk="1" hangingPunct="1">
+              <a:defRPr>
+                <a:solidFill>
+                  <a:schemeClr val="tx2"/>
+                </a:solidFill>
+              </a:defRPr>
+            </a:lvl4pPr>
+            <a:lvl5pPr eaLnBrk="1" hangingPunct="1">
+              <a:defRPr>
+                <a:solidFill>
+                  <a:schemeClr val="tx2"/>
+                </a:solidFill>
+              </a:defRPr>
+            </a:lvl5pPr>
+            <a:lvl6pPr eaLnBrk="1" hangingPunct="1">
+              <a:defRPr>
+                <a:solidFill>
+                  <a:schemeClr val="tx2"/>
+                </a:solidFill>
+              </a:defRPr>
+            </a:lvl6pPr>
+            <a:lvl7pPr eaLnBrk="1" hangingPunct="1">
+              <a:defRPr>
+                <a:solidFill>
+                  <a:schemeClr val="tx2"/>
+                </a:solidFill>
+              </a:defRPr>
+            </a:lvl7pPr>
+            <a:lvl8pPr eaLnBrk="1" hangingPunct="1">
+              <a:defRPr>
+                <a:solidFill>
+                  <a:schemeClr val="tx2"/>
+                </a:solidFill>
+              </a:defRPr>
+            </a:lvl8pPr>
+            <a:lvl9pPr eaLnBrk="1" hangingPunct="1">
+              <a:defRPr>
+                <a:solidFill>
+                  <a:schemeClr val="tx2"/>
+                </a:solidFill>
+              </a:defRPr>
+            </a:lvl9pPr>
+          </a:lstStyle>
+          <a:p>
+            <a:r>
+              <a:rPr lang="en-US" dirty="0" smtClean="0"/>
+              <a:t>Create a template to display a list</a:t>
+            </a:r>
+            <a:endParaRPr lang="en-US" dirty="0"/>
+          </a:p>
+        </p:txBody>
+      </p:sp>
+    </p:spTree>
+    <p:extLst>
+      <p:ext uri="{BB962C8B-B14F-4D97-AF65-F5344CB8AC3E}">
+        <p14:creationId xmlns:p14="http://schemas.microsoft.com/office/powerpoint/2010/main" val="32430874"/>
+      </p:ext>
+    </p:extLst>
+  </p:cSld>
+  <p:clrMapOvr>
+    <a:masterClrMapping/>
+  </p:clrMapOvr>
+</p:sld>
+</file>
+
+<file path=ppt/slides/slide8.xml><?xml version="1.0" encoding="utf-8"?>
+<p:sld xmlns:a="http://schemas.openxmlformats.org/drawingml/2006/main" xmlns:r="http://schemas.openxmlformats.org/officeDocument/2006/relationships" xmlns:p="http://schemas.openxmlformats.org/presentationml/2006/main">
+  <p:cSld>
+    <p:spTree>
+      <p:nvGrpSpPr>
+        <p:cNvPr id="1" name=""/>
+        <p:cNvGrpSpPr/>
+        <p:nvPr/>
+      </p:nvGrpSpPr>
+      <p:grpSpPr>
+        <a:xfrm>
+          <a:off x="0" y="0"/>
+          <a:ext cx="0" cy="0"/>
+          <a:chOff x="0" y="0"/>
+          <a:chExt cx="0" cy="0"/>
+        </a:xfrm>
+      </p:grpSpPr>
+      <p:sp>
+        <p:nvSpPr>
+          <p:cNvPr id="5" name="Content Placeholder 2"/>
+          <p:cNvSpPr txBox="1">
+            <a:spLocks/>
+          </p:cNvSpPr>
+          <p:nvPr/>
+        </p:nvSpPr>
+        <p:spPr>
+          <a:xfrm>
+            <a:off x="2592925" y="2547455"/>
+            <a:ext cx="8915400" cy="3173122"/>
+          </a:xfrm>
+          <a:prstGeom prst="rect">
+            <a:avLst/>
+          </a:prstGeom>
+        </p:spPr>
+        <p:txBody>
+          <a:bodyPr vert="horz" lIns="91440" tIns="45720" rIns="91440" bIns="45720" rtlCol="0">
+            <a:normAutofit/>
+          </a:bodyPr>
+          <a:lstStyle>
+            <a:lvl1pPr marL="342900" indent="-342900" algn="l" defTabSz="457200" rtl="0" eaLnBrk="1" latinLnBrk="0" hangingPunct="1">
+              <a:spcBef>
+                <a:spcPts val="1000"/>
+              </a:spcBef>
+              <a:spcAft>
+                <a:spcPts val="0"/>
+              </a:spcAft>
+              <a:buClr>
+                <a:schemeClr val="accent1"/>
+              </a:buClr>
+              <a:buFont typeface="Wingdings 3" charset="2"/>
+              <a:buChar char=""/>
+              <a:defRPr sz="1800" kern="1200">
+                <a:solidFill>
+                  <a:schemeClr val="tx1">
+                    <a:lumMod val="75000"/>
+                    <a:lumOff val="25000"/>
+                  </a:schemeClr>
+                </a:solidFill>
+                <a:latin typeface="+mn-lt"/>
+                <a:ea typeface="+mn-ea"/>
+                <a:cs typeface="+mn-cs"/>
+              </a:defRPr>
+            </a:lvl1pPr>
+            <a:lvl2pPr marL="742950" indent="-285750" algn="l" defTabSz="457200" rtl="0" eaLnBrk="1" latinLnBrk="0" hangingPunct="1">
+              <a:spcBef>
+                <a:spcPts val="1000"/>
+              </a:spcBef>
+              <a:spcAft>
+                <a:spcPts val="0"/>
+              </a:spcAft>
+              <a:buClr>
+                <a:schemeClr val="accent1"/>
+              </a:buClr>
+              <a:buFont typeface="Wingdings 3" charset="2"/>
+              <a:buChar char=""/>
+              <a:defRPr sz="1600" kern="1200">
+                <a:solidFill>
+                  <a:schemeClr val="tx1">
+                    <a:lumMod val="75000"/>
+                    <a:lumOff val="25000"/>
+                  </a:schemeClr>
+                </a:solidFill>
+                <a:latin typeface="+mn-lt"/>
+                <a:ea typeface="+mn-ea"/>
+                <a:cs typeface="+mn-cs"/>
+              </a:defRPr>
+            </a:lvl2pPr>
+            <a:lvl3pPr marL="1143000" indent="-228600" algn="l" defTabSz="457200" rtl="0" eaLnBrk="1" latinLnBrk="0" hangingPunct="1">
+              <a:spcBef>
+                <a:spcPts val="1000"/>
+              </a:spcBef>
+              <a:spcAft>
+                <a:spcPts val="0"/>
+              </a:spcAft>
+              <a:buClr>
+                <a:schemeClr val="accent1"/>
+              </a:buClr>
+              <a:buFont typeface="Wingdings 3" charset="2"/>
+              <a:buChar char=""/>
+              <a:defRPr sz="1400" kern="1200">
+                <a:solidFill>
+                  <a:schemeClr val="tx1">
+                    <a:lumMod val="75000"/>
+                    <a:lumOff val="25000"/>
+                  </a:schemeClr>
+                </a:solidFill>
+                <a:latin typeface="+mn-lt"/>
+                <a:ea typeface="+mn-ea"/>
+                <a:cs typeface="+mn-cs"/>
+              </a:defRPr>
+            </a:lvl3pPr>
+            <a:lvl4pPr marL="1600200" indent="-228600" algn="l" defTabSz="457200" rtl="0" eaLnBrk="1" latinLnBrk="0" hangingPunct="1">
+              <a:spcBef>
+                <a:spcPts val="1000"/>
+              </a:spcBef>
+              <a:spcAft>
+                <a:spcPts val="0"/>
+              </a:spcAft>
+              <a:buClr>
+                <a:schemeClr val="accent1"/>
+              </a:buClr>
+              <a:buFont typeface="Wingdings 3" charset="2"/>
+              <a:buChar char=""/>
+              <a:defRPr sz="1200" kern="1200">
+                <a:solidFill>
+                  <a:schemeClr val="tx1">
+                    <a:lumMod val="75000"/>
+                    <a:lumOff val="25000"/>
+                  </a:schemeClr>
+                </a:solidFill>
+                <a:latin typeface="+mn-lt"/>
+                <a:ea typeface="+mn-ea"/>
+                <a:cs typeface="+mn-cs"/>
+              </a:defRPr>
+            </a:lvl4pPr>
+            <a:lvl5pPr marL="2057400" indent="-228600" algn="l" defTabSz="457200" rtl="0" eaLnBrk="1" latinLnBrk="0" hangingPunct="1">
+              <a:spcBef>
+                <a:spcPts val="1000"/>
+              </a:spcBef>
+              <a:spcAft>
+                <a:spcPts val="0"/>
+              </a:spcAft>
+              <a:buClr>
+                <a:schemeClr val="accent1"/>
+              </a:buClr>
+              <a:buFont typeface="Wingdings 3" charset="2"/>
+              <a:buChar char=""/>
+              <a:defRPr sz="1200" kern="1200">
+                <a:solidFill>
+                  <a:schemeClr val="tx1">
+                    <a:lumMod val="75000"/>
+                    <a:lumOff val="25000"/>
+                  </a:schemeClr>
+                </a:solidFill>
+                <a:latin typeface="+mn-lt"/>
+                <a:ea typeface="+mn-ea"/>
+                <a:cs typeface="+mn-cs"/>
+              </a:defRPr>
+            </a:lvl5pPr>
+            <a:lvl6pPr marL="2514600" indent="-228600" algn="l" defTabSz="457200" rtl="0" eaLnBrk="1" latinLnBrk="0" hangingPunct="1">
+              <a:spcBef>
+                <a:spcPts val="1000"/>
+              </a:spcBef>
+              <a:spcAft>
+                <a:spcPts val="0"/>
+              </a:spcAft>
+              <a:buClr>
+                <a:schemeClr val="accent1"/>
+              </a:buClr>
+              <a:buFont typeface="Wingdings 3" charset="2"/>
+              <a:buChar char=""/>
+              <a:defRPr sz="1200" kern="1200">
+                <a:solidFill>
+                  <a:schemeClr val="tx1">
+                    <a:lumMod val="75000"/>
+                    <a:lumOff val="25000"/>
+                  </a:schemeClr>
+                </a:solidFill>
+                <a:latin typeface="+mn-lt"/>
+                <a:ea typeface="+mn-ea"/>
+                <a:cs typeface="+mn-cs"/>
+              </a:defRPr>
+            </a:lvl6pPr>
+            <a:lvl7pPr marL="2971800" indent="-228600" algn="l" defTabSz="457200" rtl="0" eaLnBrk="1" latinLnBrk="0" hangingPunct="1">
+              <a:spcBef>
+                <a:spcPts val="1000"/>
+              </a:spcBef>
+              <a:spcAft>
+                <a:spcPts val="0"/>
+              </a:spcAft>
+              <a:buClr>
+                <a:schemeClr val="accent1"/>
+              </a:buClr>
+              <a:buFont typeface="Wingdings 3" charset="2"/>
+              <a:buChar char=""/>
+              <a:defRPr sz="1200" kern="1200">
+                <a:solidFill>
+                  <a:schemeClr val="tx1">
+                    <a:lumMod val="75000"/>
+                    <a:lumOff val="25000"/>
+                  </a:schemeClr>
+                </a:solidFill>
+                <a:latin typeface="+mn-lt"/>
+                <a:ea typeface="+mn-ea"/>
+                <a:cs typeface="+mn-cs"/>
+              </a:defRPr>
+            </a:lvl7pPr>
+            <a:lvl8pPr marL="3429000" indent="-228600" algn="l" defTabSz="457200" rtl="0" eaLnBrk="1" latinLnBrk="0" hangingPunct="1">
+              <a:spcBef>
+                <a:spcPts val="1000"/>
+              </a:spcBef>
+              <a:spcAft>
+                <a:spcPts val="0"/>
+              </a:spcAft>
+              <a:buClr>
+                <a:schemeClr val="accent1"/>
+              </a:buClr>
+              <a:buFont typeface="Wingdings 3" charset="2"/>
+              <a:buChar char=""/>
+              <a:defRPr sz="1200" kern="1200">
+                <a:solidFill>
+                  <a:schemeClr val="tx1">
+                    <a:lumMod val="75000"/>
+                    <a:lumOff val="25000"/>
+                  </a:schemeClr>
+                </a:solidFill>
+                <a:latin typeface="+mn-lt"/>
+                <a:ea typeface="+mn-ea"/>
+                <a:cs typeface="+mn-cs"/>
+              </a:defRPr>
+            </a:lvl8pPr>
+            <a:lvl9pPr marL="3886200" indent="-228600" algn="l" defTabSz="457200" rtl="0" eaLnBrk="1" latinLnBrk="0" hangingPunct="1">
+              <a:spcBef>
+                <a:spcPts val="1000"/>
+              </a:spcBef>
+              <a:spcAft>
+                <a:spcPts val="0"/>
+              </a:spcAft>
+              <a:buClr>
+                <a:schemeClr val="accent1"/>
+              </a:buClr>
+              <a:buFont typeface="Wingdings 3" charset="2"/>
+              <a:buChar char=""/>
+              <a:defRPr sz="1200" kern="1200">
+                <a:solidFill>
+                  <a:schemeClr val="tx1">
+                    <a:lumMod val="75000"/>
+                    <a:lumOff val="25000"/>
+                  </a:schemeClr>
+                </a:solidFill>
+                <a:latin typeface="+mn-lt"/>
+                <a:ea typeface="+mn-ea"/>
+                <a:cs typeface="+mn-cs"/>
+              </a:defRPr>
+            </a:lvl9pPr>
+          </a:lstStyle>
+          <a:p>
+            <a:r>
+              <a:rPr lang="en-US" dirty="0"/>
+              <a:t>Create a new file under </a:t>
+            </a:r>
+            <a:r>
+              <a:rPr lang="en-US" dirty="0" err="1"/>
+              <a:t>src</a:t>
+            </a:r>
+            <a:r>
+              <a:rPr lang="en-US" dirty="0"/>
+              <a:t>/app named people-</a:t>
+            </a:r>
+            <a:r>
+              <a:rPr lang="en-US" dirty="0" err="1"/>
+              <a:t>list.component.ts</a:t>
+            </a:r>
+            <a:r>
+              <a:rPr lang="en-US" dirty="0"/>
+              <a:t> </a:t>
+            </a:r>
+            <a:endParaRPr lang="en-US" dirty="0" smtClean="0"/>
+          </a:p>
+          <a:p>
+            <a:r>
+              <a:rPr lang="en-US" dirty="0" smtClean="0"/>
+              <a:t>It references the </a:t>
+            </a:r>
+            <a:r>
+              <a:rPr lang="en-US" dirty="0" err="1" smtClean="0"/>
+              <a:t>PeopleService</a:t>
+            </a:r>
+            <a:r>
+              <a:rPr lang="en-US" dirty="0" smtClean="0"/>
+              <a:t>, the Person class, and the template.</a:t>
+            </a:r>
+          </a:p>
+          <a:p>
+            <a:r>
+              <a:rPr lang="en-US" dirty="0"/>
+              <a:t>Uncomment the place holders from </a:t>
+            </a:r>
+            <a:r>
+              <a:rPr lang="en-US" dirty="0" err="1" smtClean="0"/>
+              <a:t>app.module.ts</a:t>
+            </a:r>
+            <a:endParaRPr lang="en-US" dirty="0" smtClean="0"/>
+          </a:p>
+          <a:p>
+            <a:r>
+              <a:rPr lang="en-US" dirty="0" smtClean="0"/>
+              <a:t>List of characters appears.</a:t>
+            </a:r>
+          </a:p>
+          <a:p>
+            <a:r>
+              <a:rPr lang="en-US" dirty="0" smtClean="0"/>
+              <a:t>Let’s add their details</a:t>
+            </a:r>
+            <a:endParaRPr lang="en-US" dirty="0"/>
+          </a:p>
+        </p:txBody>
+      </p:sp>
+      <p:sp>
+        <p:nvSpPr>
+          <p:cNvPr id="8" name="Title 1"/>
+          <p:cNvSpPr>
+            <a:spLocks noGrp="1"/>
+          </p:cNvSpPr>
+          <p:nvPr>
+            <p:ph type="title"/>
+          </p:nvPr>
+        </p:nvSpPr>
+        <p:spPr>
+          <a:xfrm>
+            <a:off x="2592925" y="1059007"/>
+            <a:ext cx="8911687" cy="916455"/>
+          </a:xfrm>
+        </p:spPr>
+        <p:txBody>
+          <a:bodyPr/>
+          <a:lstStyle/>
+          <a:p>
+            <a:r>
+              <a:rPr lang="en-US" dirty="0"/>
+              <a:t>Create </a:t>
+            </a:r>
+            <a:r>
+              <a:rPr lang="en-US" dirty="0" smtClean="0"/>
+              <a:t>the component for the list</a:t>
+            </a:r>
+            <a:endParaRPr lang="en-US" dirty="0"/>
+          </a:p>
+        </p:txBody>
+      </p:sp>
+    </p:spTree>
+    <p:extLst>
+      <p:ext uri="{BB962C8B-B14F-4D97-AF65-F5344CB8AC3E}">
+        <p14:creationId xmlns:p14="http://schemas.microsoft.com/office/powerpoint/2010/main" val="306954063"/>
+      </p:ext>
+    </p:extLst>
+  </p:cSld>
+  <p:clrMapOvr>
+    <a:masterClrMapping/>
+  </p:clrMapOvr>
+</p:sld>
+</file>
+
+<file path=ppt/slides/slide9.xml><?xml version="1.0" encoding="utf-8"?>
+<p:sld xmlns:a="http://schemas.openxmlformats.org/drawingml/2006/main" xmlns:r="http://schemas.openxmlformats.org/officeDocument/2006/relationships" xmlns:p="http://schemas.openxmlformats.org/presentationml/2006/main">
+  <p:cSld>
+    <p:spTree>
+      <p:nvGrpSpPr>
+        <p:cNvPr id="1" name=""/>
+        <p:cNvGrpSpPr/>
+        <p:nvPr/>
+      </p:nvGrpSpPr>
+      <p:grpSpPr>
+        <a:xfrm>
+          <a:off x="0" y="0"/>
+          <a:ext cx="0" cy="0"/>
+          <a:chOff x="0" y="0"/>
+          <a:chExt cx="0" cy="0"/>
+        </a:xfrm>
+      </p:grpSpPr>
+      <p:sp>
+        <p:nvSpPr>
+          <p:cNvPr id="2" name="Title 1"/>
+          <p:cNvSpPr>
+            <a:spLocks noGrp="1"/>
+          </p:cNvSpPr>
+          <p:nvPr>
+            <p:ph type="title"/>
+          </p:nvPr>
+        </p:nvSpPr>
+        <p:spPr/>
+        <p:txBody>
+          <a:bodyPr/>
+          <a:lstStyle/>
+          <a:p>
+            <a:r>
+              <a:rPr lang="en-US" dirty="0" smtClean="0"/>
+              <a:t>Create a template to display details</a:t>
+            </a:r>
+            <a:endParaRPr lang="en-US" dirty="0"/>
+          </a:p>
+        </p:txBody>
+      </p:sp>
+      <p:sp>
+        <p:nvSpPr>
+          <p:cNvPr id="3" name="Content Placeholder 2"/>
+          <p:cNvSpPr>
+            <a:spLocks noGrp="1"/>
+          </p:cNvSpPr>
+          <p:nvPr>
+            <p:ph idx="1"/>
+          </p:nvPr>
+        </p:nvSpPr>
+        <p:spPr>
+          <a:xfrm>
+            <a:off x="2589212" y="1531435"/>
+            <a:ext cx="8915400" cy="1691267"/>
+          </a:xfrm>
+        </p:spPr>
+        <p:txBody>
+          <a:bodyPr/>
+          <a:lstStyle/>
+          <a:p>
+            <a:r>
+              <a:rPr lang="en-US" dirty="0"/>
+              <a:t>Create a new file under </a:t>
+            </a:r>
+            <a:r>
+              <a:rPr lang="en-US" dirty="0" err="1"/>
+              <a:t>src</a:t>
+            </a:r>
+            <a:r>
+              <a:rPr lang="en-US" dirty="0"/>
+              <a:t>/app named </a:t>
+            </a:r>
+            <a:r>
+              <a:rPr lang="en-US" dirty="0" smtClean="0"/>
+              <a:t>person-details.component.html</a:t>
+            </a:r>
+          </a:p>
+          <a:p>
+            <a:r>
+              <a:rPr lang="en-US" dirty="0"/>
+              <a:t>*</a:t>
+            </a:r>
+            <a:r>
+              <a:rPr lang="en-US" dirty="0" err="1" smtClean="0"/>
+              <a:t>ngIf</a:t>
+            </a:r>
+            <a:r>
+              <a:rPr lang="en-US" dirty="0" smtClean="0"/>
+              <a:t> does ???????????????</a:t>
+            </a:r>
+            <a:endParaRPr lang="en-US" dirty="0"/>
+          </a:p>
+        </p:txBody>
+      </p:sp>
+      <p:sp>
+        <p:nvSpPr>
+          <p:cNvPr id="4" name="Title 1"/>
+          <p:cNvSpPr txBox="1">
+            <a:spLocks/>
+          </p:cNvSpPr>
+          <p:nvPr/>
+        </p:nvSpPr>
+        <p:spPr>
+          <a:xfrm>
+            <a:off x="2589212" y="3341290"/>
+            <a:ext cx="8911687" cy="1280890"/>
+          </a:xfrm>
+          <a:prstGeom prst="rect">
+            <a:avLst/>
+          </a:prstGeom>
+        </p:spPr>
+        <p:txBody>
+          <a:bodyPr vert="horz" lIns="91440" tIns="45720" rIns="91440" bIns="45720" rtlCol="0" anchor="t">
+            <a:normAutofit/>
+          </a:bodyPr>
+          <a:lstStyle>
+            <a:lvl1pPr algn="l" defTabSz="457200" rtl="0" eaLnBrk="1" latinLnBrk="0" hangingPunct="1">
+              <a:spcBef>
+                <a:spcPct val="0"/>
+              </a:spcBef>
+              <a:buNone/>
+              <a:defRPr sz="3600" kern="1200">
+                <a:solidFill>
+                  <a:schemeClr val="tx1">
+                    <a:lumMod val="85000"/>
+                    <a:lumOff val="15000"/>
+                  </a:schemeClr>
+                </a:solidFill>
+                <a:latin typeface="+mj-lt"/>
+                <a:ea typeface="+mj-ea"/>
+                <a:cs typeface="+mj-cs"/>
+              </a:defRPr>
+            </a:lvl1pPr>
+            <a:lvl2pPr eaLnBrk="1" hangingPunct="1">
+              <a:defRPr>
+                <a:solidFill>
+                  <a:schemeClr val="tx2"/>
+                </a:solidFill>
+              </a:defRPr>
+            </a:lvl2pPr>
+            <a:lvl3pPr eaLnBrk="1" hangingPunct="1">
+              <a:defRPr>
+                <a:solidFill>
+                  <a:schemeClr val="tx2"/>
+                </a:solidFill>
+              </a:defRPr>
+            </a:lvl3pPr>
+            <a:lvl4pPr eaLnBrk="1" hangingPunct="1">
+              <a:defRPr>
+                <a:solidFill>
+                  <a:schemeClr val="tx2"/>
+                </a:solidFill>
+              </a:defRPr>
+            </a:lvl4pPr>
+            <a:lvl5pPr eaLnBrk="1" hangingPunct="1">
+              <a:defRPr>
+                <a:solidFill>
+                  <a:schemeClr val="tx2"/>
+                </a:solidFill>
+              </a:defRPr>
+            </a:lvl5pPr>
+            <a:lvl6pPr eaLnBrk="1" hangingPunct="1">
+              <a:defRPr>
+                <a:solidFill>
+                  <a:schemeClr val="tx2"/>
+                </a:solidFill>
+              </a:defRPr>
+            </a:lvl6pPr>
+            <a:lvl7pPr eaLnBrk="1" hangingPunct="1">
+              <a:defRPr>
+                <a:solidFill>
+                  <a:schemeClr val="tx2"/>
+                </a:solidFill>
+              </a:defRPr>
+            </a:lvl7pPr>
+            <a:lvl8pPr eaLnBrk="1" hangingPunct="1">
+              <a:defRPr>
+                <a:solidFill>
+                  <a:schemeClr val="tx2"/>
+                </a:solidFill>
+              </a:defRPr>
+            </a:lvl8pPr>
+            <a:lvl9pPr eaLnBrk="1" hangingPunct="1">
+              <a:defRPr>
+                <a:solidFill>
+                  <a:schemeClr val="tx2"/>
+                </a:solidFill>
+              </a:defRPr>
+            </a:lvl9pPr>
+          </a:lstStyle>
+          <a:p>
+            <a:r>
+              <a:rPr lang="en-US" dirty="0" smtClean="0"/>
+              <a:t>Create the component for the details</a:t>
+            </a:r>
+            <a:endParaRPr lang="en-US" dirty="0"/>
+          </a:p>
+        </p:txBody>
+      </p:sp>
+      <p:sp>
+        <p:nvSpPr>
+          <p:cNvPr id="5" name="Content Placeholder 2"/>
+          <p:cNvSpPr txBox="1">
+            <a:spLocks/>
+          </p:cNvSpPr>
+          <p:nvPr/>
+        </p:nvSpPr>
+        <p:spPr>
+          <a:xfrm>
+            <a:off x="2585499" y="4248615"/>
+            <a:ext cx="8915400" cy="1691267"/>
+          </a:xfrm>
+          <a:prstGeom prst="rect">
+            <a:avLst/>
+          </a:prstGeom>
+        </p:spPr>
+        <p:txBody>
+          <a:bodyPr vert="horz" lIns="91440" tIns="45720" rIns="91440" bIns="45720" rtlCol="0">
+            <a:normAutofit/>
+          </a:bodyPr>
+          <a:lstStyle>
+            <a:lvl1pPr marL="342900" indent="-342900" algn="l" defTabSz="457200" rtl="0" eaLnBrk="1" latinLnBrk="0" hangingPunct="1">
+              <a:spcBef>
+                <a:spcPts val="1000"/>
+              </a:spcBef>
+              <a:spcAft>
+                <a:spcPts val="0"/>
+              </a:spcAft>
+              <a:buClr>
+                <a:schemeClr val="accent1"/>
+              </a:buClr>
+              <a:buFont typeface="Wingdings 3" charset="2"/>
+              <a:buChar char=""/>
+              <a:defRPr sz="1800" kern="1200">
+                <a:solidFill>
+                  <a:schemeClr val="tx1">
+                    <a:lumMod val="75000"/>
+                    <a:lumOff val="25000"/>
+                  </a:schemeClr>
+                </a:solidFill>
+                <a:latin typeface="+mn-lt"/>
+                <a:ea typeface="+mn-ea"/>
+                <a:cs typeface="+mn-cs"/>
+              </a:defRPr>
+            </a:lvl1pPr>
+            <a:lvl2pPr marL="742950" indent="-285750" algn="l" defTabSz="457200" rtl="0" eaLnBrk="1" latinLnBrk="0" hangingPunct="1">
+              <a:spcBef>
+                <a:spcPts val="1000"/>
+              </a:spcBef>
+              <a:spcAft>
+                <a:spcPts val="0"/>
+              </a:spcAft>
+              <a:buClr>
+                <a:schemeClr val="accent1"/>
+              </a:buClr>
+              <a:buFont typeface="Wingdings 3" charset="2"/>
+              <a:buChar char=""/>
+              <a:defRPr sz="1600" kern="1200">
+                <a:solidFill>
+                  <a:schemeClr val="tx1">
+                    <a:lumMod val="75000"/>
+                    <a:lumOff val="25000"/>
+                  </a:schemeClr>
+                </a:solidFill>
+                <a:latin typeface="+mn-lt"/>
+                <a:ea typeface="+mn-ea"/>
+                <a:cs typeface="+mn-cs"/>
+              </a:defRPr>
+            </a:lvl2pPr>
+            <a:lvl3pPr marL="1143000" indent="-228600" algn="l" defTabSz="457200" rtl="0" eaLnBrk="1" latinLnBrk="0" hangingPunct="1">
+              <a:spcBef>
+                <a:spcPts val="1000"/>
+              </a:spcBef>
+              <a:spcAft>
+                <a:spcPts val="0"/>
+              </a:spcAft>
+              <a:buClr>
+                <a:schemeClr val="accent1"/>
+              </a:buClr>
+              <a:buFont typeface="Wingdings 3" charset="2"/>
+              <a:buChar char=""/>
+              <a:defRPr sz="1400" kern="1200">
+                <a:solidFill>
+                  <a:schemeClr val="tx1">
+                    <a:lumMod val="75000"/>
+                    <a:lumOff val="25000"/>
+                  </a:schemeClr>
+                </a:solidFill>
+                <a:latin typeface="+mn-lt"/>
+                <a:ea typeface="+mn-ea"/>
+                <a:cs typeface="+mn-cs"/>
+              </a:defRPr>
+            </a:lvl3pPr>
+            <a:lvl4pPr marL="1600200" indent="-228600" algn="l" defTabSz="457200" rtl="0" eaLnBrk="1" latinLnBrk="0" hangingPunct="1">
+              <a:spcBef>
+                <a:spcPts val="1000"/>
+              </a:spcBef>
+              <a:spcAft>
+                <a:spcPts val="0"/>
+              </a:spcAft>
+              <a:buClr>
+                <a:schemeClr val="accent1"/>
+              </a:buClr>
+              <a:buFont typeface="Wingdings 3" charset="2"/>
+              <a:buChar char=""/>
+              <a:defRPr sz="1200" kern="1200">
+                <a:solidFill>
+                  <a:schemeClr val="tx1">
+                    <a:lumMod val="75000"/>
+                    <a:lumOff val="25000"/>
+                  </a:schemeClr>
+                </a:solidFill>
+                <a:latin typeface="+mn-lt"/>
+                <a:ea typeface="+mn-ea"/>
+                <a:cs typeface="+mn-cs"/>
+              </a:defRPr>
+            </a:lvl4pPr>
+            <a:lvl5pPr marL="2057400" indent="-228600" algn="l" defTabSz="457200" rtl="0" eaLnBrk="1" latinLnBrk="0" hangingPunct="1">
+              <a:spcBef>
+                <a:spcPts val="1000"/>
+              </a:spcBef>
+              <a:spcAft>
+                <a:spcPts val="0"/>
+              </a:spcAft>
+              <a:buClr>
+                <a:schemeClr val="accent1"/>
+              </a:buClr>
+              <a:buFont typeface="Wingdings 3" charset="2"/>
+              <a:buChar char=""/>
+              <a:defRPr sz="1200" kern="1200">
+                <a:solidFill>
+                  <a:schemeClr val="tx1">
+                    <a:lumMod val="75000"/>
+                    <a:lumOff val="25000"/>
+                  </a:schemeClr>
+                </a:solidFill>
+                <a:latin typeface="+mn-lt"/>
+                <a:ea typeface="+mn-ea"/>
+                <a:cs typeface="+mn-cs"/>
+              </a:defRPr>
+            </a:lvl5pPr>
+            <a:lvl6pPr marL="2514600" indent="-228600" algn="l" defTabSz="457200" rtl="0" eaLnBrk="1" latinLnBrk="0" hangingPunct="1">
+              <a:spcBef>
+                <a:spcPts val="1000"/>
+              </a:spcBef>
+              <a:spcAft>
+                <a:spcPts val="0"/>
+              </a:spcAft>
+              <a:buClr>
+                <a:schemeClr val="accent1"/>
+              </a:buClr>
+              <a:buFont typeface="Wingdings 3" charset="2"/>
+              <a:buChar char=""/>
+              <a:defRPr sz="1200" kern="1200">
+                <a:solidFill>
+                  <a:schemeClr val="tx1">
+                    <a:lumMod val="75000"/>
+                    <a:lumOff val="25000"/>
+                  </a:schemeClr>
+                </a:solidFill>
+                <a:latin typeface="+mn-lt"/>
+                <a:ea typeface="+mn-ea"/>
+                <a:cs typeface="+mn-cs"/>
+              </a:defRPr>
+            </a:lvl6pPr>
+            <a:lvl7pPr marL="2971800" indent="-228600" algn="l" defTabSz="457200" rtl="0" eaLnBrk="1" latinLnBrk="0" hangingPunct="1">
+              <a:spcBef>
+                <a:spcPts val="1000"/>
+              </a:spcBef>
+              <a:spcAft>
+                <a:spcPts val="0"/>
+              </a:spcAft>
+              <a:buClr>
+                <a:schemeClr val="accent1"/>
+              </a:buClr>
+              <a:buFont typeface="Wingdings 3" charset="2"/>
+              <a:buChar char=""/>
+              <a:defRPr sz="1200" kern="1200">
+                <a:solidFill>
+                  <a:schemeClr val="tx1">
+                    <a:lumMod val="75000"/>
+                    <a:lumOff val="25000"/>
+                  </a:schemeClr>
+                </a:solidFill>
+                <a:latin typeface="+mn-lt"/>
+                <a:ea typeface="+mn-ea"/>
+                <a:cs typeface="+mn-cs"/>
+              </a:defRPr>
+            </a:lvl7pPr>
+            <a:lvl8pPr marL="3429000" indent="-228600" algn="l" defTabSz="457200" rtl="0" eaLnBrk="1" latinLnBrk="0" hangingPunct="1">
+              <a:spcBef>
+                <a:spcPts val="1000"/>
+              </a:spcBef>
+              <a:spcAft>
+                <a:spcPts val="0"/>
+              </a:spcAft>
+              <a:buClr>
+                <a:schemeClr val="accent1"/>
+              </a:buClr>
+              <a:buFont typeface="Wingdings 3" charset="2"/>
+              <a:buChar char=""/>
+              <a:defRPr sz="1200" kern="1200">
+                <a:solidFill>
+                  <a:schemeClr val="tx1">
+                    <a:lumMod val="75000"/>
+                    <a:lumOff val="25000"/>
+                  </a:schemeClr>
+                </a:solidFill>
+                <a:latin typeface="+mn-lt"/>
+                <a:ea typeface="+mn-ea"/>
+                <a:cs typeface="+mn-cs"/>
+              </a:defRPr>
+            </a:lvl8pPr>
+            <a:lvl9pPr marL="3886200" indent="-228600" algn="l" defTabSz="457200" rtl="0" eaLnBrk="1" latinLnBrk="0" hangingPunct="1">
+              <a:spcBef>
+                <a:spcPts val="1000"/>
+              </a:spcBef>
+              <a:spcAft>
+                <a:spcPts val="0"/>
+              </a:spcAft>
+              <a:buClr>
+                <a:schemeClr val="accent1"/>
+              </a:buClr>
+              <a:buFont typeface="Wingdings 3" charset="2"/>
+              <a:buChar char=""/>
+              <a:defRPr sz="1200" kern="1200">
+                <a:solidFill>
+                  <a:schemeClr val="tx1">
+                    <a:lumMod val="75000"/>
+                    <a:lumOff val="25000"/>
+                  </a:schemeClr>
+                </a:solidFill>
+                <a:latin typeface="+mn-lt"/>
+                <a:ea typeface="+mn-ea"/>
+                <a:cs typeface="+mn-cs"/>
+              </a:defRPr>
+            </a:lvl9pPr>
+          </a:lstStyle>
+          <a:p>
+            <a:r>
+              <a:rPr lang="en-US" dirty="0" smtClean="0"/>
+              <a:t>Create a new file under </a:t>
+            </a:r>
+            <a:r>
+              <a:rPr lang="en-US" dirty="0" err="1" smtClean="0"/>
+              <a:t>src</a:t>
+            </a:r>
+            <a:r>
+              <a:rPr lang="en-US" dirty="0" smtClean="0"/>
+              <a:t>/app </a:t>
+            </a:r>
+            <a:r>
+              <a:rPr lang="en-US" dirty="0"/>
+              <a:t>named </a:t>
+            </a:r>
+            <a:r>
+              <a:rPr lang="en-US" dirty="0" smtClean="0"/>
+              <a:t>person-</a:t>
+            </a:r>
+            <a:r>
+              <a:rPr lang="en-US" dirty="0" err="1" smtClean="0"/>
+              <a:t>details.component.ts</a:t>
+            </a:r>
+            <a:endParaRPr lang="en-US" dirty="0" smtClean="0"/>
+          </a:p>
+          <a:p>
+            <a:r>
+              <a:rPr lang="en-US" dirty="0" smtClean="0"/>
+              <a:t>Has the reference to the template </a:t>
+            </a:r>
+            <a:r>
+              <a:rPr lang="en-US" dirty="0" err="1" smtClean="0"/>
+              <a:t>url</a:t>
+            </a:r>
+            <a:r>
+              <a:rPr lang="en-US" dirty="0" smtClean="0"/>
+              <a:t>, uses Person class and </a:t>
+            </a:r>
+            <a:r>
+              <a:rPr lang="en-US" dirty="0" err="1" smtClean="0"/>
+              <a:t>PeopleService</a:t>
+            </a:r>
+            <a:endParaRPr lang="en-US" dirty="0" smtClean="0"/>
+          </a:p>
+          <a:p>
+            <a:r>
+              <a:rPr lang="en-US" dirty="0" smtClean="0"/>
+              <a:t>Update people-list.component.html and </a:t>
+            </a:r>
+            <a:r>
+              <a:rPr lang="en-US" dirty="0" err="1" smtClean="0"/>
+              <a:t>app.routes.ts</a:t>
+            </a:r>
+            <a:r>
+              <a:rPr lang="en-US" dirty="0" smtClean="0"/>
+              <a:t>, and </a:t>
+            </a:r>
+            <a:r>
+              <a:rPr lang="en-US" dirty="0" err="1" smtClean="0"/>
+              <a:t>app.module.ts</a:t>
+            </a:r>
+            <a:endParaRPr lang="en-US" dirty="0" smtClean="0"/>
+          </a:p>
+          <a:p>
+            <a:r>
+              <a:rPr lang="en-US" dirty="0" smtClean="0"/>
+              <a:t>The details appear when you click on an individual link</a:t>
+            </a:r>
+          </a:p>
+        </p:txBody>
+      </p:sp>
+    </p:spTree>
+    <p:extLst>
+      <p:ext uri="{BB962C8B-B14F-4D97-AF65-F5344CB8AC3E}">
+        <p14:creationId xmlns:p14="http://schemas.microsoft.com/office/powerpoint/2010/main" val="2838382211"/>
+      </p:ext>
+    </p:extLst>
+  </p:cSld>
+  <p:clrMapOvr>
+    <a:masterClrMapping/>
+  </p:clrMapOvr>
+</p:sld>
+</file>
+
 <file path=ppt/theme/theme1.xml><?xml version="1.0" encoding="utf-8"?>
 <a:theme xmlns:a="http://schemas.openxmlformats.org/drawingml/2006/main" name="Wisp">
   <a:themeElements>
@@ -7920,4 +16220,265 @@
     </a:ext>
   </a:extLst>
 </a:theme>
+</file>
+
+<file path=ppt/theme/theme2.xml><?xml version="1.0" encoding="utf-8"?>
+<a:theme xmlns:a="http://schemas.openxmlformats.org/drawingml/2006/main" name="Office Theme">
+  <a:themeElements>
+    <a:clrScheme name="Office">
+      <a:dk1>
+        <a:sysClr val="windowText" lastClr="000000"/>
+      </a:dk1>
+      <a:lt1>
+        <a:sysClr val="window" lastClr="FFFFFF"/>
+      </a:lt1>
+      <a:dk2>
+        <a:srgbClr val="44546A"/>
+      </a:dk2>
+      <a:lt2>
+        <a:srgbClr val="E7E6E6"/>
+      </a:lt2>
+      <a:accent1>
+        <a:srgbClr val="5B9BD5"/>
+      </a:accent1>
+      <a:accent2>
+        <a:srgbClr val="ED7D31"/>
+      </a:accent2>
+      <a:accent3>
+        <a:srgbClr val="A5A5A5"/>
+      </a:accent3>
+      <a:accent4>
+        <a:srgbClr val="FFC000"/>
+      </a:accent4>
+      <a:accent5>
+        <a:srgbClr val="4472C4"/>
+      </a:accent5>
+      <a:accent6>
+        <a:srgbClr val="70AD47"/>
+      </a:accent6>
+      <a:hlink>
+        <a:srgbClr val="0563C1"/>
+      </a:hlink>
+      <a:folHlink>
+        <a:srgbClr val="954F72"/>
+      </a:folHlink>
+    </a:clrScheme>
+    <a:fontScheme name="Office">
+      <a:majorFont>
+        <a:latin typeface="Calibri Light" panose="020F0302020204030204"/>
+        <a:ea typeface=""/>
+        <a:cs typeface=""/>
+        <a:font script="Jpan" typeface="游ゴシック Light"/>
+        <a:font script="Hang" typeface="맑은 고딕"/>
+        <a:font script="Hans" typeface="等线 Light"/>
+        <a:font script="Hant" typeface="新細明體"/>
+        <a:font script="Arab" typeface="Times New Roman"/>
+        <a:font script="Hebr" typeface="Times New Roman"/>
+        <a:font script="Thai" typeface="Angsana New"/>
+        <a:font script="Ethi" typeface="Nyala"/>
+        <a:font script="Beng" typeface="Vrinda"/>
+        <a:font script="Gujr" typeface="Shruti"/>
+        <a:font script="Khmr" typeface="MoolBoran"/>
+        <a:font script="Knda" typeface="Tunga"/>
+        <a:font script="Guru" typeface="Raavi"/>
+        <a:font script="Cans" typeface="Euphemia"/>
+        <a:font script="Cher" typeface="Plantagenet Cherokee"/>
+        <a:font script="Yiii" typeface="Microsoft Yi Baiti"/>
+        <a:font script="Tibt" typeface="Microsoft Himalaya"/>
+        <a:font script="Thaa" typeface="MV Boli"/>
+        <a:font script="Deva" typeface="Mangal"/>
+        <a:font script="Telu" typeface="Gautami"/>
+        <a:font script="Taml" typeface="Latha"/>
+        <a:font script="Syrc" typeface="Estrangelo Edessa"/>
+        <a:font script="Orya" typeface="Kalinga"/>
+        <a:font script="Mlym" typeface="Kartika"/>
+        <a:font script="Laoo" typeface="DokChampa"/>
+        <a:font script="Sinh" typeface="Iskoola Pota"/>
+        <a:font script="Mong" typeface="Mongolian Baiti"/>
+        <a:font script="Viet" typeface="Times New Roman"/>
+        <a:font script="Uigh" typeface="Microsoft Uighur"/>
+        <a:font script="Geor" typeface="Sylfaen"/>
+      </a:majorFont>
+      <a:minorFont>
+        <a:latin typeface="Calibri" panose="020F0502020204030204"/>
+        <a:ea typeface=""/>
+        <a:cs typeface=""/>
+        <a:font script="Jpan" typeface="游ゴシック"/>
+        <a:font script="Hang" typeface="맑은 고딕"/>
+        <a:font script="Hans" typeface="等线"/>
+        <a:font script="Hant" typeface="新細明體"/>
+        <a:font script="Arab" typeface="Arial"/>
+        <a:font script="Hebr" typeface="Arial"/>
+        <a:font script="Thai" typeface="Cordia New"/>
+        <a:font script="Ethi" typeface="Nyala"/>
+        <a:font script="Beng" typeface="Vrinda"/>
+        <a:font script="Gujr" typeface="Shruti"/>
+        <a:font script="Khmr" typeface="DaunPenh"/>
+        <a:font script="Knda" typeface="Tunga"/>
+        <a:font script="Guru" typeface="Raavi"/>
+        <a:font script="Cans" typeface="Euphemia"/>
+        <a:font script="Cher" typeface="Plantagenet Cherokee"/>
+        <a:font script="Yiii" typeface="Microsoft Yi Baiti"/>
+        <a:font script="Tibt" typeface="Microsoft Himalaya"/>
+        <a:font script="Thaa" typeface="MV Boli"/>
+        <a:font script="Deva" typeface="Mangal"/>
+        <a:font script="Telu" typeface="Gautami"/>
+        <a:font script="Taml" typeface="Latha"/>
+        <a:font script="Syrc" typeface="Estrangelo Edessa"/>
+        <a:font script="Orya" typeface="Kalinga"/>
+        <a:font script="Mlym" typeface="Kartika"/>
+        <a:font script="Laoo" typeface="DokChampa"/>
+        <a:font script="Sinh" typeface="Iskoola Pota"/>
+        <a:font script="Mong" typeface="Mongolian Baiti"/>
+        <a:font script="Viet" typeface="Arial"/>
+        <a:font script="Uigh" typeface="Microsoft Uighur"/>
+        <a:font script="Geor" typeface="Sylfaen"/>
+      </a:minorFont>
+    </a:fontScheme>
+    <a:fmtScheme name="Office">
+      <a:fillStyleLst>
+        <a:solidFill>
+          <a:schemeClr val="phClr"/>
+        </a:solidFill>
+        <a:gradFill rotWithShape="1">
+          <a:gsLst>
+            <a:gs pos="0">
+              <a:schemeClr val="phClr">
+                <a:lumMod val="110000"/>
+                <a:satMod val="105000"/>
+                <a:tint val="67000"/>
+              </a:schemeClr>
+            </a:gs>
+            <a:gs pos="50000">
+              <a:schemeClr val="phClr">
+                <a:lumMod val="105000"/>
+                <a:satMod val="103000"/>
+                <a:tint val="73000"/>
+              </a:schemeClr>
+            </a:gs>
+            <a:gs pos="100000">
+              <a:schemeClr val="phClr">
+                <a:lumMod val="105000"/>
+                <a:satMod val="109000"/>
+                <a:tint val="81000"/>
+              </a:schemeClr>
+            </a:gs>
+          </a:gsLst>
+          <a:lin ang="5400000" scaled="0"/>
+        </a:gradFill>
+        <a:gradFill rotWithShape="1">
+          <a:gsLst>
+            <a:gs pos="0">
+              <a:schemeClr val="phClr">
+                <a:satMod val="103000"/>
+                <a:lumMod val="102000"/>
+                <a:tint val="94000"/>
+              </a:schemeClr>
+            </a:gs>
+            <a:gs pos="50000">
+              <a:schemeClr val="phClr">
+                <a:satMod val="110000"/>
+                <a:lumMod val="100000"/>
+                <a:shade val="100000"/>
+              </a:schemeClr>
+            </a:gs>
+            <a:gs pos="100000">
+              <a:schemeClr val="phClr">
+                <a:lumMod val="99000"/>
+                <a:satMod val="120000"/>
+                <a:shade val="78000"/>
+              </a:schemeClr>
+            </a:gs>
+          </a:gsLst>
+          <a:lin ang="5400000" scaled="0"/>
+        </a:gradFill>
+      </a:fillStyleLst>
+      <a:lnStyleLst>
+        <a:ln w="6350" cap="flat" cmpd="sng" algn="ctr">
+          <a:solidFill>
+            <a:schemeClr val="phClr"/>
+          </a:solidFill>
+          <a:prstDash val="solid"/>
+          <a:miter lim="800000"/>
+        </a:ln>
+        <a:ln w="12700" cap="flat" cmpd="sng" algn="ctr">
+          <a:solidFill>
+            <a:schemeClr val="phClr"/>
+          </a:solidFill>
+          <a:prstDash val="solid"/>
+          <a:miter lim="800000"/>
+        </a:ln>
+        <a:ln w="19050" cap="flat" cmpd="sng" algn="ctr">
+          <a:solidFill>
+            <a:schemeClr val="phClr"/>
+          </a:solidFill>
+          <a:prstDash val="solid"/>
+          <a:miter lim="800000"/>
+        </a:ln>
+      </a:lnStyleLst>
+      <a:effectStyleLst>
+        <a:effectStyle>
+          <a:effectLst/>
+        </a:effectStyle>
+        <a:effectStyle>
+          <a:effectLst/>
+        </a:effectStyle>
+        <a:effectStyle>
+          <a:effectLst>
+            <a:outerShdw blurRad="57150" dist="19050" dir="5400000" algn="ctr" rotWithShape="0">
+              <a:srgbClr val="000000">
+                <a:alpha val="63000"/>
+              </a:srgbClr>
+            </a:outerShdw>
+          </a:effectLst>
+        </a:effectStyle>
+      </a:effectStyleLst>
+      <a:bgFillStyleLst>
+        <a:solidFill>
+          <a:schemeClr val="phClr"/>
+        </a:solidFill>
+        <a:solidFill>
+          <a:schemeClr val="phClr">
+            <a:tint val="95000"/>
+            <a:satMod val="170000"/>
+          </a:schemeClr>
+        </a:solidFill>
+        <a:gradFill rotWithShape="1">
+          <a:gsLst>
+            <a:gs pos="0">
+              <a:schemeClr val="phClr">
+                <a:tint val="93000"/>
+                <a:satMod val="150000"/>
+                <a:shade val="98000"/>
+                <a:lumMod val="102000"/>
+              </a:schemeClr>
+            </a:gs>
+            <a:gs pos="50000">
+              <a:schemeClr val="phClr">
+                <a:tint val="98000"/>
+                <a:satMod val="130000"/>
+                <a:shade val="90000"/>
+                <a:lumMod val="103000"/>
+              </a:schemeClr>
+            </a:gs>
+            <a:gs pos="100000">
+              <a:schemeClr val="phClr">
+                <a:shade val="63000"/>
+                <a:satMod val="120000"/>
+              </a:schemeClr>
+            </a:gs>
+          </a:gsLst>
+          <a:lin ang="5400000" scaled="0"/>
+        </a:gradFill>
+      </a:bgFillStyleLst>
+    </a:fmtScheme>
+  </a:themeElements>
+  <a:objectDefaults/>
+  <a:extraClrSchemeLst/>
+  <a:extLst>
+    <a:ext uri="{05A4C25C-085E-4340-85A3-A5531E510DB2}">
+      <thm15:themeFamily xmlns:thm15="http://schemas.microsoft.com/office/thememl/2012/main" name="Office Theme" id="{62F939B6-93AF-4DB8-9C6B-D6C7DFDC589F}" vid="{4A3C46E8-61CC-4603-A589-7422A47A8E4A}"/>
+    </a:ext>
+  </a:extLst>
+</a:theme>
 </file>
--- a/UsingAngularAndHTTP.pptx
+++ b/UsingAngularAndHTTP.pptx
@@ -5,7 +5,7 @@
     <p:sldMasterId id="2147483648" r:id="rId1"/>
   </p:sldMasterIdLst>
   <p:notesMasterIdLst>
-    <p:notesMasterId r:id="rId13"/>
+    <p:notesMasterId r:id="rId20"/>
   </p:notesMasterIdLst>
   <p:sldIdLst>
     <p:sldId id="256" r:id="rId2"/>
@@ -18,7 +18,14 @@
     <p:sldId id="264" r:id="rId9"/>
     <p:sldId id="265" r:id="rId10"/>
     <p:sldId id="261" r:id="rId11"/>
-    <p:sldId id="266" r:id="rId12"/>
+    <p:sldId id="267" r:id="rId12"/>
+    <p:sldId id="268" r:id="rId13"/>
+    <p:sldId id="269" r:id="rId14"/>
+    <p:sldId id="270" r:id="rId15"/>
+    <p:sldId id="271" r:id="rId16"/>
+    <p:sldId id="272" r:id="rId17"/>
+    <p:sldId id="273" r:id="rId18"/>
+    <p:sldId id="266" r:id="rId19"/>
   </p:sldIdLst>
   <p:sldSz cx="12192000" cy="6858000"/>
   <p:notesSz cx="6858000" cy="9144000"/>
@@ -207,7 +214,7 @@
           <a:p>
             <a:fld id="{4E5619CC-8DEB-4E79-8DF6-1A8981232640}" type="datetimeFigureOut">
               <a:rPr lang="en-US" smtClean="0"/>
-              <a:t>5/15/2017</a:t>
+              <a:t>5/16/2017</a:t>
             </a:fld>
             <a:endParaRPr lang="en-US"/>
           </a:p>
@@ -3783,10 +3790,10 @@
                 <a:ea typeface="+mn-ea"/>
                 <a:cs typeface="+mn-cs"/>
               </a:rPr>
-              <a:t>, each a cohesive block of code dedicated to an application domain, a </a:t>
-            </a:r>
-            <a:r>
-              <a:rPr lang="en-US" sz="1200" b="0" i="0" kern="1200" dirty="0" err="1" smtClean="0">
+              <a:t>, each a cohesive block of code dedicated to an application domain, a workflow</a:t>
+            </a:r>
+            <a:r>
+              <a:rPr lang="en-US" sz="1200" b="0" i="0" kern="1200" dirty="0" smtClean="0">
                 <a:solidFill>
                   <a:schemeClr val="tx1"/>
                 </a:solidFill>
@@ -3795,7 +3802,7 @@
                 <a:ea typeface="+mn-ea"/>
                 <a:cs typeface="+mn-cs"/>
               </a:rPr>
-              <a:t>workflow,or</a:t>
+              <a:t>, or </a:t>
             </a:r>
             <a:r>
               <a:rPr lang="en-US" sz="1200" b="0" i="0" kern="1200" dirty="0" smtClean="0">
@@ -3807,7 +3814,7 @@
                 <a:ea typeface="+mn-ea"/>
                 <a:cs typeface="+mn-cs"/>
               </a:rPr>
-              <a:t> a closely related set of capabilities.</a:t>
+              <a:t>a closely related set of capabilities.</a:t>
             </a:r>
             <a:r>
               <a:rPr lang="en-US" sz="1200" b="0" i="0" kern="1200" baseline="0" dirty="0" smtClean="0">
@@ -4721,183 +4728,6 @@
               <a:t>An injector maintains a container of service instances that it has previously created. If a requested service instance is not in the container, the injector makes one and adds it to the container before returning the service to Angular. </a:t>
             </a:r>
           </a:p>
-          <a:p>
-            <a:endParaRPr lang="en-US" sz="1200" b="0" i="0" kern="1200" dirty="0" smtClean="0">
-              <a:solidFill>
-                <a:schemeClr val="tx1"/>
-              </a:solidFill>
-              <a:effectLst/>
-              <a:latin typeface="+mn-lt"/>
-              <a:ea typeface="+mn-ea"/>
-              <a:cs typeface="+mn-cs"/>
-            </a:endParaRPr>
-          </a:p>
-          <a:p>
-            <a:r>
-              <a:rPr lang="en-US" sz="1200" b="0" i="0" kern="1200" dirty="0" smtClean="0">
-                <a:solidFill>
-                  <a:schemeClr val="tx1"/>
-                </a:solidFill>
-                <a:effectLst/>
-                <a:latin typeface="+mn-lt"/>
-                <a:ea typeface="+mn-ea"/>
-                <a:cs typeface="+mn-cs"/>
-              </a:rPr>
-              <a:t>You</a:t>
-            </a:r>
-            <a:r>
-              <a:rPr lang="en-US" sz="1200" b="0" i="0" kern="1200" baseline="0" dirty="0" smtClean="0">
-                <a:solidFill>
-                  <a:schemeClr val="tx1"/>
-                </a:solidFill>
-                <a:effectLst/>
-                <a:latin typeface="+mn-lt"/>
-                <a:ea typeface="+mn-ea"/>
-                <a:cs typeface="+mn-cs"/>
-              </a:rPr>
-              <a:t> </a:t>
-            </a:r>
-            <a:r>
-              <a:rPr lang="en-US" sz="1200" b="0" i="0" kern="1200" dirty="0" smtClean="0">
-                <a:solidFill>
-                  <a:schemeClr val="tx1"/>
-                </a:solidFill>
-                <a:effectLst/>
-                <a:latin typeface="+mn-lt"/>
-                <a:ea typeface="+mn-ea"/>
-                <a:cs typeface="+mn-cs"/>
-              </a:rPr>
-              <a:t>register a </a:t>
-            </a:r>
-            <a:r>
-              <a:rPr lang="en-US" sz="1200" b="1" i="0" kern="1200" dirty="0" smtClean="0">
-                <a:solidFill>
-                  <a:schemeClr val="tx1"/>
-                </a:solidFill>
-                <a:effectLst/>
-                <a:latin typeface="+mn-lt"/>
-                <a:ea typeface="+mn-ea"/>
-                <a:cs typeface="+mn-cs"/>
-              </a:rPr>
-              <a:t>provider</a:t>
-            </a:r>
-            <a:r>
-              <a:rPr lang="en-US" sz="1200" b="0" i="0" kern="1200" dirty="0" smtClean="0">
-                <a:solidFill>
-                  <a:schemeClr val="tx1"/>
-                </a:solidFill>
-                <a:effectLst/>
-                <a:latin typeface="+mn-lt"/>
-                <a:ea typeface="+mn-ea"/>
-                <a:cs typeface="+mn-cs"/>
-              </a:rPr>
-              <a:t> for</a:t>
-            </a:r>
-            <a:r>
-              <a:rPr lang="en-US" sz="1200" b="0" i="0" kern="1200" baseline="0" dirty="0" smtClean="0">
-                <a:solidFill>
-                  <a:schemeClr val="tx1"/>
-                </a:solidFill>
-                <a:effectLst/>
-                <a:latin typeface="+mn-lt"/>
-                <a:ea typeface="+mn-ea"/>
-                <a:cs typeface="+mn-cs"/>
-              </a:rPr>
-              <a:t> a service</a:t>
-            </a:r>
-            <a:r>
-              <a:rPr lang="en-US" sz="1200" b="0" i="0" kern="1200" dirty="0" smtClean="0">
-                <a:solidFill>
-                  <a:schemeClr val="tx1"/>
-                </a:solidFill>
-                <a:effectLst/>
-                <a:latin typeface="+mn-lt"/>
-                <a:ea typeface="+mn-ea"/>
-                <a:cs typeface="+mn-cs"/>
-              </a:rPr>
-              <a:t> with the injector </a:t>
-            </a:r>
-            <a:r>
-              <a:rPr lang="en-US" sz="1200" b="0" i="0" kern="1200" dirty="0" smtClean="0">
-                <a:solidFill>
-                  <a:schemeClr val="tx1"/>
-                </a:solidFill>
-                <a:effectLst/>
-                <a:latin typeface="+mn-lt"/>
-                <a:ea typeface="+mn-ea"/>
-                <a:cs typeface="+mn-cs"/>
-              </a:rPr>
-              <a:t>in modules or in components. A provider is something that can create or return a service, typically the service class itself. Then the injector can send it to Angular. </a:t>
-            </a:r>
-            <a:r>
-              <a:rPr lang="en-US" sz="1200" b="0" i="0" kern="1200" dirty="0" err="1" smtClean="0">
-                <a:solidFill>
-                  <a:schemeClr val="tx1"/>
-                </a:solidFill>
-                <a:effectLst/>
-                <a:latin typeface="+mn-lt"/>
-                <a:ea typeface="+mn-ea"/>
-                <a:cs typeface="+mn-cs"/>
-              </a:rPr>
-              <a:t>PeopleService</a:t>
-            </a:r>
-            <a:r>
-              <a:rPr lang="en-US" sz="1200" b="0" i="0" kern="1200" dirty="0" smtClean="0">
-                <a:solidFill>
-                  <a:schemeClr val="tx1"/>
-                </a:solidFill>
-                <a:effectLst/>
-                <a:latin typeface="+mn-lt"/>
-                <a:ea typeface="+mn-ea"/>
-                <a:cs typeface="+mn-cs"/>
-              </a:rPr>
-              <a:t> is registered as a provider in the </a:t>
-            </a:r>
-            <a:r>
-              <a:rPr lang="en-US" sz="1200" b="0" i="0" kern="1200" dirty="0" err="1" smtClean="0">
-                <a:solidFill>
-                  <a:schemeClr val="tx1"/>
-                </a:solidFill>
-                <a:effectLst/>
-                <a:latin typeface="+mn-lt"/>
-                <a:ea typeface="+mn-ea"/>
-                <a:cs typeface="+mn-cs"/>
-              </a:rPr>
-              <a:t>PeopleListComponent</a:t>
-            </a:r>
-            <a:r>
-              <a:rPr lang="en-US" sz="1200" b="0" i="0" kern="1200" baseline="0" dirty="0" smtClean="0">
-                <a:solidFill>
-                  <a:schemeClr val="tx1"/>
-                </a:solidFill>
-                <a:effectLst/>
-                <a:latin typeface="+mn-lt"/>
-                <a:ea typeface="+mn-ea"/>
-                <a:cs typeface="+mn-cs"/>
-              </a:rPr>
-              <a:t> constructor. ?????????????????</a:t>
-            </a:r>
-            <a:endParaRPr lang="en-US" sz="1200" b="1" i="0" kern="1200" dirty="0" smtClean="0">
-              <a:solidFill>
-                <a:schemeClr val="tx1"/>
-              </a:solidFill>
-              <a:effectLst/>
-              <a:latin typeface="+mn-lt"/>
-              <a:ea typeface="+mn-ea"/>
-              <a:cs typeface="+mn-cs"/>
-            </a:endParaRPr>
-          </a:p>
-          <a:p>
-            <a:endParaRPr lang="en-US" sz="1200" b="0" i="0" kern="1200" dirty="0" smtClean="0">
-              <a:solidFill>
-                <a:schemeClr val="tx1"/>
-              </a:solidFill>
-              <a:effectLst/>
-              <a:latin typeface="+mn-lt"/>
-              <a:ea typeface="+mn-ea"/>
-              <a:cs typeface="+mn-cs"/>
-            </a:endParaRPr>
-          </a:p>
         </p:txBody>
       </p:sp>
       <p:sp>
@@ -4927,6 +4757,90 @@
     <p:extLst>
       <p:ext uri="{BB962C8B-B14F-4D97-AF65-F5344CB8AC3E}">
         <p14:creationId xmlns:p14="http://schemas.microsoft.com/office/powerpoint/2010/main" val="132249621"/>
+      </p:ext>
+    </p:extLst>
+  </p:cSld>
+  <p:clrMapOvr>
+    <a:masterClrMapping/>
+  </p:clrMapOvr>
+</p:notes>
+</file>
+
+<file path=ppt/notesSlides/notesSlide9.xml><?xml version="1.0" encoding="utf-8"?>
+<p:notes xmlns:a="http://schemas.openxmlformats.org/drawingml/2006/main" xmlns:r="http://schemas.openxmlformats.org/officeDocument/2006/relationships" xmlns:p="http://schemas.openxmlformats.org/presentationml/2006/main">
+  <p:cSld>
+    <p:spTree>
+      <p:nvGrpSpPr>
+        <p:cNvPr id="1" name=""/>
+        <p:cNvGrpSpPr/>
+        <p:nvPr/>
+      </p:nvGrpSpPr>
+      <p:grpSpPr>
+        <a:xfrm>
+          <a:off x="0" y="0"/>
+          <a:ext cx="0" cy="0"/>
+          <a:chOff x="0" y="0"/>
+          <a:chExt cx="0" cy="0"/>
+        </a:xfrm>
+      </p:grpSpPr>
+      <p:sp>
+        <p:nvSpPr>
+          <p:cNvPr id="2" name="Slide Image Placeholder 1"/>
+          <p:cNvSpPr>
+            <a:spLocks noGrp="1" noRot="1" noChangeAspect="1"/>
+          </p:cNvSpPr>
+          <p:nvPr>
+            <p:ph type="sldImg"/>
+          </p:nvPr>
+        </p:nvSpPr>
+        <p:spPr/>
+      </p:sp>
+      <p:sp>
+        <p:nvSpPr>
+          <p:cNvPr id="3" name="Notes Placeholder 2"/>
+          <p:cNvSpPr>
+            <a:spLocks noGrp="1"/>
+          </p:cNvSpPr>
+          <p:nvPr>
+            <p:ph type="body" idx="1"/>
+          </p:nvPr>
+        </p:nvSpPr>
+        <p:spPr/>
+        <p:txBody>
+          <a:bodyPr/>
+          <a:lstStyle/>
+          <a:p>
+            <a:endParaRPr lang="en-US" dirty="0"/>
+          </a:p>
+        </p:txBody>
+      </p:sp>
+      <p:sp>
+        <p:nvSpPr>
+          <p:cNvPr id="4" name="Slide Number Placeholder 3"/>
+          <p:cNvSpPr>
+            <a:spLocks noGrp="1"/>
+          </p:cNvSpPr>
+          <p:nvPr>
+            <p:ph type="sldNum" sz="quarter" idx="10"/>
+          </p:nvPr>
+        </p:nvSpPr>
+        <p:spPr/>
+        <p:txBody>
+          <a:bodyPr/>
+          <a:lstStyle/>
+          <a:p>
+            <a:fld id="{9C7E34CB-FAA9-46AF-804F-C5D35C87E069}" type="slidenum">
+              <a:rPr lang="en-US" smtClean="0"/>
+              <a:t>18</a:t>
+            </a:fld>
+            <a:endParaRPr lang="en-US"/>
+          </a:p>
+        </p:txBody>
+      </p:sp>
+    </p:spTree>
+    <p:extLst>
+      <p:ext uri="{BB962C8B-B14F-4D97-AF65-F5344CB8AC3E}">
+        <p14:creationId xmlns:p14="http://schemas.microsoft.com/office/powerpoint/2010/main" val="160751504"/>
       </p:ext>
     </p:extLst>
   </p:cSld>
@@ -5125,7 +5039,7 @@
             <a:fld id="{B61BEF0D-F0BB-DE4B-95CE-6DB70DBA9567}" type="datetimeFigureOut">
               <a:rPr lang="en-US" dirty="0"/>
               <a:pPr/>
-              <a:t>5/15/2017</a:t>
+              <a:t>5/16/2017</a:t>
             </a:fld>
             <a:endParaRPr lang="en-US" dirty="0"/>
           </a:p>
@@ -5460,7 +5374,7 @@
             <a:fld id="{B61BEF0D-F0BB-DE4B-95CE-6DB70DBA9567}" type="datetimeFigureOut">
               <a:rPr lang="en-US" dirty="0"/>
               <a:pPr/>
-              <a:t>5/15/2017</a:t>
+              <a:t>5/16/2017</a:t>
             </a:fld>
             <a:endParaRPr lang="en-US" dirty="0"/>
           </a:p>
@@ -5858,7 +5772,7 @@
             <a:fld id="{B61BEF0D-F0BB-DE4B-95CE-6DB70DBA9567}" type="datetimeFigureOut">
               <a:rPr lang="en-US" dirty="0"/>
               <a:pPr/>
-              <a:t>5/15/2017</a:t>
+              <a:t>5/16/2017</a:t>
             </a:fld>
             <a:endParaRPr lang="en-US" dirty="0"/>
           </a:p>
@@ -6191,7 +6105,7 @@
             <a:fld id="{B61BEF0D-F0BB-DE4B-95CE-6DB70DBA9567}" type="datetimeFigureOut">
               <a:rPr lang="en-US" dirty="0"/>
               <a:pPr/>
-              <a:t>5/15/2017</a:t>
+              <a:t>5/16/2017</a:t>
             </a:fld>
             <a:endParaRPr lang="en-US" dirty="0"/>
           </a:p>
@@ -6508,7 +6422,7 @@
             <a:fld id="{B61BEF0D-F0BB-DE4B-95CE-6DB70DBA9567}" type="datetimeFigureOut">
               <a:rPr lang="en-US" dirty="0"/>
               <a:pPr/>
-              <a:t>5/15/2017</a:t>
+              <a:t>5/16/2017</a:t>
             </a:fld>
             <a:endParaRPr lang="en-US" dirty="0"/>
           </a:p>
@@ -6901,7 +6815,7 @@
             <a:fld id="{B61BEF0D-F0BB-DE4B-95CE-6DB70DBA9567}" type="datetimeFigureOut">
               <a:rPr lang="en-US" dirty="0"/>
               <a:pPr/>
-              <a:t>5/15/2017</a:t>
+              <a:t>5/16/2017</a:t>
             </a:fld>
             <a:endParaRPr lang="en-US" dirty="0"/>
           </a:p>
@@ -7155,7 +7069,7 @@
             <a:fld id="{B61BEF0D-F0BB-DE4B-95CE-6DB70DBA9567}" type="datetimeFigureOut">
               <a:rPr lang="en-US" dirty="0"/>
               <a:pPr/>
-              <a:t>5/15/2017</a:t>
+              <a:t>5/16/2017</a:t>
             </a:fld>
             <a:endParaRPr lang="en-US" dirty="0"/>
           </a:p>
@@ -7414,7 +7328,7 @@
             <a:fld id="{B61BEF0D-F0BB-DE4B-95CE-6DB70DBA9567}" type="datetimeFigureOut">
               <a:rPr lang="en-US" dirty="0"/>
               <a:pPr/>
-              <a:t>5/15/2017</a:t>
+              <a:t>5/16/2017</a:t>
             </a:fld>
             <a:endParaRPr lang="en-US" dirty="0"/>
           </a:p>
@@ -7673,7 +7587,7 @@
             <a:fld id="{B61BEF0D-F0BB-DE4B-95CE-6DB70DBA9567}" type="datetimeFigureOut">
               <a:rPr lang="en-US" dirty="0"/>
               <a:pPr/>
-              <a:t>5/15/2017</a:t>
+              <a:t>5/16/2017</a:t>
             </a:fld>
             <a:endParaRPr lang="en-US" dirty="0"/>
           </a:p>
@@ -7999,7 +7913,7 @@
             <a:fld id="{B61BEF0D-F0BB-DE4B-95CE-6DB70DBA9567}" type="datetimeFigureOut">
               <a:rPr lang="en-US" dirty="0"/>
               <a:pPr/>
-              <a:t>5/15/2017</a:t>
+              <a:t>5/16/2017</a:t>
             </a:fld>
             <a:endParaRPr lang="en-US" dirty="0"/>
           </a:p>
@@ -8319,7 +8233,7 @@
             <a:fld id="{B61BEF0D-F0BB-DE4B-95CE-6DB70DBA9567}" type="datetimeFigureOut">
               <a:rPr lang="en-US" dirty="0"/>
               <a:pPr/>
-              <a:t>5/15/2017</a:t>
+              <a:t>5/16/2017</a:t>
             </a:fld>
             <a:endParaRPr lang="en-US" dirty="0"/>
           </a:p>
@@ -8773,7 +8687,7 @@
             <a:fld id="{B61BEF0D-F0BB-DE4B-95CE-6DB70DBA9567}" type="datetimeFigureOut">
               <a:rPr lang="en-US" dirty="0"/>
               <a:pPr/>
-              <a:t>5/15/2017</a:t>
+              <a:t>5/16/2017</a:t>
             </a:fld>
             <a:endParaRPr lang="en-US" dirty="0"/>
           </a:p>
@@ -8975,7 +8889,7 @@
             <a:fld id="{B61BEF0D-F0BB-DE4B-95CE-6DB70DBA9567}" type="datetimeFigureOut">
               <a:rPr lang="en-US" dirty="0"/>
               <a:pPr/>
-              <a:t>5/15/2017</a:t>
+              <a:t>5/16/2017</a:t>
             </a:fld>
             <a:endParaRPr lang="en-US" dirty="0"/>
           </a:p>
@@ -9149,7 +9063,7 @@
             <a:fld id="{B61BEF0D-F0BB-DE4B-95CE-6DB70DBA9567}" type="datetimeFigureOut">
               <a:rPr lang="en-US" dirty="0"/>
               <a:pPr/>
-              <a:t>5/15/2017</a:t>
+              <a:t>5/16/2017</a:t>
             </a:fld>
             <a:endParaRPr lang="en-US" dirty="0"/>
           </a:p>
@@ -9479,7 +9393,7 @@
             <a:fld id="{B61BEF0D-F0BB-DE4B-95CE-6DB70DBA9567}" type="datetimeFigureOut">
               <a:rPr lang="en-US" dirty="0"/>
               <a:pPr/>
-              <a:t>5/15/2017</a:t>
+              <a:t>5/16/2017</a:t>
             </a:fld>
             <a:endParaRPr lang="en-US" dirty="0"/>
           </a:p>
@@ -9821,7 +9735,7 @@
             <a:fld id="{B61BEF0D-F0BB-DE4B-95CE-6DB70DBA9567}" type="datetimeFigureOut">
               <a:rPr lang="en-US" dirty="0"/>
               <a:pPr/>
-              <a:t>5/15/2017</a:t>
+              <a:t>5/16/2017</a:t>
             </a:fld>
             <a:endParaRPr lang="en-US" dirty="0"/>
           </a:p>
@@ -11935,7 +11849,7 @@
             <a:fld id="{B61BEF0D-F0BB-DE4B-95CE-6DB70DBA9567}" type="datetimeFigureOut">
               <a:rPr lang="en-US" dirty="0"/>
               <a:pPr/>
-              <a:t>5/15/2017</a:t>
+              <a:t>5/16/2017</a:t>
             </a:fld>
             <a:endParaRPr lang="en-US" dirty="0"/>
           </a:p>
@@ -12680,7 +12594,7 @@
           <a:p>
             <a:r>
               <a:rPr lang="en-US" dirty="0" smtClean="0"/>
-              <a:t>More to learn</a:t>
+              <a:t>Modules</a:t>
             </a:r>
             <a:endParaRPr lang="en-US" dirty="0"/>
           </a:p>
@@ -12698,6 +12612,1352 @@
         </p:nvSpPr>
         <p:spPr/>
         <p:txBody>
+          <a:bodyPr/>
+          <a:lstStyle/>
+          <a:p>
+            <a:r>
+              <a:rPr lang="en-US" dirty="0">
+                <a:solidFill>
+                  <a:schemeClr val="tx1"/>
+                </a:solidFill>
+              </a:rPr>
+              <a:t>Every Angular app has at least one Angular </a:t>
+            </a:r>
+            <a:r>
+              <a:rPr lang="en-US" b="1" dirty="0">
+                <a:solidFill>
+                  <a:schemeClr val="tx1"/>
+                </a:solidFill>
+              </a:rPr>
+              <a:t>module</a:t>
+            </a:r>
+            <a:r>
+              <a:rPr lang="en-US" dirty="0">
+                <a:solidFill>
+                  <a:schemeClr val="tx1"/>
+                </a:solidFill>
+              </a:rPr>
+              <a:t> class, the root module, conventionally named </a:t>
+            </a:r>
+            <a:r>
+              <a:rPr lang="en-US" dirty="0" err="1">
+                <a:solidFill>
+                  <a:schemeClr val="tx1"/>
+                </a:solidFill>
+              </a:rPr>
+              <a:t>AppModule</a:t>
+            </a:r>
+            <a:r>
+              <a:rPr lang="en-US" dirty="0">
+                <a:solidFill>
+                  <a:schemeClr val="tx1"/>
+                </a:solidFill>
+              </a:rPr>
+              <a:t>. Most apps have many more </a:t>
+            </a:r>
+            <a:r>
+              <a:rPr lang="en-US" i="1" dirty="0">
+                <a:solidFill>
+                  <a:schemeClr val="tx1"/>
+                </a:solidFill>
+              </a:rPr>
+              <a:t>feature modules</a:t>
+            </a:r>
+            <a:r>
+              <a:rPr lang="en-US" dirty="0">
+                <a:solidFill>
+                  <a:schemeClr val="tx1"/>
+                </a:solidFill>
+              </a:rPr>
+              <a:t>, each a cohesive block of code dedicated to an application domain, a workflow, or a closely related set of capabilities. An Angular module, whether a </a:t>
+            </a:r>
+            <a:r>
+              <a:rPr lang="en-US" i="1" dirty="0">
+                <a:solidFill>
+                  <a:schemeClr val="tx1"/>
+                </a:solidFill>
+              </a:rPr>
+              <a:t>root</a:t>
+            </a:r>
+            <a:r>
+              <a:rPr lang="en-US" dirty="0">
+                <a:solidFill>
+                  <a:schemeClr val="tx1"/>
+                </a:solidFill>
+              </a:rPr>
+              <a:t> or </a:t>
+            </a:r>
+            <a:r>
+              <a:rPr lang="en-US" i="1" dirty="0">
+                <a:solidFill>
+                  <a:schemeClr val="tx1"/>
+                </a:solidFill>
+              </a:rPr>
+              <a:t>feature</a:t>
+            </a:r>
+            <a:r>
+              <a:rPr lang="en-US" dirty="0">
+                <a:solidFill>
+                  <a:schemeClr val="tx1"/>
+                </a:solidFill>
+              </a:rPr>
+              <a:t>, is a class with an </a:t>
+            </a:r>
+            <a:r>
+              <a:rPr lang="en-US" dirty="0"/>
+              <a:t>@</a:t>
+            </a:r>
+            <a:r>
+              <a:rPr lang="en-US" dirty="0" err="1"/>
+              <a:t>NgModule</a:t>
+            </a:r>
+            <a:r>
+              <a:rPr lang="en-US" dirty="0">
+                <a:solidFill>
+                  <a:schemeClr val="tx1"/>
+                </a:solidFill>
+              </a:rPr>
+              <a:t> decorator. Ours is </a:t>
+            </a:r>
+            <a:r>
+              <a:rPr lang="en-US" dirty="0" err="1">
+                <a:solidFill>
+                  <a:schemeClr val="tx1"/>
+                </a:solidFill>
+              </a:rPr>
+              <a:t>app.module.ts</a:t>
+            </a:r>
+            <a:r>
+              <a:rPr lang="en-US" dirty="0">
+                <a:solidFill>
+                  <a:schemeClr val="tx1"/>
+                </a:solidFill>
+              </a:rPr>
+              <a:t>.</a:t>
+            </a:r>
+          </a:p>
+          <a:p>
+            <a:endParaRPr lang="en-US" dirty="0"/>
+          </a:p>
+        </p:txBody>
+      </p:sp>
+      <p:pic>
+        <p:nvPicPr>
+          <p:cNvPr id="2052" name="Picture 4" descr="Component"/>
+          <p:cNvPicPr>
+            <a:picLocks noChangeAspect="1" noChangeArrowheads="1"/>
+          </p:cNvPicPr>
+          <p:nvPr/>
+        </p:nvPicPr>
+        <p:blipFill>
+          <a:blip r:embed="rId2">
+            <a:extLst>
+              <a:ext uri="{28A0092B-C50C-407E-A947-70E740481C1C}">
+                <a14:useLocalDpi xmlns:a14="http://schemas.microsoft.com/office/drawing/2010/main" val="0"/>
+              </a:ext>
+            </a:extLst>
+          </a:blip>
+          <a:srcRect/>
+          <a:stretch>
+            <a:fillRect/>
+          </a:stretch>
+        </p:blipFill>
+        <p:spPr bwMode="auto">
+          <a:xfrm>
+            <a:off x="5163993" y="4022411"/>
+            <a:ext cx="2876550" cy="2190750"/>
+          </a:xfrm>
+          <a:prstGeom prst="rect">
+            <a:avLst/>
+          </a:prstGeom>
+          <a:noFill/>
+          <a:extLst>
+            <a:ext uri="{909E8E84-426E-40DD-AFC4-6F175D3DCCD1}">
+              <a14:hiddenFill xmlns:a14="http://schemas.microsoft.com/office/drawing/2010/main">
+                <a:solidFill>
+                  <a:srgbClr val="FFFFFF"/>
+                </a:solidFill>
+              </a14:hiddenFill>
+            </a:ext>
+          </a:extLst>
+        </p:spPr>
+      </p:pic>
+    </p:spTree>
+    <p:extLst>
+      <p:ext uri="{BB962C8B-B14F-4D97-AF65-F5344CB8AC3E}">
+        <p14:creationId xmlns:p14="http://schemas.microsoft.com/office/powerpoint/2010/main" val="1153882680"/>
+      </p:ext>
+    </p:extLst>
+  </p:cSld>
+  <p:clrMapOvr>
+    <a:masterClrMapping/>
+  </p:clrMapOvr>
+</p:sld>
+</file>
+
+<file path=ppt/slides/slide12.xml><?xml version="1.0" encoding="utf-8"?>
+<p:sld xmlns:a="http://schemas.openxmlformats.org/drawingml/2006/main" xmlns:r="http://schemas.openxmlformats.org/officeDocument/2006/relationships" xmlns:p="http://schemas.openxmlformats.org/presentationml/2006/main">
+  <p:cSld>
+    <p:spTree>
+      <p:nvGrpSpPr>
+        <p:cNvPr id="1" name=""/>
+        <p:cNvGrpSpPr/>
+        <p:nvPr/>
+      </p:nvGrpSpPr>
+      <p:grpSpPr>
+        <a:xfrm>
+          <a:off x="0" y="0"/>
+          <a:ext cx="0" cy="0"/>
+          <a:chOff x="0" y="0"/>
+          <a:chExt cx="0" cy="0"/>
+        </a:xfrm>
+      </p:grpSpPr>
+      <p:sp>
+        <p:nvSpPr>
+          <p:cNvPr id="2" name="Title 1"/>
+          <p:cNvSpPr>
+            <a:spLocks noGrp="1"/>
+          </p:cNvSpPr>
+          <p:nvPr>
+            <p:ph type="title"/>
+          </p:nvPr>
+        </p:nvSpPr>
+        <p:spPr/>
+        <p:txBody>
+          <a:bodyPr/>
+          <a:lstStyle/>
+          <a:p>
+            <a:r>
+              <a:rPr lang="en-US" dirty="0" smtClean="0"/>
+              <a:t>Angular Libraries</a:t>
+            </a:r>
+            <a:endParaRPr lang="en-US" dirty="0"/>
+          </a:p>
+        </p:txBody>
+      </p:sp>
+      <p:sp>
+        <p:nvSpPr>
+          <p:cNvPr id="3" name="Content Placeholder 2"/>
+          <p:cNvSpPr>
+            <a:spLocks noGrp="1"/>
+          </p:cNvSpPr>
+          <p:nvPr>
+            <p:ph idx="1"/>
+          </p:nvPr>
+        </p:nvSpPr>
+        <p:spPr/>
+        <p:txBody>
+          <a:bodyPr/>
+          <a:lstStyle/>
+          <a:p>
+            <a:r>
+              <a:rPr lang="en-US" dirty="0">
+                <a:solidFill>
+                  <a:schemeClr val="tx1"/>
+                </a:solidFill>
+              </a:rPr>
+              <a:t>Angular ships as a collection of JavaScript modules. You can think of them as </a:t>
+            </a:r>
+            <a:r>
+              <a:rPr lang="en-US" b="1" dirty="0">
+                <a:solidFill>
+                  <a:schemeClr val="tx1"/>
+                </a:solidFill>
+              </a:rPr>
+              <a:t>library</a:t>
+            </a:r>
+            <a:r>
+              <a:rPr lang="en-US" dirty="0">
+                <a:solidFill>
+                  <a:schemeClr val="tx1"/>
+                </a:solidFill>
+              </a:rPr>
+              <a:t> modules. Each Angular library name begins with the @angular prefix. You install them with the </a:t>
+            </a:r>
+            <a:r>
+              <a:rPr lang="en-US" dirty="0" err="1">
+                <a:solidFill>
+                  <a:schemeClr val="tx1"/>
+                </a:solidFill>
+              </a:rPr>
+              <a:t>npm</a:t>
+            </a:r>
+            <a:r>
+              <a:rPr lang="en-US" dirty="0">
+                <a:solidFill>
+                  <a:schemeClr val="tx1"/>
+                </a:solidFill>
+              </a:rPr>
+              <a:t> package manager and import parts of them with JavaScript import statements, for example @angular/http</a:t>
+            </a:r>
+          </a:p>
+          <a:p>
+            <a:endParaRPr lang="en-US" b="1" dirty="0"/>
+          </a:p>
+        </p:txBody>
+      </p:sp>
+      <p:pic>
+        <p:nvPicPr>
+          <p:cNvPr id="3074" name="Picture 2" descr="Component"/>
+          <p:cNvPicPr>
+            <a:picLocks noChangeAspect="1" noChangeArrowheads="1"/>
+          </p:cNvPicPr>
+          <p:nvPr/>
+        </p:nvPicPr>
+        <p:blipFill>
+          <a:blip r:embed="rId2">
+            <a:extLst>
+              <a:ext uri="{28A0092B-C50C-407E-A947-70E740481C1C}">
+                <a14:useLocalDpi xmlns:a14="http://schemas.microsoft.com/office/drawing/2010/main" val="0"/>
+              </a:ext>
+            </a:extLst>
+          </a:blip>
+          <a:srcRect/>
+          <a:stretch>
+            <a:fillRect/>
+          </a:stretch>
+        </p:blipFill>
+        <p:spPr bwMode="auto">
+          <a:xfrm>
+            <a:off x="4904221" y="3463202"/>
+            <a:ext cx="4038600" cy="3048001"/>
+          </a:xfrm>
+          <a:prstGeom prst="rect">
+            <a:avLst/>
+          </a:prstGeom>
+          <a:noFill/>
+          <a:extLst>
+            <a:ext uri="{909E8E84-426E-40DD-AFC4-6F175D3DCCD1}">
+              <a14:hiddenFill xmlns:a14="http://schemas.microsoft.com/office/drawing/2010/main">
+                <a:solidFill>
+                  <a:srgbClr val="FFFFFF"/>
+                </a:solidFill>
+              </a14:hiddenFill>
+            </a:ext>
+          </a:extLst>
+        </p:spPr>
+      </p:pic>
+    </p:spTree>
+    <p:extLst>
+      <p:ext uri="{BB962C8B-B14F-4D97-AF65-F5344CB8AC3E}">
+        <p14:creationId xmlns:p14="http://schemas.microsoft.com/office/powerpoint/2010/main" val="2815083371"/>
+      </p:ext>
+    </p:extLst>
+  </p:cSld>
+  <p:clrMapOvr>
+    <a:masterClrMapping/>
+  </p:clrMapOvr>
+</p:sld>
+</file>
+
+<file path=ppt/slides/slide13.xml><?xml version="1.0" encoding="utf-8"?>
+<p:sld xmlns:a="http://schemas.openxmlformats.org/drawingml/2006/main" xmlns:r="http://schemas.openxmlformats.org/officeDocument/2006/relationships" xmlns:p="http://schemas.openxmlformats.org/presentationml/2006/main">
+  <p:cSld>
+    <p:spTree>
+      <p:nvGrpSpPr>
+        <p:cNvPr id="1" name=""/>
+        <p:cNvGrpSpPr/>
+        <p:nvPr/>
+      </p:nvGrpSpPr>
+      <p:grpSpPr>
+        <a:xfrm>
+          <a:off x="0" y="0"/>
+          <a:ext cx="0" cy="0"/>
+          <a:chOff x="0" y="0"/>
+          <a:chExt cx="0" cy="0"/>
+        </a:xfrm>
+      </p:grpSpPr>
+      <p:sp>
+        <p:nvSpPr>
+          <p:cNvPr id="2" name="Title 1"/>
+          <p:cNvSpPr>
+            <a:spLocks noGrp="1"/>
+          </p:cNvSpPr>
+          <p:nvPr>
+            <p:ph type="title"/>
+          </p:nvPr>
+        </p:nvSpPr>
+        <p:spPr/>
+        <p:txBody>
+          <a:bodyPr/>
+          <a:lstStyle/>
+          <a:p>
+            <a:r>
+              <a:rPr lang="en-US" dirty="0" smtClean="0"/>
+              <a:t>Components-Templates-Metadata</a:t>
+            </a:r>
+            <a:endParaRPr lang="en-US" dirty="0"/>
+          </a:p>
+        </p:txBody>
+      </p:sp>
+      <p:sp>
+        <p:nvSpPr>
+          <p:cNvPr id="3" name="Content Placeholder 2"/>
+          <p:cNvSpPr>
+            <a:spLocks noGrp="1"/>
+          </p:cNvSpPr>
+          <p:nvPr>
+            <p:ph idx="1"/>
+          </p:nvPr>
+        </p:nvSpPr>
+        <p:spPr/>
+        <p:txBody>
+          <a:bodyPr/>
+          <a:lstStyle/>
+          <a:p>
+            <a:r>
+              <a:rPr lang="en-US" dirty="0">
+                <a:solidFill>
+                  <a:schemeClr val="tx1"/>
+                </a:solidFill>
+              </a:rPr>
+              <a:t>A </a:t>
+            </a:r>
+            <a:r>
+              <a:rPr lang="en-US" b="1" dirty="0">
+                <a:solidFill>
+                  <a:schemeClr val="tx1"/>
+                </a:solidFill>
+              </a:rPr>
+              <a:t>component</a:t>
+            </a:r>
+            <a:r>
+              <a:rPr lang="en-US" dirty="0">
+                <a:solidFill>
+                  <a:schemeClr val="tx1"/>
+                </a:solidFill>
+              </a:rPr>
+              <a:t> controls a patch of screen called a </a:t>
+            </a:r>
+            <a:r>
+              <a:rPr lang="en-US" i="1" dirty="0">
+                <a:solidFill>
+                  <a:schemeClr val="tx1"/>
+                </a:solidFill>
+              </a:rPr>
+              <a:t>view</a:t>
+            </a:r>
+            <a:r>
+              <a:rPr lang="en-US" dirty="0">
+                <a:solidFill>
+                  <a:schemeClr val="tx1"/>
+                </a:solidFill>
+              </a:rPr>
+              <a:t>. You define a component's view with its companion </a:t>
+            </a:r>
+            <a:r>
+              <a:rPr lang="en-US" b="1" dirty="0">
+                <a:solidFill>
+                  <a:schemeClr val="tx1"/>
+                </a:solidFill>
+              </a:rPr>
+              <a:t>template</a:t>
+            </a:r>
+            <a:r>
+              <a:rPr lang="en-US" dirty="0">
+                <a:solidFill>
+                  <a:schemeClr val="tx1"/>
+                </a:solidFill>
+              </a:rPr>
+              <a:t>. A template is a form of HTML that tells Angular how to render the component. A template looks like regular HTML, except for a few differences. </a:t>
+            </a:r>
+            <a:r>
+              <a:rPr lang="en-US" b="1" dirty="0">
+                <a:solidFill>
+                  <a:schemeClr val="tx1"/>
+                </a:solidFill>
+              </a:rPr>
+              <a:t>Metadata</a:t>
+            </a:r>
+            <a:r>
+              <a:rPr lang="en-US" dirty="0">
+                <a:solidFill>
+                  <a:schemeClr val="tx1"/>
+                </a:solidFill>
+              </a:rPr>
+              <a:t> tells Angular how to process a class.</a:t>
+            </a:r>
+          </a:p>
+          <a:p>
+            <a:endParaRPr lang="en-US" b="1" dirty="0"/>
+          </a:p>
+        </p:txBody>
+      </p:sp>
+      <p:pic>
+        <p:nvPicPr>
+          <p:cNvPr id="4098" name="Picture 2" descr="Metadata"/>
+          <p:cNvPicPr>
+            <a:picLocks noChangeAspect="1" noChangeArrowheads="1"/>
+          </p:cNvPicPr>
+          <p:nvPr/>
+        </p:nvPicPr>
+        <p:blipFill>
+          <a:blip r:embed="rId2">
+            <a:extLst>
+              <a:ext uri="{28A0092B-C50C-407E-A947-70E740481C1C}">
+                <a14:useLocalDpi xmlns:a14="http://schemas.microsoft.com/office/drawing/2010/main" val="0"/>
+              </a:ext>
+            </a:extLst>
+          </a:blip>
+          <a:srcRect/>
+          <a:stretch>
+            <a:fillRect/>
+          </a:stretch>
+        </p:blipFill>
+        <p:spPr bwMode="auto">
+          <a:xfrm>
+            <a:off x="5870575" y="3494809"/>
+            <a:ext cx="1638300" cy="2886076"/>
+          </a:xfrm>
+          <a:prstGeom prst="rect">
+            <a:avLst/>
+          </a:prstGeom>
+          <a:noFill/>
+          <a:extLst>
+            <a:ext uri="{909E8E84-426E-40DD-AFC4-6F175D3DCCD1}">
+              <a14:hiddenFill xmlns:a14="http://schemas.microsoft.com/office/drawing/2010/main">
+                <a:solidFill>
+                  <a:srgbClr val="FFFFFF"/>
+                </a:solidFill>
+              </a14:hiddenFill>
+            </a:ext>
+          </a:extLst>
+        </p:spPr>
+      </p:pic>
+    </p:spTree>
+    <p:extLst>
+      <p:ext uri="{BB962C8B-B14F-4D97-AF65-F5344CB8AC3E}">
+        <p14:creationId xmlns:p14="http://schemas.microsoft.com/office/powerpoint/2010/main" val="2914416166"/>
+      </p:ext>
+    </p:extLst>
+  </p:cSld>
+  <p:clrMapOvr>
+    <a:masterClrMapping/>
+  </p:clrMapOvr>
+</p:sld>
+</file>
+
+<file path=ppt/slides/slide14.xml><?xml version="1.0" encoding="utf-8"?>
+<p:sld xmlns:a="http://schemas.openxmlformats.org/drawingml/2006/main" xmlns:r="http://schemas.openxmlformats.org/officeDocument/2006/relationships" xmlns:p="http://schemas.openxmlformats.org/presentationml/2006/main">
+  <p:cSld>
+    <p:spTree>
+      <p:nvGrpSpPr>
+        <p:cNvPr id="1" name=""/>
+        <p:cNvGrpSpPr/>
+        <p:nvPr/>
+      </p:nvGrpSpPr>
+      <p:grpSpPr>
+        <a:xfrm>
+          <a:off x="0" y="0"/>
+          <a:ext cx="0" cy="0"/>
+          <a:chOff x="0" y="0"/>
+          <a:chExt cx="0" cy="0"/>
+        </a:xfrm>
+      </p:grpSpPr>
+      <p:sp>
+        <p:nvSpPr>
+          <p:cNvPr id="2" name="Title 1"/>
+          <p:cNvSpPr>
+            <a:spLocks noGrp="1"/>
+          </p:cNvSpPr>
+          <p:nvPr>
+            <p:ph type="title"/>
+          </p:nvPr>
+        </p:nvSpPr>
+        <p:spPr/>
+        <p:txBody>
+          <a:bodyPr/>
+          <a:lstStyle/>
+          <a:p>
+            <a:r>
+              <a:rPr lang="en-US" dirty="0" smtClean="0"/>
+              <a:t>Data binding</a:t>
+            </a:r>
+            <a:endParaRPr lang="en-US" dirty="0"/>
+          </a:p>
+        </p:txBody>
+      </p:sp>
+      <p:sp>
+        <p:nvSpPr>
+          <p:cNvPr id="3" name="Content Placeholder 2"/>
+          <p:cNvSpPr>
+            <a:spLocks noGrp="1"/>
+          </p:cNvSpPr>
+          <p:nvPr>
+            <p:ph idx="1"/>
+          </p:nvPr>
+        </p:nvSpPr>
+        <p:spPr/>
+        <p:txBody>
+          <a:bodyPr/>
+          <a:lstStyle/>
+          <a:p>
+            <a:r>
+              <a:rPr lang="en-US" dirty="0">
+                <a:solidFill>
+                  <a:schemeClr val="tx1"/>
+                </a:solidFill>
+              </a:rPr>
+              <a:t>Angular supports </a:t>
+            </a:r>
+            <a:r>
+              <a:rPr lang="en-US" b="1" dirty="0">
+                <a:solidFill>
+                  <a:schemeClr val="tx1"/>
+                </a:solidFill>
+              </a:rPr>
+              <a:t>data binding</a:t>
+            </a:r>
+            <a:r>
+              <a:rPr lang="en-US" dirty="0">
+                <a:solidFill>
+                  <a:schemeClr val="tx1"/>
+                </a:solidFill>
+              </a:rPr>
+              <a:t>, a mechanism for coordinating parts of a template with parts of a component. Add binding markup to the template HTML to tell Angular how to connect both sides.</a:t>
+            </a:r>
+          </a:p>
+          <a:p>
+            <a:endParaRPr lang="en-US" dirty="0"/>
+          </a:p>
+        </p:txBody>
+      </p:sp>
+      <p:pic>
+        <p:nvPicPr>
+          <p:cNvPr id="5122" name="Picture 2" descr="Data Binding"/>
+          <p:cNvPicPr>
+            <a:picLocks noChangeAspect="1" noChangeArrowheads="1"/>
+          </p:cNvPicPr>
+          <p:nvPr/>
+        </p:nvPicPr>
+        <p:blipFill>
+          <a:blip r:embed="rId2">
+            <a:extLst>
+              <a:ext uri="{28A0092B-C50C-407E-A947-70E740481C1C}">
+                <a14:useLocalDpi xmlns:a14="http://schemas.microsoft.com/office/drawing/2010/main" val="0"/>
+              </a:ext>
+            </a:extLst>
+          </a:blip>
+          <a:srcRect/>
+          <a:stretch>
+            <a:fillRect/>
+          </a:stretch>
+        </p:blipFill>
+        <p:spPr bwMode="auto">
+          <a:xfrm>
+            <a:off x="4669964" y="3749047"/>
+            <a:ext cx="2571750" cy="2390775"/>
+          </a:xfrm>
+          <a:prstGeom prst="rect">
+            <a:avLst/>
+          </a:prstGeom>
+          <a:noFill/>
+          <a:extLst>
+            <a:ext uri="{909E8E84-426E-40DD-AFC4-6F175D3DCCD1}">
+              <a14:hiddenFill xmlns:a14="http://schemas.microsoft.com/office/drawing/2010/main">
+                <a:solidFill>
+                  <a:srgbClr val="FFFFFF"/>
+                </a:solidFill>
+              </a14:hiddenFill>
+            </a:ext>
+          </a:extLst>
+        </p:spPr>
+      </p:pic>
+    </p:spTree>
+    <p:extLst>
+      <p:ext uri="{BB962C8B-B14F-4D97-AF65-F5344CB8AC3E}">
+        <p14:creationId xmlns:p14="http://schemas.microsoft.com/office/powerpoint/2010/main" val="1209762848"/>
+      </p:ext>
+    </p:extLst>
+  </p:cSld>
+  <p:clrMapOvr>
+    <a:masterClrMapping/>
+  </p:clrMapOvr>
+</p:sld>
+</file>
+
+<file path=ppt/slides/slide15.xml><?xml version="1.0" encoding="utf-8"?>
+<p:sld xmlns:a="http://schemas.openxmlformats.org/drawingml/2006/main" xmlns:r="http://schemas.openxmlformats.org/officeDocument/2006/relationships" xmlns:p="http://schemas.openxmlformats.org/presentationml/2006/main">
+  <p:cSld>
+    <p:spTree>
+      <p:nvGrpSpPr>
+        <p:cNvPr id="1" name=""/>
+        <p:cNvGrpSpPr/>
+        <p:nvPr/>
+      </p:nvGrpSpPr>
+      <p:grpSpPr>
+        <a:xfrm>
+          <a:off x="0" y="0"/>
+          <a:ext cx="0" cy="0"/>
+          <a:chOff x="0" y="0"/>
+          <a:chExt cx="0" cy="0"/>
+        </a:xfrm>
+      </p:grpSpPr>
+      <p:sp>
+        <p:nvSpPr>
+          <p:cNvPr id="2" name="Title 1"/>
+          <p:cNvSpPr>
+            <a:spLocks noGrp="1"/>
+          </p:cNvSpPr>
+          <p:nvPr>
+            <p:ph type="title"/>
+          </p:nvPr>
+        </p:nvSpPr>
+        <p:spPr/>
+        <p:txBody>
+          <a:bodyPr/>
+          <a:lstStyle/>
+          <a:p>
+            <a:r>
+              <a:rPr lang="en-US" dirty="0" smtClean="0"/>
+              <a:t>Directives</a:t>
+            </a:r>
+            <a:endParaRPr lang="en-US" dirty="0"/>
+          </a:p>
+        </p:txBody>
+      </p:sp>
+      <p:sp>
+        <p:nvSpPr>
+          <p:cNvPr id="3" name="Content Placeholder 2"/>
+          <p:cNvSpPr>
+            <a:spLocks noGrp="1"/>
+          </p:cNvSpPr>
+          <p:nvPr>
+            <p:ph idx="1"/>
+          </p:nvPr>
+        </p:nvSpPr>
+        <p:spPr/>
+        <p:txBody>
+          <a:bodyPr/>
+          <a:lstStyle/>
+          <a:p>
+            <a:r>
+              <a:rPr lang="en-US" dirty="0">
+                <a:solidFill>
+                  <a:schemeClr val="tx1"/>
+                </a:solidFill>
+              </a:rPr>
+              <a:t>Angular templates are </a:t>
+            </a:r>
+            <a:r>
+              <a:rPr lang="en-US" i="1" dirty="0">
+                <a:solidFill>
+                  <a:schemeClr val="tx1"/>
+                </a:solidFill>
+              </a:rPr>
+              <a:t>dynamic</a:t>
+            </a:r>
+            <a:r>
+              <a:rPr lang="en-US" dirty="0">
+                <a:solidFill>
+                  <a:schemeClr val="tx1"/>
+                </a:solidFill>
+              </a:rPr>
+              <a:t>. When Angular renders them, it transforms the DOM according to the instructions given by </a:t>
+            </a:r>
+            <a:r>
+              <a:rPr lang="en-US" b="1" dirty="0">
+                <a:solidFill>
+                  <a:schemeClr val="tx1"/>
+                </a:solidFill>
+              </a:rPr>
+              <a:t>directives</a:t>
+            </a:r>
+            <a:r>
+              <a:rPr lang="en-US" dirty="0">
+                <a:solidFill>
+                  <a:schemeClr val="tx1"/>
+                </a:solidFill>
+              </a:rPr>
+              <a:t>. A directive is a class with a </a:t>
+            </a:r>
+            <a:r>
+              <a:rPr lang="en-US" dirty="0"/>
+              <a:t>@Directive</a:t>
+            </a:r>
+            <a:r>
+              <a:rPr lang="en-US" dirty="0">
+                <a:solidFill>
+                  <a:schemeClr val="tx1"/>
+                </a:solidFill>
+              </a:rPr>
+              <a:t> decorator. A component is a </a:t>
+            </a:r>
+            <a:r>
+              <a:rPr lang="en-US" i="1" dirty="0">
+                <a:solidFill>
+                  <a:schemeClr val="tx1"/>
+                </a:solidFill>
+              </a:rPr>
+              <a:t>directive-with-a-template</a:t>
+            </a:r>
+            <a:r>
+              <a:rPr lang="en-US" dirty="0">
+                <a:solidFill>
+                  <a:schemeClr val="tx1"/>
+                </a:solidFill>
+              </a:rPr>
+              <a:t>; a </a:t>
+            </a:r>
+            <a:r>
+              <a:rPr lang="en-US" dirty="0"/>
+              <a:t>@Component</a:t>
+            </a:r>
+            <a:r>
+              <a:rPr lang="en-US" dirty="0">
+                <a:solidFill>
+                  <a:schemeClr val="tx1"/>
+                </a:solidFill>
+              </a:rPr>
+              <a:t> decorator is actually a </a:t>
+            </a:r>
+            <a:r>
+              <a:rPr lang="en-US" dirty="0"/>
+              <a:t>@Directive</a:t>
+            </a:r>
+            <a:r>
+              <a:rPr lang="en-US" dirty="0">
+                <a:solidFill>
+                  <a:schemeClr val="tx1"/>
+                </a:solidFill>
+              </a:rPr>
+              <a:t> decorator extended with template-oriented features. (This example doesn’t have directives)</a:t>
+            </a:r>
+          </a:p>
+          <a:p>
+            <a:endParaRPr lang="en-US" dirty="0"/>
+          </a:p>
+        </p:txBody>
+      </p:sp>
+      <p:pic>
+        <p:nvPicPr>
+          <p:cNvPr id="6146" name="Picture 2" descr="Parent child"/>
+          <p:cNvPicPr>
+            <a:picLocks noChangeAspect="1" noChangeArrowheads="1"/>
+          </p:cNvPicPr>
+          <p:nvPr/>
+        </p:nvPicPr>
+        <p:blipFill>
+          <a:blip r:embed="rId2">
+            <a:extLst>
+              <a:ext uri="{28A0092B-C50C-407E-A947-70E740481C1C}">
+                <a14:useLocalDpi xmlns:a14="http://schemas.microsoft.com/office/drawing/2010/main" val="0"/>
+              </a:ext>
+            </a:extLst>
+          </a:blip>
+          <a:srcRect/>
+          <a:stretch>
+            <a:fillRect/>
+          </a:stretch>
+        </p:blipFill>
+        <p:spPr bwMode="auto">
+          <a:xfrm>
+            <a:off x="5582982" y="4515348"/>
+            <a:ext cx="1647825" cy="1609726"/>
+          </a:xfrm>
+          <a:prstGeom prst="rect">
+            <a:avLst/>
+          </a:prstGeom>
+          <a:noFill/>
+          <a:extLst>
+            <a:ext uri="{909E8E84-426E-40DD-AFC4-6F175D3DCCD1}">
+              <a14:hiddenFill xmlns:a14="http://schemas.microsoft.com/office/drawing/2010/main">
+                <a:solidFill>
+                  <a:srgbClr val="FFFFFF"/>
+                </a:solidFill>
+              </a14:hiddenFill>
+            </a:ext>
+          </a:extLst>
+        </p:spPr>
+      </p:pic>
+    </p:spTree>
+    <p:extLst>
+      <p:ext uri="{BB962C8B-B14F-4D97-AF65-F5344CB8AC3E}">
+        <p14:creationId xmlns:p14="http://schemas.microsoft.com/office/powerpoint/2010/main" val="3146197089"/>
+      </p:ext>
+    </p:extLst>
+  </p:cSld>
+  <p:clrMapOvr>
+    <a:masterClrMapping/>
+  </p:clrMapOvr>
+</p:sld>
+</file>
+
+<file path=ppt/slides/slide16.xml><?xml version="1.0" encoding="utf-8"?>
+<p:sld xmlns:a="http://schemas.openxmlformats.org/drawingml/2006/main" xmlns:r="http://schemas.openxmlformats.org/officeDocument/2006/relationships" xmlns:p="http://schemas.openxmlformats.org/presentationml/2006/main">
+  <p:cSld>
+    <p:spTree>
+      <p:nvGrpSpPr>
+        <p:cNvPr id="1" name=""/>
+        <p:cNvGrpSpPr/>
+        <p:nvPr/>
+      </p:nvGrpSpPr>
+      <p:grpSpPr>
+        <a:xfrm>
+          <a:off x="0" y="0"/>
+          <a:ext cx="0" cy="0"/>
+          <a:chOff x="0" y="0"/>
+          <a:chExt cx="0" cy="0"/>
+        </a:xfrm>
+      </p:grpSpPr>
+      <p:sp>
+        <p:nvSpPr>
+          <p:cNvPr id="2" name="Title 1"/>
+          <p:cNvSpPr>
+            <a:spLocks noGrp="1"/>
+          </p:cNvSpPr>
+          <p:nvPr>
+            <p:ph type="title"/>
+          </p:nvPr>
+        </p:nvSpPr>
+        <p:spPr/>
+        <p:txBody>
+          <a:bodyPr/>
+          <a:lstStyle/>
+          <a:p>
+            <a:r>
+              <a:rPr lang="en-US" dirty="0" smtClean="0"/>
+              <a:t>Services</a:t>
+            </a:r>
+            <a:endParaRPr lang="en-US" dirty="0"/>
+          </a:p>
+        </p:txBody>
+      </p:sp>
+      <p:sp>
+        <p:nvSpPr>
+          <p:cNvPr id="3" name="Content Placeholder 2"/>
+          <p:cNvSpPr>
+            <a:spLocks noGrp="1"/>
+          </p:cNvSpPr>
+          <p:nvPr>
+            <p:ph idx="1"/>
+          </p:nvPr>
+        </p:nvSpPr>
+        <p:spPr>
+          <a:xfrm>
+            <a:off x="2589212" y="1533832"/>
+            <a:ext cx="8915400" cy="4377390"/>
+          </a:xfrm>
+        </p:spPr>
+        <p:txBody>
+          <a:bodyPr/>
+          <a:lstStyle/>
+          <a:p>
+            <a:r>
+              <a:rPr lang="en-US" b="1" dirty="0">
+                <a:solidFill>
+                  <a:schemeClr val="tx1"/>
+                </a:solidFill>
+              </a:rPr>
+              <a:t>Service </a:t>
+            </a:r>
+            <a:r>
+              <a:rPr lang="en-US" dirty="0">
+                <a:solidFill>
+                  <a:schemeClr val="tx1"/>
+                </a:solidFill>
+              </a:rPr>
+              <a:t>is a broad category encompassing any value, function, or feature that your application needs, examples include: </a:t>
+            </a:r>
+            <a:endParaRPr lang="en-US" dirty="0" smtClean="0">
+              <a:solidFill>
+                <a:schemeClr val="tx1"/>
+              </a:solidFill>
+            </a:endParaRPr>
+          </a:p>
+          <a:p>
+            <a:pPr lvl="1"/>
+            <a:r>
+              <a:rPr lang="en-US" dirty="0" smtClean="0">
+                <a:solidFill>
+                  <a:schemeClr val="tx1"/>
+                </a:solidFill>
+              </a:rPr>
+              <a:t>logging </a:t>
+            </a:r>
+            <a:r>
+              <a:rPr lang="en-US" dirty="0">
+                <a:solidFill>
+                  <a:schemeClr val="tx1"/>
+                </a:solidFill>
+              </a:rPr>
+              <a:t>service, </a:t>
+            </a:r>
+            <a:endParaRPr lang="en-US" dirty="0" smtClean="0">
+              <a:solidFill>
+                <a:schemeClr val="tx1"/>
+              </a:solidFill>
+            </a:endParaRPr>
+          </a:p>
+          <a:p>
+            <a:pPr lvl="1"/>
+            <a:r>
+              <a:rPr lang="en-US" dirty="0" smtClean="0">
+                <a:solidFill>
+                  <a:schemeClr val="tx1"/>
+                </a:solidFill>
+              </a:rPr>
+              <a:t>data </a:t>
+            </a:r>
+            <a:r>
+              <a:rPr lang="en-US" dirty="0">
+                <a:solidFill>
+                  <a:schemeClr val="tx1"/>
+                </a:solidFill>
+              </a:rPr>
+              <a:t>service, </a:t>
+            </a:r>
+            <a:endParaRPr lang="en-US" dirty="0" smtClean="0">
+              <a:solidFill>
+                <a:schemeClr val="tx1"/>
+              </a:solidFill>
+            </a:endParaRPr>
+          </a:p>
+          <a:p>
+            <a:pPr lvl="1"/>
+            <a:r>
+              <a:rPr lang="en-US" dirty="0" smtClean="0">
+                <a:solidFill>
+                  <a:schemeClr val="tx1"/>
+                </a:solidFill>
+              </a:rPr>
+              <a:t>message </a:t>
+            </a:r>
+            <a:r>
+              <a:rPr lang="en-US" dirty="0">
+                <a:solidFill>
+                  <a:schemeClr val="tx1"/>
+                </a:solidFill>
+              </a:rPr>
+              <a:t>bus, </a:t>
+            </a:r>
+            <a:endParaRPr lang="en-US" dirty="0" smtClean="0">
+              <a:solidFill>
+                <a:schemeClr val="tx1"/>
+              </a:solidFill>
+            </a:endParaRPr>
+          </a:p>
+          <a:p>
+            <a:pPr lvl="1"/>
+            <a:r>
+              <a:rPr lang="en-US" dirty="0" smtClean="0">
+                <a:solidFill>
+                  <a:schemeClr val="tx1"/>
+                </a:solidFill>
+              </a:rPr>
+              <a:t>tax </a:t>
+            </a:r>
+            <a:r>
+              <a:rPr lang="en-US" dirty="0">
+                <a:solidFill>
+                  <a:schemeClr val="tx1"/>
+                </a:solidFill>
+              </a:rPr>
+              <a:t>calculator, </a:t>
+            </a:r>
+            <a:endParaRPr lang="en-US" dirty="0" smtClean="0">
+              <a:solidFill>
+                <a:schemeClr val="tx1"/>
+              </a:solidFill>
+            </a:endParaRPr>
+          </a:p>
+          <a:p>
+            <a:pPr lvl="1"/>
+            <a:r>
+              <a:rPr lang="en-US" dirty="0" smtClean="0">
+                <a:solidFill>
+                  <a:schemeClr val="tx1"/>
+                </a:solidFill>
+              </a:rPr>
+              <a:t>application </a:t>
+            </a:r>
+            <a:r>
+              <a:rPr lang="en-US" dirty="0">
+                <a:solidFill>
+                  <a:schemeClr val="tx1"/>
+                </a:solidFill>
+              </a:rPr>
+              <a:t>configuration. </a:t>
+            </a:r>
+            <a:endParaRPr lang="en-US" dirty="0" smtClean="0">
+              <a:solidFill>
+                <a:schemeClr val="tx1"/>
+              </a:solidFill>
+            </a:endParaRPr>
+          </a:p>
+          <a:p>
+            <a:r>
+              <a:rPr lang="en-US" dirty="0">
+                <a:solidFill>
+                  <a:schemeClr val="tx1"/>
+                </a:solidFill>
+              </a:rPr>
+              <a:t>Ours was </a:t>
+            </a:r>
+            <a:r>
+              <a:rPr lang="en-US" dirty="0" err="1">
+                <a:solidFill>
+                  <a:schemeClr val="tx1"/>
+                </a:solidFill>
+              </a:rPr>
+              <a:t>people.service.ts</a:t>
+            </a:r>
+            <a:r>
+              <a:rPr lang="en-US" dirty="0">
+                <a:solidFill>
+                  <a:schemeClr val="tx1"/>
+                </a:solidFill>
+              </a:rPr>
+              <a:t>.</a:t>
+            </a:r>
+          </a:p>
+          <a:p>
+            <a:endParaRPr lang="en-US" b="1" dirty="0"/>
+          </a:p>
+        </p:txBody>
+      </p:sp>
+      <p:pic>
+        <p:nvPicPr>
+          <p:cNvPr id="7170" name="Picture 2" descr="Service"/>
+          <p:cNvPicPr>
+            <a:picLocks noChangeAspect="1" noChangeArrowheads="1"/>
+          </p:cNvPicPr>
+          <p:nvPr/>
+        </p:nvPicPr>
+        <p:blipFill>
+          <a:blip r:embed="rId2">
+            <a:extLst>
+              <a:ext uri="{28A0092B-C50C-407E-A947-70E740481C1C}">
+                <a14:useLocalDpi xmlns:a14="http://schemas.microsoft.com/office/drawing/2010/main" val="0"/>
+              </a:ext>
+            </a:extLst>
+          </a:blip>
+          <a:srcRect/>
+          <a:stretch>
+            <a:fillRect/>
+          </a:stretch>
+        </p:blipFill>
+        <p:spPr bwMode="auto">
+          <a:xfrm>
+            <a:off x="7046912" y="3312798"/>
+            <a:ext cx="1533525" cy="1190625"/>
+          </a:xfrm>
+          <a:prstGeom prst="rect">
+            <a:avLst/>
+          </a:prstGeom>
+          <a:noFill/>
+          <a:extLst>
+            <a:ext uri="{909E8E84-426E-40DD-AFC4-6F175D3DCCD1}">
+              <a14:hiddenFill xmlns:a14="http://schemas.microsoft.com/office/drawing/2010/main">
+                <a:solidFill>
+                  <a:srgbClr val="FFFFFF"/>
+                </a:solidFill>
+              </a14:hiddenFill>
+            </a:ext>
+          </a:extLst>
+        </p:spPr>
+      </p:pic>
+    </p:spTree>
+    <p:extLst>
+      <p:ext uri="{BB962C8B-B14F-4D97-AF65-F5344CB8AC3E}">
+        <p14:creationId xmlns:p14="http://schemas.microsoft.com/office/powerpoint/2010/main" val="1082954888"/>
+      </p:ext>
+    </p:extLst>
+  </p:cSld>
+  <p:clrMapOvr>
+    <a:masterClrMapping/>
+  </p:clrMapOvr>
+</p:sld>
+</file>
+
+<file path=ppt/slides/slide17.xml><?xml version="1.0" encoding="utf-8"?>
+<p:sld xmlns:a="http://schemas.openxmlformats.org/drawingml/2006/main" xmlns:r="http://schemas.openxmlformats.org/officeDocument/2006/relationships" xmlns:p="http://schemas.openxmlformats.org/presentationml/2006/main">
+  <p:cSld>
+    <p:spTree>
+      <p:nvGrpSpPr>
+        <p:cNvPr id="1" name=""/>
+        <p:cNvGrpSpPr/>
+        <p:nvPr/>
+      </p:nvGrpSpPr>
+      <p:grpSpPr>
+        <a:xfrm>
+          <a:off x="0" y="0"/>
+          <a:ext cx="0" cy="0"/>
+          <a:chOff x="0" y="0"/>
+          <a:chExt cx="0" cy="0"/>
+        </a:xfrm>
+      </p:grpSpPr>
+      <p:sp>
+        <p:nvSpPr>
+          <p:cNvPr id="2" name="Title 1"/>
+          <p:cNvSpPr>
+            <a:spLocks noGrp="1"/>
+          </p:cNvSpPr>
+          <p:nvPr>
+            <p:ph type="title"/>
+          </p:nvPr>
+        </p:nvSpPr>
+        <p:spPr/>
+        <p:txBody>
+          <a:bodyPr/>
+          <a:lstStyle/>
+          <a:p>
+            <a:r>
+              <a:rPr lang="en-US" dirty="0" smtClean="0"/>
+              <a:t>Dependency Injection</a:t>
+            </a:r>
+            <a:endParaRPr lang="en-US" dirty="0"/>
+          </a:p>
+        </p:txBody>
+      </p:sp>
+      <p:sp>
+        <p:nvSpPr>
+          <p:cNvPr id="3" name="Content Placeholder 2"/>
+          <p:cNvSpPr>
+            <a:spLocks noGrp="1"/>
+          </p:cNvSpPr>
+          <p:nvPr>
+            <p:ph idx="1"/>
+          </p:nvPr>
+        </p:nvSpPr>
+        <p:spPr/>
+        <p:txBody>
+          <a:bodyPr/>
+          <a:lstStyle/>
+          <a:p>
+            <a:r>
+              <a:rPr lang="en-US" dirty="0">
+                <a:solidFill>
+                  <a:schemeClr val="tx1"/>
+                </a:solidFill>
+              </a:rPr>
+              <a:t>When Angular creates a component, it first asks an </a:t>
+            </a:r>
+            <a:r>
+              <a:rPr lang="en-US" b="1" dirty="0">
+                <a:solidFill>
+                  <a:schemeClr val="tx1"/>
+                </a:solidFill>
+              </a:rPr>
+              <a:t>injector</a:t>
+            </a:r>
+            <a:r>
+              <a:rPr lang="en-US" dirty="0">
+                <a:solidFill>
+                  <a:schemeClr val="tx1"/>
+                </a:solidFill>
+              </a:rPr>
+              <a:t> for the services that the component requires. An injector maintains a container of service instances that it has previously created. If a requested service instance is not in the container, the injector makes one and adds it to the container before returning the service to Angular. </a:t>
+            </a:r>
+          </a:p>
+        </p:txBody>
+      </p:sp>
+      <p:pic>
+        <p:nvPicPr>
+          <p:cNvPr id="8194" name="Picture 2" descr="Service"/>
+          <p:cNvPicPr>
+            <a:picLocks noChangeAspect="1" noChangeArrowheads="1"/>
+          </p:cNvPicPr>
+          <p:nvPr/>
+        </p:nvPicPr>
+        <p:blipFill>
+          <a:blip r:embed="rId2">
+            <a:extLst>
+              <a:ext uri="{28A0092B-C50C-407E-A947-70E740481C1C}">
+                <a14:useLocalDpi xmlns:a14="http://schemas.microsoft.com/office/drawing/2010/main" val="0"/>
+              </a:ext>
+            </a:extLst>
+          </a:blip>
+          <a:srcRect/>
+          <a:stretch>
+            <a:fillRect/>
+          </a:stretch>
+        </p:blipFill>
+        <p:spPr bwMode="auto">
+          <a:xfrm>
+            <a:off x="4329369" y="4022411"/>
+            <a:ext cx="4562475" cy="2076450"/>
+          </a:xfrm>
+          <a:prstGeom prst="rect">
+            <a:avLst/>
+          </a:prstGeom>
+          <a:noFill/>
+          <a:extLst>
+            <a:ext uri="{909E8E84-426E-40DD-AFC4-6F175D3DCCD1}">
+              <a14:hiddenFill xmlns:a14="http://schemas.microsoft.com/office/drawing/2010/main">
+                <a:solidFill>
+                  <a:srgbClr val="FFFFFF"/>
+                </a:solidFill>
+              </a14:hiddenFill>
+            </a:ext>
+          </a:extLst>
+        </p:spPr>
+      </p:pic>
+    </p:spTree>
+    <p:extLst>
+      <p:ext uri="{BB962C8B-B14F-4D97-AF65-F5344CB8AC3E}">
+        <p14:creationId xmlns:p14="http://schemas.microsoft.com/office/powerpoint/2010/main" val="831433772"/>
+      </p:ext>
+    </p:extLst>
+  </p:cSld>
+  <p:clrMapOvr>
+    <a:masterClrMapping/>
+  </p:clrMapOvr>
+</p:sld>
+</file>
+
+<file path=ppt/slides/slide18.xml><?xml version="1.0" encoding="utf-8"?>
+<p:sld xmlns:a="http://schemas.openxmlformats.org/drawingml/2006/main" xmlns:r="http://schemas.openxmlformats.org/officeDocument/2006/relationships" xmlns:p="http://schemas.openxmlformats.org/presentationml/2006/main">
+  <p:cSld>
+    <p:spTree>
+      <p:nvGrpSpPr>
+        <p:cNvPr id="1" name=""/>
+        <p:cNvGrpSpPr/>
+        <p:nvPr/>
+      </p:nvGrpSpPr>
+      <p:grpSpPr>
+        <a:xfrm>
+          <a:off x="0" y="0"/>
+          <a:ext cx="0" cy="0"/>
+          <a:chOff x="0" y="0"/>
+          <a:chExt cx="0" cy="0"/>
+        </a:xfrm>
+      </p:grpSpPr>
+      <p:sp>
+        <p:nvSpPr>
+          <p:cNvPr id="2" name="Title 1"/>
+          <p:cNvSpPr>
+            <a:spLocks noGrp="1"/>
+          </p:cNvSpPr>
+          <p:nvPr>
+            <p:ph type="title"/>
+          </p:nvPr>
+        </p:nvSpPr>
+        <p:spPr/>
+        <p:txBody>
+          <a:bodyPr/>
+          <a:lstStyle/>
+          <a:p>
+            <a:r>
+              <a:rPr lang="en-US" dirty="0" smtClean="0"/>
+              <a:t>More to learn</a:t>
+            </a:r>
+            <a:endParaRPr lang="en-US" dirty="0"/>
+          </a:p>
+        </p:txBody>
+      </p:sp>
+      <p:sp>
+        <p:nvSpPr>
+          <p:cNvPr id="3" name="Content Placeholder 2"/>
+          <p:cNvSpPr>
+            <a:spLocks noGrp="1"/>
+          </p:cNvSpPr>
+          <p:nvPr>
+            <p:ph idx="1"/>
+          </p:nvPr>
+        </p:nvSpPr>
+        <p:spPr/>
+        <p:txBody>
           <a:bodyPr>
             <a:normAutofit/>
           </a:bodyPr>
@@ -12712,52 +13972,9 @@
             <a:pPr lvl="1"/>
             <a:r>
               <a:rPr lang="en-US" sz="2000" dirty="0">
-                <a:hlinkClick r:id="rId2"/>
+                <a:hlinkClick r:id="rId3"/>
               </a:rPr>
               <a:t>https://angular.io/docs/ts/latest/tutorial</a:t>
-            </a:r>
-            <a:r>
-              <a:rPr lang="en-US" sz="2000" dirty="0" smtClean="0">
-                <a:hlinkClick r:id="rId2"/>
-              </a:rPr>
-              <a:t>/</a:t>
-            </a:r>
-            <a:r>
-              <a:rPr lang="en-US" sz="2000" dirty="0" smtClean="0"/>
-              <a:t> </a:t>
-            </a:r>
-          </a:p>
-          <a:p>
-            <a:r>
-              <a:rPr lang="en-US" sz="2000" dirty="0" smtClean="0"/>
-              <a:t>This presentation </a:t>
-            </a:r>
-            <a:r>
-              <a:rPr lang="en-US" sz="2000" dirty="0"/>
-              <a:t>was based on a workshop by Jaime González </a:t>
-            </a:r>
-            <a:r>
-              <a:rPr lang="en-US" sz="2000" dirty="0" err="1" smtClean="0"/>
-              <a:t>García</a:t>
-            </a:r>
-            <a:r>
-              <a:rPr lang="en-US" sz="2000" dirty="0" smtClean="0"/>
-              <a:t> at:</a:t>
-            </a:r>
-          </a:p>
-          <a:p>
-            <a:pPr lvl="1"/>
-            <a:r>
-              <a:rPr lang="en-US" sz="2000" dirty="0" smtClean="0">
-                <a:hlinkClick r:id="rId3"/>
-              </a:rPr>
-              <a:t>https</a:t>
-            </a:r>
-            <a:r>
-              <a:rPr lang="en-US" sz="2000" dirty="0">
-                <a:hlinkClick r:id="rId3"/>
-              </a:rPr>
-              <a:t>://www.barbarianmeetscoding.com/blog/2016/03/25/getting-started-with-angular-2-step-by-step-1-your-first-component</a:t>
             </a:r>
             <a:r>
               <a:rPr lang="en-US" sz="2000" dirty="0" smtClean="0">
@@ -12768,6 +13985,71 @@
             <a:r>
               <a:rPr lang="en-US" sz="2000" dirty="0" smtClean="0"/>
               <a:t> </a:t>
+            </a:r>
+          </a:p>
+          <a:p>
+            <a:r>
+              <a:rPr lang="en-US" sz="2000" dirty="0" smtClean="0"/>
+              <a:t>This presentation </a:t>
+            </a:r>
+            <a:r>
+              <a:rPr lang="en-US" sz="2000" dirty="0"/>
+              <a:t>was based on a workshop by Jaime González </a:t>
+            </a:r>
+            <a:r>
+              <a:rPr lang="en-US" sz="2000" dirty="0" err="1" smtClean="0"/>
+              <a:t>García</a:t>
+            </a:r>
+            <a:r>
+              <a:rPr lang="en-US" sz="2000" dirty="0" smtClean="0"/>
+              <a:t> at:</a:t>
+            </a:r>
+          </a:p>
+          <a:p>
+            <a:pPr lvl="1"/>
+            <a:r>
+              <a:rPr lang="en-US" sz="2000" dirty="0" smtClean="0">
+                <a:hlinkClick r:id="rId4"/>
+              </a:rPr>
+              <a:t>https</a:t>
+            </a:r>
+            <a:r>
+              <a:rPr lang="en-US" sz="2000" dirty="0">
+                <a:hlinkClick r:id="rId4"/>
+              </a:rPr>
+              <a:t>://www.barbarianmeetscoding.com/blog/2016/03/25/getting-started-with-angular-2-step-by-step-1-your-first-component</a:t>
+            </a:r>
+            <a:r>
+              <a:rPr lang="en-US" sz="2000" dirty="0" smtClean="0">
+                <a:hlinkClick r:id="rId4"/>
+              </a:rPr>
+              <a:t>/</a:t>
+            </a:r>
+            <a:endParaRPr lang="en-US" sz="2000" dirty="0"/>
+          </a:p>
+          <a:p>
+            <a:r>
+              <a:rPr lang="en-US" sz="2200" dirty="0" smtClean="0"/>
+              <a:t>Slides and code at:</a:t>
+            </a:r>
+          </a:p>
+          <a:p>
+            <a:pPr lvl="1"/>
+            <a:r>
+              <a:rPr lang="en-US" sz="2000" dirty="0">
+                <a:hlinkClick r:id="rId5"/>
+              </a:rPr>
+              <a:t>https://</a:t>
+            </a:r>
+            <a:r>
+              <a:rPr lang="en-US" sz="2000" dirty="0" smtClean="0">
+                <a:hlinkClick r:id="rId5"/>
+              </a:rPr>
+              <a:t>github.com/ebrumley-dbs/angular-pres</a:t>
+            </a:r>
+            <a:r>
+              <a:rPr lang="en-US" sz="2000" dirty="0" smtClean="0"/>
+              <a:t>  </a:t>
             </a:r>
             <a:endParaRPr lang="en-US" sz="2000" dirty="0"/>
           </a:p>
@@ -14700,8 +15982,8 @@
         </p:nvSpPr>
         <p:spPr>
           <a:xfrm>
-            <a:off x="2589212" y="4740528"/>
-            <a:ext cx="8915400" cy="1630018"/>
+            <a:off x="2589212" y="4740527"/>
+            <a:ext cx="8915400" cy="1809359"/>
           </a:xfrm>
           <a:prstGeom prst="rect">
             <a:avLst/>
@@ -14709,7 +15991,7 @@
         </p:spPr>
         <p:txBody>
           <a:bodyPr vert="horz" lIns="91440" tIns="45720" rIns="91440" bIns="45720" rtlCol="0">
-            <a:normAutofit/>
+            <a:normAutofit lnSpcReduction="10000"/>
           </a:bodyPr>
           <a:lstStyle>
             <a:lvl1pPr marL="342900" indent="-342900" algn="l" defTabSz="457200" rtl="0" eaLnBrk="1" latinLnBrk="0" hangingPunct="1">
@@ -14967,9 +16249,44 @@
               <a:t>ngFor</a:t>
             </a:r>
             <a:r>
+              <a:rPr lang="en-US" dirty="0"/>
+              <a:t>. </a:t>
+            </a:r>
+          </a:p>
+          <a:p>
+            <a:r>
               <a:rPr lang="en-US" dirty="0" smtClean="0"/>
-              <a:t> ????????</a:t>
-            </a:r>
+              <a:t>*</a:t>
+            </a:r>
+            <a:r>
+              <a:rPr lang="en-US" dirty="0" err="1" smtClean="0"/>
+              <a:t>ngFor</a:t>
+            </a:r>
+            <a:r>
+              <a:rPr lang="en-US" dirty="0"/>
+              <a:t> is a directive that iterates over </a:t>
+            </a:r>
+            <a:r>
+              <a:rPr lang="en-US" dirty="0" smtClean="0"/>
+              <a:t>a collection </a:t>
+            </a:r>
+            <a:r>
+              <a:rPr lang="en-US" dirty="0"/>
+              <a:t>of data</a:t>
+            </a:r>
+            <a:r>
+              <a:rPr lang="en-US" dirty="0" smtClean="0"/>
+              <a:t>. </a:t>
+            </a:r>
+            <a:r>
+              <a:rPr lang="en-US" dirty="0"/>
+              <a:t>It instantiates a template once per item from an </a:t>
+            </a:r>
+            <a:r>
+              <a:rPr lang="en-US" dirty="0" err="1"/>
+              <a:t>iterable</a:t>
+            </a:r>
+            <a:endParaRPr lang="en-US" dirty="0" smtClean="0"/>
           </a:p>
         </p:txBody>
       </p:sp>
@@ -15535,7 +16852,7 @@
           <a:p>
             <a:r>
               <a:rPr lang="en-US" dirty="0"/>
-              <a:t>*</a:t>
+              <a:t>The *</a:t>
             </a:r>
             <a:r>
               <a:rPr lang="en-US" dirty="0" err="1" smtClean="0"/>
@@ -15543,7 +16860,35 @@
             </a:r>
             <a:r>
               <a:rPr lang="en-US" dirty="0" smtClean="0"/>
-              <a:t> does ???????????????</a:t>
+              <a:t> </a:t>
+            </a:r>
+            <a:r>
+              <a:rPr lang="en-US" dirty="0"/>
+              <a:t>directive conditionally adds or removes content from the DOM based on whether or not an expression is true or </a:t>
+            </a:r>
+            <a:r>
+              <a:rPr lang="en-US" dirty="0" smtClean="0"/>
+              <a:t>false</a:t>
+            </a:r>
+            <a:r>
+              <a:rPr lang="en-US" dirty="0"/>
+              <a:t>. </a:t>
+            </a:r>
+            <a:r>
+              <a:rPr lang="en-US" dirty="0" smtClean="0"/>
+              <a:t>The section </a:t>
+            </a:r>
+            <a:r>
+              <a:rPr lang="en-US" dirty="0"/>
+              <a:t>will never render whilst </a:t>
+            </a:r>
+            <a:r>
+              <a:rPr lang="en-US" dirty="0" smtClean="0"/>
+              <a:t>“person” </a:t>
+            </a:r>
+            <a:r>
+              <a:rPr lang="en-US" dirty="0"/>
+              <a:t>is undefined.</a:t>
             </a:r>
             <a:endParaRPr lang="en-US" dirty="0"/>
           </a:p>
